--- a/図作成用パワーポイント/ogridins.pptx
+++ b/図作成用パワーポイント/ogridins.pptx
@@ -243,7 +243,7 @@
           <a:p>
             <a:fld id="{E110B463-9257-4FB4-9566-5ADE85D69469}" type="datetimeFigureOut">
               <a:rPr kumimoji="1" lang="ja-JP" altLang="en-US" smtClean="0"/>
-              <a:t>2019/2/20</a:t>
+              <a:t>2019/2/22</a:t>
             </a:fld>
             <a:endParaRPr kumimoji="1" lang="ja-JP" altLang="en-US"/>
           </a:p>
@@ -445,7 +445,7 @@
           <a:p>
             <a:fld id="{E110B463-9257-4FB4-9566-5ADE85D69469}" type="datetimeFigureOut">
               <a:rPr kumimoji="1" lang="ja-JP" altLang="en-US" smtClean="0"/>
-              <a:t>2019/2/20</a:t>
+              <a:t>2019/2/22</a:t>
             </a:fld>
             <a:endParaRPr kumimoji="1" lang="ja-JP" altLang="en-US"/>
           </a:p>
@@ -657,7 +657,7 @@
           <a:p>
             <a:fld id="{E110B463-9257-4FB4-9566-5ADE85D69469}" type="datetimeFigureOut">
               <a:rPr kumimoji="1" lang="ja-JP" altLang="en-US" smtClean="0"/>
-              <a:t>2019/2/20</a:t>
+              <a:t>2019/2/22</a:t>
             </a:fld>
             <a:endParaRPr kumimoji="1" lang="ja-JP" altLang="en-US"/>
           </a:p>
@@ -859,7 +859,7 @@
           <a:p>
             <a:fld id="{E110B463-9257-4FB4-9566-5ADE85D69469}" type="datetimeFigureOut">
               <a:rPr kumimoji="1" lang="ja-JP" altLang="en-US" smtClean="0"/>
-              <a:t>2019/2/20</a:t>
+              <a:t>2019/2/22</a:t>
             </a:fld>
             <a:endParaRPr kumimoji="1" lang="ja-JP" altLang="en-US"/>
           </a:p>
@@ -1105,7 +1105,7 @@
           <a:p>
             <a:fld id="{E110B463-9257-4FB4-9566-5ADE85D69469}" type="datetimeFigureOut">
               <a:rPr kumimoji="1" lang="ja-JP" altLang="en-US" smtClean="0"/>
-              <a:t>2019/2/20</a:t>
+              <a:t>2019/2/22</a:t>
             </a:fld>
             <a:endParaRPr kumimoji="1" lang="ja-JP" altLang="en-US"/>
           </a:p>
@@ -1401,7 +1401,7 @@
           <a:p>
             <a:fld id="{E110B463-9257-4FB4-9566-5ADE85D69469}" type="datetimeFigureOut">
               <a:rPr kumimoji="1" lang="ja-JP" altLang="en-US" smtClean="0"/>
-              <a:t>2019/2/20</a:t>
+              <a:t>2019/2/22</a:t>
             </a:fld>
             <a:endParaRPr kumimoji="1" lang="ja-JP" altLang="en-US"/>
           </a:p>
@@ -1832,7 +1832,7 @@
           <a:p>
             <a:fld id="{E110B463-9257-4FB4-9566-5ADE85D69469}" type="datetimeFigureOut">
               <a:rPr kumimoji="1" lang="ja-JP" altLang="en-US" smtClean="0"/>
-              <a:t>2019/2/20</a:t>
+              <a:t>2019/2/22</a:t>
             </a:fld>
             <a:endParaRPr kumimoji="1" lang="ja-JP" altLang="en-US"/>
           </a:p>
@@ -1950,7 +1950,7 @@
           <a:p>
             <a:fld id="{E110B463-9257-4FB4-9566-5ADE85D69469}" type="datetimeFigureOut">
               <a:rPr kumimoji="1" lang="ja-JP" altLang="en-US" smtClean="0"/>
-              <a:t>2019/2/20</a:t>
+              <a:t>2019/2/22</a:t>
             </a:fld>
             <a:endParaRPr kumimoji="1" lang="ja-JP" altLang="en-US"/>
           </a:p>
@@ -2045,7 +2045,7 @@
           <a:p>
             <a:fld id="{E110B463-9257-4FB4-9566-5ADE85D69469}" type="datetimeFigureOut">
               <a:rPr kumimoji="1" lang="ja-JP" altLang="en-US" smtClean="0"/>
-              <a:t>2019/2/20</a:t>
+              <a:t>2019/2/22</a:t>
             </a:fld>
             <a:endParaRPr kumimoji="1" lang="ja-JP" altLang="en-US"/>
           </a:p>
@@ -2354,7 +2354,7 @@
           <a:p>
             <a:fld id="{E110B463-9257-4FB4-9566-5ADE85D69469}" type="datetimeFigureOut">
               <a:rPr kumimoji="1" lang="ja-JP" altLang="en-US" smtClean="0"/>
-              <a:t>2019/2/20</a:t>
+              <a:t>2019/2/22</a:t>
             </a:fld>
             <a:endParaRPr kumimoji="1" lang="ja-JP" altLang="en-US"/>
           </a:p>
@@ -2611,7 +2611,7 @@
           <a:p>
             <a:fld id="{E110B463-9257-4FB4-9566-5ADE85D69469}" type="datetimeFigureOut">
               <a:rPr kumimoji="1" lang="ja-JP" altLang="en-US" smtClean="0"/>
-              <a:t>2019/2/20</a:t>
+              <a:t>2019/2/22</a:t>
             </a:fld>
             <a:endParaRPr kumimoji="1" lang="ja-JP" altLang="en-US"/>
           </a:p>
@@ -2856,7 +2856,7 @@
           <a:p>
             <a:fld id="{E110B463-9257-4FB4-9566-5ADE85D69469}" type="datetimeFigureOut">
               <a:rPr kumimoji="1" lang="ja-JP" altLang="en-US" smtClean="0"/>
-              <a:t>2019/2/20</a:t>
+              <a:t>2019/2/22</a:t>
             </a:fld>
             <a:endParaRPr kumimoji="1" lang="ja-JP" altLang="en-US"/>
           </a:p>
@@ -3266,7 +3266,7 @@
           <p:cNvPr id="2269" name="左中かっこ 2268">
             <a:extLst>
               <a:ext uri="{FF2B5EF4-FFF2-40B4-BE49-F238E27FC236}">
-                <a16:creationId xmlns:a16="http://schemas.microsoft.com/office/drawing/2014/main" xmlns="" id="{7484E61E-C510-4FF0-978A-471330A22C3C}"/>
+                <a16:creationId xmlns="" xmlns:a16="http://schemas.microsoft.com/office/drawing/2014/main" id="{7484E61E-C510-4FF0-978A-471330A22C3C}"/>
               </a:ext>
             </a:extLst>
           </p:cNvPr>
@@ -3323,7 +3323,7 @@
           <p:cNvPr id="2270" name="左中かっこ 2269">
             <a:extLst>
               <a:ext uri="{FF2B5EF4-FFF2-40B4-BE49-F238E27FC236}">
-                <a16:creationId xmlns:a16="http://schemas.microsoft.com/office/drawing/2014/main" xmlns="" id="{7484E61E-C510-4FF0-978A-471330A22C3C}"/>
+                <a16:creationId xmlns="" xmlns:a16="http://schemas.microsoft.com/office/drawing/2014/main" id="{7484E61E-C510-4FF0-978A-471330A22C3C}"/>
               </a:ext>
             </a:extLst>
           </p:cNvPr>
@@ -3375,14 +3375,14 @@
           </a:p>
         </p:txBody>
       </p:sp>
-      <mc:AlternateContent xmlns:mc="http://schemas.openxmlformats.org/markup-compatibility/2006">
-        <mc:Choice xmlns:a14="http://schemas.microsoft.com/office/drawing/2010/main" Requires="a14">
+      <mc:AlternateContent xmlns:mc="http://schemas.openxmlformats.org/markup-compatibility/2006" xmlns:a14="http://schemas.microsoft.com/office/drawing/2010/main">
+        <mc:Choice Requires="a14">
           <p:sp>
             <p:nvSpPr>
               <p:cNvPr id="2271" name="テキスト ボックス 2270">
                 <a:extLst>
                   <a:ext uri="{FF2B5EF4-FFF2-40B4-BE49-F238E27FC236}">
-                    <a16:creationId xmlns:a16="http://schemas.microsoft.com/office/drawing/2014/main" xmlns="" id="{6DAFFFD6-997E-4295-8337-371E646493AD}"/>
+                    <a16:creationId xmlns="" xmlns:a16="http://schemas.microsoft.com/office/drawing/2014/main" id="{6DAFFFD6-997E-4295-8337-371E646493AD}"/>
                   </a:ext>
                 </a:extLst>
               </p:cNvPr>
@@ -3432,7 +3432,7 @@
             </p:txBody>
           </p:sp>
         </mc:Choice>
-        <mc:Fallback>
+        <mc:Fallback xmlns="">
           <p:sp>
             <p:nvSpPr>
               <p:cNvPr id="2271" name="テキスト ボックス 2270">
@@ -3482,7 +3482,7 @@
           <p:cNvPr id="2272" name="左中かっこ 2271">
             <a:extLst>
               <a:ext uri="{FF2B5EF4-FFF2-40B4-BE49-F238E27FC236}">
-                <a16:creationId xmlns:a16="http://schemas.microsoft.com/office/drawing/2014/main" xmlns="" id="{7484E61E-C510-4FF0-978A-471330A22C3C}"/>
+                <a16:creationId xmlns="" xmlns:a16="http://schemas.microsoft.com/office/drawing/2014/main" id="{7484E61E-C510-4FF0-978A-471330A22C3C}"/>
               </a:ext>
             </a:extLst>
           </p:cNvPr>
@@ -3534,14 +3534,14 @@
           </a:p>
         </p:txBody>
       </p:sp>
-      <mc:AlternateContent xmlns:mc="http://schemas.openxmlformats.org/markup-compatibility/2006">
-        <mc:Choice xmlns:a14="http://schemas.microsoft.com/office/drawing/2010/main" Requires="a14">
+      <mc:AlternateContent xmlns:mc="http://schemas.openxmlformats.org/markup-compatibility/2006" xmlns:a14="http://schemas.microsoft.com/office/drawing/2010/main">
+        <mc:Choice Requires="a14">
           <p:sp>
             <p:nvSpPr>
               <p:cNvPr id="2273" name="テキスト ボックス 2272">
                 <a:extLst>
                   <a:ext uri="{FF2B5EF4-FFF2-40B4-BE49-F238E27FC236}">
-                    <a16:creationId xmlns:a16="http://schemas.microsoft.com/office/drawing/2014/main" xmlns="" id="{6DAFFFD6-997E-4295-8337-371E646493AD}"/>
+                    <a16:creationId xmlns="" xmlns:a16="http://schemas.microsoft.com/office/drawing/2014/main" id="{6DAFFFD6-997E-4295-8337-371E646493AD}"/>
                   </a:ext>
                 </a:extLst>
               </p:cNvPr>
@@ -3649,7 +3649,7 @@
             </p:txBody>
           </p:sp>
         </mc:Choice>
-        <mc:Fallback>
+        <mc:Fallback xmlns="">
           <p:sp>
             <p:nvSpPr>
               <p:cNvPr id="2273" name="テキスト ボックス 2272">
@@ -3930,10 +3930,10 @@
                     </m:oMathParaPr>
                     <m:oMath xmlns:m="http://schemas.openxmlformats.org/officeDocument/2006/math">
                       <m:r>
-                        <a:rPr lang="en-US" altLang="ja-JP" sz="2800" i="1" dirty="0">
+                        <a:rPr lang="en-US" altLang="ja-JP" sz="2800" b="0" i="1" dirty="0" smtClean="0">
                           <a:latin typeface="Cambria Math" panose="02040503050406030204" pitchFamily="18" charset="0"/>
                         </a:rPr>
-                        <m:t>2</m:t>
+                        <m:t>4</m:t>
                       </m:r>
                       <m:r>
                         <a:rPr lang="en-US" altLang="ja-JP" sz="2800" i="1" dirty="0">
@@ -3942,10 +3942,28 @@
                         <m:t>𝑛</m:t>
                       </m:r>
                       <m:r>
+                        <a:rPr lang="en-US" altLang="ja-JP" sz="2800" b="0" i="1" dirty="0" smtClean="0">
+                          <a:latin typeface="Cambria Math" panose="02040503050406030204" pitchFamily="18" charset="0"/>
+                        </a:rPr>
+                        <m:t>𝑡</m:t>
+                      </m:r>
+                      <m:r>
                         <a:rPr lang="en-US" altLang="ja-JP" sz="2800" i="1" dirty="0">
                           <a:latin typeface="Cambria Math" panose="02040503050406030204" pitchFamily="18" charset="0"/>
                         </a:rPr>
-                        <m:t>−1</m:t>
+                        <m:t>−</m:t>
+                      </m:r>
+                      <m:r>
+                        <a:rPr lang="en-US" altLang="ja-JP" sz="2800" b="0" i="1" dirty="0" smtClean="0">
+                          <a:latin typeface="Cambria Math" panose="02040503050406030204" pitchFamily="18" charset="0"/>
+                        </a:rPr>
+                        <m:t>2</m:t>
+                      </m:r>
+                      <m:r>
+                        <a:rPr lang="en-US" altLang="ja-JP" sz="2800" b="0" i="1" dirty="0" smtClean="0">
+                          <a:latin typeface="Cambria Math" panose="02040503050406030204" pitchFamily="18" charset="0"/>
+                        </a:rPr>
+                        <m:t>𝑡</m:t>
                       </m:r>
                     </m:oMath>
                   </m:oMathPara>
@@ -4001,7 +4019,7 @@
               <p:cNvPr id="2279" name="テキスト ボックス 2278">
                 <a:extLst>
                   <a:ext uri="{FF2B5EF4-FFF2-40B4-BE49-F238E27FC236}">
-                    <a16:creationId xmlns:a16="http://schemas.microsoft.com/office/drawing/2014/main" xmlns="" id="{E4C3C1CC-7DFB-4879-9982-E12AF92D5157}"/>
+                    <a16:creationId xmlns="" xmlns:a16="http://schemas.microsoft.com/office/drawing/2014/main" id="{E4C3C1CC-7DFB-4879-9982-E12AF92D5157}"/>
                   </a:ext>
                 </a:extLst>
               </p:cNvPr>
@@ -4032,22 +4050,53 @@
                     </m:oMathParaPr>
                     <m:oMath xmlns:m="http://schemas.openxmlformats.org/officeDocument/2006/math">
                       <m:r>
+                        <a:rPr lang="en-US" altLang="ja-JP" sz="2800" b="0" i="1" dirty="0" smtClean="0">
+                          <a:latin typeface="Cambria Math" panose="02040503050406030204" pitchFamily="18" charset="0"/>
+                        </a:rPr>
+                        <m:t>4</m:t>
+                      </m:r>
+                      <m:sSup>
+                        <m:sSupPr>
+                          <m:ctrlPr>
+                            <a:rPr lang="en-US" altLang="ja-JP" sz="2800" b="0" i="1" dirty="0" smtClean="0">
+                              <a:latin typeface="Cambria Math" panose="02040503050406030204" pitchFamily="18" charset="0"/>
+                            </a:rPr>
+                          </m:ctrlPr>
+                        </m:sSupPr>
+                        <m:e>
+                          <m:r>
+                            <a:rPr lang="en-US" altLang="ja-JP" sz="2800" b="0" i="1" dirty="0" smtClean="0">
+                              <a:latin typeface="Cambria Math" panose="02040503050406030204" pitchFamily="18" charset="0"/>
+                            </a:rPr>
+                            <m:t>𝑡</m:t>
+                          </m:r>
+                        </m:e>
+                        <m:sup>
+                          <m:r>
+                            <a:rPr lang="en-US" altLang="ja-JP" sz="2800" b="0" i="1" dirty="0" smtClean="0">
+                              <a:latin typeface="Cambria Math" panose="02040503050406030204" pitchFamily="18" charset="0"/>
+                            </a:rPr>
+                            <m:t>2</m:t>
+                          </m:r>
+                        </m:sup>
+                      </m:sSup>
+                      <m:r>
                         <a:rPr lang="en-US" altLang="ja-JP" sz="2800" i="1" dirty="0">
+                          <a:latin typeface="Cambria Math" panose="02040503050406030204" pitchFamily="18" charset="0"/>
+                        </a:rPr>
+                        <m:t>−</m:t>
+                      </m:r>
+                      <m:r>
+                        <a:rPr lang="en-US" altLang="ja-JP" sz="2800" b="0" i="1" dirty="0" smtClean="0">
                           <a:latin typeface="Cambria Math" panose="02040503050406030204" pitchFamily="18" charset="0"/>
                         </a:rPr>
                         <m:t>2</m:t>
                       </m:r>
                       <m:r>
-                        <a:rPr lang="en-US" altLang="ja-JP" sz="2800" i="1" dirty="0">
+                        <a:rPr lang="en-US" altLang="ja-JP" sz="2800" b="0" i="1" dirty="0" smtClean="0">
                           <a:latin typeface="Cambria Math" panose="02040503050406030204" pitchFamily="18" charset="0"/>
                         </a:rPr>
                         <m:t>𝑡</m:t>
-                      </m:r>
-                      <m:r>
-                        <a:rPr lang="en-US" altLang="ja-JP" sz="2800" i="1" dirty="0">
-                          <a:latin typeface="Cambria Math" panose="02040503050406030204" pitchFamily="18" charset="0"/>
-                        </a:rPr>
-                        <m:t>−1</m:t>
                       </m:r>
                     </m:oMath>
                   </m:oMathPara>
@@ -4063,7 +4112,7 @@
               <p:cNvPr id="2279" name="テキスト ボックス 2278">
                 <a:extLst>
                   <a:ext uri="{FF2B5EF4-FFF2-40B4-BE49-F238E27FC236}">
-                    <a16:creationId xmlns:a16="http://schemas.microsoft.com/office/drawing/2014/main" xmlns="" xmlns:a14="http://schemas.microsoft.com/office/drawing/2010/main" id="{E4C3C1CC-7DFB-4879-9982-E12AF92D5157}"/>
+                    <a16:creationId xmlns="" xmlns:a16="http://schemas.microsoft.com/office/drawing/2014/main" xmlns:a14="http://schemas.microsoft.com/office/drawing/2010/main" id="{E4C3C1CC-7DFB-4879-9982-E12AF92D5157}"/>
                   </a:ext>
                 </a:extLst>
               </p:cNvPr>
@@ -4107,7 +4156,7 @@
           <p:cNvPr id="2280" name="左中かっこ 2279">
             <a:extLst>
               <a:ext uri="{FF2B5EF4-FFF2-40B4-BE49-F238E27FC236}">
-                <a16:creationId xmlns:a16="http://schemas.microsoft.com/office/drawing/2014/main" xmlns="" id="{7484E61E-C510-4FF0-978A-471330A22C3C}"/>
+                <a16:creationId xmlns="" xmlns:a16="http://schemas.microsoft.com/office/drawing/2014/main" id="{7484E61E-C510-4FF0-978A-471330A22C3C}"/>
               </a:ext>
             </a:extLst>
           </p:cNvPr>
@@ -4166,7 +4215,7 @@
               <p:cNvPr id="2281" name="テキスト ボックス 2280">
                 <a:extLst>
                   <a:ext uri="{FF2B5EF4-FFF2-40B4-BE49-F238E27FC236}">
-                    <a16:creationId xmlns:a16="http://schemas.microsoft.com/office/drawing/2014/main" xmlns="" id="{6DAFFFD6-997E-4295-8337-371E646493AD}"/>
+                    <a16:creationId xmlns="" xmlns:a16="http://schemas.microsoft.com/office/drawing/2014/main" id="{6DAFFFD6-997E-4295-8337-371E646493AD}"/>
                   </a:ext>
                 </a:extLst>
               </p:cNvPr>
@@ -4176,7 +4225,7 @@
             <p:spPr>
               <a:xfrm>
                 <a:off x="1519208" y="5631621"/>
-                <a:ext cx="388432" cy="523197"/>
+                <a:ext cx="388432" cy="523220"/>
               </a:xfrm>
               <a:prstGeom prst="rect">
                 <a:avLst/>
@@ -4197,15 +4246,21 @@
                     </m:oMathParaPr>
                     <m:oMath xmlns:m="http://schemas.openxmlformats.org/officeDocument/2006/math">
                       <m:r>
-                        <a:rPr lang="en-US" altLang="ja-JP" sz="2800" i="1" dirty="0">
+                        <a:rPr lang="en-US" altLang="ja-JP" sz="2800" i="1">
                           <a:latin typeface="Cambria Math" panose="02040503050406030204" pitchFamily="18" charset="0"/>
                         </a:rPr>
-                        <m:t>1</m:t>
+                        <m:t>2</m:t>
+                      </m:r>
+                      <m:r>
+                        <a:rPr lang="en-US" altLang="ja-JP" sz="2800" i="1">
+                          <a:latin typeface="Cambria Math" panose="02040503050406030204" pitchFamily="18" charset="0"/>
+                        </a:rPr>
+                        <m:t>𝑡</m:t>
                       </m:r>
                     </m:oMath>
                   </m:oMathPara>
                 </a14:m>
-                <a:endParaRPr lang="ja-JP" altLang="en-US" sz="2800" dirty="0"/>
+                <a:endParaRPr lang="en-US" altLang="ja-JP" sz="2800" dirty="0"/>
               </a:p>
             </p:txBody>
           </p:sp>
@@ -4216,7 +4271,7 @@
               <p:cNvPr id="2281" name="テキスト ボックス 2280">
                 <a:extLst>
                   <a:ext uri="{FF2B5EF4-FFF2-40B4-BE49-F238E27FC236}">
-                    <a16:creationId xmlns:a16="http://schemas.microsoft.com/office/drawing/2014/main" xmlns="" xmlns:a14="http://schemas.microsoft.com/office/drawing/2010/main" id="{6DAFFFD6-997E-4295-8337-371E646493AD}"/>
+                    <a16:creationId xmlns="" xmlns:a16="http://schemas.microsoft.com/office/drawing/2014/main" xmlns:a14="http://schemas.microsoft.com/office/drawing/2010/main" id="{6DAFFFD6-997E-4295-8337-371E646493AD}"/>
                   </a:ext>
                 </a:extLst>
               </p:cNvPr>
@@ -4228,7 +4283,7 @@
             <p:spPr>
               <a:xfrm>
                 <a:off x="1519208" y="5631621"/>
-                <a:ext cx="388432" cy="523197"/>
+                <a:ext cx="388432" cy="523220"/>
               </a:xfrm>
               <a:prstGeom prst="rect">
                 <a:avLst/>
@@ -4236,7 +4291,7 @@
               <a:blipFill rotWithShape="0">
                 <a:blip r:embed="rId6"/>
                 <a:stretch>
-                  <a:fillRect/>
+                  <a:fillRect r="-9375"/>
                 </a:stretch>
               </a:blipFill>
             </p:spPr>
@@ -4262,7 +4317,7 @@
               <p:cNvPr id="2282" name="テキスト ボックス 2281">
                 <a:extLst>
                   <a:ext uri="{FF2B5EF4-FFF2-40B4-BE49-F238E27FC236}">
-                    <a16:creationId xmlns:a16="http://schemas.microsoft.com/office/drawing/2014/main" xmlns="" id="{07010F26-716B-423D-9E77-19B5E202747E}"/>
+                    <a16:creationId xmlns="" xmlns:a16="http://schemas.microsoft.com/office/drawing/2014/main" id="{07010F26-716B-423D-9E77-19B5E202747E}"/>
                   </a:ext>
                 </a:extLst>
               </p:cNvPr>
@@ -4271,8 +4326,8 @@
             </p:nvSpPr>
             <p:spPr>
               <a:xfrm>
-                <a:off x="4383583" y="5633478"/>
-                <a:ext cx="2358855" cy="523220"/>
+                <a:off x="4113336" y="5631632"/>
+                <a:ext cx="2976883" cy="523220"/>
               </a:xfrm>
               <a:prstGeom prst="rect">
                 <a:avLst/>
@@ -4293,40 +4348,102 @@
                     </m:oMathParaPr>
                     <m:oMath xmlns:m="http://schemas.openxmlformats.org/officeDocument/2006/math">
                       <m:r>
-                        <a:rPr lang="en-US" altLang="ja-JP" sz="2800" i="1" dirty="0">
+                        <a:rPr lang="en-US" altLang="ja-JP" sz="2800" b="0" i="1" dirty="0" smtClean="0">
                           <a:latin typeface="Cambria Math" panose="02040503050406030204" pitchFamily="18" charset="0"/>
                         </a:rPr>
-                        <m:t>2</m:t>
+                        <m:t>4</m:t>
                       </m:r>
                       <m:r>
                         <a:rPr lang="en-US" altLang="ja-JP" sz="2800" i="1" dirty="0">
                           <a:latin typeface="Cambria Math" panose="02040503050406030204" pitchFamily="18" charset="0"/>
                         </a:rPr>
-                        <m:t>𝑠𝑡</m:t>
+                        <m:t>𝑠</m:t>
                       </m:r>
+                      <m:sSup>
+                        <m:sSupPr>
+                          <m:ctrlPr>
+                            <a:rPr lang="en-US" altLang="ja-JP" sz="2800" b="0" i="1" dirty="0" smtClean="0">
+                              <a:latin typeface="Cambria Math" panose="02040503050406030204" pitchFamily="18" charset="0"/>
+                            </a:rPr>
+                          </m:ctrlPr>
+                        </m:sSupPr>
+                        <m:e>
+                          <m:r>
+                            <a:rPr lang="en-US" altLang="ja-JP" sz="2800" i="1" dirty="0">
+                              <a:latin typeface="Cambria Math" panose="02040503050406030204" pitchFamily="18" charset="0"/>
+                            </a:rPr>
+                            <m:t>𝑡</m:t>
+                          </m:r>
+                        </m:e>
+                        <m:sup>
+                          <m:r>
+                            <a:rPr lang="en-US" altLang="ja-JP" sz="2800" b="0" i="1" dirty="0" smtClean="0">
+                              <a:latin typeface="Cambria Math" panose="02040503050406030204" pitchFamily="18" charset="0"/>
+                            </a:rPr>
+                            <m:t>2</m:t>
+                          </m:r>
+                        </m:sup>
+                      </m:sSup>
                       <m:r>
                         <a:rPr lang="en-US" altLang="ja-JP" sz="2800" i="1" dirty="0">
                           <a:latin typeface="Cambria Math" panose="02040503050406030204" pitchFamily="18" charset="0"/>
                         </a:rPr>
-                        <m:t>+2</m:t>
+                        <m:t>+</m:t>
                       </m:r>
                       <m:r>
-                        <a:rPr lang="en-US" altLang="ja-JP" sz="2800" i="1" dirty="0">
+                        <a:rPr lang="en-US" altLang="ja-JP" sz="2800" b="0" i="1" dirty="0" smtClean="0">
                           <a:latin typeface="Cambria Math" panose="02040503050406030204" pitchFamily="18" charset="0"/>
                         </a:rPr>
-                        <m:t>𝑡</m:t>
+                        <m:t>4</m:t>
                       </m:r>
+                      <m:sSup>
+                        <m:sSupPr>
+                          <m:ctrlPr>
+                            <a:rPr lang="en-US" altLang="ja-JP" sz="2800" b="0" i="1" dirty="0" smtClean="0">
+                              <a:latin typeface="Cambria Math" panose="02040503050406030204" pitchFamily="18" charset="0"/>
+                            </a:rPr>
+                          </m:ctrlPr>
+                        </m:sSupPr>
+                        <m:e>
+                          <m:r>
+                            <a:rPr lang="en-US" altLang="ja-JP" sz="2800" i="1" dirty="0">
+                              <a:latin typeface="Cambria Math" panose="02040503050406030204" pitchFamily="18" charset="0"/>
+                            </a:rPr>
+                            <m:t>𝑡</m:t>
+                          </m:r>
+                        </m:e>
+                        <m:sup>
+                          <m:r>
+                            <a:rPr lang="en-US" altLang="ja-JP" sz="2800" b="0" i="1" dirty="0" smtClean="0">
+                              <a:latin typeface="Cambria Math" panose="02040503050406030204" pitchFamily="18" charset="0"/>
+                            </a:rPr>
+                            <m:t>2</m:t>
+                          </m:r>
+                        </m:sup>
+                      </m:sSup>
                       <m:r>
                         <a:rPr lang="en-US" altLang="ja-JP" sz="2800" dirty="0">
                           <a:latin typeface="Cambria Math" panose="02040503050406030204" pitchFamily="18" charset="0"/>
                         </a:rPr>
-                        <m:t>−2</m:t>
+                        <m:t>−</m:t>
+                      </m:r>
+                      <m:r>
+                        <a:rPr lang="en-US" altLang="ja-JP" sz="2800" b="0" i="1" dirty="0" smtClean="0">
+                          <a:latin typeface="Cambria Math" panose="02040503050406030204" pitchFamily="18" charset="0"/>
+                        </a:rPr>
+                        <m:t>4</m:t>
                       </m:r>
                       <m:r>
                         <a:rPr lang="en-US" altLang="ja-JP" sz="2800" i="1" dirty="0">
                           <a:latin typeface="Cambria Math" panose="02040503050406030204" pitchFamily="18" charset="0"/>
                         </a:rPr>
                         <m:t>𝑛</m:t>
+                      </m:r>
+                      <m:r>
+                        <a:rPr lang="en-US" altLang="ja-JP" sz="2800" b="0" i="1" dirty="0" smtClean="0">
+                          <a:latin typeface="Cambria Math" panose="02040503050406030204" pitchFamily="18" charset="0"/>
+                        </a:rPr>
+                        <m:t>𝑡</m:t>
                       </m:r>
                     </m:oMath>
                   </m:oMathPara>
@@ -4342,7 +4459,7 @@
               <p:cNvPr id="2282" name="テキスト ボックス 2281">
                 <a:extLst>
                   <a:ext uri="{FF2B5EF4-FFF2-40B4-BE49-F238E27FC236}">
-                    <a16:creationId xmlns:a16="http://schemas.microsoft.com/office/drawing/2014/main" xmlns="" xmlns:a14="http://schemas.microsoft.com/office/drawing/2010/main" id="{07010F26-716B-423D-9E77-19B5E202747E}"/>
+                    <a16:creationId xmlns="" xmlns:a16="http://schemas.microsoft.com/office/drawing/2014/main" xmlns:a14="http://schemas.microsoft.com/office/drawing/2010/main" id="{07010F26-716B-423D-9E77-19B5E202747E}"/>
                   </a:ext>
                 </a:extLst>
               </p:cNvPr>
@@ -4353,8 +4470,8 @@
             </p:nvSpPr>
             <p:spPr>
               <a:xfrm>
-                <a:off x="4383583" y="5633478"/>
-                <a:ext cx="2358855" cy="523220"/>
+                <a:off x="4113336" y="5631632"/>
+                <a:ext cx="2976883" cy="523220"/>
               </a:xfrm>
               <a:prstGeom prst="rect">
                 <a:avLst/>
@@ -4388,7 +4505,7 @@
               <p:cNvPr id="2283" name="テキスト ボックス 2282">
                 <a:extLst>
                   <a:ext uri="{FF2B5EF4-FFF2-40B4-BE49-F238E27FC236}">
-                    <a16:creationId xmlns:a16="http://schemas.microsoft.com/office/drawing/2014/main" xmlns="" id="{65944549-9B1C-4094-8DD6-656F7C2BBAD6}"/>
+                    <a16:creationId xmlns="" xmlns:a16="http://schemas.microsoft.com/office/drawing/2014/main" id="{65944549-9B1C-4094-8DD6-656F7C2BBAD6}"/>
                   </a:ext>
                 </a:extLst>
               </p:cNvPr>
@@ -4419,17 +4536,42 @@
                     </m:oMathParaPr>
                     <m:oMath xmlns:m="http://schemas.openxmlformats.org/officeDocument/2006/math">
                       <m:r>
-                        <a:rPr lang="en-US" altLang="ja-JP" sz="2800" i="1" dirty="0">
+                        <a:rPr lang="en-US" altLang="ja-JP" sz="2800" b="0" i="1" smtClean="0">
                           <a:latin typeface="Cambria Math" panose="02040503050406030204" pitchFamily="18" charset="0"/>
                         </a:rPr>
-                        <m:t>2</m:t>
+                        <m:t>4</m:t>
                       </m:r>
                       <m:r>
-                        <a:rPr lang="en-US" altLang="ja-JP" sz="2800" i="1" dirty="0">
+                        <a:rPr lang="en-US" altLang="ja-JP" sz="2800" b="0" i="1" smtClean="0">
                           <a:latin typeface="Cambria Math" panose="02040503050406030204" pitchFamily="18" charset="0"/>
                         </a:rPr>
-                        <m:t>𝑠𝑡</m:t>
+                        <m:t>𝑠</m:t>
                       </m:r>
+                      <m:sSup>
+                        <m:sSupPr>
+                          <m:ctrlPr>
+                            <a:rPr lang="en-US" altLang="ja-JP" sz="2800" b="0" i="1" smtClean="0">
+                              <a:latin typeface="Cambria Math" panose="02040503050406030204" pitchFamily="18" charset="0"/>
+                            </a:rPr>
+                          </m:ctrlPr>
+                        </m:sSupPr>
+                        <m:e>
+                          <m:r>
+                            <a:rPr lang="en-US" altLang="ja-JP" sz="2800" b="0" i="1" smtClean="0">
+                              <a:latin typeface="Cambria Math" panose="02040503050406030204" pitchFamily="18" charset="0"/>
+                            </a:rPr>
+                            <m:t>𝑡</m:t>
+                          </m:r>
+                        </m:e>
+                        <m:sup>
+                          <m:r>
+                            <a:rPr lang="en-US" altLang="ja-JP" sz="2800" b="0" i="1" smtClean="0">
+                              <a:latin typeface="Cambria Math" panose="02040503050406030204" pitchFamily="18" charset="0"/>
+                            </a:rPr>
+                            <m:t>2</m:t>
+                          </m:r>
+                        </m:sup>
+                      </m:sSup>
                     </m:oMath>
                   </m:oMathPara>
                 </a14:m>
@@ -4444,7 +4586,7 @@
               <p:cNvPr id="2283" name="テキスト ボックス 2282">
                 <a:extLst>
                   <a:ext uri="{FF2B5EF4-FFF2-40B4-BE49-F238E27FC236}">
-                    <a16:creationId xmlns:a16="http://schemas.microsoft.com/office/drawing/2014/main" xmlns="" xmlns:a14="http://schemas.microsoft.com/office/drawing/2010/main" id="{65944549-9B1C-4094-8DD6-656F7C2BBAD6}"/>
+                    <a16:creationId xmlns="" xmlns:a16="http://schemas.microsoft.com/office/drawing/2014/main" xmlns:a14="http://schemas.microsoft.com/office/drawing/2010/main" id="{65944549-9B1C-4094-8DD6-656F7C2BBAD6}"/>
                   </a:ext>
                 </a:extLst>
               </p:cNvPr>
@@ -4483,14 +4625,14 @@
           </p:sp>
         </mc:Fallback>
       </mc:AlternateContent>
-      <mc:AlternateContent xmlns:mc="http://schemas.openxmlformats.org/markup-compatibility/2006">
-        <mc:Choice xmlns:a14="http://schemas.microsoft.com/office/drawing/2010/main" Requires="a14">
+      <mc:AlternateContent xmlns:mc="http://schemas.openxmlformats.org/markup-compatibility/2006" xmlns:a14="http://schemas.microsoft.com/office/drawing/2010/main">
+        <mc:Choice Requires="a14">
           <p:sp>
             <p:nvSpPr>
               <p:cNvPr id="2284" name="テキスト ボックス 2283">
                 <a:extLst>
                   <a:ext uri="{FF2B5EF4-FFF2-40B4-BE49-F238E27FC236}">
-                    <a16:creationId xmlns:a16="http://schemas.microsoft.com/office/drawing/2014/main" xmlns="" id="{7FF99950-E7CA-404A-865F-5BBFC675F700}"/>
+                    <a16:creationId xmlns="" xmlns:a16="http://schemas.microsoft.com/office/drawing/2014/main" id="{7FF99950-E7CA-404A-865F-5BBFC675F700}"/>
                   </a:ext>
                 </a:extLst>
               </p:cNvPr>
@@ -4540,7 +4682,7 @@
             </p:txBody>
           </p:sp>
         </mc:Choice>
-        <mc:Fallback>
+        <mc:Fallback xmlns="">
           <p:sp>
             <p:nvSpPr>
               <p:cNvPr id="2284" name="テキスト ボックス 2283">

--- a/図作成用パワーポイント/ogridins.pptx
+++ b/図作成用パワーポイント/ogridins.pptx
@@ -6,6 +6,7 @@
   </p:sldMasterIdLst>
   <p:sldIdLst>
     <p:sldId id="256" r:id="rId2"/>
+    <p:sldId id="257" r:id="rId3"/>
   </p:sldIdLst>
   <p:sldSz cx="12192000" cy="6119813"/>
   <p:notesSz cx="6858000" cy="9144000"/>
@@ -243,7 +244,7 @@
           <a:p>
             <a:fld id="{E110B463-9257-4FB4-9566-5ADE85D69469}" type="datetimeFigureOut">
               <a:rPr kumimoji="1" lang="ja-JP" altLang="en-US" smtClean="0"/>
-              <a:t>2019/2/22</a:t>
+              <a:t>2019/2/25</a:t>
             </a:fld>
             <a:endParaRPr kumimoji="1" lang="ja-JP" altLang="en-US"/>
           </a:p>
@@ -445,7 +446,7 @@
           <a:p>
             <a:fld id="{E110B463-9257-4FB4-9566-5ADE85D69469}" type="datetimeFigureOut">
               <a:rPr kumimoji="1" lang="ja-JP" altLang="en-US" smtClean="0"/>
-              <a:t>2019/2/22</a:t>
+              <a:t>2019/2/25</a:t>
             </a:fld>
             <a:endParaRPr kumimoji="1" lang="ja-JP" altLang="en-US"/>
           </a:p>
@@ -657,7 +658,7 @@
           <a:p>
             <a:fld id="{E110B463-9257-4FB4-9566-5ADE85D69469}" type="datetimeFigureOut">
               <a:rPr kumimoji="1" lang="ja-JP" altLang="en-US" smtClean="0"/>
-              <a:t>2019/2/22</a:t>
+              <a:t>2019/2/25</a:t>
             </a:fld>
             <a:endParaRPr kumimoji="1" lang="ja-JP" altLang="en-US"/>
           </a:p>
@@ -859,7 +860,7 @@
           <a:p>
             <a:fld id="{E110B463-9257-4FB4-9566-5ADE85D69469}" type="datetimeFigureOut">
               <a:rPr kumimoji="1" lang="ja-JP" altLang="en-US" smtClean="0"/>
-              <a:t>2019/2/22</a:t>
+              <a:t>2019/2/25</a:t>
             </a:fld>
             <a:endParaRPr kumimoji="1" lang="ja-JP" altLang="en-US"/>
           </a:p>
@@ -1105,7 +1106,7 @@
           <a:p>
             <a:fld id="{E110B463-9257-4FB4-9566-5ADE85D69469}" type="datetimeFigureOut">
               <a:rPr kumimoji="1" lang="ja-JP" altLang="en-US" smtClean="0"/>
-              <a:t>2019/2/22</a:t>
+              <a:t>2019/2/25</a:t>
             </a:fld>
             <a:endParaRPr kumimoji="1" lang="ja-JP" altLang="en-US"/>
           </a:p>
@@ -1401,7 +1402,7 @@
           <a:p>
             <a:fld id="{E110B463-9257-4FB4-9566-5ADE85D69469}" type="datetimeFigureOut">
               <a:rPr kumimoji="1" lang="ja-JP" altLang="en-US" smtClean="0"/>
-              <a:t>2019/2/22</a:t>
+              <a:t>2019/2/25</a:t>
             </a:fld>
             <a:endParaRPr kumimoji="1" lang="ja-JP" altLang="en-US"/>
           </a:p>
@@ -1832,7 +1833,7 @@
           <a:p>
             <a:fld id="{E110B463-9257-4FB4-9566-5ADE85D69469}" type="datetimeFigureOut">
               <a:rPr kumimoji="1" lang="ja-JP" altLang="en-US" smtClean="0"/>
-              <a:t>2019/2/22</a:t>
+              <a:t>2019/2/25</a:t>
             </a:fld>
             <a:endParaRPr kumimoji="1" lang="ja-JP" altLang="en-US"/>
           </a:p>
@@ -1950,7 +1951,7 @@
           <a:p>
             <a:fld id="{E110B463-9257-4FB4-9566-5ADE85D69469}" type="datetimeFigureOut">
               <a:rPr kumimoji="1" lang="ja-JP" altLang="en-US" smtClean="0"/>
-              <a:t>2019/2/22</a:t>
+              <a:t>2019/2/25</a:t>
             </a:fld>
             <a:endParaRPr kumimoji="1" lang="ja-JP" altLang="en-US"/>
           </a:p>
@@ -2045,7 +2046,7 @@
           <a:p>
             <a:fld id="{E110B463-9257-4FB4-9566-5ADE85D69469}" type="datetimeFigureOut">
               <a:rPr kumimoji="1" lang="ja-JP" altLang="en-US" smtClean="0"/>
-              <a:t>2019/2/22</a:t>
+              <a:t>2019/2/25</a:t>
             </a:fld>
             <a:endParaRPr kumimoji="1" lang="ja-JP" altLang="en-US"/>
           </a:p>
@@ -2354,7 +2355,7 @@
           <a:p>
             <a:fld id="{E110B463-9257-4FB4-9566-5ADE85D69469}" type="datetimeFigureOut">
               <a:rPr kumimoji="1" lang="ja-JP" altLang="en-US" smtClean="0"/>
-              <a:t>2019/2/22</a:t>
+              <a:t>2019/2/25</a:t>
             </a:fld>
             <a:endParaRPr kumimoji="1" lang="ja-JP" altLang="en-US"/>
           </a:p>
@@ -2611,7 +2612,7 @@
           <a:p>
             <a:fld id="{E110B463-9257-4FB4-9566-5ADE85D69469}" type="datetimeFigureOut">
               <a:rPr kumimoji="1" lang="ja-JP" altLang="en-US" smtClean="0"/>
-              <a:t>2019/2/22</a:t>
+              <a:t>2019/2/25</a:t>
             </a:fld>
             <a:endParaRPr kumimoji="1" lang="ja-JP" altLang="en-US"/>
           </a:p>
@@ -2856,7 +2857,7 @@
           <a:p>
             <a:fld id="{E110B463-9257-4FB4-9566-5ADE85D69469}" type="datetimeFigureOut">
               <a:rPr kumimoji="1" lang="ja-JP" altLang="en-US" smtClean="0"/>
-              <a:t>2019/2/22</a:t>
+              <a:t>2019/2/25</a:t>
             </a:fld>
             <a:endParaRPr kumimoji="1" lang="ja-JP" altLang="en-US"/>
           </a:p>
@@ -3266,7 +3267,7 @@
           <p:cNvPr id="2269" name="左中かっこ 2268">
             <a:extLst>
               <a:ext uri="{FF2B5EF4-FFF2-40B4-BE49-F238E27FC236}">
-                <a16:creationId xmlns="" xmlns:a16="http://schemas.microsoft.com/office/drawing/2014/main" id="{7484E61E-C510-4FF0-978A-471330A22C3C}"/>
+                <a16:creationId xmlns:a16="http://schemas.microsoft.com/office/drawing/2014/main" xmlns="" id="{7484E61E-C510-4FF0-978A-471330A22C3C}"/>
               </a:ext>
             </a:extLst>
           </p:cNvPr>
@@ -3323,7 +3324,7 @@
           <p:cNvPr id="2270" name="左中かっこ 2269">
             <a:extLst>
               <a:ext uri="{FF2B5EF4-FFF2-40B4-BE49-F238E27FC236}">
-                <a16:creationId xmlns="" xmlns:a16="http://schemas.microsoft.com/office/drawing/2014/main" id="{7484E61E-C510-4FF0-978A-471330A22C3C}"/>
+                <a16:creationId xmlns:a16="http://schemas.microsoft.com/office/drawing/2014/main" xmlns="" id="{7484E61E-C510-4FF0-978A-471330A22C3C}"/>
               </a:ext>
             </a:extLst>
           </p:cNvPr>
@@ -3382,7 +3383,7 @@
               <p:cNvPr id="2271" name="テキスト ボックス 2270">
                 <a:extLst>
                   <a:ext uri="{FF2B5EF4-FFF2-40B4-BE49-F238E27FC236}">
-                    <a16:creationId xmlns="" xmlns:a16="http://schemas.microsoft.com/office/drawing/2014/main" id="{6DAFFFD6-997E-4295-8337-371E646493AD}"/>
+                    <a16:creationId xmlns:a16="http://schemas.microsoft.com/office/drawing/2014/main" xmlns="" id="{6DAFFFD6-997E-4295-8337-371E646493AD}"/>
                   </a:ext>
                 </a:extLst>
               </p:cNvPr>
@@ -3482,7 +3483,7 @@
           <p:cNvPr id="2272" name="左中かっこ 2271">
             <a:extLst>
               <a:ext uri="{FF2B5EF4-FFF2-40B4-BE49-F238E27FC236}">
-                <a16:creationId xmlns="" xmlns:a16="http://schemas.microsoft.com/office/drawing/2014/main" id="{7484E61E-C510-4FF0-978A-471330A22C3C}"/>
+                <a16:creationId xmlns:a16="http://schemas.microsoft.com/office/drawing/2014/main" xmlns="" id="{7484E61E-C510-4FF0-978A-471330A22C3C}"/>
               </a:ext>
             </a:extLst>
           </p:cNvPr>
@@ -3541,7 +3542,7 @@
               <p:cNvPr id="2273" name="テキスト ボックス 2272">
                 <a:extLst>
                   <a:ext uri="{FF2B5EF4-FFF2-40B4-BE49-F238E27FC236}">
-                    <a16:creationId xmlns="" xmlns:a16="http://schemas.microsoft.com/office/drawing/2014/main" id="{6DAFFFD6-997E-4295-8337-371E646493AD}"/>
+                    <a16:creationId xmlns:a16="http://schemas.microsoft.com/office/drawing/2014/main" xmlns="" id="{6DAFFFD6-997E-4295-8337-371E646493AD}"/>
                   </a:ext>
                 </a:extLst>
               </p:cNvPr>
@@ -3898,8 +3899,8 @@
           </a:p>
         </p:txBody>
       </p:sp>
-      <mc:AlternateContent xmlns:mc="http://schemas.openxmlformats.org/markup-compatibility/2006">
-        <mc:Choice xmlns:a14="http://schemas.microsoft.com/office/drawing/2010/main" Requires="a14">
+      <mc:AlternateContent xmlns:mc="http://schemas.openxmlformats.org/markup-compatibility/2006" xmlns:a14="http://schemas.microsoft.com/office/drawing/2010/main">
+        <mc:Choice Requires="a14">
           <p:sp>
             <p:nvSpPr>
               <p:cNvPr id="2278" name="テキスト ボックス 2277"/>
@@ -3973,7 +3974,7 @@
             </p:txBody>
           </p:sp>
         </mc:Choice>
-        <mc:Fallback>
+        <mc:Fallback xmlns="">
           <p:sp>
             <p:nvSpPr>
               <p:cNvPr id="2278" name="テキスト ボックス 2277"/>
@@ -4012,14 +4013,14 @@
           </p:sp>
         </mc:Fallback>
       </mc:AlternateContent>
-      <mc:AlternateContent xmlns:mc="http://schemas.openxmlformats.org/markup-compatibility/2006">
-        <mc:Choice xmlns:a14="http://schemas.microsoft.com/office/drawing/2010/main" Requires="a14">
+      <mc:AlternateContent xmlns:mc="http://schemas.openxmlformats.org/markup-compatibility/2006" xmlns:a14="http://schemas.microsoft.com/office/drawing/2010/main">
+        <mc:Choice Requires="a14">
           <p:sp>
             <p:nvSpPr>
               <p:cNvPr id="2279" name="テキスト ボックス 2278">
                 <a:extLst>
                   <a:ext uri="{FF2B5EF4-FFF2-40B4-BE49-F238E27FC236}">
-                    <a16:creationId xmlns="" xmlns:a16="http://schemas.microsoft.com/office/drawing/2014/main" id="{E4C3C1CC-7DFB-4879-9982-E12AF92D5157}"/>
+                    <a16:creationId xmlns:a16="http://schemas.microsoft.com/office/drawing/2014/main" xmlns="" id="{E4C3C1CC-7DFB-4879-9982-E12AF92D5157}"/>
                   </a:ext>
                 </a:extLst>
               </p:cNvPr>
@@ -4106,7 +4107,7 @@
             </p:txBody>
           </p:sp>
         </mc:Choice>
-        <mc:Fallback>
+        <mc:Fallback xmlns="">
           <p:sp>
             <p:nvSpPr>
               <p:cNvPr id="2279" name="テキスト ボックス 2278">
@@ -4156,7 +4157,7 @@
           <p:cNvPr id="2280" name="左中かっこ 2279">
             <a:extLst>
               <a:ext uri="{FF2B5EF4-FFF2-40B4-BE49-F238E27FC236}">
-                <a16:creationId xmlns="" xmlns:a16="http://schemas.microsoft.com/office/drawing/2014/main" id="{7484E61E-C510-4FF0-978A-471330A22C3C}"/>
+                <a16:creationId xmlns:a16="http://schemas.microsoft.com/office/drawing/2014/main" xmlns="" id="{7484E61E-C510-4FF0-978A-471330A22C3C}"/>
               </a:ext>
             </a:extLst>
           </p:cNvPr>
@@ -4208,14 +4209,14 @@
           </a:p>
         </p:txBody>
       </p:sp>
-      <mc:AlternateContent xmlns:mc="http://schemas.openxmlformats.org/markup-compatibility/2006">
-        <mc:Choice xmlns:a14="http://schemas.microsoft.com/office/drawing/2010/main" Requires="a14">
+      <mc:AlternateContent xmlns:mc="http://schemas.openxmlformats.org/markup-compatibility/2006" xmlns:a14="http://schemas.microsoft.com/office/drawing/2010/main">
+        <mc:Choice Requires="a14">
           <p:sp>
             <p:nvSpPr>
               <p:cNvPr id="2281" name="テキスト ボックス 2280">
                 <a:extLst>
                   <a:ext uri="{FF2B5EF4-FFF2-40B4-BE49-F238E27FC236}">
-                    <a16:creationId xmlns="" xmlns:a16="http://schemas.microsoft.com/office/drawing/2014/main" id="{6DAFFFD6-997E-4295-8337-371E646493AD}"/>
+                    <a16:creationId xmlns:a16="http://schemas.microsoft.com/office/drawing/2014/main" xmlns="" id="{6DAFFFD6-997E-4295-8337-371E646493AD}"/>
                   </a:ext>
                 </a:extLst>
               </p:cNvPr>
@@ -4265,7 +4266,7 @@
             </p:txBody>
           </p:sp>
         </mc:Choice>
-        <mc:Fallback>
+        <mc:Fallback xmlns="">
           <p:sp>
             <p:nvSpPr>
               <p:cNvPr id="2281" name="テキスト ボックス 2280">
@@ -4310,14 +4311,14 @@
           </p:sp>
         </mc:Fallback>
       </mc:AlternateContent>
-      <mc:AlternateContent xmlns:mc="http://schemas.openxmlformats.org/markup-compatibility/2006">
-        <mc:Choice xmlns:a14="http://schemas.microsoft.com/office/drawing/2010/main" Requires="a14">
+      <mc:AlternateContent xmlns:mc="http://schemas.openxmlformats.org/markup-compatibility/2006" xmlns:a14="http://schemas.microsoft.com/office/drawing/2010/main">
+        <mc:Choice Requires="a14">
           <p:sp>
             <p:nvSpPr>
               <p:cNvPr id="2282" name="テキスト ボックス 2281">
                 <a:extLst>
                   <a:ext uri="{FF2B5EF4-FFF2-40B4-BE49-F238E27FC236}">
-                    <a16:creationId xmlns="" xmlns:a16="http://schemas.microsoft.com/office/drawing/2014/main" id="{07010F26-716B-423D-9E77-19B5E202747E}"/>
+                    <a16:creationId xmlns:a16="http://schemas.microsoft.com/office/drawing/2014/main" xmlns="" id="{07010F26-716B-423D-9E77-19B5E202747E}"/>
                   </a:ext>
                 </a:extLst>
               </p:cNvPr>
@@ -4453,7 +4454,7 @@
             </p:txBody>
           </p:sp>
         </mc:Choice>
-        <mc:Fallback>
+        <mc:Fallback xmlns="">
           <p:sp>
             <p:nvSpPr>
               <p:cNvPr id="2282" name="テキスト ボックス 2281">
@@ -4498,14 +4499,14 @@
           </p:sp>
         </mc:Fallback>
       </mc:AlternateContent>
-      <mc:AlternateContent xmlns:mc="http://schemas.openxmlformats.org/markup-compatibility/2006">
-        <mc:Choice xmlns:a14="http://schemas.microsoft.com/office/drawing/2010/main" Requires="a14">
+      <mc:AlternateContent xmlns:mc="http://schemas.openxmlformats.org/markup-compatibility/2006" xmlns:a14="http://schemas.microsoft.com/office/drawing/2010/main">
+        <mc:Choice Requires="a14">
           <p:sp>
             <p:nvSpPr>
               <p:cNvPr id="2283" name="テキスト ボックス 2282">
                 <a:extLst>
                   <a:ext uri="{FF2B5EF4-FFF2-40B4-BE49-F238E27FC236}">
-                    <a16:creationId xmlns="" xmlns:a16="http://schemas.microsoft.com/office/drawing/2014/main" id="{65944549-9B1C-4094-8DD6-656F7C2BBAD6}"/>
+                    <a16:creationId xmlns:a16="http://schemas.microsoft.com/office/drawing/2014/main" xmlns="" id="{65944549-9B1C-4094-8DD6-656F7C2BBAD6}"/>
                   </a:ext>
                 </a:extLst>
               </p:cNvPr>
@@ -4580,7 +4581,7 @@
             </p:txBody>
           </p:sp>
         </mc:Choice>
-        <mc:Fallback>
+        <mc:Fallback xmlns="">
           <p:sp>
             <p:nvSpPr>
               <p:cNvPr id="2283" name="テキスト ボックス 2282">
@@ -4632,7 +4633,7 @@
               <p:cNvPr id="2284" name="テキスト ボックス 2283">
                 <a:extLst>
                   <a:ext uri="{FF2B5EF4-FFF2-40B4-BE49-F238E27FC236}">
-                    <a16:creationId xmlns="" xmlns:a16="http://schemas.microsoft.com/office/drawing/2014/main" id="{7FF99950-E7CA-404A-865F-5BBFC675F700}"/>
+                    <a16:creationId xmlns:a16="http://schemas.microsoft.com/office/drawing/2014/main" xmlns="" id="{7FF99950-E7CA-404A-865F-5BBFC675F700}"/>
                   </a:ext>
                 </a:extLst>
               </p:cNvPr>
@@ -7222,6 +7223,3924 @@
     <p:extLst>
       <p:ext uri="{BB962C8B-B14F-4D97-AF65-F5344CB8AC3E}">
         <p14:creationId xmlns:p14="http://schemas.microsoft.com/office/powerpoint/2010/main" val="2840053961"/>
+      </p:ext>
+    </p:extLst>
+  </p:cSld>
+  <p:clrMapOvr>
+    <a:masterClrMapping/>
+  </p:clrMapOvr>
+  <p:timing>
+    <p:tnLst>
+      <p:par>
+        <p:cTn id="1" dur="indefinite" restart="never" nodeType="tmRoot"/>
+      </p:par>
+    </p:tnLst>
+  </p:timing>
+</p:sld>
+</file>
+
+<file path=ppt/slides/slide2.xml><?xml version="1.0" encoding="utf-8"?>
+<p:sld xmlns:a="http://schemas.openxmlformats.org/drawingml/2006/main" xmlns:r="http://schemas.openxmlformats.org/officeDocument/2006/relationships" xmlns:p="http://schemas.openxmlformats.org/presentationml/2006/main">
+  <p:cSld>
+    <p:spTree>
+      <p:nvGrpSpPr>
+        <p:cNvPr id="1" name=""/>
+        <p:cNvGrpSpPr/>
+        <p:nvPr/>
+      </p:nvGrpSpPr>
+      <p:grpSpPr>
+        <a:xfrm>
+          <a:off x="0" y="0"/>
+          <a:ext cx="0" cy="0"/>
+          <a:chOff x="0" y="0"/>
+          <a:chExt cx="0" cy="0"/>
+        </a:xfrm>
+      </p:grpSpPr>
+      <p:sp>
+        <p:nvSpPr>
+          <p:cNvPr id="2269" name="左中かっこ 2268">
+            <a:extLst>
+              <a:ext uri="{FF2B5EF4-FFF2-40B4-BE49-F238E27FC236}">
+                <a16:creationId xmlns:a16="http://schemas.microsoft.com/office/drawing/2014/main" xmlns="" id="{7484E61E-C510-4FF0-978A-471330A22C3C}"/>
+              </a:ext>
+            </a:extLst>
+          </p:cNvPr>
+          <p:cNvSpPr/>
+          <p:nvPr/>
+        </p:nvSpPr>
+        <p:spPr>
+          <a:xfrm rot="5400000">
+            <a:off x="2185464" y="459401"/>
+            <a:ext cx="116052" cy="457727"/>
+          </a:xfrm>
+          <a:prstGeom prst="leftBrace">
+            <a:avLst>
+              <a:gd name="adj1" fmla="val 10925"/>
+              <a:gd name="adj2" fmla="val 50000"/>
+            </a:avLst>
+          </a:prstGeom>
+          <a:effectLst/>
+          <a:scene3d>
+            <a:camera prst="orthographicFront">
+              <a:rot lat="0" lon="0" rev="0"/>
+            </a:camera>
+            <a:lightRig rig="twoPt" dir="t">
+              <a:rot lat="0" lon="0" rev="4800000"/>
+            </a:lightRig>
+          </a:scene3d>
+          <a:sp3d prstMaterial="matte"/>
+        </p:spPr>
+        <p:style>
+          <a:lnRef idx="3">
+            <a:schemeClr val="dk1"/>
+          </a:lnRef>
+          <a:fillRef idx="0">
+            <a:schemeClr val="dk1"/>
+          </a:fillRef>
+          <a:effectRef idx="2">
+            <a:schemeClr val="dk1"/>
+          </a:effectRef>
+          <a:fontRef idx="minor">
+            <a:schemeClr val="tx1"/>
+          </a:fontRef>
+        </p:style>
+        <p:txBody>
+          <a:bodyPr rtlCol="0" anchor="ctr"/>
+          <a:lstStyle/>
+          <a:p>
+            <a:pPr algn="ctr"/>
+            <a:endParaRPr lang="ja-JP" altLang="en-US"/>
+          </a:p>
+        </p:txBody>
+      </p:sp>
+      <p:sp>
+        <p:nvSpPr>
+          <p:cNvPr id="2270" name="左中かっこ 2269">
+            <a:extLst>
+              <a:ext uri="{FF2B5EF4-FFF2-40B4-BE49-F238E27FC236}">
+                <a16:creationId xmlns:a16="http://schemas.microsoft.com/office/drawing/2014/main" xmlns="" id="{7484E61E-C510-4FF0-978A-471330A22C3C}"/>
+              </a:ext>
+            </a:extLst>
+          </p:cNvPr>
+          <p:cNvSpPr/>
+          <p:nvPr/>
+        </p:nvSpPr>
+        <p:spPr>
+          <a:xfrm>
+            <a:off x="1375241" y="3808225"/>
+            <a:ext cx="138417" cy="317297"/>
+          </a:xfrm>
+          <a:prstGeom prst="leftBrace">
+            <a:avLst>
+              <a:gd name="adj1" fmla="val 10925"/>
+              <a:gd name="adj2" fmla="val 50000"/>
+            </a:avLst>
+          </a:prstGeom>
+          <a:effectLst/>
+          <a:scene3d>
+            <a:camera prst="orthographicFront">
+              <a:rot lat="0" lon="0" rev="0"/>
+            </a:camera>
+            <a:lightRig rig="twoPt" dir="t">
+              <a:rot lat="0" lon="0" rev="4800000"/>
+            </a:lightRig>
+          </a:scene3d>
+          <a:sp3d prstMaterial="matte"/>
+        </p:spPr>
+        <p:style>
+          <a:lnRef idx="3">
+            <a:schemeClr val="dk1"/>
+          </a:lnRef>
+          <a:fillRef idx="0">
+            <a:schemeClr val="dk1"/>
+          </a:fillRef>
+          <a:effectRef idx="2">
+            <a:schemeClr val="dk1"/>
+          </a:effectRef>
+          <a:fontRef idx="minor">
+            <a:schemeClr val="tx1"/>
+          </a:fontRef>
+        </p:style>
+        <p:txBody>
+          <a:bodyPr rtlCol="0" anchor="ctr"/>
+          <a:lstStyle/>
+          <a:p>
+            <a:pPr algn="ctr"/>
+            <a:endParaRPr lang="ja-JP" altLang="en-US"/>
+          </a:p>
+        </p:txBody>
+      </p:sp>
+      <mc:AlternateContent xmlns:mc="http://schemas.openxmlformats.org/markup-compatibility/2006" xmlns:a14="http://schemas.microsoft.com/office/drawing/2010/main">
+        <mc:Choice Requires="a14">
+          <p:sp>
+            <p:nvSpPr>
+              <p:cNvPr id="2271" name="テキスト ボックス 2270">
+                <a:extLst>
+                  <a:ext uri="{FF2B5EF4-FFF2-40B4-BE49-F238E27FC236}">
+                    <a16:creationId xmlns:a16="http://schemas.microsoft.com/office/drawing/2014/main" xmlns="" id="{6DAFFFD6-997E-4295-8337-371E646493AD}"/>
+                  </a:ext>
+                </a:extLst>
+              </p:cNvPr>
+              <p:cNvSpPr txBox="1"/>
+              <p:nvPr/>
+            </p:nvSpPr>
+            <p:spPr>
+              <a:xfrm>
+                <a:off x="767663" y="3700390"/>
+                <a:ext cx="434118" cy="523220"/>
+              </a:xfrm>
+              <a:prstGeom prst="rect">
+                <a:avLst/>
+              </a:prstGeom>
+              <a:noFill/>
+            </p:spPr>
+            <p:txBody>
+              <a:bodyPr wrap="square" rtlCol="0">
+                <a:spAutoFit/>
+              </a:bodyPr>
+              <a:lstStyle/>
+              <a:p>
+                <a:pPr/>
+                <a14:m>
+                  <m:oMathPara xmlns:m="http://schemas.openxmlformats.org/officeDocument/2006/math">
+                    <m:oMathParaPr>
+                      <m:jc m:val="centerGroup"/>
+                    </m:oMathParaPr>
+                    <m:oMath xmlns:m="http://schemas.openxmlformats.org/officeDocument/2006/math">
+                      <m:r>
+                        <a:rPr lang="en-US" altLang="ja-JP" sz="2800" i="1">
+                          <a:latin typeface="Cambria Math" panose="02040503050406030204" pitchFamily="18" charset="0"/>
+                        </a:rPr>
+                        <m:t>2</m:t>
+                      </m:r>
+                      <m:r>
+                        <a:rPr lang="en-US" altLang="ja-JP" sz="2800" i="1">
+                          <a:latin typeface="Cambria Math" panose="02040503050406030204" pitchFamily="18" charset="0"/>
+                        </a:rPr>
+                        <m:t>𝑡</m:t>
+                      </m:r>
+                    </m:oMath>
+                  </m:oMathPara>
+                </a14:m>
+                <a:endParaRPr lang="en-US" altLang="ja-JP" sz="2800" dirty="0"/>
+              </a:p>
+            </p:txBody>
+          </p:sp>
+        </mc:Choice>
+        <mc:Fallback xmlns="">
+          <p:sp>
+            <p:nvSpPr>
+              <p:cNvPr id="2271" name="テキスト ボックス 2270">
+                <a:extLst>
+                  <a:ext uri="{FF2B5EF4-FFF2-40B4-BE49-F238E27FC236}">
+                    <a16:creationId xmlns:a16="http://schemas.microsoft.com/office/drawing/2014/main" xmlns="" xmlns:a14="http://schemas.microsoft.com/office/drawing/2010/main" id="{6DAFFFD6-997E-4295-8337-371E646493AD}"/>
+                  </a:ext>
+                </a:extLst>
+              </p:cNvPr>
+              <p:cNvSpPr txBox="1">
+                <a:spLocks noRot="1" noChangeAspect="1" noMove="1" noResize="1" noEditPoints="1" noAdjustHandles="1" noChangeArrowheads="1" noChangeShapeType="1" noTextEdit="1"/>
+              </p:cNvSpPr>
+              <p:nvPr/>
+            </p:nvSpPr>
+            <p:spPr>
+              <a:xfrm>
+                <a:off x="767663" y="3700390"/>
+                <a:ext cx="434118" cy="523220"/>
+              </a:xfrm>
+              <a:prstGeom prst="rect">
+                <a:avLst/>
+              </a:prstGeom>
+              <a:blipFill rotWithShape="0">
+                <a:blip r:embed="rId2"/>
+                <a:stretch>
+                  <a:fillRect/>
+                </a:stretch>
+              </a:blipFill>
+            </p:spPr>
+            <p:txBody>
+              <a:bodyPr/>
+              <a:lstStyle/>
+              <a:p>
+                <a:r>
+                  <a:rPr lang="ja-JP" altLang="en-US">
+                    <a:noFill/>
+                  </a:rPr>
+                  <a:t> </a:t>
+                </a:r>
+              </a:p>
+            </p:txBody>
+          </p:sp>
+        </mc:Fallback>
+      </mc:AlternateContent>
+      <p:sp>
+        <p:nvSpPr>
+          <p:cNvPr id="2272" name="左中かっこ 2271">
+            <a:extLst>
+              <a:ext uri="{FF2B5EF4-FFF2-40B4-BE49-F238E27FC236}">
+                <a16:creationId xmlns:a16="http://schemas.microsoft.com/office/drawing/2014/main" xmlns="" id="{7484E61E-C510-4FF0-978A-471330A22C3C}"/>
+              </a:ext>
+            </a:extLst>
+          </p:cNvPr>
+          <p:cNvSpPr/>
+          <p:nvPr/>
+        </p:nvSpPr>
+        <p:spPr>
+          <a:xfrm>
+            <a:off x="1387930" y="746291"/>
+            <a:ext cx="125728" cy="1242466"/>
+          </a:xfrm>
+          <a:prstGeom prst="leftBrace">
+            <a:avLst>
+              <a:gd name="adj1" fmla="val 10925"/>
+              <a:gd name="adj2" fmla="val 50000"/>
+            </a:avLst>
+          </a:prstGeom>
+          <a:effectLst/>
+          <a:scene3d>
+            <a:camera prst="orthographicFront">
+              <a:rot lat="0" lon="0" rev="0"/>
+            </a:camera>
+            <a:lightRig rig="twoPt" dir="t">
+              <a:rot lat="0" lon="0" rev="4800000"/>
+            </a:lightRig>
+          </a:scene3d>
+          <a:sp3d prstMaterial="matte"/>
+        </p:spPr>
+        <p:style>
+          <a:lnRef idx="3">
+            <a:schemeClr val="dk1"/>
+          </a:lnRef>
+          <a:fillRef idx="0">
+            <a:schemeClr val="dk1"/>
+          </a:fillRef>
+          <a:effectRef idx="2">
+            <a:schemeClr val="dk1"/>
+          </a:effectRef>
+          <a:fontRef idx="minor">
+            <a:schemeClr val="tx1"/>
+          </a:fontRef>
+        </p:style>
+        <p:txBody>
+          <a:bodyPr rtlCol="0" anchor="ctr"/>
+          <a:lstStyle/>
+          <a:p>
+            <a:pPr algn="ctr"/>
+            <a:endParaRPr lang="ja-JP" altLang="en-US"/>
+          </a:p>
+        </p:txBody>
+      </p:sp>
+      <mc:AlternateContent xmlns:mc="http://schemas.openxmlformats.org/markup-compatibility/2006" xmlns:a14="http://schemas.microsoft.com/office/drawing/2010/main">
+        <mc:Choice Requires="a14">
+          <p:sp>
+            <p:nvSpPr>
+              <p:cNvPr id="2273" name="テキスト ボックス 2272">
+                <a:extLst>
+                  <a:ext uri="{FF2B5EF4-FFF2-40B4-BE49-F238E27FC236}">
+                    <a16:creationId xmlns:a16="http://schemas.microsoft.com/office/drawing/2014/main" xmlns="" id="{6DAFFFD6-997E-4295-8337-371E646493AD}"/>
+                  </a:ext>
+                </a:extLst>
+              </p:cNvPr>
+              <p:cNvSpPr txBox="1"/>
+              <p:nvPr/>
+            </p:nvSpPr>
+            <p:spPr>
+              <a:xfrm>
+                <a:off x="4" y="1104660"/>
+                <a:ext cx="1691397" cy="461665"/>
+              </a:xfrm>
+              <a:prstGeom prst="rect">
+                <a:avLst/>
+              </a:prstGeom>
+              <a:noFill/>
+            </p:spPr>
+            <p:txBody>
+              <a:bodyPr wrap="square" rtlCol="0">
+                <a:spAutoFit/>
+              </a:bodyPr>
+              <a:lstStyle/>
+              <a:p>
+                <a14:m>
+                  <m:oMath xmlns:m="http://schemas.openxmlformats.org/officeDocument/2006/math">
+                    <m:r>
+                      <a:rPr lang="en-US" altLang="ja-JP" sz="2400" i="1">
+                        <a:latin typeface="Cambria Math" panose="02040503050406030204" pitchFamily="18" charset="0"/>
+                      </a:rPr>
+                      <m:t>8</m:t>
+                    </m:r>
+                    <m:r>
+                      <a:rPr lang="en-US" altLang="ja-JP" sz="2400" i="1">
+                        <a:latin typeface="Cambria Math" panose="02040503050406030204" pitchFamily="18" charset="0"/>
+                      </a:rPr>
+                      <m:t>𝑠</m:t>
+                    </m:r>
+                    <m:sSup>
+                      <m:sSupPr>
+                        <m:ctrlPr>
+                          <a:rPr lang="en-US" altLang="ja-JP" sz="2400" i="1">
+                            <a:latin typeface="Cambria Math" panose="02040503050406030204" pitchFamily="18" charset="0"/>
+                          </a:rPr>
+                        </m:ctrlPr>
+                      </m:sSupPr>
+                      <m:e>
+                        <m:r>
+                          <a:rPr lang="en-US" altLang="ja-JP" sz="2400" i="1">
+                            <a:latin typeface="Cambria Math" panose="02040503050406030204" pitchFamily="18" charset="0"/>
+                          </a:rPr>
+                          <m:t>𝑡</m:t>
+                        </m:r>
+                      </m:e>
+                      <m:sup>
+                        <m:r>
+                          <a:rPr lang="en-US" altLang="ja-JP" sz="2400" i="1">
+                            <a:latin typeface="Cambria Math" panose="02040503050406030204" pitchFamily="18" charset="0"/>
+                          </a:rPr>
+                          <m:t>2</m:t>
+                        </m:r>
+                      </m:sup>
+                    </m:sSup>
+                  </m:oMath>
+                </a14:m>
+                <a:r>
+                  <a:rPr lang="en-US" altLang="ja-JP" sz="2400" dirty="0"/>
+                  <a:t>+</a:t>
+                </a:r>
+                <a14:m>
+                  <m:oMath xmlns:m="http://schemas.openxmlformats.org/officeDocument/2006/math">
+                    <m:r>
+                      <a:rPr lang="en-US" altLang="ja-JP" sz="2400" i="1">
+                        <a:latin typeface="Cambria Math" panose="02040503050406030204" pitchFamily="18" charset="0"/>
+                      </a:rPr>
+                      <m:t>8</m:t>
+                    </m:r>
+                    <m:sSup>
+                      <m:sSupPr>
+                        <m:ctrlPr>
+                          <a:rPr lang="en-US" altLang="ja-JP" sz="2400" i="1">
+                            <a:latin typeface="Cambria Math" panose="02040503050406030204" pitchFamily="18" charset="0"/>
+                          </a:rPr>
+                        </m:ctrlPr>
+                      </m:sSupPr>
+                      <m:e>
+                        <m:r>
+                          <a:rPr lang="en-US" altLang="ja-JP" sz="2400" i="1">
+                            <a:latin typeface="Cambria Math" panose="02040503050406030204" pitchFamily="18" charset="0"/>
+                          </a:rPr>
+                          <m:t>𝑡</m:t>
+                        </m:r>
+                      </m:e>
+                      <m:sup>
+                        <m:r>
+                          <a:rPr lang="en-US" altLang="ja-JP" sz="2400" i="1">
+                            <a:latin typeface="Cambria Math" panose="02040503050406030204" pitchFamily="18" charset="0"/>
+                          </a:rPr>
+                          <m:t>2</m:t>
+                        </m:r>
+                      </m:sup>
+                    </m:sSup>
+                  </m:oMath>
+                </a14:m>
+                <a:endParaRPr lang="en-US" altLang="ja-JP" sz="2400" dirty="0"/>
+              </a:p>
+            </p:txBody>
+          </p:sp>
+        </mc:Choice>
+        <mc:Fallback xmlns="">
+          <p:sp>
+            <p:nvSpPr>
+              <p:cNvPr id="2273" name="テキスト ボックス 2272">
+                <a:extLst>
+                  <a:ext uri="{FF2B5EF4-FFF2-40B4-BE49-F238E27FC236}">
+                    <a16:creationId xmlns:a16="http://schemas.microsoft.com/office/drawing/2014/main" xmlns="" xmlns:a14="http://schemas.microsoft.com/office/drawing/2010/main" id="{6DAFFFD6-997E-4295-8337-371E646493AD}"/>
+                  </a:ext>
+                </a:extLst>
+              </p:cNvPr>
+              <p:cNvSpPr txBox="1">
+                <a:spLocks noRot="1" noChangeAspect="1" noMove="1" noResize="1" noEditPoints="1" noAdjustHandles="1" noChangeArrowheads="1" noChangeShapeType="1" noTextEdit="1"/>
+              </p:cNvSpPr>
+              <p:nvPr/>
+            </p:nvSpPr>
+            <p:spPr>
+              <a:xfrm>
+                <a:off x="4" y="1104660"/>
+                <a:ext cx="1691397" cy="461665"/>
+              </a:xfrm>
+              <a:prstGeom prst="rect">
+                <a:avLst/>
+              </a:prstGeom>
+              <a:blipFill rotWithShape="0">
+                <a:blip r:embed="rId3"/>
+                <a:stretch>
+                  <a:fillRect l="-722" t="-10526" b="-28947"/>
+                </a:stretch>
+              </a:blipFill>
+            </p:spPr>
+            <p:txBody>
+              <a:bodyPr/>
+              <a:lstStyle/>
+              <a:p>
+                <a:r>
+                  <a:rPr lang="ja-JP" altLang="en-US">
+                    <a:noFill/>
+                  </a:rPr>
+                  <a:t> </a:t>
+                </a:r>
+              </a:p>
+            </p:txBody>
+          </p:sp>
+        </mc:Fallback>
+      </mc:AlternateContent>
+      <p:sp>
+        <p:nvSpPr>
+          <p:cNvPr id="2274" name="左中かっこ 2273"/>
+          <p:cNvSpPr/>
+          <p:nvPr/>
+        </p:nvSpPr>
+        <p:spPr>
+          <a:xfrm rot="16200000">
+            <a:off x="5430048" y="4463490"/>
+            <a:ext cx="199347" cy="2309663"/>
+          </a:xfrm>
+          <a:prstGeom prst="leftBrace">
+            <a:avLst>
+              <a:gd name="adj1" fmla="val 10925"/>
+              <a:gd name="adj2" fmla="val 50000"/>
+            </a:avLst>
+          </a:prstGeom>
+          <a:effectLst/>
+          <a:scene3d>
+            <a:camera prst="orthographicFront">
+              <a:rot lat="0" lon="0" rev="0"/>
+            </a:camera>
+            <a:lightRig rig="twoPt" dir="t">
+              <a:rot lat="0" lon="0" rev="4800000"/>
+            </a:lightRig>
+          </a:scene3d>
+          <a:sp3d prstMaterial="matte"/>
+        </p:spPr>
+        <p:style>
+          <a:lnRef idx="3">
+            <a:schemeClr val="dk1"/>
+          </a:lnRef>
+          <a:fillRef idx="0">
+            <a:schemeClr val="dk1"/>
+          </a:fillRef>
+          <a:effectRef idx="2">
+            <a:schemeClr val="dk1"/>
+          </a:effectRef>
+          <a:fontRef idx="minor">
+            <a:schemeClr val="tx1"/>
+          </a:fontRef>
+        </p:style>
+        <p:txBody>
+          <a:bodyPr rtlCol="0" anchor="ctr"/>
+          <a:lstStyle/>
+          <a:p>
+            <a:pPr algn="ctr"/>
+            <a:endParaRPr lang="ja-JP" altLang="en-US"/>
+          </a:p>
+        </p:txBody>
+      </p:sp>
+      <p:sp>
+        <p:nvSpPr>
+          <p:cNvPr id="2275" name="左中かっこ 2274"/>
+          <p:cNvSpPr/>
+          <p:nvPr/>
+        </p:nvSpPr>
+        <p:spPr>
+          <a:xfrm rot="16200000">
+            <a:off x="10571543" y="4926546"/>
+            <a:ext cx="188240" cy="1394657"/>
+          </a:xfrm>
+          <a:prstGeom prst="leftBrace">
+            <a:avLst>
+              <a:gd name="adj1" fmla="val 10925"/>
+              <a:gd name="adj2" fmla="val 50000"/>
+            </a:avLst>
+          </a:prstGeom>
+          <a:effectLst/>
+          <a:scene3d>
+            <a:camera prst="orthographicFront">
+              <a:rot lat="0" lon="0" rev="0"/>
+            </a:camera>
+            <a:lightRig rig="twoPt" dir="t">
+              <a:rot lat="0" lon="0" rev="4800000"/>
+            </a:lightRig>
+          </a:scene3d>
+          <a:sp3d prstMaterial="matte"/>
+        </p:spPr>
+        <p:style>
+          <a:lnRef idx="3">
+            <a:schemeClr val="dk1"/>
+          </a:lnRef>
+          <a:fillRef idx="0">
+            <a:schemeClr val="dk1"/>
+          </a:fillRef>
+          <a:effectRef idx="2">
+            <a:schemeClr val="dk1"/>
+          </a:effectRef>
+          <a:fontRef idx="minor">
+            <a:schemeClr val="tx1"/>
+          </a:fontRef>
+        </p:style>
+        <p:txBody>
+          <a:bodyPr rtlCol="0" anchor="ctr"/>
+          <a:lstStyle/>
+          <a:p>
+            <a:pPr algn="ctr"/>
+            <a:endParaRPr lang="ja-JP" altLang="en-US"/>
+          </a:p>
+        </p:txBody>
+      </p:sp>
+      <p:sp>
+        <p:nvSpPr>
+          <p:cNvPr id="2276" name="左中かっこ 2275"/>
+          <p:cNvSpPr/>
+          <p:nvPr/>
+        </p:nvSpPr>
+        <p:spPr>
+          <a:xfrm rot="16200000">
+            <a:off x="8242999" y="3992660"/>
+            <a:ext cx="167284" cy="3283385"/>
+          </a:xfrm>
+          <a:prstGeom prst="leftBrace">
+            <a:avLst>
+              <a:gd name="adj1" fmla="val 10925"/>
+              <a:gd name="adj2" fmla="val 50000"/>
+            </a:avLst>
+          </a:prstGeom>
+          <a:effectLst/>
+          <a:scene3d>
+            <a:camera prst="orthographicFront">
+              <a:rot lat="0" lon="0" rev="0"/>
+            </a:camera>
+            <a:lightRig rig="twoPt" dir="t">
+              <a:rot lat="0" lon="0" rev="4800000"/>
+            </a:lightRig>
+          </a:scene3d>
+          <a:sp3d prstMaterial="matte"/>
+        </p:spPr>
+        <p:style>
+          <a:lnRef idx="3">
+            <a:schemeClr val="dk1"/>
+          </a:lnRef>
+          <a:fillRef idx="0">
+            <a:schemeClr val="dk1"/>
+          </a:fillRef>
+          <a:effectRef idx="2">
+            <a:schemeClr val="dk1"/>
+          </a:effectRef>
+          <a:fontRef idx="minor">
+            <a:schemeClr val="tx1"/>
+          </a:fontRef>
+        </p:style>
+        <p:txBody>
+          <a:bodyPr rtlCol="0" anchor="ctr"/>
+          <a:lstStyle/>
+          <a:p>
+            <a:pPr algn="ctr"/>
+            <a:endParaRPr lang="ja-JP" altLang="en-US"/>
+          </a:p>
+        </p:txBody>
+      </p:sp>
+      <p:sp>
+        <p:nvSpPr>
+          <p:cNvPr id="2277" name="左中かっこ 2276"/>
+          <p:cNvSpPr/>
+          <p:nvPr/>
+        </p:nvSpPr>
+        <p:spPr>
+          <a:xfrm rot="16200000">
+            <a:off x="3118380" y="4442697"/>
+            <a:ext cx="116493" cy="2324001"/>
+          </a:xfrm>
+          <a:prstGeom prst="leftBrace">
+            <a:avLst>
+              <a:gd name="adj1" fmla="val 10925"/>
+              <a:gd name="adj2" fmla="val 50000"/>
+            </a:avLst>
+          </a:prstGeom>
+          <a:effectLst/>
+          <a:scene3d>
+            <a:camera prst="orthographicFront">
+              <a:rot lat="0" lon="0" rev="0"/>
+            </a:camera>
+            <a:lightRig rig="twoPt" dir="t">
+              <a:rot lat="0" lon="0" rev="4800000"/>
+            </a:lightRig>
+          </a:scene3d>
+          <a:sp3d prstMaterial="matte"/>
+        </p:spPr>
+        <p:style>
+          <a:lnRef idx="3">
+            <a:schemeClr val="dk1"/>
+          </a:lnRef>
+          <a:fillRef idx="0">
+            <a:schemeClr val="dk1"/>
+          </a:fillRef>
+          <a:effectRef idx="2">
+            <a:schemeClr val="dk1"/>
+          </a:effectRef>
+          <a:fontRef idx="minor">
+            <a:schemeClr val="tx1"/>
+          </a:fontRef>
+        </p:style>
+        <p:txBody>
+          <a:bodyPr rtlCol="0" anchor="ctr"/>
+          <a:lstStyle/>
+          <a:p>
+            <a:pPr algn="ctr"/>
+            <a:endParaRPr lang="ja-JP" altLang="en-US"/>
+          </a:p>
+        </p:txBody>
+      </p:sp>
+      <mc:AlternateContent xmlns:mc="http://schemas.openxmlformats.org/markup-compatibility/2006" xmlns:a14="http://schemas.microsoft.com/office/drawing/2010/main">
+        <mc:Choice Requires="a14">
+          <p:sp>
+            <p:nvSpPr>
+              <p:cNvPr id="2278" name="テキスト ボックス 2277"/>
+              <p:cNvSpPr txBox="1"/>
+              <p:nvPr/>
+            </p:nvSpPr>
+            <p:spPr>
+              <a:xfrm>
+                <a:off x="2173118" y="5634350"/>
+                <a:ext cx="1940218" cy="523220"/>
+              </a:xfrm>
+              <a:prstGeom prst="rect">
+                <a:avLst/>
+              </a:prstGeom>
+              <a:noFill/>
+            </p:spPr>
+            <p:txBody>
+              <a:bodyPr wrap="square" rtlCol="0">
+                <a:spAutoFit/>
+              </a:bodyPr>
+              <a:lstStyle/>
+              <a:p>
+                <a:pPr/>
+                <a14:m>
+                  <m:oMathPara xmlns:m="http://schemas.openxmlformats.org/officeDocument/2006/math">
+                    <m:oMathParaPr>
+                      <m:jc m:val="centerGroup"/>
+                    </m:oMathParaPr>
+                    <m:oMath xmlns:m="http://schemas.openxmlformats.org/officeDocument/2006/math">
+                      <m:r>
+                        <a:rPr lang="en-US" altLang="ja-JP" sz="2800" b="0" i="1" dirty="0" smtClean="0">
+                          <a:latin typeface="Cambria Math" panose="02040503050406030204" pitchFamily="18" charset="0"/>
+                        </a:rPr>
+                        <m:t>4</m:t>
+                      </m:r>
+                      <m:r>
+                        <a:rPr lang="en-US" altLang="ja-JP" sz="2800" i="1" dirty="0">
+                          <a:latin typeface="Cambria Math" panose="02040503050406030204" pitchFamily="18" charset="0"/>
+                        </a:rPr>
+                        <m:t>𝑛</m:t>
+                      </m:r>
+                      <m:r>
+                        <a:rPr lang="en-US" altLang="ja-JP" sz="2800" b="0" i="1" dirty="0" smtClean="0">
+                          <a:latin typeface="Cambria Math" panose="02040503050406030204" pitchFamily="18" charset="0"/>
+                        </a:rPr>
+                        <m:t>𝑡</m:t>
+                      </m:r>
+                      <m:r>
+                        <a:rPr lang="en-US" altLang="ja-JP" sz="2800" i="1" dirty="0">
+                          <a:latin typeface="Cambria Math" panose="02040503050406030204" pitchFamily="18" charset="0"/>
+                        </a:rPr>
+                        <m:t>−</m:t>
+                      </m:r>
+                      <m:r>
+                        <a:rPr lang="en-US" altLang="ja-JP" sz="2800" b="0" i="1" dirty="0" smtClean="0">
+                          <a:latin typeface="Cambria Math" panose="02040503050406030204" pitchFamily="18" charset="0"/>
+                        </a:rPr>
+                        <m:t>2</m:t>
+                      </m:r>
+                      <m:r>
+                        <a:rPr lang="en-US" altLang="ja-JP" sz="2800" b="0" i="1" dirty="0" smtClean="0">
+                          <a:latin typeface="Cambria Math" panose="02040503050406030204" pitchFamily="18" charset="0"/>
+                        </a:rPr>
+                        <m:t>𝑡</m:t>
+                      </m:r>
+                    </m:oMath>
+                  </m:oMathPara>
+                </a14:m>
+                <a:endParaRPr lang="ja-JP" altLang="en-US" sz="2800" dirty="0"/>
+              </a:p>
+            </p:txBody>
+          </p:sp>
+        </mc:Choice>
+        <mc:Fallback xmlns="">
+          <p:sp>
+            <p:nvSpPr>
+              <p:cNvPr id="2278" name="テキスト ボックス 2277"/>
+              <p:cNvSpPr txBox="1">
+                <a:spLocks noRot="1" noChangeAspect="1" noMove="1" noResize="1" noEditPoints="1" noAdjustHandles="1" noChangeArrowheads="1" noChangeShapeType="1" noTextEdit="1"/>
+              </p:cNvSpPr>
+              <p:nvPr/>
+            </p:nvSpPr>
+            <p:spPr>
+              <a:xfrm>
+                <a:off x="2173118" y="5634350"/>
+                <a:ext cx="1940218" cy="523220"/>
+              </a:xfrm>
+              <a:prstGeom prst="rect">
+                <a:avLst/>
+              </a:prstGeom>
+              <a:blipFill rotWithShape="0">
+                <a:blip r:embed="rId4"/>
+                <a:stretch>
+                  <a:fillRect/>
+                </a:stretch>
+              </a:blipFill>
+            </p:spPr>
+            <p:txBody>
+              <a:bodyPr/>
+              <a:lstStyle/>
+              <a:p>
+                <a:r>
+                  <a:rPr lang="ja-JP" altLang="en-US">
+                    <a:noFill/>
+                  </a:rPr>
+                  <a:t> </a:t>
+                </a:r>
+              </a:p>
+            </p:txBody>
+          </p:sp>
+        </mc:Fallback>
+      </mc:AlternateContent>
+      <mc:AlternateContent xmlns:mc="http://schemas.openxmlformats.org/markup-compatibility/2006" xmlns:a14="http://schemas.microsoft.com/office/drawing/2010/main">
+        <mc:Choice Requires="a14">
+          <p:sp>
+            <p:nvSpPr>
+              <p:cNvPr id="2279" name="テキスト ボックス 2278">
+                <a:extLst>
+                  <a:ext uri="{FF2B5EF4-FFF2-40B4-BE49-F238E27FC236}">
+                    <a16:creationId xmlns:a16="http://schemas.microsoft.com/office/drawing/2014/main" xmlns="" id="{E4C3C1CC-7DFB-4879-9982-E12AF92D5157}"/>
+                  </a:ext>
+                </a:extLst>
+              </p:cNvPr>
+              <p:cNvSpPr txBox="1"/>
+              <p:nvPr/>
+            </p:nvSpPr>
+            <p:spPr>
+              <a:xfrm>
+                <a:off x="7360861" y="5631598"/>
+                <a:ext cx="1873276" cy="523220"/>
+              </a:xfrm>
+              <a:prstGeom prst="rect">
+                <a:avLst/>
+              </a:prstGeom>
+              <a:noFill/>
+            </p:spPr>
+            <p:txBody>
+              <a:bodyPr wrap="square" rtlCol="0">
+                <a:spAutoFit/>
+              </a:bodyPr>
+              <a:lstStyle/>
+              <a:p>
+                <a:pPr/>
+                <a14:m>
+                  <m:oMathPara xmlns:m="http://schemas.openxmlformats.org/officeDocument/2006/math">
+                    <m:oMathParaPr>
+                      <m:jc m:val="centerGroup"/>
+                    </m:oMathParaPr>
+                    <m:oMath xmlns:m="http://schemas.openxmlformats.org/officeDocument/2006/math">
+                      <m:r>
+                        <a:rPr lang="en-US" altLang="ja-JP" sz="2800" b="0" i="1" dirty="0" smtClean="0">
+                          <a:latin typeface="Cambria Math" panose="02040503050406030204" pitchFamily="18" charset="0"/>
+                        </a:rPr>
+                        <m:t>4</m:t>
+                      </m:r>
+                      <m:sSup>
+                        <m:sSupPr>
+                          <m:ctrlPr>
+                            <a:rPr lang="en-US" altLang="ja-JP" sz="2800" b="0" i="1" dirty="0" smtClean="0">
+                              <a:latin typeface="Cambria Math" panose="02040503050406030204" pitchFamily="18" charset="0"/>
+                            </a:rPr>
+                          </m:ctrlPr>
+                        </m:sSupPr>
+                        <m:e>
+                          <m:r>
+                            <a:rPr lang="en-US" altLang="ja-JP" sz="2800" b="0" i="1" dirty="0" smtClean="0">
+                              <a:latin typeface="Cambria Math" panose="02040503050406030204" pitchFamily="18" charset="0"/>
+                            </a:rPr>
+                            <m:t>𝑡</m:t>
+                          </m:r>
+                        </m:e>
+                        <m:sup>
+                          <m:r>
+                            <a:rPr lang="en-US" altLang="ja-JP" sz="2800" b="0" i="1" dirty="0" smtClean="0">
+                              <a:latin typeface="Cambria Math" panose="02040503050406030204" pitchFamily="18" charset="0"/>
+                            </a:rPr>
+                            <m:t>2</m:t>
+                          </m:r>
+                        </m:sup>
+                      </m:sSup>
+                      <m:r>
+                        <a:rPr lang="en-US" altLang="ja-JP" sz="2800" i="1" dirty="0">
+                          <a:latin typeface="Cambria Math" panose="02040503050406030204" pitchFamily="18" charset="0"/>
+                        </a:rPr>
+                        <m:t>−</m:t>
+                      </m:r>
+                      <m:r>
+                        <a:rPr lang="en-US" altLang="ja-JP" sz="2800" b="0" i="1" dirty="0" smtClean="0">
+                          <a:latin typeface="Cambria Math" panose="02040503050406030204" pitchFamily="18" charset="0"/>
+                        </a:rPr>
+                        <m:t>2</m:t>
+                      </m:r>
+                      <m:r>
+                        <a:rPr lang="en-US" altLang="ja-JP" sz="2800" b="0" i="1" dirty="0" smtClean="0">
+                          <a:latin typeface="Cambria Math" panose="02040503050406030204" pitchFamily="18" charset="0"/>
+                        </a:rPr>
+                        <m:t>𝑡</m:t>
+                      </m:r>
+                    </m:oMath>
+                  </m:oMathPara>
+                </a14:m>
+                <a:endParaRPr lang="ja-JP" altLang="en-US" sz="2800" dirty="0"/>
+              </a:p>
+            </p:txBody>
+          </p:sp>
+        </mc:Choice>
+        <mc:Fallback xmlns="">
+          <p:sp>
+            <p:nvSpPr>
+              <p:cNvPr id="2279" name="テキスト ボックス 2278">
+                <a:extLst>
+                  <a:ext uri="{FF2B5EF4-FFF2-40B4-BE49-F238E27FC236}">
+                    <a16:creationId xmlns="" xmlns:a16="http://schemas.microsoft.com/office/drawing/2014/main" xmlns:a14="http://schemas.microsoft.com/office/drawing/2010/main" id="{E4C3C1CC-7DFB-4879-9982-E12AF92D5157}"/>
+                  </a:ext>
+                </a:extLst>
+              </p:cNvPr>
+              <p:cNvSpPr txBox="1">
+                <a:spLocks noRot="1" noChangeAspect="1" noMove="1" noResize="1" noEditPoints="1" noAdjustHandles="1" noChangeArrowheads="1" noChangeShapeType="1" noTextEdit="1"/>
+              </p:cNvSpPr>
+              <p:nvPr/>
+            </p:nvSpPr>
+            <p:spPr>
+              <a:xfrm>
+                <a:off x="7360861" y="5631598"/>
+                <a:ext cx="1873276" cy="523220"/>
+              </a:xfrm>
+              <a:prstGeom prst="rect">
+                <a:avLst/>
+              </a:prstGeom>
+              <a:blipFill rotWithShape="0">
+                <a:blip r:embed="rId5"/>
+                <a:stretch>
+                  <a:fillRect/>
+                </a:stretch>
+              </a:blipFill>
+            </p:spPr>
+            <p:txBody>
+              <a:bodyPr/>
+              <a:lstStyle/>
+              <a:p>
+                <a:r>
+                  <a:rPr lang="ja-JP" altLang="en-US">
+                    <a:noFill/>
+                  </a:rPr>
+                  <a:t> </a:t>
+                </a:r>
+              </a:p>
+            </p:txBody>
+          </p:sp>
+        </mc:Fallback>
+      </mc:AlternateContent>
+      <p:sp>
+        <p:nvSpPr>
+          <p:cNvPr id="2280" name="左中かっこ 2279">
+            <a:extLst>
+              <a:ext uri="{FF2B5EF4-FFF2-40B4-BE49-F238E27FC236}">
+                <a16:creationId xmlns:a16="http://schemas.microsoft.com/office/drawing/2014/main" xmlns="" id="{7484E61E-C510-4FF0-978A-471330A22C3C}"/>
+              </a:ext>
+            </a:extLst>
+          </p:cNvPr>
+          <p:cNvSpPr/>
+          <p:nvPr/>
+        </p:nvSpPr>
+        <p:spPr>
+          <a:xfrm rot="16200000">
+            <a:off x="1682708" y="5374571"/>
+            <a:ext cx="138411" cy="438331"/>
+          </a:xfrm>
+          <a:prstGeom prst="leftBrace">
+            <a:avLst>
+              <a:gd name="adj1" fmla="val 10925"/>
+              <a:gd name="adj2" fmla="val 50000"/>
+            </a:avLst>
+          </a:prstGeom>
+          <a:effectLst/>
+          <a:scene3d>
+            <a:camera prst="orthographicFront">
+              <a:rot lat="0" lon="0" rev="0"/>
+            </a:camera>
+            <a:lightRig rig="twoPt" dir="t">
+              <a:rot lat="0" lon="0" rev="4800000"/>
+            </a:lightRig>
+          </a:scene3d>
+          <a:sp3d prstMaterial="matte"/>
+        </p:spPr>
+        <p:style>
+          <a:lnRef idx="3">
+            <a:schemeClr val="dk1"/>
+          </a:lnRef>
+          <a:fillRef idx="0">
+            <a:schemeClr val="dk1"/>
+          </a:fillRef>
+          <a:effectRef idx="2">
+            <a:schemeClr val="dk1"/>
+          </a:effectRef>
+          <a:fontRef idx="minor">
+            <a:schemeClr val="tx1"/>
+          </a:fontRef>
+        </p:style>
+        <p:txBody>
+          <a:bodyPr rtlCol="0" anchor="ctr"/>
+          <a:lstStyle/>
+          <a:p>
+            <a:pPr algn="ctr"/>
+            <a:endParaRPr lang="ja-JP" altLang="en-US"/>
+          </a:p>
+        </p:txBody>
+      </p:sp>
+      <mc:AlternateContent xmlns:mc="http://schemas.openxmlformats.org/markup-compatibility/2006" xmlns:a14="http://schemas.microsoft.com/office/drawing/2010/main">
+        <mc:Choice Requires="a14">
+          <p:sp>
+            <p:nvSpPr>
+              <p:cNvPr id="2281" name="テキスト ボックス 2280">
+                <a:extLst>
+                  <a:ext uri="{FF2B5EF4-FFF2-40B4-BE49-F238E27FC236}">
+                    <a16:creationId xmlns:a16="http://schemas.microsoft.com/office/drawing/2014/main" xmlns="" id="{6DAFFFD6-997E-4295-8337-371E646493AD}"/>
+                  </a:ext>
+                </a:extLst>
+              </p:cNvPr>
+              <p:cNvSpPr txBox="1"/>
+              <p:nvPr/>
+            </p:nvSpPr>
+            <p:spPr>
+              <a:xfrm>
+                <a:off x="1519208" y="5631621"/>
+                <a:ext cx="388432" cy="523220"/>
+              </a:xfrm>
+              <a:prstGeom prst="rect">
+                <a:avLst/>
+              </a:prstGeom>
+              <a:noFill/>
+            </p:spPr>
+            <p:txBody>
+              <a:bodyPr wrap="square" rtlCol="0">
+                <a:spAutoFit/>
+              </a:bodyPr>
+              <a:lstStyle/>
+              <a:p>
+                <a:pPr/>
+                <a14:m>
+                  <m:oMathPara xmlns:m="http://schemas.openxmlformats.org/officeDocument/2006/math">
+                    <m:oMathParaPr>
+                      <m:jc m:val="centerGroup"/>
+                    </m:oMathParaPr>
+                    <m:oMath xmlns:m="http://schemas.openxmlformats.org/officeDocument/2006/math">
+                      <m:r>
+                        <a:rPr lang="en-US" altLang="ja-JP" sz="2800" i="1">
+                          <a:latin typeface="Cambria Math" panose="02040503050406030204" pitchFamily="18" charset="0"/>
+                        </a:rPr>
+                        <m:t>2</m:t>
+                      </m:r>
+                      <m:r>
+                        <a:rPr lang="en-US" altLang="ja-JP" sz="2800" i="1">
+                          <a:latin typeface="Cambria Math" panose="02040503050406030204" pitchFamily="18" charset="0"/>
+                        </a:rPr>
+                        <m:t>𝑡</m:t>
+                      </m:r>
+                    </m:oMath>
+                  </m:oMathPara>
+                </a14:m>
+                <a:endParaRPr lang="en-US" altLang="ja-JP" sz="2800" dirty="0"/>
+              </a:p>
+            </p:txBody>
+          </p:sp>
+        </mc:Choice>
+        <mc:Fallback xmlns="">
+          <p:sp>
+            <p:nvSpPr>
+              <p:cNvPr id="2281" name="テキスト ボックス 2280">
+                <a:extLst>
+                  <a:ext uri="{FF2B5EF4-FFF2-40B4-BE49-F238E27FC236}">
+                    <a16:creationId xmlns="" xmlns:a16="http://schemas.microsoft.com/office/drawing/2014/main" xmlns:a14="http://schemas.microsoft.com/office/drawing/2010/main" id="{6DAFFFD6-997E-4295-8337-371E646493AD}"/>
+                  </a:ext>
+                </a:extLst>
+              </p:cNvPr>
+              <p:cNvSpPr txBox="1">
+                <a:spLocks noRot="1" noChangeAspect="1" noMove="1" noResize="1" noEditPoints="1" noAdjustHandles="1" noChangeArrowheads="1" noChangeShapeType="1" noTextEdit="1"/>
+              </p:cNvSpPr>
+              <p:nvPr/>
+            </p:nvSpPr>
+            <p:spPr>
+              <a:xfrm>
+                <a:off x="1519208" y="5631621"/>
+                <a:ext cx="388432" cy="523220"/>
+              </a:xfrm>
+              <a:prstGeom prst="rect">
+                <a:avLst/>
+              </a:prstGeom>
+              <a:blipFill rotWithShape="0">
+                <a:blip r:embed="rId6"/>
+                <a:stretch>
+                  <a:fillRect r="-9375"/>
+                </a:stretch>
+              </a:blipFill>
+            </p:spPr>
+            <p:txBody>
+              <a:bodyPr/>
+              <a:lstStyle/>
+              <a:p>
+                <a:r>
+                  <a:rPr lang="ja-JP" altLang="en-US">
+                    <a:noFill/>
+                  </a:rPr>
+                  <a:t> </a:t>
+                </a:r>
+              </a:p>
+            </p:txBody>
+          </p:sp>
+        </mc:Fallback>
+      </mc:AlternateContent>
+      <mc:AlternateContent xmlns:mc="http://schemas.openxmlformats.org/markup-compatibility/2006" xmlns:a14="http://schemas.microsoft.com/office/drawing/2010/main">
+        <mc:Choice Requires="a14">
+          <p:sp>
+            <p:nvSpPr>
+              <p:cNvPr id="2282" name="テキスト ボックス 2281">
+                <a:extLst>
+                  <a:ext uri="{FF2B5EF4-FFF2-40B4-BE49-F238E27FC236}">
+                    <a16:creationId xmlns:a16="http://schemas.microsoft.com/office/drawing/2014/main" xmlns="" id="{07010F26-716B-423D-9E77-19B5E202747E}"/>
+                  </a:ext>
+                </a:extLst>
+              </p:cNvPr>
+              <p:cNvSpPr txBox="1"/>
+              <p:nvPr/>
+            </p:nvSpPr>
+            <p:spPr>
+              <a:xfrm>
+                <a:off x="4113336" y="5631632"/>
+                <a:ext cx="2976883" cy="523220"/>
+              </a:xfrm>
+              <a:prstGeom prst="rect">
+                <a:avLst/>
+              </a:prstGeom>
+              <a:noFill/>
+            </p:spPr>
+            <p:txBody>
+              <a:bodyPr wrap="square" rtlCol="0">
+                <a:spAutoFit/>
+              </a:bodyPr>
+              <a:lstStyle/>
+              <a:p>
+                <a:pPr/>
+                <a14:m>
+                  <m:oMathPara xmlns:m="http://schemas.openxmlformats.org/officeDocument/2006/math">
+                    <m:oMathParaPr>
+                      <m:jc m:val="centerGroup"/>
+                    </m:oMathParaPr>
+                    <m:oMath xmlns:m="http://schemas.openxmlformats.org/officeDocument/2006/math">
+                      <m:r>
+                        <a:rPr lang="en-US" altLang="ja-JP" sz="2800" b="0" i="1" dirty="0" smtClean="0">
+                          <a:latin typeface="Cambria Math" panose="02040503050406030204" pitchFamily="18" charset="0"/>
+                        </a:rPr>
+                        <m:t>4</m:t>
+                      </m:r>
+                      <m:r>
+                        <a:rPr lang="en-US" altLang="ja-JP" sz="2800" i="1" dirty="0">
+                          <a:latin typeface="Cambria Math" panose="02040503050406030204" pitchFamily="18" charset="0"/>
+                        </a:rPr>
+                        <m:t>𝑠</m:t>
+                      </m:r>
+                      <m:sSup>
+                        <m:sSupPr>
+                          <m:ctrlPr>
+                            <a:rPr lang="en-US" altLang="ja-JP" sz="2800" b="0" i="1" dirty="0" smtClean="0">
+                              <a:latin typeface="Cambria Math" panose="02040503050406030204" pitchFamily="18" charset="0"/>
+                            </a:rPr>
+                          </m:ctrlPr>
+                        </m:sSupPr>
+                        <m:e>
+                          <m:r>
+                            <a:rPr lang="en-US" altLang="ja-JP" sz="2800" i="1" dirty="0">
+                              <a:latin typeface="Cambria Math" panose="02040503050406030204" pitchFamily="18" charset="0"/>
+                            </a:rPr>
+                            <m:t>𝑡</m:t>
+                          </m:r>
+                        </m:e>
+                        <m:sup>
+                          <m:r>
+                            <a:rPr lang="en-US" altLang="ja-JP" sz="2800" b="0" i="1" dirty="0" smtClean="0">
+                              <a:latin typeface="Cambria Math" panose="02040503050406030204" pitchFamily="18" charset="0"/>
+                            </a:rPr>
+                            <m:t>2</m:t>
+                          </m:r>
+                        </m:sup>
+                      </m:sSup>
+                      <m:r>
+                        <a:rPr lang="en-US" altLang="ja-JP" sz="2800" i="1" dirty="0">
+                          <a:latin typeface="Cambria Math" panose="02040503050406030204" pitchFamily="18" charset="0"/>
+                        </a:rPr>
+                        <m:t>+</m:t>
+                      </m:r>
+                      <m:r>
+                        <a:rPr lang="en-US" altLang="ja-JP" sz="2800" b="0" i="1" dirty="0" smtClean="0">
+                          <a:latin typeface="Cambria Math" panose="02040503050406030204" pitchFamily="18" charset="0"/>
+                        </a:rPr>
+                        <m:t>4</m:t>
+                      </m:r>
+                      <m:sSup>
+                        <m:sSupPr>
+                          <m:ctrlPr>
+                            <a:rPr lang="en-US" altLang="ja-JP" sz="2800" b="0" i="1" dirty="0" smtClean="0">
+                              <a:latin typeface="Cambria Math" panose="02040503050406030204" pitchFamily="18" charset="0"/>
+                            </a:rPr>
+                          </m:ctrlPr>
+                        </m:sSupPr>
+                        <m:e>
+                          <m:r>
+                            <a:rPr lang="en-US" altLang="ja-JP" sz="2800" i="1" dirty="0">
+                              <a:latin typeface="Cambria Math" panose="02040503050406030204" pitchFamily="18" charset="0"/>
+                            </a:rPr>
+                            <m:t>𝑡</m:t>
+                          </m:r>
+                        </m:e>
+                        <m:sup>
+                          <m:r>
+                            <a:rPr lang="en-US" altLang="ja-JP" sz="2800" b="0" i="1" dirty="0" smtClean="0">
+                              <a:latin typeface="Cambria Math" panose="02040503050406030204" pitchFamily="18" charset="0"/>
+                            </a:rPr>
+                            <m:t>2</m:t>
+                          </m:r>
+                        </m:sup>
+                      </m:sSup>
+                      <m:r>
+                        <a:rPr lang="en-US" altLang="ja-JP" sz="2800" dirty="0">
+                          <a:latin typeface="Cambria Math" panose="02040503050406030204" pitchFamily="18" charset="0"/>
+                        </a:rPr>
+                        <m:t>−</m:t>
+                      </m:r>
+                      <m:r>
+                        <a:rPr lang="en-US" altLang="ja-JP" sz="2800" b="0" i="1" dirty="0" smtClean="0">
+                          <a:latin typeface="Cambria Math" panose="02040503050406030204" pitchFamily="18" charset="0"/>
+                        </a:rPr>
+                        <m:t>4</m:t>
+                      </m:r>
+                      <m:r>
+                        <a:rPr lang="en-US" altLang="ja-JP" sz="2800" i="1" dirty="0">
+                          <a:latin typeface="Cambria Math" panose="02040503050406030204" pitchFamily="18" charset="0"/>
+                        </a:rPr>
+                        <m:t>𝑛</m:t>
+                      </m:r>
+                      <m:r>
+                        <a:rPr lang="en-US" altLang="ja-JP" sz="2800" b="0" i="1" dirty="0" smtClean="0">
+                          <a:latin typeface="Cambria Math" panose="02040503050406030204" pitchFamily="18" charset="0"/>
+                        </a:rPr>
+                        <m:t>𝑡</m:t>
+                      </m:r>
+                    </m:oMath>
+                  </m:oMathPara>
+                </a14:m>
+                <a:endParaRPr lang="ja-JP" altLang="en-US" sz="2800" i="1" dirty="0"/>
+              </a:p>
+            </p:txBody>
+          </p:sp>
+        </mc:Choice>
+        <mc:Fallback xmlns="">
+          <p:sp>
+            <p:nvSpPr>
+              <p:cNvPr id="2282" name="テキスト ボックス 2281">
+                <a:extLst>
+                  <a:ext uri="{FF2B5EF4-FFF2-40B4-BE49-F238E27FC236}">
+                    <a16:creationId xmlns="" xmlns:a16="http://schemas.microsoft.com/office/drawing/2014/main" xmlns:a14="http://schemas.microsoft.com/office/drawing/2010/main" id="{07010F26-716B-423D-9E77-19B5E202747E}"/>
+                  </a:ext>
+                </a:extLst>
+              </p:cNvPr>
+              <p:cNvSpPr txBox="1">
+                <a:spLocks noRot="1" noChangeAspect="1" noMove="1" noResize="1" noEditPoints="1" noAdjustHandles="1" noChangeArrowheads="1" noChangeShapeType="1" noTextEdit="1"/>
+              </p:cNvSpPr>
+              <p:nvPr/>
+            </p:nvSpPr>
+            <p:spPr>
+              <a:xfrm>
+                <a:off x="4113336" y="5631632"/>
+                <a:ext cx="2976883" cy="523220"/>
+              </a:xfrm>
+              <a:prstGeom prst="rect">
+                <a:avLst/>
+              </a:prstGeom>
+              <a:blipFill rotWithShape="0">
+                <a:blip r:embed="rId7"/>
+                <a:stretch>
+                  <a:fillRect/>
+                </a:stretch>
+              </a:blipFill>
+            </p:spPr>
+            <p:txBody>
+              <a:bodyPr/>
+              <a:lstStyle/>
+              <a:p>
+                <a:r>
+                  <a:rPr lang="ja-JP" altLang="en-US">
+                    <a:noFill/>
+                  </a:rPr>
+                  <a:t> </a:t>
+                </a:r>
+              </a:p>
+            </p:txBody>
+          </p:sp>
+        </mc:Fallback>
+      </mc:AlternateContent>
+      <mc:AlternateContent xmlns:mc="http://schemas.openxmlformats.org/markup-compatibility/2006" xmlns:a14="http://schemas.microsoft.com/office/drawing/2010/main">
+        <mc:Choice Requires="a14">
+          <p:sp>
+            <p:nvSpPr>
+              <p:cNvPr id="2283" name="テキスト ボックス 2282">
+                <a:extLst>
+                  <a:ext uri="{FF2B5EF4-FFF2-40B4-BE49-F238E27FC236}">
+                    <a16:creationId xmlns:a16="http://schemas.microsoft.com/office/drawing/2014/main" xmlns="" id="{65944549-9B1C-4094-8DD6-656F7C2BBAD6}"/>
+                  </a:ext>
+                </a:extLst>
+              </p:cNvPr>
+              <p:cNvSpPr txBox="1"/>
+              <p:nvPr/>
+            </p:nvSpPr>
+            <p:spPr>
+              <a:xfrm>
+                <a:off x="10221896" y="5623161"/>
+                <a:ext cx="887534" cy="523220"/>
+              </a:xfrm>
+              <a:prstGeom prst="rect">
+                <a:avLst/>
+              </a:prstGeom>
+              <a:noFill/>
+            </p:spPr>
+            <p:txBody>
+              <a:bodyPr wrap="square" rtlCol="0">
+                <a:spAutoFit/>
+              </a:bodyPr>
+              <a:lstStyle/>
+              <a:p>
+                <a:pPr/>
+                <a14:m>
+                  <m:oMathPara xmlns:m="http://schemas.openxmlformats.org/officeDocument/2006/math">
+                    <m:oMathParaPr>
+                      <m:jc m:val="centerGroup"/>
+                    </m:oMathParaPr>
+                    <m:oMath xmlns:m="http://schemas.openxmlformats.org/officeDocument/2006/math">
+                      <m:r>
+                        <a:rPr lang="en-US" altLang="ja-JP" sz="2800" b="0" i="1" smtClean="0">
+                          <a:latin typeface="Cambria Math" panose="02040503050406030204" pitchFamily="18" charset="0"/>
+                        </a:rPr>
+                        <m:t>4</m:t>
+                      </m:r>
+                      <m:r>
+                        <a:rPr lang="en-US" altLang="ja-JP" sz="2800" b="0" i="1" smtClean="0">
+                          <a:latin typeface="Cambria Math" panose="02040503050406030204" pitchFamily="18" charset="0"/>
+                        </a:rPr>
+                        <m:t>𝑠</m:t>
+                      </m:r>
+                      <m:sSup>
+                        <m:sSupPr>
+                          <m:ctrlPr>
+                            <a:rPr lang="en-US" altLang="ja-JP" sz="2800" b="0" i="1" smtClean="0">
+                              <a:latin typeface="Cambria Math" panose="02040503050406030204" pitchFamily="18" charset="0"/>
+                            </a:rPr>
+                          </m:ctrlPr>
+                        </m:sSupPr>
+                        <m:e>
+                          <m:r>
+                            <a:rPr lang="en-US" altLang="ja-JP" sz="2800" b="0" i="1" smtClean="0">
+                              <a:latin typeface="Cambria Math" panose="02040503050406030204" pitchFamily="18" charset="0"/>
+                            </a:rPr>
+                            <m:t>𝑡</m:t>
+                          </m:r>
+                        </m:e>
+                        <m:sup>
+                          <m:r>
+                            <a:rPr lang="en-US" altLang="ja-JP" sz="2800" b="0" i="1" smtClean="0">
+                              <a:latin typeface="Cambria Math" panose="02040503050406030204" pitchFamily="18" charset="0"/>
+                            </a:rPr>
+                            <m:t>2</m:t>
+                          </m:r>
+                        </m:sup>
+                      </m:sSup>
+                    </m:oMath>
+                  </m:oMathPara>
+                </a14:m>
+                <a:endParaRPr lang="ja-JP" altLang="en-US" sz="2800" dirty="0"/>
+              </a:p>
+            </p:txBody>
+          </p:sp>
+        </mc:Choice>
+        <mc:Fallback xmlns="">
+          <p:sp>
+            <p:nvSpPr>
+              <p:cNvPr id="2283" name="テキスト ボックス 2282">
+                <a:extLst>
+                  <a:ext uri="{FF2B5EF4-FFF2-40B4-BE49-F238E27FC236}">
+                    <a16:creationId xmlns="" xmlns:a16="http://schemas.microsoft.com/office/drawing/2014/main" xmlns:a14="http://schemas.microsoft.com/office/drawing/2010/main" id="{65944549-9B1C-4094-8DD6-656F7C2BBAD6}"/>
+                  </a:ext>
+                </a:extLst>
+              </p:cNvPr>
+              <p:cNvSpPr txBox="1">
+                <a:spLocks noRot="1" noChangeAspect="1" noMove="1" noResize="1" noEditPoints="1" noAdjustHandles="1" noChangeArrowheads="1" noChangeShapeType="1" noTextEdit="1"/>
+              </p:cNvSpPr>
+              <p:nvPr/>
+            </p:nvSpPr>
+            <p:spPr>
+              <a:xfrm>
+                <a:off x="10221896" y="5623161"/>
+                <a:ext cx="887534" cy="523220"/>
+              </a:xfrm>
+              <a:prstGeom prst="rect">
+                <a:avLst/>
+              </a:prstGeom>
+              <a:blipFill rotWithShape="0">
+                <a:blip r:embed="rId8"/>
+                <a:stretch>
+                  <a:fillRect/>
+                </a:stretch>
+              </a:blipFill>
+            </p:spPr>
+            <p:txBody>
+              <a:bodyPr/>
+              <a:lstStyle/>
+              <a:p>
+                <a:r>
+                  <a:rPr lang="ja-JP" altLang="en-US">
+                    <a:noFill/>
+                  </a:rPr>
+                  <a:t> </a:t>
+                </a:r>
+              </a:p>
+            </p:txBody>
+          </p:sp>
+        </mc:Fallback>
+      </mc:AlternateContent>
+      <mc:AlternateContent xmlns:mc="http://schemas.openxmlformats.org/markup-compatibility/2006" xmlns:a14="http://schemas.microsoft.com/office/drawing/2010/main">
+        <mc:Choice Requires="a14">
+          <p:sp>
+            <p:nvSpPr>
+              <p:cNvPr id="2284" name="テキスト ボックス 2283">
+                <a:extLst>
+                  <a:ext uri="{FF2B5EF4-FFF2-40B4-BE49-F238E27FC236}">
+                    <a16:creationId xmlns:a16="http://schemas.microsoft.com/office/drawing/2014/main" xmlns="" id="{7FF99950-E7CA-404A-865F-5BBFC675F700}"/>
+                  </a:ext>
+                </a:extLst>
+              </p:cNvPr>
+              <p:cNvSpPr txBox="1"/>
+              <p:nvPr/>
+            </p:nvSpPr>
+            <p:spPr>
+              <a:xfrm>
+                <a:off x="2014626" y="0"/>
+                <a:ext cx="434118" cy="461665"/>
+              </a:xfrm>
+              <a:prstGeom prst="rect">
+                <a:avLst/>
+              </a:prstGeom>
+              <a:noFill/>
+            </p:spPr>
+            <p:txBody>
+              <a:bodyPr wrap="square" rtlCol="0">
+                <a:spAutoFit/>
+              </a:bodyPr>
+              <a:lstStyle/>
+              <a:p>
+                <a:pPr/>
+                <a14:m>
+                  <m:oMathPara xmlns:m="http://schemas.openxmlformats.org/officeDocument/2006/math">
+                    <m:oMathParaPr>
+                      <m:jc m:val="centerGroup"/>
+                    </m:oMathParaPr>
+                    <m:oMath xmlns:m="http://schemas.openxmlformats.org/officeDocument/2006/math">
+                      <m:r>
+                        <a:rPr lang="en-US" altLang="ja-JP" sz="2400" i="1">
+                          <a:latin typeface="Cambria Math" panose="02040503050406030204" pitchFamily="18" charset="0"/>
+                        </a:rPr>
+                        <m:t>2</m:t>
+                      </m:r>
+                      <m:r>
+                        <a:rPr lang="en-US" altLang="ja-JP" sz="2400" i="1">
+                          <a:latin typeface="Cambria Math" panose="02040503050406030204" pitchFamily="18" charset="0"/>
+                        </a:rPr>
+                        <m:t>𝑡</m:t>
+                      </m:r>
+                    </m:oMath>
+                  </m:oMathPara>
+                </a14:m>
+                <a:endParaRPr lang="en-US" altLang="ja-JP" sz="2400" dirty="0"/>
+              </a:p>
+            </p:txBody>
+          </p:sp>
+        </mc:Choice>
+        <mc:Fallback xmlns="">
+          <p:sp>
+            <p:nvSpPr>
+              <p:cNvPr id="2284" name="テキスト ボックス 2283">
+                <a:extLst>
+                  <a:ext uri="{FF2B5EF4-FFF2-40B4-BE49-F238E27FC236}">
+                    <a16:creationId xmlns:a16="http://schemas.microsoft.com/office/drawing/2014/main" xmlns="" xmlns:a14="http://schemas.microsoft.com/office/drawing/2010/main" id="{7FF99950-E7CA-404A-865F-5BBFC675F700}"/>
+                  </a:ext>
+                </a:extLst>
+              </p:cNvPr>
+              <p:cNvSpPr txBox="1">
+                <a:spLocks noRot="1" noChangeAspect="1" noMove="1" noResize="1" noEditPoints="1" noAdjustHandles="1" noChangeArrowheads="1" noChangeShapeType="1" noTextEdit="1"/>
+              </p:cNvSpPr>
+              <p:nvPr/>
+            </p:nvSpPr>
+            <p:spPr>
+              <a:xfrm>
+                <a:off x="2014626" y="0"/>
+                <a:ext cx="434118" cy="461665"/>
+              </a:xfrm>
+              <a:prstGeom prst="rect">
+                <a:avLst/>
+              </a:prstGeom>
+              <a:blipFill rotWithShape="0">
+                <a:blip r:embed="rId9"/>
+                <a:stretch>
+                  <a:fillRect l="-2778" r="-12500"/>
+                </a:stretch>
+              </a:blipFill>
+            </p:spPr>
+            <p:txBody>
+              <a:bodyPr/>
+              <a:lstStyle/>
+              <a:p>
+                <a:r>
+                  <a:rPr lang="ja-JP" altLang="en-US">
+                    <a:noFill/>
+                  </a:rPr>
+                  <a:t> </a:t>
+                </a:r>
+              </a:p>
+            </p:txBody>
+          </p:sp>
+        </mc:Fallback>
+      </mc:AlternateContent>
+      <p:graphicFrame>
+        <p:nvGraphicFramePr>
+          <p:cNvPr id="2" name="表 1"/>
+          <p:cNvGraphicFramePr>
+            <a:graphicFrameLocks noGrp="1"/>
+          </p:cNvGraphicFramePr>
+          <p:nvPr>
+            <p:extLst>
+              <p:ext uri="{D42A27DB-BD31-4B8C-83A1-F6EECF244321}">
+                <p14:modId xmlns:p14="http://schemas.microsoft.com/office/powerpoint/2010/main" val="1191202279"/>
+              </p:ext>
+            </p:extLst>
+          </p:nvPr>
+        </p:nvGraphicFramePr>
+        <p:xfrm>
+          <a:off x="1532749" y="722540"/>
+          <a:ext cx="9808195" cy="4738692"/>
+        </p:xfrm>
+        <a:graphic>
+          <a:graphicData uri="http://schemas.openxmlformats.org/drawingml/2006/table">
+            <a:tbl>
+              <a:tblPr firstRow="1" bandRow="1">
+                <a:tableStyleId>{5940675A-B579-460E-94D1-54222C63F5DA}</a:tableStyleId>
+              </a:tblPr>
+              <a:tblGrid>
+                <a:gridCol w="472015"/>
+                <a:gridCol w="472015"/>
+                <a:gridCol w="472015"/>
+                <a:gridCol w="472015"/>
+                <a:gridCol w="472015"/>
+                <a:gridCol w="472015"/>
+                <a:gridCol w="2304000"/>
+                <a:gridCol w="472015"/>
+                <a:gridCol w="472015"/>
+                <a:gridCol w="472015"/>
+                <a:gridCol w="472015"/>
+                <a:gridCol w="472015"/>
+                <a:gridCol w="472015"/>
+                <a:gridCol w="472015"/>
+                <a:gridCol w="1368000"/>
+              </a:tblGrid>
+              <a:tr h="338478">
+                <a:tc rowSpan="14">
+                  <a:txBody>
+                    <a:bodyPr/>
+                    <a:lstStyle/>
+                    <a:p>
+                      <a:endParaRPr kumimoji="1" lang="ja-JP" altLang="en-US" dirty="0"/>
+                    </a:p>
+                  </a:txBody>
+                  <a:tcPr>
+                    <a:solidFill>
+                      <a:srgbClr val="FF0000"/>
+                    </a:solidFill>
+                  </a:tcPr>
+                </a:tc>
+                <a:tc rowSpan="4">
+                  <a:txBody>
+                    <a:bodyPr/>
+                    <a:lstStyle/>
+                    <a:p>
+                      <a:endParaRPr kumimoji="1" lang="ja-JP" altLang="en-US" dirty="0"/>
+                    </a:p>
+                  </a:txBody>
+                  <a:tcPr>
+                    <a:solidFill>
+                      <a:schemeClr val="tx1"/>
+                    </a:solidFill>
+                  </a:tcPr>
+                </a:tc>
+                <a:tc rowSpan="4">
+                  <a:txBody>
+                    <a:bodyPr/>
+                    <a:lstStyle/>
+                    <a:p>
+                      <a:endParaRPr kumimoji="1" lang="ja-JP" altLang="en-US" dirty="0"/>
+                    </a:p>
+                  </a:txBody>
+                  <a:tcPr>
+                    <a:solidFill>
+                      <a:srgbClr val="FF0000"/>
+                    </a:solidFill>
+                  </a:tcPr>
+                </a:tc>
+                <a:tc rowSpan="4">
+                  <a:txBody>
+                    <a:bodyPr/>
+                    <a:lstStyle/>
+                    <a:p>
+                      <a:endParaRPr kumimoji="1" lang="ja-JP" altLang="en-US" dirty="0"/>
+                    </a:p>
+                  </a:txBody>
+                  <a:tcPr>
+                    <a:solidFill>
+                      <a:schemeClr val="tx1"/>
+                    </a:solidFill>
+                  </a:tcPr>
+                </a:tc>
+                <a:tc rowSpan="4">
+                  <a:txBody>
+                    <a:bodyPr/>
+                    <a:lstStyle/>
+                    <a:p>
+                      <a:endParaRPr kumimoji="1" lang="ja-JP" altLang="en-US" dirty="0"/>
+                    </a:p>
+                  </a:txBody>
+                  <a:tcPr>
+                    <a:solidFill>
+                      <a:srgbClr val="FF0000"/>
+                    </a:solidFill>
+                  </a:tcPr>
+                </a:tc>
+                <a:tc rowSpan="4">
+                  <a:txBody>
+                    <a:bodyPr/>
+                    <a:lstStyle/>
+                    <a:p>
+                      <a:endParaRPr kumimoji="1" lang="ja-JP" altLang="en-US" dirty="0"/>
+                    </a:p>
+                  </a:txBody>
+                  <a:tcPr/>
+                </a:tc>
+                <a:tc rowSpan="4">
+                  <a:txBody>
+                    <a:bodyPr/>
+                    <a:lstStyle/>
+                    <a:p>
+                      <a:endParaRPr kumimoji="1" lang="ja-JP" altLang="en-US" dirty="0"/>
+                    </a:p>
+                  </a:txBody>
+                  <a:tcPr>
+                    <a:solidFill>
+                      <a:schemeClr val="accent5"/>
+                    </a:solidFill>
+                  </a:tcPr>
+                </a:tc>
+                <a:tc rowSpan="2">
+                  <a:txBody>
+                    <a:bodyPr/>
+                    <a:lstStyle/>
+                    <a:p>
+                      <a:endParaRPr kumimoji="1" lang="ja-JP" altLang="en-US" dirty="0"/>
+                    </a:p>
+                  </a:txBody>
+                  <a:tcPr/>
+                </a:tc>
+                <a:tc>
+                  <a:txBody>
+                    <a:bodyPr/>
+                    <a:lstStyle/>
+                    <a:p>
+                      <a:endParaRPr kumimoji="1" lang="ja-JP" altLang="en-US" dirty="0"/>
+                    </a:p>
+                  </a:txBody>
+                  <a:tcPr>
+                    <a:solidFill>
+                      <a:srgbClr val="FF0000"/>
+                    </a:solidFill>
+                  </a:tcPr>
+                </a:tc>
+                <a:tc rowSpan="2">
+                  <a:txBody>
+                    <a:bodyPr/>
+                    <a:lstStyle/>
+                    <a:p>
+                      <a:endParaRPr kumimoji="1" lang="ja-JP" altLang="en-US" dirty="0"/>
+                    </a:p>
+                  </a:txBody>
+                  <a:tcPr>
+                    <a:solidFill>
+                      <a:schemeClr val="tx1"/>
+                    </a:solidFill>
+                  </a:tcPr>
+                </a:tc>
+                <a:tc>
+                  <a:txBody>
+                    <a:bodyPr/>
+                    <a:lstStyle/>
+                    <a:p>
+                      <a:endParaRPr kumimoji="1" lang="ja-JP" altLang="en-US" dirty="0"/>
+                    </a:p>
+                  </a:txBody>
+                  <a:tcPr>
+                    <a:solidFill>
+                      <a:srgbClr val="FF0000"/>
+                    </a:solidFill>
+                  </a:tcPr>
+                </a:tc>
+                <a:tc rowSpan="2">
+                  <a:txBody>
+                    <a:bodyPr/>
+                    <a:lstStyle/>
+                    <a:p>
+                      <a:endParaRPr kumimoji="1" lang="ja-JP" altLang="en-US" dirty="0"/>
+                    </a:p>
+                  </a:txBody>
+                  <a:tcPr/>
+                </a:tc>
+                <a:tc>
+                  <a:txBody>
+                    <a:bodyPr/>
+                    <a:lstStyle/>
+                    <a:p>
+                      <a:endParaRPr kumimoji="1" lang="ja-JP" altLang="en-US" dirty="0"/>
+                    </a:p>
+                  </a:txBody>
+                  <a:tcPr>
+                    <a:solidFill>
+                      <a:srgbClr val="FF0000"/>
+                    </a:solidFill>
+                  </a:tcPr>
+                </a:tc>
+                <a:tc rowSpan="2">
+                  <a:txBody>
+                    <a:bodyPr/>
+                    <a:lstStyle/>
+                    <a:p>
+                      <a:endParaRPr kumimoji="1" lang="ja-JP" altLang="en-US" dirty="0"/>
+                    </a:p>
+                  </a:txBody>
+                  <a:tcPr>
+                    <a:solidFill>
+                      <a:schemeClr val="tx1"/>
+                    </a:solidFill>
+                  </a:tcPr>
+                </a:tc>
+                <a:tc rowSpan="14">
+                  <a:txBody>
+                    <a:bodyPr/>
+                    <a:lstStyle/>
+                    <a:p>
+                      <a:endParaRPr kumimoji="1" lang="ja-JP" altLang="en-US" dirty="0"/>
+                    </a:p>
+                  </a:txBody>
+                  <a:tcPr>
+                    <a:solidFill>
+                      <a:schemeClr val="accent5"/>
+                    </a:solidFill>
+                  </a:tcPr>
+                </a:tc>
+              </a:tr>
+              <a:tr h="338478">
+                <a:tc vMerge="1">
+                  <a:txBody>
+                    <a:bodyPr/>
+                    <a:lstStyle/>
+                    <a:p>
+                      <a:endParaRPr kumimoji="1" lang="ja-JP" altLang="en-US" dirty="0"/>
+                    </a:p>
+                  </a:txBody>
+                  <a:tcPr/>
+                </a:tc>
+                <a:tc vMerge="1">
+                  <a:txBody>
+                    <a:bodyPr/>
+                    <a:lstStyle/>
+                    <a:p>
+                      <a:endParaRPr kumimoji="1" lang="ja-JP" altLang="en-US" dirty="0"/>
+                    </a:p>
+                  </a:txBody>
+                  <a:tcPr/>
+                </a:tc>
+                <a:tc vMerge="1">
+                  <a:txBody>
+                    <a:bodyPr/>
+                    <a:lstStyle/>
+                    <a:p>
+                      <a:endParaRPr kumimoji="1" lang="ja-JP" altLang="en-US" dirty="0"/>
+                    </a:p>
+                  </a:txBody>
+                  <a:tcPr/>
+                </a:tc>
+                <a:tc vMerge="1">
+                  <a:txBody>
+                    <a:bodyPr/>
+                    <a:lstStyle/>
+                    <a:p>
+                      <a:endParaRPr kumimoji="1" lang="ja-JP" altLang="en-US" dirty="0"/>
+                    </a:p>
+                  </a:txBody>
+                  <a:tcPr/>
+                </a:tc>
+                <a:tc vMerge="1">
+                  <a:txBody>
+                    <a:bodyPr/>
+                    <a:lstStyle/>
+                    <a:p>
+                      <a:endParaRPr kumimoji="1" lang="ja-JP" altLang="en-US" dirty="0"/>
+                    </a:p>
+                  </a:txBody>
+                  <a:tcPr/>
+                </a:tc>
+                <a:tc vMerge="1">
+                  <a:txBody>
+                    <a:bodyPr/>
+                    <a:lstStyle/>
+                    <a:p>
+                      <a:endParaRPr kumimoji="1" lang="ja-JP" altLang="en-US" dirty="0"/>
+                    </a:p>
+                  </a:txBody>
+                  <a:tcPr/>
+                </a:tc>
+                <a:tc vMerge="1">
+                  <a:txBody>
+                    <a:bodyPr/>
+                    <a:lstStyle/>
+                    <a:p>
+                      <a:endParaRPr kumimoji="1" lang="ja-JP" altLang="en-US" dirty="0"/>
+                    </a:p>
+                  </a:txBody>
+                  <a:tcPr/>
+                </a:tc>
+                <a:tc vMerge="1">
+                  <a:txBody>
+                    <a:bodyPr/>
+                    <a:lstStyle/>
+                    <a:p>
+                      <a:endParaRPr kumimoji="1" lang="ja-JP" altLang="en-US" dirty="0"/>
+                    </a:p>
+                  </a:txBody>
+                  <a:tcPr/>
+                </a:tc>
+                <a:tc rowSpan="2">
+                  <a:txBody>
+                    <a:bodyPr/>
+                    <a:lstStyle/>
+                    <a:p>
+                      <a:endParaRPr kumimoji="1" lang="ja-JP" altLang="en-US" dirty="0"/>
+                    </a:p>
+                  </a:txBody>
+                  <a:tcPr>
+                    <a:solidFill>
+                      <a:schemeClr val="accent5"/>
+                    </a:solidFill>
+                  </a:tcPr>
+                </a:tc>
+                <a:tc vMerge="1">
+                  <a:txBody>
+                    <a:bodyPr/>
+                    <a:lstStyle/>
+                    <a:p>
+                      <a:endParaRPr kumimoji="1" lang="ja-JP" altLang="en-US" dirty="0"/>
+                    </a:p>
+                  </a:txBody>
+                  <a:tcPr/>
+                </a:tc>
+                <a:tc rowSpan="2">
+                  <a:txBody>
+                    <a:bodyPr/>
+                    <a:lstStyle/>
+                    <a:p>
+                      <a:endParaRPr kumimoji="1" lang="ja-JP" altLang="en-US" dirty="0"/>
+                    </a:p>
+                  </a:txBody>
+                  <a:tcPr>
+                    <a:solidFill>
+                      <a:schemeClr val="accent5"/>
+                    </a:solidFill>
+                  </a:tcPr>
+                </a:tc>
+                <a:tc vMerge="1">
+                  <a:txBody>
+                    <a:bodyPr/>
+                    <a:lstStyle/>
+                    <a:p>
+                      <a:endParaRPr kumimoji="1" lang="ja-JP" altLang="en-US" dirty="0"/>
+                    </a:p>
+                  </a:txBody>
+                  <a:tcPr/>
+                </a:tc>
+                <a:tc rowSpan="2">
+                  <a:txBody>
+                    <a:bodyPr/>
+                    <a:lstStyle/>
+                    <a:p>
+                      <a:endParaRPr kumimoji="1" lang="ja-JP" altLang="en-US" dirty="0"/>
+                    </a:p>
+                  </a:txBody>
+                  <a:tcPr>
+                    <a:solidFill>
+                      <a:schemeClr val="accent5"/>
+                    </a:solidFill>
+                  </a:tcPr>
+                </a:tc>
+                <a:tc vMerge="1">
+                  <a:txBody>
+                    <a:bodyPr/>
+                    <a:lstStyle/>
+                    <a:p>
+                      <a:endParaRPr kumimoji="1" lang="ja-JP" altLang="en-US" dirty="0"/>
+                    </a:p>
+                  </a:txBody>
+                  <a:tcPr/>
+                </a:tc>
+                <a:tc vMerge="1">
+                  <a:txBody>
+                    <a:bodyPr/>
+                    <a:lstStyle/>
+                    <a:p>
+                      <a:endParaRPr kumimoji="1" lang="ja-JP" altLang="en-US" dirty="0"/>
+                    </a:p>
+                  </a:txBody>
+                  <a:tcPr/>
+                </a:tc>
+              </a:tr>
+              <a:tr h="338478">
+                <a:tc vMerge="1">
+                  <a:txBody>
+                    <a:bodyPr/>
+                    <a:lstStyle/>
+                    <a:p>
+                      <a:endParaRPr kumimoji="1" lang="ja-JP" altLang="en-US" dirty="0"/>
+                    </a:p>
+                  </a:txBody>
+                  <a:tcPr/>
+                </a:tc>
+                <a:tc vMerge="1">
+                  <a:txBody>
+                    <a:bodyPr/>
+                    <a:lstStyle/>
+                    <a:p>
+                      <a:endParaRPr kumimoji="1" lang="ja-JP" altLang="en-US" dirty="0"/>
+                    </a:p>
+                  </a:txBody>
+                  <a:tcPr/>
+                </a:tc>
+                <a:tc vMerge="1">
+                  <a:txBody>
+                    <a:bodyPr/>
+                    <a:lstStyle/>
+                    <a:p>
+                      <a:endParaRPr kumimoji="1" lang="ja-JP" altLang="en-US" dirty="0"/>
+                    </a:p>
+                  </a:txBody>
+                  <a:tcPr/>
+                </a:tc>
+                <a:tc vMerge="1">
+                  <a:txBody>
+                    <a:bodyPr/>
+                    <a:lstStyle/>
+                    <a:p>
+                      <a:endParaRPr kumimoji="1" lang="ja-JP" altLang="en-US" dirty="0"/>
+                    </a:p>
+                  </a:txBody>
+                  <a:tcPr/>
+                </a:tc>
+                <a:tc vMerge="1">
+                  <a:txBody>
+                    <a:bodyPr/>
+                    <a:lstStyle/>
+                    <a:p>
+                      <a:endParaRPr kumimoji="1" lang="ja-JP" altLang="en-US" dirty="0"/>
+                    </a:p>
+                  </a:txBody>
+                  <a:tcPr/>
+                </a:tc>
+                <a:tc vMerge="1">
+                  <a:txBody>
+                    <a:bodyPr/>
+                    <a:lstStyle/>
+                    <a:p>
+                      <a:endParaRPr kumimoji="1" lang="ja-JP" altLang="en-US" dirty="0"/>
+                    </a:p>
+                  </a:txBody>
+                  <a:tcPr/>
+                </a:tc>
+                <a:tc vMerge="1">
+                  <a:txBody>
+                    <a:bodyPr/>
+                    <a:lstStyle/>
+                    <a:p>
+                      <a:endParaRPr kumimoji="1" lang="ja-JP" altLang="en-US" dirty="0"/>
+                    </a:p>
+                  </a:txBody>
+                  <a:tcPr/>
+                </a:tc>
+                <a:tc rowSpan="2">
+                  <a:txBody>
+                    <a:bodyPr/>
+                    <a:lstStyle/>
+                    <a:p>
+                      <a:endParaRPr kumimoji="1" lang="ja-JP" altLang="en-US" dirty="0"/>
+                    </a:p>
+                  </a:txBody>
+                  <a:tcPr>
+                    <a:solidFill>
+                      <a:schemeClr val="tx1"/>
+                    </a:solidFill>
+                  </a:tcPr>
+                </a:tc>
+                <a:tc vMerge="1">
+                  <a:txBody>
+                    <a:bodyPr/>
+                    <a:lstStyle/>
+                    <a:p>
+                      <a:endParaRPr kumimoji="1" lang="ja-JP" altLang="en-US" dirty="0"/>
+                    </a:p>
+                  </a:txBody>
+                  <a:tcPr/>
+                </a:tc>
+                <a:tc rowSpan="2">
+                  <a:txBody>
+                    <a:bodyPr/>
+                    <a:lstStyle/>
+                    <a:p>
+                      <a:endParaRPr kumimoji="1" lang="ja-JP" altLang="en-US" dirty="0"/>
+                    </a:p>
+                  </a:txBody>
+                  <a:tcPr/>
+                </a:tc>
+                <a:tc vMerge="1">
+                  <a:txBody>
+                    <a:bodyPr/>
+                    <a:lstStyle/>
+                    <a:p>
+                      <a:endParaRPr kumimoji="1" lang="ja-JP" altLang="en-US" dirty="0"/>
+                    </a:p>
+                  </a:txBody>
+                  <a:tcPr/>
+                </a:tc>
+                <a:tc rowSpan="2">
+                  <a:txBody>
+                    <a:bodyPr/>
+                    <a:lstStyle/>
+                    <a:p>
+                      <a:endParaRPr kumimoji="1" lang="ja-JP" altLang="en-US" dirty="0"/>
+                    </a:p>
+                  </a:txBody>
+                  <a:tcPr>
+                    <a:solidFill>
+                      <a:schemeClr val="tx1"/>
+                    </a:solidFill>
+                  </a:tcPr>
+                </a:tc>
+                <a:tc vMerge="1">
+                  <a:txBody>
+                    <a:bodyPr/>
+                    <a:lstStyle/>
+                    <a:p>
+                      <a:endParaRPr kumimoji="1" lang="ja-JP" altLang="en-US" dirty="0"/>
+                    </a:p>
+                  </a:txBody>
+                  <a:tcPr/>
+                </a:tc>
+                <a:tc rowSpan="2">
+                  <a:txBody>
+                    <a:bodyPr/>
+                    <a:lstStyle/>
+                    <a:p>
+                      <a:endParaRPr kumimoji="1" lang="ja-JP" altLang="en-US" dirty="0"/>
+                    </a:p>
+                  </a:txBody>
+                  <a:tcPr/>
+                </a:tc>
+                <a:tc vMerge="1">
+                  <a:txBody>
+                    <a:bodyPr/>
+                    <a:lstStyle/>
+                    <a:p>
+                      <a:endParaRPr kumimoji="1" lang="ja-JP" altLang="en-US" dirty="0"/>
+                    </a:p>
+                  </a:txBody>
+                  <a:tcPr/>
+                </a:tc>
+              </a:tr>
+              <a:tr h="338478">
+                <a:tc vMerge="1">
+                  <a:txBody>
+                    <a:bodyPr/>
+                    <a:lstStyle/>
+                    <a:p>
+                      <a:endParaRPr kumimoji="1" lang="ja-JP" altLang="en-US" dirty="0"/>
+                    </a:p>
+                  </a:txBody>
+                  <a:tcPr/>
+                </a:tc>
+                <a:tc vMerge="1">
+                  <a:txBody>
+                    <a:bodyPr/>
+                    <a:lstStyle/>
+                    <a:p>
+                      <a:endParaRPr kumimoji="1" lang="ja-JP" altLang="en-US" dirty="0"/>
+                    </a:p>
+                  </a:txBody>
+                  <a:tcPr/>
+                </a:tc>
+                <a:tc vMerge="1">
+                  <a:txBody>
+                    <a:bodyPr/>
+                    <a:lstStyle/>
+                    <a:p>
+                      <a:endParaRPr kumimoji="1" lang="ja-JP" altLang="en-US" dirty="0"/>
+                    </a:p>
+                  </a:txBody>
+                  <a:tcPr/>
+                </a:tc>
+                <a:tc vMerge="1">
+                  <a:txBody>
+                    <a:bodyPr/>
+                    <a:lstStyle/>
+                    <a:p>
+                      <a:endParaRPr kumimoji="1" lang="ja-JP" altLang="en-US" dirty="0"/>
+                    </a:p>
+                  </a:txBody>
+                  <a:tcPr/>
+                </a:tc>
+                <a:tc vMerge="1">
+                  <a:txBody>
+                    <a:bodyPr/>
+                    <a:lstStyle/>
+                    <a:p>
+                      <a:endParaRPr kumimoji="1" lang="ja-JP" altLang="en-US" dirty="0"/>
+                    </a:p>
+                  </a:txBody>
+                  <a:tcPr/>
+                </a:tc>
+                <a:tc vMerge="1">
+                  <a:txBody>
+                    <a:bodyPr/>
+                    <a:lstStyle/>
+                    <a:p>
+                      <a:endParaRPr kumimoji="1" lang="ja-JP" altLang="en-US" dirty="0"/>
+                    </a:p>
+                  </a:txBody>
+                  <a:tcPr/>
+                </a:tc>
+                <a:tc vMerge="1">
+                  <a:txBody>
+                    <a:bodyPr/>
+                    <a:lstStyle/>
+                    <a:p>
+                      <a:endParaRPr kumimoji="1" lang="ja-JP" altLang="en-US" dirty="0"/>
+                    </a:p>
+                  </a:txBody>
+                  <a:tcPr/>
+                </a:tc>
+                <a:tc vMerge="1">
+                  <a:txBody>
+                    <a:bodyPr/>
+                    <a:lstStyle/>
+                    <a:p>
+                      <a:endParaRPr kumimoji="1" lang="ja-JP" altLang="en-US" dirty="0"/>
+                    </a:p>
+                  </a:txBody>
+                  <a:tcPr/>
+                </a:tc>
+                <a:tc>
+                  <a:txBody>
+                    <a:bodyPr/>
+                    <a:lstStyle/>
+                    <a:p>
+                      <a:endParaRPr kumimoji="1" lang="ja-JP" altLang="en-US" dirty="0"/>
+                    </a:p>
+                  </a:txBody>
+                  <a:tcPr>
+                    <a:solidFill>
+                      <a:srgbClr val="FF0000"/>
+                    </a:solidFill>
+                  </a:tcPr>
+                </a:tc>
+                <a:tc vMerge="1">
+                  <a:txBody>
+                    <a:bodyPr/>
+                    <a:lstStyle/>
+                    <a:p>
+                      <a:endParaRPr kumimoji="1" lang="ja-JP" altLang="en-US" dirty="0"/>
+                    </a:p>
+                  </a:txBody>
+                  <a:tcPr/>
+                </a:tc>
+                <a:tc>
+                  <a:txBody>
+                    <a:bodyPr/>
+                    <a:lstStyle/>
+                    <a:p>
+                      <a:endParaRPr kumimoji="1" lang="ja-JP" altLang="en-US" dirty="0"/>
+                    </a:p>
+                  </a:txBody>
+                  <a:tcPr>
+                    <a:solidFill>
+                      <a:srgbClr val="FF0000"/>
+                    </a:solidFill>
+                  </a:tcPr>
+                </a:tc>
+                <a:tc vMerge="1">
+                  <a:txBody>
+                    <a:bodyPr/>
+                    <a:lstStyle/>
+                    <a:p>
+                      <a:endParaRPr kumimoji="1" lang="ja-JP" altLang="en-US" dirty="0"/>
+                    </a:p>
+                  </a:txBody>
+                  <a:tcPr/>
+                </a:tc>
+                <a:tc>
+                  <a:txBody>
+                    <a:bodyPr/>
+                    <a:lstStyle/>
+                    <a:p>
+                      <a:endParaRPr kumimoji="1" lang="ja-JP" altLang="en-US" dirty="0"/>
+                    </a:p>
+                  </a:txBody>
+                  <a:tcPr>
+                    <a:solidFill>
+                      <a:srgbClr val="FF0000"/>
+                    </a:solidFill>
+                  </a:tcPr>
+                </a:tc>
+                <a:tc vMerge="1">
+                  <a:txBody>
+                    <a:bodyPr/>
+                    <a:lstStyle/>
+                    <a:p>
+                      <a:endParaRPr kumimoji="1" lang="ja-JP" altLang="en-US" dirty="0"/>
+                    </a:p>
+                  </a:txBody>
+                  <a:tcPr/>
+                </a:tc>
+                <a:tc vMerge="1">
+                  <a:txBody>
+                    <a:bodyPr/>
+                    <a:lstStyle/>
+                    <a:p>
+                      <a:endParaRPr kumimoji="1" lang="ja-JP" altLang="en-US" dirty="0"/>
+                    </a:p>
+                  </a:txBody>
+                  <a:tcPr/>
+                </a:tc>
+              </a:tr>
+              <a:tr h="338478">
+                <a:tc vMerge="1">
+                  <a:txBody>
+                    <a:bodyPr/>
+                    <a:lstStyle/>
+                    <a:p>
+                      <a:endParaRPr kumimoji="1" lang="ja-JP" altLang="en-US" dirty="0"/>
+                    </a:p>
+                  </a:txBody>
+                  <a:tcPr/>
+                </a:tc>
+                <a:tc gridSpan="13">
+                  <a:txBody>
+                    <a:bodyPr/>
+                    <a:lstStyle/>
+                    <a:p>
+                      <a:endParaRPr kumimoji="1" lang="ja-JP" altLang="en-US" dirty="0"/>
+                    </a:p>
+                  </a:txBody>
+                  <a:tcPr>
+                    <a:pattFill prst="wdUpDiag">
+                      <a:fgClr>
+                        <a:schemeClr val="tx1"/>
+                      </a:fgClr>
+                      <a:bgClr>
+                        <a:schemeClr val="bg1"/>
+                      </a:bgClr>
+                    </a:pattFill>
+                  </a:tcPr>
+                </a:tc>
+                <a:tc hMerge="1">
+                  <a:txBody>
+                    <a:bodyPr/>
+                    <a:lstStyle/>
+                    <a:p>
+                      <a:endParaRPr kumimoji="1" lang="ja-JP" altLang="en-US" dirty="0"/>
+                    </a:p>
+                  </a:txBody>
+                  <a:tcPr/>
+                </a:tc>
+                <a:tc hMerge="1">
+                  <a:txBody>
+                    <a:bodyPr/>
+                    <a:lstStyle/>
+                    <a:p>
+                      <a:endParaRPr kumimoji="1" lang="ja-JP" altLang="en-US" dirty="0"/>
+                    </a:p>
+                  </a:txBody>
+                  <a:tcPr/>
+                </a:tc>
+                <a:tc hMerge="1">
+                  <a:txBody>
+                    <a:bodyPr/>
+                    <a:lstStyle/>
+                    <a:p>
+                      <a:endParaRPr kumimoji="1" lang="ja-JP" altLang="en-US" dirty="0"/>
+                    </a:p>
+                  </a:txBody>
+                  <a:tcPr/>
+                </a:tc>
+                <a:tc hMerge="1">
+                  <a:txBody>
+                    <a:bodyPr/>
+                    <a:lstStyle/>
+                    <a:p>
+                      <a:endParaRPr kumimoji="1" lang="ja-JP" altLang="en-US" dirty="0"/>
+                    </a:p>
+                  </a:txBody>
+                  <a:tcPr/>
+                </a:tc>
+                <a:tc hMerge="1">
+                  <a:txBody>
+                    <a:bodyPr/>
+                    <a:lstStyle/>
+                    <a:p>
+                      <a:endParaRPr kumimoji="1" lang="ja-JP" altLang="en-US" dirty="0"/>
+                    </a:p>
+                  </a:txBody>
+                  <a:tcPr/>
+                </a:tc>
+                <a:tc hMerge="1">
+                  <a:txBody>
+                    <a:bodyPr/>
+                    <a:lstStyle/>
+                    <a:p>
+                      <a:endParaRPr kumimoji="1" lang="ja-JP" altLang="en-US" dirty="0"/>
+                    </a:p>
+                  </a:txBody>
+                  <a:tcPr/>
+                </a:tc>
+                <a:tc hMerge="1">
+                  <a:txBody>
+                    <a:bodyPr/>
+                    <a:lstStyle/>
+                    <a:p>
+                      <a:endParaRPr kumimoji="1" lang="ja-JP" altLang="en-US" dirty="0"/>
+                    </a:p>
+                  </a:txBody>
+                  <a:tcPr/>
+                </a:tc>
+                <a:tc hMerge="1">
+                  <a:txBody>
+                    <a:bodyPr/>
+                    <a:lstStyle/>
+                    <a:p>
+                      <a:endParaRPr kumimoji="1" lang="ja-JP" altLang="en-US" dirty="0"/>
+                    </a:p>
+                  </a:txBody>
+                  <a:tcPr/>
+                </a:tc>
+                <a:tc hMerge="1">
+                  <a:txBody>
+                    <a:bodyPr/>
+                    <a:lstStyle/>
+                    <a:p>
+                      <a:endParaRPr kumimoji="1" lang="ja-JP" altLang="en-US" dirty="0"/>
+                    </a:p>
+                  </a:txBody>
+                  <a:tcPr/>
+                </a:tc>
+                <a:tc hMerge="1">
+                  <a:txBody>
+                    <a:bodyPr/>
+                    <a:lstStyle/>
+                    <a:p>
+                      <a:endParaRPr kumimoji="1" lang="ja-JP" altLang="en-US" dirty="0"/>
+                    </a:p>
+                  </a:txBody>
+                  <a:tcPr/>
+                </a:tc>
+                <a:tc hMerge="1">
+                  <a:txBody>
+                    <a:bodyPr/>
+                    <a:lstStyle/>
+                    <a:p>
+                      <a:endParaRPr kumimoji="1" lang="ja-JP" altLang="en-US" dirty="0"/>
+                    </a:p>
+                  </a:txBody>
+                  <a:tcPr/>
+                </a:tc>
+                <a:tc hMerge="1">
+                  <a:txBody>
+                    <a:bodyPr/>
+                    <a:lstStyle/>
+                    <a:p>
+                      <a:endParaRPr kumimoji="1" lang="ja-JP" altLang="en-US" dirty="0"/>
+                    </a:p>
+                  </a:txBody>
+                  <a:tcPr/>
+                </a:tc>
+                <a:tc vMerge="1">
+                  <a:txBody>
+                    <a:bodyPr/>
+                    <a:lstStyle/>
+                    <a:p>
+                      <a:endParaRPr kumimoji="1" lang="ja-JP" altLang="en-US" dirty="0"/>
+                    </a:p>
+                  </a:txBody>
+                  <a:tcPr/>
+                </a:tc>
+              </a:tr>
+              <a:tr h="338478">
+                <a:tc vMerge="1">
+                  <a:txBody>
+                    <a:bodyPr/>
+                    <a:lstStyle/>
+                    <a:p>
+                      <a:endParaRPr kumimoji="1" lang="ja-JP" altLang="en-US" dirty="0"/>
+                    </a:p>
+                  </a:txBody>
+                  <a:tcPr/>
+                </a:tc>
+                <a:tc rowSpan="4">
+                  <a:txBody>
+                    <a:bodyPr/>
+                    <a:lstStyle/>
+                    <a:p>
+                      <a:endParaRPr kumimoji="1" lang="ja-JP" altLang="en-US" dirty="0"/>
+                    </a:p>
+                  </a:txBody>
+                  <a:tcPr>
+                    <a:solidFill>
+                      <a:schemeClr val="tx1"/>
+                    </a:solidFill>
+                  </a:tcPr>
+                </a:tc>
+                <a:tc rowSpan="4">
+                  <a:txBody>
+                    <a:bodyPr/>
+                    <a:lstStyle/>
+                    <a:p>
+                      <a:endParaRPr kumimoji="1" lang="ja-JP" altLang="en-US" dirty="0"/>
+                    </a:p>
+                  </a:txBody>
+                  <a:tcPr>
+                    <a:solidFill>
+                      <a:srgbClr val="FF0000"/>
+                    </a:solidFill>
+                  </a:tcPr>
+                </a:tc>
+                <a:tc rowSpan="4">
+                  <a:txBody>
+                    <a:bodyPr/>
+                    <a:lstStyle/>
+                    <a:p>
+                      <a:endParaRPr kumimoji="1" lang="ja-JP" altLang="en-US" dirty="0"/>
+                    </a:p>
+                  </a:txBody>
+                  <a:tcPr/>
+                </a:tc>
+                <a:tc rowSpan="4">
+                  <a:txBody>
+                    <a:bodyPr/>
+                    <a:lstStyle/>
+                    <a:p>
+                      <a:endParaRPr kumimoji="1" lang="ja-JP" altLang="en-US" dirty="0"/>
+                    </a:p>
+                  </a:txBody>
+                  <a:tcPr>
+                    <a:solidFill>
+                      <a:srgbClr val="FF0000"/>
+                    </a:solidFill>
+                  </a:tcPr>
+                </a:tc>
+                <a:tc rowSpan="4">
+                  <a:txBody>
+                    <a:bodyPr/>
+                    <a:lstStyle/>
+                    <a:p>
+                      <a:endParaRPr kumimoji="1" lang="ja-JP" altLang="en-US" dirty="0"/>
+                    </a:p>
+                  </a:txBody>
+                  <a:tcPr>
+                    <a:solidFill>
+                      <a:schemeClr val="tx1"/>
+                    </a:solidFill>
+                  </a:tcPr>
+                </a:tc>
+                <a:tc rowSpan="4">
+                  <a:txBody>
+                    <a:bodyPr/>
+                    <a:lstStyle/>
+                    <a:p>
+                      <a:endParaRPr kumimoji="1" lang="ja-JP" altLang="en-US" dirty="0"/>
+                    </a:p>
+                  </a:txBody>
+                  <a:tcPr>
+                    <a:solidFill>
+                      <a:schemeClr val="accent5"/>
+                    </a:solidFill>
+                  </a:tcPr>
+                </a:tc>
+                <a:tc rowSpan="2">
+                  <a:txBody>
+                    <a:bodyPr/>
+                    <a:lstStyle/>
+                    <a:p>
+                      <a:endParaRPr kumimoji="1" lang="ja-JP" altLang="en-US" dirty="0"/>
+                    </a:p>
+                  </a:txBody>
+                  <a:tcPr/>
+                </a:tc>
+                <a:tc>
+                  <a:txBody>
+                    <a:bodyPr/>
+                    <a:lstStyle/>
+                    <a:p>
+                      <a:endParaRPr kumimoji="1" lang="ja-JP" altLang="en-US" dirty="0"/>
+                    </a:p>
+                  </a:txBody>
+                  <a:tcPr>
+                    <a:solidFill>
+                      <a:srgbClr val="FF0000"/>
+                    </a:solidFill>
+                  </a:tcPr>
+                </a:tc>
+                <a:tc rowSpan="2">
+                  <a:txBody>
+                    <a:bodyPr/>
+                    <a:lstStyle/>
+                    <a:p>
+                      <a:endParaRPr kumimoji="1" lang="ja-JP" altLang="en-US" dirty="0"/>
+                    </a:p>
+                  </a:txBody>
+                  <a:tcPr>
+                    <a:solidFill>
+                      <a:schemeClr val="tx1"/>
+                    </a:solidFill>
+                  </a:tcPr>
+                </a:tc>
+                <a:tc>
+                  <a:txBody>
+                    <a:bodyPr/>
+                    <a:lstStyle/>
+                    <a:p>
+                      <a:endParaRPr kumimoji="1" lang="ja-JP" altLang="en-US" dirty="0"/>
+                    </a:p>
+                  </a:txBody>
+                  <a:tcPr>
+                    <a:solidFill>
+                      <a:srgbClr val="FF0000"/>
+                    </a:solidFill>
+                  </a:tcPr>
+                </a:tc>
+                <a:tc rowSpan="2">
+                  <a:txBody>
+                    <a:bodyPr/>
+                    <a:lstStyle/>
+                    <a:p>
+                      <a:endParaRPr kumimoji="1" lang="ja-JP" altLang="en-US" dirty="0"/>
+                    </a:p>
+                  </a:txBody>
+                  <a:tcPr/>
+                </a:tc>
+                <a:tc>
+                  <a:txBody>
+                    <a:bodyPr/>
+                    <a:lstStyle/>
+                    <a:p>
+                      <a:endParaRPr kumimoji="1" lang="ja-JP" altLang="en-US" dirty="0"/>
+                    </a:p>
+                  </a:txBody>
+                  <a:tcPr>
+                    <a:solidFill>
+                      <a:srgbClr val="FF0000"/>
+                    </a:solidFill>
+                  </a:tcPr>
+                </a:tc>
+                <a:tc rowSpan="2">
+                  <a:txBody>
+                    <a:bodyPr/>
+                    <a:lstStyle/>
+                    <a:p>
+                      <a:endParaRPr kumimoji="1" lang="ja-JP" altLang="en-US" dirty="0"/>
+                    </a:p>
+                  </a:txBody>
+                  <a:tcPr>
+                    <a:solidFill>
+                      <a:schemeClr val="tx1"/>
+                    </a:solidFill>
+                  </a:tcPr>
+                </a:tc>
+                <a:tc vMerge="1">
+                  <a:txBody>
+                    <a:bodyPr/>
+                    <a:lstStyle/>
+                    <a:p>
+                      <a:endParaRPr kumimoji="1" lang="ja-JP" altLang="en-US" dirty="0"/>
+                    </a:p>
+                  </a:txBody>
+                  <a:tcPr/>
+                </a:tc>
+              </a:tr>
+              <a:tr h="338478">
+                <a:tc vMerge="1">
+                  <a:txBody>
+                    <a:bodyPr/>
+                    <a:lstStyle/>
+                    <a:p>
+                      <a:endParaRPr kumimoji="1" lang="ja-JP" altLang="en-US" dirty="0"/>
+                    </a:p>
+                  </a:txBody>
+                  <a:tcPr/>
+                </a:tc>
+                <a:tc vMerge="1">
+                  <a:txBody>
+                    <a:bodyPr/>
+                    <a:lstStyle/>
+                    <a:p>
+                      <a:endParaRPr kumimoji="1" lang="ja-JP" altLang="en-US" dirty="0"/>
+                    </a:p>
+                  </a:txBody>
+                  <a:tcPr/>
+                </a:tc>
+                <a:tc vMerge="1">
+                  <a:txBody>
+                    <a:bodyPr/>
+                    <a:lstStyle/>
+                    <a:p>
+                      <a:endParaRPr kumimoji="1" lang="ja-JP" altLang="en-US" dirty="0"/>
+                    </a:p>
+                  </a:txBody>
+                  <a:tcPr/>
+                </a:tc>
+                <a:tc vMerge="1">
+                  <a:txBody>
+                    <a:bodyPr/>
+                    <a:lstStyle/>
+                    <a:p>
+                      <a:endParaRPr kumimoji="1" lang="ja-JP" altLang="en-US" dirty="0"/>
+                    </a:p>
+                  </a:txBody>
+                  <a:tcPr/>
+                </a:tc>
+                <a:tc vMerge="1">
+                  <a:txBody>
+                    <a:bodyPr/>
+                    <a:lstStyle/>
+                    <a:p>
+                      <a:endParaRPr kumimoji="1" lang="ja-JP" altLang="en-US" dirty="0"/>
+                    </a:p>
+                  </a:txBody>
+                  <a:tcPr/>
+                </a:tc>
+                <a:tc vMerge="1">
+                  <a:txBody>
+                    <a:bodyPr/>
+                    <a:lstStyle/>
+                    <a:p>
+                      <a:endParaRPr kumimoji="1" lang="ja-JP" altLang="en-US" dirty="0"/>
+                    </a:p>
+                  </a:txBody>
+                  <a:tcPr/>
+                </a:tc>
+                <a:tc vMerge="1">
+                  <a:txBody>
+                    <a:bodyPr/>
+                    <a:lstStyle/>
+                    <a:p>
+                      <a:endParaRPr kumimoji="1" lang="ja-JP" altLang="en-US" dirty="0"/>
+                    </a:p>
+                  </a:txBody>
+                  <a:tcPr/>
+                </a:tc>
+                <a:tc vMerge="1">
+                  <a:txBody>
+                    <a:bodyPr/>
+                    <a:lstStyle/>
+                    <a:p>
+                      <a:endParaRPr kumimoji="1" lang="ja-JP" altLang="en-US" dirty="0"/>
+                    </a:p>
+                  </a:txBody>
+                  <a:tcPr/>
+                </a:tc>
+                <a:tc rowSpan="2">
+                  <a:txBody>
+                    <a:bodyPr/>
+                    <a:lstStyle/>
+                    <a:p>
+                      <a:endParaRPr kumimoji="1" lang="ja-JP" altLang="en-US" dirty="0"/>
+                    </a:p>
+                  </a:txBody>
+                  <a:tcPr>
+                    <a:solidFill>
+                      <a:schemeClr val="accent5"/>
+                    </a:solidFill>
+                  </a:tcPr>
+                </a:tc>
+                <a:tc vMerge="1">
+                  <a:txBody>
+                    <a:bodyPr/>
+                    <a:lstStyle/>
+                    <a:p>
+                      <a:endParaRPr kumimoji="1" lang="ja-JP" altLang="en-US" dirty="0"/>
+                    </a:p>
+                  </a:txBody>
+                  <a:tcPr/>
+                </a:tc>
+                <a:tc rowSpan="2">
+                  <a:txBody>
+                    <a:bodyPr/>
+                    <a:lstStyle/>
+                    <a:p>
+                      <a:endParaRPr kumimoji="1" lang="ja-JP" altLang="en-US" dirty="0"/>
+                    </a:p>
+                  </a:txBody>
+                  <a:tcPr>
+                    <a:solidFill>
+                      <a:schemeClr val="accent5"/>
+                    </a:solidFill>
+                  </a:tcPr>
+                </a:tc>
+                <a:tc vMerge="1">
+                  <a:txBody>
+                    <a:bodyPr/>
+                    <a:lstStyle/>
+                    <a:p>
+                      <a:endParaRPr kumimoji="1" lang="ja-JP" altLang="en-US" dirty="0"/>
+                    </a:p>
+                  </a:txBody>
+                  <a:tcPr/>
+                </a:tc>
+                <a:tc rowSpan="2">
+                  <a:txBody>
+                    <a:bodyPr/>
+                    <a:lstStyle/>
+                    <a:p>
+                      <a:endParaRPr kumimoji="1" lang="ja-JP" altLang="en-US" dirty="0"/>
+                    </a:p>
+                  </a:txBody>
+                  <a:tcPr>
+                    <a:solidFill>
+                      <a:schemeClr val="accent5"/>
+                    </a:solidFill>
+                  </a:tcPr>
+                </a:tc>
+                <a:tc vMerge="1">
+                  <a:txBody>
+                    <a:bodyPr/>
+                    <a:lstStyle/>
+                    <a:p>
+                      <a:endParaRPr kumimoji="1" lang="ja-JP" altLang="en-US" dirty="0"/>
+                    </a:p>
+                  </a:txBody>
+                  <a:tcPr/>
+                </a:tc>
+                <a:tc vMerge="1">
+                  <a:txBody>
+                    <a:bodyPr/>
+                    <a:lstStyle/>
+                    <a:p>
+                      <a:endParaRPr kumimoji="1" lang="ja-JP" altLang="en-US" dirty="0"/>
+                    </a:p>
+                  </a:txBody>
+                  <a:tcPr/>
+                </a:tc>
+              </a:tr>
+              <a:tr h="338478">
+                <a:tc vMerge="1">
+                  <a:txBody>
+                    <a:bodyPr/>
+                    <a:lstStyle/>
+                    <a:p>
+                      <a:endParaRPr kumimoji="1" lang="ja-JP" altLang="en-US" dirty="0"/>
+                    </a:p>
+                  </a:txBody>
+                  <a:tcPr/>
+                </a:tc>
+                <a:tc vMerge="1">
+                  <a:txBody>
+                    <a:bodyPr/>
+                    <a:lstStyle/>
+                    <a:p>
+                      <a:endParaRPr kumimoji="1" lang="ja-JP" altLang="en-US" dirty="0"/>
+                    </a:p>
+                  </a:txBody>
+                  <a:tcPr/>
+                </a:tc>
+                <a:tc vMerge="1">
+                  <a:txBody>
+                    <a:bodyPr/>
+                    <a:lstStyle/>
+                    <a:p>
+                      <a:endParaRPr kumimoji="1" lang="ja-JP" altLang="en-US" dirty="0"/>
+                    </a:p>
+                  </a:txBody>
+                  <a:tcPr/>
+                </a:tc>
+                <a:tc vMerge="1">
+                  <a:txBody>
+                    <a:bodyPr/>
+                    <a:lstStyle/>
+                    <a:p>
+                      <a:endParaRPr kumimoji="1" lang="ja-JP" altLang="en-US" dirty="0"/>
+                    </a:p>
+                  </a:txBody>
+                  <a:tcPr/>
+                </a:tc>
+                <a:tc vMerge="1">
+                  <a:txBody>
+                    <a:bodyPr/>
+                    <a:lstStyle/>
+                    <a:p>
+                      <a:endParaRPr kumimoji="1" lang="ja-JP" altLang="en-US" dirty="0"/>
+                    </a:p>
+                  </a:txBody>
+                  <a:tcPr/>
+                </a:tc>
+                <a:tc vMerge="1">
+                  <a:txBody>
+                    <a:bodyPr/>
+                    <a:lstStyle/>
+                    <a:p>
+                      <a:endParaRPr kumimoji="1" lang="ja-JP" altLang="en-US" dirty="0"/>
+                    </a:p>
+                  </a:txBody>
+                  <a:tcPr/>
+                </a:tc>
+                <a:tc vMerge="1">
+                  <a:txBody>
+                    <a:bodyPr/>
+                    <a:lstStyle/>
+                    <a:p>
+                      <a:endParaRPr kumimoji="1" lang="ja-JP" altLang="en-US" dirty="0"/>
+                    </a:p>
+                  </a:txBody>
+                  <a:tcPr/>
+                </a:tc>
+                <a:tc rowSpan="2">
+                  <a:txBody>
+                    <a:bodyPr/>
+                    <a:lstStyle/>
+                    <a:p>
+                      <a:endParaRPr kumimoji="1" lang="ja-JP" altLang="en-US" dirty="0"/>
+                    </a:p>
+                  </a:txBody>
+                  <a:tcPr>
+                    <a:solidFill>
+                      <a:schemeClr val="tx1"/>
+                    </a:solidFill>
+                  </a:tcPr>
+                </a:tc>
+                <a:tc vMerge="1">
+                  <a:txBody>
+                    <a:bodyPr/>
+                    <a:lstStyle/>
+                    <a:p>
+                      <a:endParaRPr kumimoji="1" lang="ja-JP" altLang="en-US" dirty="0"/>
+                    </a:p>
+                  </a:txBody>
+                  <a:tcPr/>
+                </a:tc>
+                <a:tc rowSpan="2">
+                  <a:txBody>
+                    <a:bodyPr/>
+                    <a:lstStyle/>
+                    <a:p>
+                      <a:endParaRPr kumimoji="1" lang="ja-JP" altLang="en-US" dirty="0"/>
+                    </a:p>
+                  </a:txBody>
+                  <a:tcPr/>
+                </a:tc>
+                <a:tc vMerge="1">
+                  <a:txBody>
+                    <a:bodyPr/>
+                    <a:lstStyle/>
+                    <a:p>
+                      <a:endParaRPr kumimoji="1" lang="ja-JP" altLang="en-US" dirty="0"/>
+                    </a:p>
+                  </a:txBody>
+                  <a:tcPr/>
+                </a:tc>
+                <a:tc rowSpan="2">
+                  <a:txBody>
+                    <a:bodyPr/>
+                    <a:lstStyle/>
+                    <a:p>
+                      <a:endParaRPr kumimoji="1" lang="ja-JP" altLang="en-US" dirty="0"/>
+                    </a:p>
+                  </a:txBody>
+                  <a:tcPr>
+                    <a:solidFill>
+                      <a:schemeClr val="tx1"/>
+                    </a:solidFill>
+                  </a:tcPr>
+                </a:tc>
+                <a:tc vMerge="1">
+                  <a:txBody>
+                    <a:bodyPr/>
+                    <a:lstStyle/>
+                    <a:p>
+                      <a:endParaRPr kumimoji="1" lang="ja-JP" altLang="en-US" dirty="0"/>
+                    </a:p>
+                  </a:txBody>
+                  <a:tcPr/>
+                </a:tc>
+                <a:tc rowSpan="2">
+                  <a:txBody>
+                    <a:bodyPr/>
+                    <a:lstStyle/>
+                    <a:p>
+                      <a:endParaRPr kumimoji="1" lang="ja-JP" altLang="en-US" dirty="0"/>
+                    </a:p>
+                  </a:txBody>
+                  <a:tcPr/>
+                </a:tc>
+                <a:tc vMerge="1">
+                  <a:txBody>
+                    <a:bodyPr/>
+                    <a:lstStyle/>
+                    <a:p>
+                      <a:endParaRPr kumimoji="1" lang="ja-JP" altLang="en-US" dirty="0"/>
+                    </a:p>
+                  </a:txBody>
+                  <a:tcPr/>
+                </a:tc>
+              </a:tr>
+              <a:tr h="338478">
+                <a:tc vMerge="1">
+                  <a:txBody>
+                    <a:bodyPr/>
+                    <a:lstStyle/>
+                    <a:p>
+                      <a:endParaRPr kumimoji="1" lang="ja-JP" altLang="en-US" dirty="0"/>
+                    </a:p>
+                  </a:txBody>
+                  <a:tcPr/>
+                </a:tc>
+                <a:tc vMerge="1">
+                  <a:txBody>
+                    <a:bodyPr/>
+                    <a:lstStyle/>
+                    <a:p>
+                      <a:endParaRPr kumimoji="1" lang="ja-JP" altLang="en-US" dirty="0"/>
+                    </a:p>
+                  </a:txBody>
+                  <a:tcPr/>
+                </a:tc>
+                <a:tc vMerge="1">
+                  <a:txBody>
+                    <a:bodyPr/>
+                    <a:lstStyle/>
+                    <a:p>
+                      <a:endParaRPr kumimoji="1" lang="ja-JP" altLang="en-US" dirty="0"/>
+                    </a:p>
+                  </a:txBody>
+                  <a:tcPr/>
+                </a:tc>
+                <a:tc vMerge="1">
+                  <a:txBody>
+                    <a:bodyPr/>
+                    <a:lstStyle/>
+                    <a:p>
+                      <a:endParaRPr kumimoji="1" lang="ja-JP" altLang="en-US" dirty="0"/>
+                    </a:p>
+                  </a:txBody>
+                  <a:tcPr/>
+                </a:tc>
+                <a:tc vMerge="1">
+                  <a:txBody>
+                    <a:bodyPr/>
+                    <a:lstStyle/>
+                    <a:p>
+                      <a:endParaRPr kumimoji="1" lang="ja-JP" altLang="en-US" dirty="0"/>
+                    </a:p>
+                  </a:txBody>
+                  <a:tcPr/>
+                </a:tc>
+                <a:tc vMerge="1">
+                  <a:txBody>
+                    <a:bodyPr/>
+                    <a:lstStyle/>
+                    <a:p>
+                      <a:endParaRPr kumimoji="1" lang="ja-JP" altLang="en-US" dirty="0"/>
+                    </a:p>
+                  </a:txBody>
+                  <a:tcPr/>
+                </a:tc>
+                <a:tc vMerge="1">
+                  <a:txBody>
+                    <a:bodyPr/>
+                    <a:lstStyle/>
+                    <a:p>
+                      <a:endParaRPr kumimoji="1" lang="ja-JP" altLang="en-US" dirty="0"/>
+                    </a:p>
+                  </a:txBody>
+                  <a:tcPr/>
+                </a:tc>
+                <a:tc vMerge="1">
+                  <a:txBody>
+                    <a:bodyPr/>
+                    <a:lstStyle/>
+                    <a:p>
+                      <a:endParaRPr kumimoji="1" lang="ja-JP" altLang="en-US" dirty="0"/>
+                    </a:p>
+                  </a:txBody>
+                  <a:tcPr/>
+                </a:tc>
+                <a:tc>
+                  <a:txBody>
+                    <a:bodyPr/>
+                    <a:lstStyle/>
+                    <a:p>
+                      <a:endParaRPr kumimoji="1" lang="ja-JP" altLang="en-US" dirty="0"/>
+                    </a:p>
+                  </a:txBody>
+                  <a:tcPr>
+                    <a:solidFill>
+                      <a:srgbClr val="FF0000"/>
+                    </a:solidFill>
+                  </a:tcPr>
+                </a:tc>
+                <a:tc vMerge="1">
+                  <a:txBody>
+                    <a:bodyPr/>
+                    <a:lstStyle/>
+                    <a:p>
+                      <a:endParaRPr kumimoji="1" lang="ja-JP" altLang="en-US" dirty="0"/>
+                    </a:p>
+                  </a:txBody>
+                  <a:tcPr/>
+                </a:tc>
+                <a:tc>
+                  <a:txBody>
+                    <a:bodyPr/>
+                    <a:lstStyle/>
+                    <a:p>
+                      <a:endParaRPr kumimoji="1" lang="ja-JP" altLang="en-US" dirty="0"/>
+                    </a:p>
+                  </a:txBody>
+                  <a:tcPr>
+                    <a:solidFill>
+                      <a:srgbClr val="FF0000"/>
+                    </a:solidFill>
+                  </a:tcPr>
+                </a:tc>
+                <a:tc vMerge="1">
+                  <a:txBody>
+                    <a:bodyPr/>
+                    <a:lstStyle/>
+                    <a:p>
+                      <a:endParaRPr kumimoji="1" lang="ja-JP" altLang="en-US" dirty="0"/>
+                    </a:p>
+                  </a:txBody>
+                  <a:tcPr/>
+                </a:tc>
+                <a:tc>
+                  <a:txBody>
+                    <a:bodyPr/>
+                    <a:lstStyle/>
+                    <a:p>
+                      <a:endParaRPr kumimoji="1" lang="ja-JP" altLang="en-US" dirty="0"/>
+                    </a:p>
+                  </a:txBody>
+                  <a:tcPr>
+                    <a:solidFill>
+                      <a:srgbClr val="FF0000"/>
+                    </a:solidFill>
+                  </a:tcPr>
+                </a:tc>
+                <a:tc vMerge="1">
+                  <a:txBody>
+                    <a:bodyPr/>
+                    <a:lstStyle/>
+                    <a:p>
+                      <a:endParaRPr kumimoji="1" lang="ja-JP" altLang="en-US" dirty="0"/>
+                    </a:p>
+                  </a:txBody>
+                  <a:tcPr/>
+                </a:tc>
+                <a:tc vMerge="1">
+                  <a:txBody>
+                    <a:bodyPr/>
+                    <a:lstStyle/>
+                    <a:p>
+                      <a:endParaRPr kumimoji="1" lang="ja-JP" altLang="en-US" dirty="0"/>
+                    </a:p>
+                  </a:txBody>
+                  <a:tcPr/>
+                </a:tc>
+              </a:tr>
+              <a:tr h="338478">
+                <a:tc vMerge="1">
+                  <a:txBody>
+                    <a:bodyPr/>
+                    <a:lstStyle/>
+                    <a:p>
+                      <a:endParaRPr kumimoji="1" lang="ja-JP" altLang="en-US" dirty="0"/>
+                    </a:p>
+                  </a:txBody>
+                  <a:tcPr/>
+                </a:tc>
+                <a:tc gridSpan="13">
+                  <a:txBody>
+                    <a:bodyPr/>
+                    <a:lstStyle/>
+                    <a:p>
+                      <a:endParaRPr kumimoji="1" lang="ja-JP" altLang="en-US" dirty="0"/>
+                    </a:p>
+                  </a:txBody>
+                  <a:tcPr>
+                    <a:pattFill prst="wdUpDiag">
+                      <a:fgClr>
+                        <a:schemeClr val="tx1"/>
+                      </a:fgClr>
+                      <a:bgClr>
+                        <a:schemeClr val="bg1"/>
+                      </a:bgClr>
+                    </a:pattFill>
+                  </a:tcPr>
+                </a:tc>
+                <a:tc hMerge="1">
+                  <a:txBody>
+                    <a:bodyPr/>
+                    <a:lstStyle/>
+                    <a:p>
+                      <a:endParaRPr kumimoji="1" lang="ja-JP" altLang="en-US"/>
+                    </a:p>
+                  </a:txBody>
+                  <a:tcPr/>
+                </a:tc>
+                <a:tc hMerge="1">
+                  <a:txBody>
+                    <a:bodyPr/>
+                    <a:lstStyle/>
+                    <a:p>
+                      <a:endParaRPr kumimoji="1" lang="ja-JP" altLang="en-US"/>
+                    </a:p>
+                  </a:txBody>
+                  <a:tcPr/>
+                </a:tc>
+                <a:tc hMerge="1">
+                  <a:txBody>
+                    <a:bodyPr/>
+                    <a:lstStyle/>
+                    <a:p>
+                      <a:endParaRPr kumimoji="1" lang="ja-JP" altLang="en-US"/>
+                    </a:p>
+                  </a:txBody>
+                  <a:tcPr/>
+                </a:tc>
+                <a:tc hMerge="1">
+                  <a:txBody>
+                    <a:bodyPr/>
+                    <a:lstStyle/>
+                    <a:p>
+                      <a:endParaRPr kumimoji="1" lang="ja-JP" altLang="en-US"/>
+                    </a:p>
+                  </a:txBody>
+                  <a:tcPr/>
+                </a:tc>
+                <a:tc hMerge="1">
+                  <a:txBody>
+                    <a:bodyPr/>
+                    <a:lstStyle/>
+                    <a:p>
+                      <a:endParaRPr kumimoji="1" lang="ja-JP" altLang="en-US"/>
+                    </a:p>
+                  </a:txBody>
+                  <a:tcPr/>
+                </a:tc>
+                <a:tc hMerge="1">
+                  <a:txBody>
+                    <a:bodyPr/>
+                    <a:lstStyle/>
+                    <a:p>
+                      <a:endParaRPr kumimoji="1" lang="ja-JP" altLang="en-US"/>
+                    </a:p>
+                  </a:txBody>
+                  <a:tcPr/>
+                </a:tc>
+                <a:tc hMerge="1">
+                  <a:txBody>
+                    <a:bodyPr/>
+                    <a:lstStyle/>
+                    <a:p>
+                      <a:endParaRPr kumimoji="1" lang="ja-JP" altLang="en-US"/>
+                    </a:p>
+                  </a:txBody>
+                  <a:tcPr/>
+                </a:tc>
+                <a:tc hMerge="1">
+                  <a:txBody>
+                    <a:bodyPr/>
+                    <a:lstStyle/>
+                    <a:p>
+                      <a:endParaRPr kumimoji="1" lang="ja-JP" altLang="en-US" dirty="0"/>
+                    </a:p>
+                  </a:txBody>
+                  <a:tcPr/>
+                </a:tc>
+                <a:tc hMerge="1">
+                  <a:txBody>
+                    <a:bodyPr/>
+                    <a:lstStyle/>
+                    <a:p>
+                      <a:endParaRPr kumimoji="1" lang="ja-JP" altLang="en-US" dirty="0"/>
+                    </a:p>
+                  </a:txBody>
+                  <a:tcPr/>
+                </a:tc>
+                <a:tc hMerge="1">
+                  <a:txBody>
+                    <a:bodyPr/>
+                    <a:lstStyle/>
+                    <a:p>
+                      <a:endParaRPr kumimoji="1" lang="ja-JP" altLang="en-US"/>
+                    </a:p>
+                  </a:txBody>
+                  <a:tcPr/>
+                </a:tc>
+                <a:tc hMerge="1">
+                  <a:txBody>
+                    <a:bodyPr/>
+                    <a:lstStyle/>
+                    <a:p>
+                      <a:endParaRPr kumimoji="1" lang="ja-JP" altLang="en-US"/>
+                    </a:p>
+                  </a:txBody>
+                  <a:tcPr/>
+                </a:tc>
+                <a:tc hMerge="1">
+                  <a:txBody>
+                    <a:bodyPr/>
+                    <a:lstStyle/>
+                    <a:p>
+                      <a:endParaRPr kumimoji="1" lang="ja-JP" altLang="en-US" dirty="0"/>
+                    </a:p>
+                  </a:txBody>
+                  <a:tcPr/>
+                </a:tc>
+                <a:tc vMerge="1">
+                  <a:txBody>
+                    <a:bodyPr/>
+                    <a:lstStyle/>
+                    <a:p>
+                      <a:endParaRPr kumimoji="1" lang="ja-JP" altLang="en-US" dirty="0"/>
+                    </a:p>
+                  </a:txBody>
+                  <a:tcPr/>
+                </a:tc>
+              </a:tr>
+              <a:tr h="338478">
+                <a:tc vMerge="1">
+                  <a:txBody>
+                    <a:bodyPr/>
+                    <a:lstStyle/>
+                    <a:p>
+                      <a:endParaRPr kumimoji="1" lang="ja-JP" altLang="en-US" dirty="0"/>
+                    </a:p>
+                  </a:txBody>
+                  <a:tcPr/>
+                </a:tc>
+                <a:tc rowSpan="4">
+                  <a:txBody>
+                    <a:bodyPr/>
+                    <a:lstStyle/>
+                    <a:p>
+                      <a:endParaRPr kumimoji="1" lang="ja-JP" altLang="en-US" dirty="0"/>
+                    </a:p>
+                  </a:txBody>
+                  <a:tcPr/>
+                </a:tc>
+                <a:tc rowSpan="4">
+                  <a:txBody>
+                    <a:bodyPr/>
+                    <a:lstStyle/>
+                    <a:p>
+                      <a:endParaRPr kumimoji="1" lang="ja-JP" altLang="en-US" dirty="0"/>
+                    </a:p>
+                  </a:txBody>
+                  <a:tcPr>
+                    <a:solidFill>
+                      <a:srgbClr val="FF0000"/>
+                    </a:solidFill>
+                  </a:tcPr>
+                </a:tc>
+                <a:tc rowSpan="4">
+                  <a:txBody>
+                    <a:bodyPr/>
+                    <a:lstStyle/>
+                    <a:p>
+                      <a:endParaRPr kumimoji="1" lang="ja-JP" altLang="en-US" dirty="0"/>
+                    </a:p>
+                  </a:txBody>
+                  <a:tcPr>
+                    <a:solidFill>
+                      <a:schemeClr val="tx1"/>
+                    </a:solidFill>
+                  </a:tcPr>
+                </a:tc>
+                <a:tc rowSpan="4">
+                  <a:txBody>
+                    <a:bodyPr/>
+                    <a:lstStyle/>
+                    <a:p>
+                      <a:endParaRPr kumimoji="1" lang="ja-JP" altLang="en-US" dirty="0"/>
+                    </a:p>
+                  </a:txBody>
+                  <a:tcPr>
+                    <a:solidFill>
+                      <a:srgbClr val="FF0000"/>
+                    </a:solidFill>
+                  </a:tcPr>
+                </a:tc>
+                <a:tc rowSpan="4">
+                  <a:txBody>
+                    <a:bodyPr/>
+                    <a:lstStyle/>
+                    <a:p>
+                      <a:endParaRPr kumimoji="1" lang="ja-JP" altLang="en-US" dirty="0"/>
+                    </a:p>
+                  </a:txBody>
+                  <a:tcPr>
+                    <a:solidFill>
+                      <a:schemeClr val="tx1"/>
+                    </a:solidFill>
+                  </a:tcPr>
+                </a:tc>
+                <a:tc rowSpan="4">
+                  <a:txBody>
+                    <a:bodyPr/>
+                    <a:lstStyle/>
+                    <a:p>
+                      <a:endParaRPr kumimoji="1" lang="ja-JP" altLang="en-US" dirty="0"/>
+                    </a:p>
+                  </a:txBody>
+                  <a:tcPr>
+                    <a:solidFill>
+                      <a:schemeClr val="accent5"/>
+                    </a:solidFill>
+                  </a:tcPr>
+                </a:tc>
+                <a:tc rowSpan="2">
+                  <a:txBody>
+                    <a:bodyPr/>
+                    <a:lstStyle/>
+                    <a:p>
+                      <a:endParaRPr kumimoji="1" lang="ja-JP" altLang="en-US" dirty="0"/>
+                    </a:p>
+                  </a:txBody>
+                  <a:tcPr/>
+                </a:tc>
+                <a:tc>
+                  <a:txBody>
+                    <a:bodyPr/>
+                    <a:lstStyle/>
+                    <a:p>
+                      <a:endParaRPr kumimoji="1" lang="ja-JP" altLang="en-US" dirty="0"/>
+                    </a:p>
+                  </a:txBody>
+                  <a:tcPr>
+                    <a:solidFill>
+                      <a:srgbClr val="FF0000"/>
+                    </a:solidFill>
+                  </a:tcPr>
+                </a:tc>
+                <a:tc rowSpan="2">
+                  <a:txBody>
+                    <a:bodyPr/>
+                    <a:lstStyle/>
+                    <a:p>
+                      <a:endParaRPr kumimoji="1" lang="ja-JP" altLang="en-US" dirty="0"/>
+                    </a:p>
+                  </a:txBody>
+                  <a:tcPr>
+                    <a:solidFill>
+                      <a:schemeClr val="tx1"/>
+                    </a:solidFill>
+                  </a:tcPr>
+                </a:tc>
+                <a:tc>
+                  <a:txBody>
+                    <a:bodyPr/>
+                    <a:lstStyle/>
+                    <a:p>
+                      <a:endParaRPr kumimoji="1" lang="ja-JP" altLang="en-US" dirty="0"/>
+                    </a:p>
+                  </a:txBody>
+                  <a:tcPr>
+                    <a:solidFill>
+                      <a:srgbClr val="FF0000"/>
+                    </a:solidFill>
+                  </a:tcPr>
+                </a:tc>
+                <a:tc rowSpan="2">
+                  <a:txBody>
+                    <a:bodyPr/>
+                    <a:lstStyle/>
+                    <a:p>
+                      <a:endParaRPr kumimoji="1" lang="ja-JP" altLang="en-US" dirty="0"/>
+                    </a:p>
+                  </a:txBody>
+                  <a:tcPr/>
+                </a:tc>
+                <a:tc>
+                  <a:txBody>
+                    <a:bodyPr/>
+                    <a:lstStyle/>
+                    <a:p>
+                      <a:endParaRPr kumimoji="1" lang="ja-JP" altLang="en-US" dirty="0"/>
+                    </a:p>
+                  </a:txBody>
+                  <a:tcPr>
+                    <a:solidFill>
+                      <a:srgbClr val="FF0000"/>
+                    </a:solidFill>
+                  </a:tcPr>
+                </a:tc>
+                <a:tc rowSpan="2">
+                  <a:txBody>
+                    <a:bodyPr/>
+                    <a:lstStyle/>
+                    <a:p>
+                      <a:endParaRPr kumimoji="1" lang="ja-JP" altLang="en-US" dirty="0"/>
+                    </a:p>
+                  </a:txBody>
+                  <a:tcPr>
+                    <a:solidFill>
+                      <a:schemeClr val="tx1"/>
+                    </a:solidFill>
+                  </a:tcPr>
+                </a:tc>
+                <a:tc vMerge="1">
+                  <a:txBody>
+                    <a:bodyPr/>
+                    <a:lstStyle/>
+                    <a:p>
+                      <a:endParaRPr kumimoji="1" lang="ja-JP" altLang="en-US" dirty="0"/>
+                    </a:p>
+                  </a:txBody>
+                  <a:tcPr/>
+                </a:tc>
+              </a:tr>
+              <a:tr h="338478">
+                <a:tc vMerge="1">
+                  <a:txBody>
+                    <a:bodyPr/>
+                    <a:lstStyle/>
+                    <a:p>
+                      <a:endParaRPr kumimoji="1" lang="ja-JP" altLang="en-US" dirty="0"/>
+                    </a:p>
+                  </a:txBody>
+                  <a:tcPr/>
+                </a:tc>
+                <a:tc vMerge="1">
+                  <a:txBody>
+                    <a:bodyPr/>
+                    <a:lstStyle/>
+                    <a:p>
+                      <a:endParaRPr kumimoji="1" lang="ja-JP" altLang="en-US" dirty="0"/>
+                    </a:p>
+                  </a:txBody>
+                  <a:tcPr/>
+                </a:tc>
+                <a:tc vMerge="1">
+                  <a:txBody>
+                    <a:bodyPr/>
+                    <a:lstStyle/>
+                    <a:p>
+                      <a:endParaRPr kumimoji="1" lang="ja-JP" altLang="en-US" dirty="0"/>
+                    </a:p>
+                  </a:txBody>
+                  <a:tcPr/>
+                </a:tc>
+                <a:tc vMerge="1">
+                  <a:txBody>
+                    <a:bodyPr/>
+                    <a:lstStyle/>
+                    <a:p>
+                      <a:endParaRPr kumimoji="1" lang="ja-JP" altLang="en-US" dirty="0"/>
+                    </a:p>
+                  </a:txBody>
+                  <a:tcPr/>
+                </a:tc>
+                <a:tc vMerge="1">
+                  <a:txBody>
+                    <a:bodyPr/>
+                    <a:lstStyle/>
+                    <a:p>
+                      <a:endParaRPr kumimoji="1" lang="ja-JP" altLang="en-US" dirty="0"/>
+                    </a:p>
+                  </a:txBody>
+                  <a:tcPr/>
+                </a:tc>
+                <a:tc vMerge="1">
+                  <a:txBody>
+                    <a:bodyPr/>
+                    <a:lstStyle/>
+                    <a:p>
+                      <a:endParaRPr kumimoji="1" lang="ja-JP" altLang="en-US" dirty="0"/>
+                    </a:p>
+                  </a:txBody>
+                  <a:tcPr/>
+                </a:tc>
+                <a:tc vMerge="1">
+                  <a:txBody>
+                    <a:bodyPr/>
+                    <a:lstStyle/>
+                    <a:p>
+                      <a:endParaRPr kumimoji="1" lang="ja-JP" altLang="en-US" dirty="0"/>
+                    </a:p>
+                  </a:txBody>
+                  <a:tcPr/>
+                </a:tc>
+                <a:tc vMerge="1">
+                  <a:txBody>
+                    <a:bodyPr/>
+                    <a:lstStyle/>
+                    <a:p>
+                      <a:endParaRPr kumimoji="1" lang="ja-JP" altLang="en-US" dirty="0"/>
+                    </a:p>
+                  </a:txBody>
+                  <a:tcPr/>
+                </a:tc>
+                <a:tc rowSpan="2">
+                  <a:txBody>
+                    <a:bodyPr/>
+                    <a:lstStyle/>
+                    <a:p>
+                      <a:endParaRPr kumimoji="1" lang="ja-JP" altLang="en-US" dirty="0"/>
+                    </a:p>
+                  </a:txBody>
+                  <a:tcPr>
+                    <a:solidFill>
+                      <a:schemeClr val="accent5"/>
+                    </a:solidFill>
+                  </a:tcPr>
+                </a:tc>
+                <a:tc vMerge="1">
+                  <a:txBody>
+                    <a:bodyPr/>
+                    <a:lstStyle/>
+                    <a:p>
+                      <a:endParaRPr kumimoji="1" lang="ja-JP" altLang="en-US" dirty="0"/>
+                    </a:p>
+                  </a:txBody>
+                  <a:tcPr/>
+                </a:tc>
+                <a:tc rowSpan="2">
+                  <a:txBody>
+                    <a:bodyPr/>
+                    <a:lstStyle/>
+                    <a:p>
+                      <a:endParaRPr kumimoji="1" lang="ja-JP" altLang="en-US" dirty="0"/>
+                    </a:p>
+                  </a:txBody>
+                  <a:tcPr>
+                    <a:solidFill>
+                      <a:schemeClr val="accent5"/>
+                    </a:solidFill>
+                  </a:tcPr>
+                </a:tc>
+                <a:tc vMerge="1">
+                  <a:txBody>
+                    <a:bodyPr/>
+                    <a:lstStyle/>
+                    <a:p>
+                      <a:endParaRPr kumimoji="1" lang="ja-JP" altLang="en-US" dirty="0"/>
+                    </a:p>
+                  </a:txBody>
+                  <a:tcPr/>
+                </a:tc>
+                <a:tc rowSpan="2">
+                  <a:txBody>
+                    <a:bodyPr/>
+                    <a:lstStyle/>
+                    <a:p>
+                      <a:endParaRPr kumimoji="1" lang="ja-JP" altLang="en-US" dirty="0"/>
+                    </a:p>
+                  </a:txBody>
+                  <a:tcPr>
+                    <a:solidFill>
+                      <a:schemeClr val="accent5"/>
+                    </a:solidFill>
+                  </a:tcPr>
+                </a:tc>
+                <a:tc vMerge="1">
+                  <a:txBody>
+                    <a:bodyPr/>
+                    <a:lstStyle/>
+                    <a:p>
+                      <a:endParaRPr kumimoji="1" lang="ja-JP" altLang="en-US" dirty="0"/>
+                    </a:p>
+                  </a:txBody>
+                  <a:tcPr/>
+                </a:tc>
+                <a:tc vMerge="1">
+                  <a:txBody>
+                    <a:bodyPr/>
+                    <a:lstStyle/>
+                    <a:p>
+                      <a:endParaRPr kumimoji="1" lang="ja-JP" altLang="en-US" dirty="0"/>
+                    </a:p>
+                  </a:txBody>
+                  <a:tcPr/>
+                </a:tc>
+              </a:tr>
+              <a:tr h="338478">
+                <a:tc vMerge="1">
+                  <a:txBody>
+                    <a:bodyPr/>
+                    <a:lstStyle/>
+                    <a:p>
+                      <a:endParaRPr kumimoji="1" lang="ja-JP" altLang="en-US" dirty="0"/>
+                    </a:p>
+                  </a:txBody>
+                  <a:tcPr/>
+                </a:tc>
+                <a:tc vMerge="1">
+                  <a:txBody>
+                    <a:bodyPr/>
+                    <a:lstStyle/>
+                    <a:p>
+                      <a:endParaRPr kumimoji="1" lang="ja-JP" altLang="en-US" dirty="0"/>
+                    </a:p>
+                  </a:txBody>
+                  <a:tcPr/>
+                </a:tc>
+                <a:tc vMerge="1">
+                  <a:txBody>
+                    <a:bodyPr/>
+                    <a:lstStyle/>
+                    <a:p>
+                      <a:endParaRPr kumimoji="1" lang="ja-JP" altLang="en-US" dirty="0"/>
+                    </a:p>
+                  </a:txBody>
+                  <a:tcPr/>
+                </a:tc>
+                <a:tc vMerge="1">
+                  <a:txBody>
+                    <a:bodyPr/>
+                    <a:lstStyle/>
+                    <a:p>
+                      <a:endParaRPr kumimoji="1" lang="ja-JP" altLang="en-US" dirty="0"/>
+                    </a:p>
+                  </a:txBody>
+                  <a:tcPr/>
+                </a:tc>
+                <a:tc vMerge="1">
+                  <a:txBody>
+                    <a:bodyPr/>
+                    <a:lstStyle/>
+                    <a:p>
+                      <a:endParaRPr kumimoji="1" lang="ja-JP" altLang="en-US" dirty="0"/>
+                    </a:p>
+                  </a:txBody>
+                  <a:tcPr/>
+                </a:tc>
+                <a:tc vMerge="1">
+                  <a:txBody>
+                    <a:bodyPr/>
+                    <a:lstStyle/>
+                    <a:p>
+                      <a:endParaRPr kumimoji="1" lang="ja-JP" altLang="en-US" dirty="0"/>
+                    </a:p>
+                  </a:txBody>
+                  <a:tcPr/>
+                </a:tc>
+                <a:tc vMerge="1">
+                  <a:txBody>
+                    <a:bodyPr/>
+                    <a:lstStyle/>
+                    <a:p>
+                      <a:endParaRPr kumimoji="1" lang="ja-JP" altLang="en-US" dirty="0"/>
+                    </a:p>
+                  </a:txBody>
+                  <a:tcPr/>
+                </a:tc>
+                <a:tc rowSpan="2">
+                  <a:txBody>
+                    <a:bodyPr/>
+                    <a:lstStyle/>
+                    <a:p>
+                      <a:endParaRPr kumimoji="1" lang="ja-JP" altLang="en-US" dirty="0"/>
+                    </a:p>
+                  </a:txBody>
+                  <a:tcPr>
+                    <a:solidFill>
+                      <a:schemeClr val="tx1"/>
+                    </a:solidFill>
+                  </a:tcPr>
+                </a:tc>
+                <a:tc vMerge="1">
+                  <a:txBody>
+                    <a:bodyPr/>
+                    <a:lstStyle/>
+                    <a:p>
+                      <a:endParaRPr kumimoji="1" lang="ja-JP" altLang="en-US" dirty="0"/>
+                    </a:p>
+                  </a:txBody>
+                  <a:tcPr/>
+                </a:tc>
+                <a:tc rowSpan="2">
+                  <a:txBody>
+                    <a:bodyPr/>
+                    <a:lstStyle/>
+                    <a:p>
+                      <a:endParaRPr kumimoji="1" lang="ja-JP" altLang="en-US" dirty="0"/>
+                    </a:p>
+                  </a:txBody>
+                  <a:tcPr/>
+                </a:tc>
+                <a:tc vMerge="1">
+                  <a:txBody>
+                    <a:bodyPr/>
+                    <a:lstStyle/>
+                    <a:p>
+                      <a:endParaRPr kumimoji="1" lang="ja-JP" altLang="en-US" dirty="0"/>
+                    </a:p>
+                  </a:txBody>
+                  <a:tcPr/>
+                </a:tc>
+                <a:tc rowSpan="2">
+                  <a:txBody>
+                    <a:bodyPr/>
+                    <a:lstStyle/>
+                    <a:p>
+                      <a:endParaRPr kumimoji="1" lang="ja-JP" altLang="en-US" dirty="0"/>
+                    </a:p>
+                  </a:txBody>
+                  <a:tcPr>
+                    <a:solidFill>
+                      <a:schemeClr val="tx1"/>
+                    </a:solidFill>
+                  </a:tcPr>
+                </a:tc>
+                <a:tc vMerge="1">
+                  <a:txBody>
+                    <a:bodyPr/>
+                    <a:lstStyle/>
+                    <a:p>
+                      <a:endParaRPr kumimoji="1" lang="ja-JP" altLang="en-US" dirty="0"/>
+                    </a:p>
+                  </a:txBody>
+                  <a:tcPr/>
+                </a:tc>
+                <a:tc rowSpan="2">
+                  <a:txBody>
+                    <a:bodyPr/>
+                    <a:lstStyle/>
+                    <a:p>
+                      <a:endParaRPr kumimoji="1" lang="ja-JP" altLang="en-US" dirty="0"/>
+                    </a:p>
+                  </a:txBody>
+                  <a:tcPr/>
+                </a:tc>
+                <a:tc vMerge="1">
+                  <a:txBody>
+                    <a:bodyPr/>
+                    <a:lstStyle/>
+                    <a:p>
+                      <a:endParaRPr kumimoji="1" lang="ja-JP" altLang="en-US" dirty="0"/>
+                    </a:p>
+                  </a:txBody>
+                  <a:tcPr/>
+                </a:tc>
+              </a:tr>
+              <a:tr h="338478">
+                <a:tc vMerge="1">
+                  <a:txBody>
+                    <a:bodyPr/>
+                    <a:lstStyle/>
+                    <a:p>
+                      <a:endParaRPr kumimoji="1" lang="ja-JP" altLang="en-US" dirty="0"/>
+                    </a:p>
+                  </a:txBody>
+                  <a:tcPr/>
+                </a:tc>
+                <a:tc vMerge="1">
+                  <a:txBody>
+                    <a:bodyPr/>
+                    <a:lstStyle/>
+                    <a:p>
+                      <a:endParaRPr kumimoji="1" lang="ja-JP" altLang="en-US" dirty="0"/>
+                    </a:p>
+                  </a:txBody>
+                  <a:tcPr/>
+                </a:tc>
+                <a:tc vMerge="1">
+                  <a:txBody>
+                    <a:bodyPr/>
+                    <a:lstStyle/>
+                    <a:p>
+                      <a:endParaRPr kumimoji="1" lang="ja-JP" altLang="en-US" dirty="0"/>
+                    </a:p>
+                  </a:txBody>
+                  <a:tcPr/>
+                </a:tc>
+                <a:tc vMerge="1">
+                  <a:txBody>
+                    <a:bodyPr/>
+                    <a:lstStyle/>
+                    <a:p>
+                      <a:endParaRPr kumimoji="1" lang="ja-JP" altLang="en-US" dirty="0"/>
+                    </a:p>
+                  </a:txBody>
+                  <a:tcPr/>
+                </a:tc>
+                <a:tc vMerge="1">
+                  <a:txBody>
+                    <a:bodyPr/>
+                    <a:lstStyle/>
+                    <a:p>
+                      <a:endParaRPr kumimoji="1" lang="ja-JP" altLang="en-US" dirty="0"/>
+                    </a:p>
+                  </a:txBody>
+                  <a:tcPr/>
+                </a:tc>
+                <a:tc vMerge="1">
+                  <a:txBody>
+                    <a:bodyPr/>
+                    <a:lstStyle/>
+                    <a:p>
+                      <a:endParaRPr kumimoji="1" lang="ja-JP" altLang="en-US" dirty="0"/>
+                    </a:p>
+                  </a:txBody>
+                  <a:tcPr/>
+                </a:tc>
+                <a:tc vMerge="1">
+                  <a:txBody>
+                    <a:bodyPr/>
+                    <a:lstStyle/>
+                    <a:p>
+                      <a:endParaRPr kumimoji="1" lang="ja-JP" altLang="en-US" dirty="0"/>
+                    </a:p>
+                  </a:txBody>
+                  <a:tcPr/>
+                </a:tc>
+                <a:tc vMerge="1">
+                  <a:txBody>
+                    <a:bodyPr/>
+                    <a:lstStyle/>
+                    <a:p>
+                      <a:endParaRPr kumimoji="1" lang="ja-JP" altLang="en-US" dirty="0"/>
+                    </a:p>
+                  </a:txBody>
+                  <a:tcPr/>
+                </a:tc>
+                <a:tc>
+                  <a:txBody>
+                    <a:bodyPr/>
+                    <a:lstStyle/>
+                    <a:p>
+                      <a:endParaRPr kumimoji="1" lang="ja-JP" altLang="en-US" dirty="0"/>
+                    </a:p>
+                  </a:txBody>
+                  <a:tcPr>
+                    <a:solidFill>
+                      <a:srgbClr val="FF0000"/>
+                    </a:solidFill>
+                  </a:tcPr>
+                </a:tc>
+                <a:tc vMerge="1">
+                  <a:txBody>
+                    <a:bodyPr/>
+                    <a:lstStyle/>
+                    <a:p>
+                      <a:endParaRPr kumimoji="1" lang="ja-JP" altLang="en-US" dirty="0"/>
+                    </a:p>
+                  </a:txBody>
+                  <a:tcPr/>
+                </a:tc>
+                <a:tc>
+                  <a:txBody>
+                    <a:bodyPr/>
+                    <a:lstStyle/>
+                    <a:p>
+                      <a:endParaRPr kumimoji="1" lang="ja-JP" altLang="en-US" dirty="0"/>
+                    </a:p>
+                  </a:txBody>
+                  <a:tcPr>
+                    <a:solidFill>
+                      <a:srgbClr val="FF0000"/>
+                    </a:solidFill>
+                  </a:tcPr>
+                </a:tc>
+                <a:tc vMerge="1">
+                  <a:txBody>
+                    <a:bodyPr/>
+                    <a:lstStyle/>
+                    <a:p>
+                      <a:endParaRPr kumimoji="1" lang="ja-JP" altLang="en-US" dirty="0"/>
+                    </a:p>
+                  </a:txBody>
+                  <a:tcPr/>
+                </a:tc>
+                <a:tc>
+                  <a:txBody>
+                    <a:bodyPr/>
+                    <a:lstStyle/>
+                    <a:p>
+                      <a:endParaRPr kumimoji="1" lang="ja-JP" altLang="en-US" dirty="0"/>
+                    </a:p>
+                  </a:txBody>
+                  <a:tcPr>
+                    <a:solidFill>
+                      <a:srgbClr val="FF0000"/>
+                    </a:solidFill>
+                  </a:tcPr>
+                </a:tc>
+                <a:tc vMerge="1">
+                  <a:txBody>
+                    <a:bodyPr/>
+                    <a:lstStyle/>
+                    <a:p>
+                      <a:endParaRPr kumimoji="1" lang="ja-JP" altLang="en-US" dirty="0"/>
+                    </a:p>
+                  </a:txBody>
+                  <a:tcPr/>
+                </a:tc>
+                <a:tc vMerge="1">
+                  <a:txBody>
+                    <a:bodyPr/>
+                    <a:lstStyle/>
+                    <a:p>
+                      <a:endParaRPr kumimoji="1" lang="ja-JP" altLang="en-US" dirty="0"/>
+                    </a:p>
+                  </a:txBody>
+                  <a:tcPr/>
+                </a:tc>
+              </a:tr>
+            </a:tbl>
+          </a:graphicData>
+        </a:graphic>
+      </p:graphicFrame>
+    </p:spTree>
+    <p:extLst>
+      <p:ext uri="{BB962C8B-B14F-4D97-AF65-F5344CB8AC3E}">
+        <p14:creationId xmlns:p14="http://schemas.microsoft.com/office/powerpoint/2010/main" val="3148679582"/>
       </p:ext>
     </p:extLst>
   </p:cSld>

--- a/図作成用パワーポイント/ogridins.pptx
+++ b/図作成用パワーポイント/ogridins.pptx
@@ -6,7 +6,8 @@
   </p:sldMasterIdLst>
   <p:sldIdLst>
     <p:sldId id="256" r:id="rId2"/>
-    <p:sldId id="257" r:id="rId3"/>
+    <p:sldId id="258" r:id="rId3"/>
+    <p:sldId id="257" r:id="rId4"/>
   </p:sldIdLst>
   <p:sldSz cx="12192000" cy="6119813"/>
   <p:notesSz cx="6858000" cy="9144000"/>
@@ -107,7 +108,18 @@
   </p:defaultTextStyle>
   <p:extLst>
     <p:ext uri="{EFAFB233-063F-42B5-8137-9DF3F51BA10A}">
-      <p15:sldGuideLst xmlns:p15="http://schemas.microsoft.com/office/powerpoint/2012/main"/>
+      <p15:sldGuideLst xmlns:p15="http://schemas.microsoft.com/office/powerpoint/2012/main">
+        <p15:guide id="1" orient="horz" pos="1927" userDrawn="1">
+          <p15:clr>
+            <a:srgbClr val="A4A3A4"/>
+          </p15:clr>
+        </p15:guide>
+        <p15:guide id="2" pos="3840" userDrawn="1">
+          <p15:clr>
+            <a:srgbClr val="A4A3A4"/>
+          </p15:clr>
+        </p15:guide>
+      </p15:sldGuideLst>
     </p:ext>
   </p:extLst>
 </p:presentation>
@@ -244,7 +256,7 @@
           <a:p>
             <a:fld id="{E110B463-9257-4FB4-9566-5ADE85D69469}" type="datetimeFigureOut">
               <a:rPr kumimoji="1" lang="ja-JP" altLang="en-US" smtClean="0"/>
-              <a:t>2019/2/25</a:t>
+              <a:t>2020/2/19</a:t>
             </a:fld>
             <a:endParaRPr kumimoji="1" lang="ja-JP" altLang="en-US"/>
           </a:p>
@@ -446,7 +458,7 @@
           <a:p>
             <a:fld id="{E110B463-9257-4FB4-9566-5ADE85D69469}" type="datetimeFigureOut">
               <a:rPr kumimoji="1" lang="ja-JP" altLang="en-US" smtClean="0"/>
-              <a:t>2019/2/25</a:t>
+              <a:t>2020/2/19</a:t>
             </a:fld>
             <a:endParaRPr kumimoji="1" lang="ja-JP" altLang="en-US"/>
           </a:p>
@@ -658,7 +670,7 @@
           <a:p>
             <a:fld id="{E110B463-9257-4FB4-9566-5ADE85D69469}" type="datetimeFigureOut">
               <a:rPr kumimoji="1" lang="ja-JP" altLang="en-US" smtClean="0"/>
-              <a:t>2019/2/25</a:t>
+              <a:t>2020/2/19</a:t>
             </a:fld>
             <a:endParaRPr kumimoji="1" lang="ja-JP" altLang="en-US"/>
           </a:p>
@@ -860,7 +872,7 @@
           <a:p>
             <a:fld id="{E110B463-9257-4FB4-9566-5ADE85D69469}" type="datetimeFigureOut">
               <a:rPr kumimoji="1" lang="ja-JP" altLang="en-US" smtClean="0"/>
-              <a:t>2019/2/25</a:t>
+              <a:t>2020/2/19</a:t>
             </a:fld>
             <a:endParaRPr kumimoji="1" lang="ja-JP" altLang="en-US"/>
           </a:p>
@@ -1106,7 +1118,7 @@
           <a:p>
             <a:fld id="{E110B463-9257-4FB4-9566-5ADE85D69469}" type="datetimeFigureOut">
               <a:rPr kumimoji="1" lang="ja-JP" altLang="en-US" smtClean="0"/>
-              <a:t>2019/2/25</a:t>
+              <a:t>2020/2/19</a:t>
             </a:fld>
             <a:endParaRPr kumimoji="1" lang="ja-JP" altLang="en-US"/>
           </a:p>
@@ -1402,7 +1414,7 @@
           <a:p>
             <a:fld id="{E110B463-9257-4FB4-9566-5ADE85D69469}" type="datetimeFigureOut">
               <a:rPr kumimoji="1" lang="ja-JP" altLang="en-US" smtClean="0"/>
-              <a:t>2019/2/25</a:t>
+              <a:t>2020/2/19</a:t>
             </a:fld>
             <a:endParaRPr kumimoji="1" lang="ja-JP" altLang="en-US"/>
           </a:p>
@@ -1833,7 +1845,7 @@
           <a:p>
             <a:fld id="{E110B463-9257-4FB4-9566-5ADE85D69469}" type="datetimeFigureOut">
               <a:rPr kumimoji="1" lang="ja-JP" altLang="en-US" smtClean="0"/>
-              <a:t>2019/2/25</a:t>
+              <a:t>2020/2/19</a:t>
             </a:fld>
             <a:endParaRPr kumimoji="1" lang="ja-JP" altLang="en-US"/>
           </a:p>
@@ -1951,7 +1963,7 @@
           <a:p>
             <a:fld id="{E110B463-9257-4FB4-9566-5ADE85D69469}" type="datetimeFigureOut">
               <a:rPr kumimoji="1" lang="ja-JP" altLang="en-US" smtClean="0"/>
-              <a:t>2019/2/25</a:t>
+              <a:t>2020/2/19</a:t>
             </a:fld>
             <a:endParaRPr kumimoji="1" lang="ja-JP" altLang="en-US"/>
           </a:p>
@@ -2046,7 +2058,7 @@
           <a:p>
             <a:fld id="{E110B463-9257-4FB4-9566-5ADE85D69469}" type="datetimeFigureOut">
               <a:rPr kumimoji="1" lang="ja-JP" altLang="en-US" smtClean="0"/>
-              <a:t>2019/2/25</a:t>
+              <a:t>2020/2/19</a:t>
             </a:fld>
             <a:endParaRPr kumimoji="1" lang="ja-JP" altLang="en-US"/>
           </a:p>
@@ -2355,7 +2367,7 @@
           <a:p>
             <a:fld id="{E110B463-9257-4FB4-9566-5ADE85D69469}" type="datetimeFigureOut">
               <a:rPr kumimoji="1" lang="ja-JP" altLang="en-US" smtClean="0"/>
-              <a:t>2019/2/25</a:t>
+              <a:t>2020/2/19</a:t>
             </a:fld>
             <a:endParaRPr kumimoji="1" lang="ja-JP" altLang="en-US"/>
           </a:p>
@@ -2612,7 +2624,7 @@
           <a:p>
             <a:fld id="{E110B463-9257-4FB4-9566-5ADE85D69469}" type="datetimeFigureOut">
               <a:rPr kumimoji="1" lang="ja-JP" altLang="en-US" smtClean="0"/>
-              <a:t>2019/2/25</a:t>
+              <a:t>2020/2/19</a:t>
             </a:fld>
             <a:endParaRPr kumimoji="1" lang="ja-JP" altLang="en-US"/>
           </a:p>
@@ -2857,7 +2869,7 @@
           <a:p>
             <a:fld id="{E110B463-9257-4FB4-9566-5ADE85D69469}" type="datetimeFigureOut">
               <a:rPr kumimoji="1" lang="ja-JP" altLang="en-US" smtClean="0"/>
-              <a:t>2019/2/25</a:t>
+              <a:t>2020/2/19</a:t>
             </a:fld>
             <a:endParaRPr kumimoji="1" lang="ja-JP" altLang="en-US"/>
           </a:p>
@@ -3267,7 +3279,7 @@
           <p:cNvPr id="2269" name="左中かっこ 2268">
             <a:extLst>
               <a:ext uri="{FF2B5EF4-FFF2-40B4-BE49-F238E27FC236}">
-                <a16:creationId xmlns:a16="http://schemas.microsoft.com/office/drawing/2014/main" xmlns="" id="{7484E61E-C510-4FF0-978A-471330A22C3C}"/>
+                <a16:creationId xmlns="" xmlns:a16="http://schemas.microsoft.com/office/drawing/2014/main" id="{7484E61E-C510-4FF0-978A-471330A22C3C}"/>
               </a:ext>
             </a:extLst>
           </p:cNvPr>
@@ -3324,7 +3336,7 @@
           <p:cNvPr id="2270" name="左中かっこ 2269">
             <a:extLst>
               <a:ext uri="{FF2B5EF4-FFF2-40B4-BE49-F238E27FC236}">
-                <a16:creationId xmlns:a16="http://schemas.microsoft.com/office/drawing/2014/main" xmlns="" id="{7484E61E-C510-4FF0-978A-471330A22C3C}"/>
+                <a16:creationId xmlns="" xmlns:a16="http://schemas.microsoft.com/office/drawing/2014/main" id="{7484E61E-C510-4FF0-978A-471330A22C3C}"/>
               </a:ext>
             </a:extLst>
           </p:cNvPr>
@@ -3383,7 +3395,7 @@
               <p:cNvPr id="2271" name="テキスト ボックス 2270">
                 <a:extLst>
                   <a:ext uri="{FF2B5EF4-FFF2-40B4-BE49-F238E27FC236}">
-                    <a16:creationId xmlns:a16="http://schemas.microsoft.com/office/drawing/2014/main" xmlns="" id="{6DAFFFD6-997E-4295-8337-371E646493AD}"/>
+                    <a16:creationId xmlns="" xmlns:a16="http://schemas.microsoft.com/office/drawing/2014/main" id="{6DAFFFD6-997E-4295-8337-371E646493AD}"/>
                   </a:ext>
                 </a:extLst>
               </p:cNvPr>
@@ -3483,7 +3495,7 @@
           <p:cNvPr id="2272" name="左中かっこ 2271">
             <a:extLst>
               <a:ext uri="{FF2B5EF4-FFF2-40B4-BE49-F238E27FC236}">
-                <a16:creationId xmlns:a16="http://schemas.microsoft.com/office/drawing/2014/main" xmlns="" id="{7484E61E-C510-4FF0-978A-471330A22C3C}"/>
+                <a16:creationId xmlns="" xmlns:a16="http://schemas.microsoft.com/office/drawing/2014/main" id="{7484E61E-C510-4FF0-978A-471330A22C3C}"/>
               </a:ext>
             </a:extLst>
           </p:cNvPr>
@@ -3542,7 +3554,7 @@
               <p:cNvPr id="2273" name="テキスト ボックス 2272">
                 <a:extLst>
                   <a:ext uri="{FF2B5EF4-FFF2-40B4-BE49-F238E27FC236}">
-                    <a16:creationId xmlns:a16="http://schemas.microsoft.com/office/drawing/2014/main" xmlns="" id="{6DAFFFD6-997E-4295-8337-371E646493AD}"/>
+                    <a16:creationId xmlns="" xmlns:a16="http://schemas.microsoft.com/office/drawing/2014/main" id="{6DAFFFD6-997E-4295-8337-371E646493AD}"/>
                   </a:ext>
                 </a:extLst>
               </p:cNvPr>
@@ -4020,7 +4032,7 @@
               <p:cNvPr id="2279" name="テキスト ボックス 2278">
                 <a:extLst>
                   <a:ext uri="{FF2B5EF4-FFF2-40B4-BE49-F238E27FC236}">
-                    <a16:creationId xmlns:a16="http://schemas.microsoft.com/office/drawing/2014/main" xmlns="" id="{E4C3C1CC-7DFB-4879-9982-E12AF92D5157}"/>
+                    <a16:creationId xmlns="" xmlns:a16="http://schemas.microsoft.com/office/drawing/2014/main" id="{E4C3C1CC-7DFB-4879-9982-E12AF92D5157}"/>
                   </a:ext>
                 </a:extLst>
               </p:cNvPr>
@@ -4157,7 +4169,7 @@
           <p:cNvPr id="2280" name="左中かっこ 2279">
             <a:extLst>
               <a:ext uri="{FF2B5EF4-FFF2-40B4-BE49-F238E27FC236}">
-                <a16:creationId xmlns:a16="http://schemas.microsoft.com/office/drawing/2014/main" xmlns="" id="{7484E61E-C510-4FF0-978A-471330A22C3C}"/>
+                <a16:creationId xmlns="" xmlns:a16="http://schemas.microsoft.com/office/drawing/2014/main" id="{7484E61E-C510-4FF0-978A-471330A22C3C}"/>
               </a:ext>
             </a:extLst>
           </p:cNvPr>
@@ -4216,7 +4228,7 @@
               <p:cNvPr id="2281" name="テキスト ボックス 2280">
                 <a:extLst>
                   <a:ext uri="{FF2B5EF4-FFF2-40B4-BE49-F238E27FC236}">
-                    <a16:creationId xmlns:a16="http://schemas.microsoft.com/office/drawing/2014/main" xmlns="" id="{6DAFFFD6-997E-4295-8337-371E646493AD}"/>
+                    <a16:creationId xmlns="" xmlns:a16="http://schemas.microsoft.com/office/drawing/2014/main" id="{6DAFFFD6-997E-4295-8337-371E646493AD}"/>
                   </a:ext>
                 </a:extLst>
               </p:cNvPr>
@@ -4318,7 +4330,7 @@
               <p:cNvPr id="2282" name="テキスト ボックス 2281">
                 <a:extLst>
                   <a:ext uri="{FF2B5EF4-FFF2-40B4-BE49-F238E27FC236}">
-                    <a16:creationId xmlns:a16="http://schemas.microsoft.com/office/drawing/2014/main" xmlns="" id="{07010F26-716B-423D-9E77-19B5E202747E}"/>
+                    <a16:creationId xmlns="" xmlns:a16="http://schemas.microsoft.com/office/drawing/2014/main" id="{07010F26-716B-423D-9E77-19B5E202747E}"/>
                   </a:ext>
                 </a:extLst>
               </p:cNvPr>
@@ -4506,7 +4518,7 @@
               <p:cNvPr id="2283" name="テキスト ボックス 2282">
                 <a:extLst>
                   <a:ext uri="{FF2B5EF4-FFF2-40B4-BE49-F238E27FC236}">
-                    <a16:creationId xmlns:a16="http://schemas.microsoft.com/office/drawing/2014/main" xmlns="" id="{65944549-9B1C-4094-8DD6-656F7C2BBAD6}"/>
+                    <a16:creationId xmlns="" xmlns:a16="http://schemas.microsoft.com/office/drawing/2014/main" id="{65944549-9B1C-4094-8DD6-656F7C2BBAD6}"/>
                   </a:ext>
                 </a:extLst>
               </p:cNvPr>
@@ -4633,7 +4645,7 @@
               <p:cNvPr id="2284" name="テキスト ボックス 2283">
                 <a:extLst>
                   <a:ext uri="{FF2B5EF4-FFF2-40B4-BE49-F238E27FC236}">
-                    <a16:creationId xmlns:a16="http://schemas.microsoft.com/office/drawing/2014/main" xmlns="" id="{7FF99950-E7CA-404A-865F-5BBFC675F700}"/>
+                    <a16:creationId xmlns="" xmlns:a16="http://schemas.microsoft.com/office/drawing/2014/main" id="{7FF99950-E7CA-404A-865F-5BBFC675F700}"/>
                   </a:ext>
                 </a:extLst>
               </p:cNvPr>
@@ -4737,7 +4749,7 @@
           <p:nvPr>
             <p:extLst>
               <p:ext uri="{D42A27DB-BD31-4B8C-83A1-F6EECF244321}">
-                <p14:modId xmlns:p14="http://schemas.microsoft.com/office/powerpoint/2010/main" val="1500228471"/>
+                <p14:modId xmlns:p14="http://schemas.microsoft.com/office/powerpoint/2010/main" val="2640939106"/>
               </p:ext>
             </p:extLst>
           </p:nvPr>
@@ -4779,11 +4791,7 @@
                     </a:p>
                   </a:txBody>
                   <a:tcPr>
-                    <a:solidFill>
-                      <a:schemeClr val="bg1">
-                        <a:lumMod val="75000"/>
-                      </a:schemeClr>
-                    </a:solidFill>
+                    <a:pattFill prst="wdUpDiag"/>
                   </a:tcPr>
                 </a:tc>
                 <a:tc rowSpan="4">
@@ -4801,702 +4809,6 @@
                   </a:tcPr>
                 </a:tc>
                 <a:tc rowSpan="4">
-                  <a:txBody>
-                    <a:bodyPr/>
-                    <a:lstStyle/>
-                    <a:p>
-                      <a:endParaRPr kumimoji="1" lang="ja-JP" altLang="en-US" dirty="0"/>
-                    </a:p>
-                  </a:txBody>
-                  <a:tcPr>
-                    <a:solidFill>
-                      <a:schemeClr val="bg1">
-                        <a:lumMod val="75000"/>
-                      </a:schemeClr>
-                    </a:solidFill>
-                  </a:tcPr>
-                </a:tc>
-                <a:tc rowSpan="4">
-                  <a:txBody>
-                    <a:bodyPr/>
-                    <a:lstStyle/>
-                    <a:p>
-                      <a:endParaRPr kumimoji="1" lang="ja-JP" altLang="en-US" dirty="0"/>
-                    </a:p>
-                  </a:txBody>
-                  <a:tcPr>
-                    <a:solidFill>
-                      <a:schemeClr val="tx1"/>
-                    </a:solidFill>
-                  </a:tcPr>
-                </a:tc>
-                <a:tc rowSpan="4">
-                  <a:txBody>
-                    <a:bodyPr/>
-                    <a:lstStyle/>
-                    <a:p>
-                      <a:endParaRPr kumimoji="1" lang="ja-JP" altLang="en-US" dirty="0"/>
-                    </a:p>
-                  </a:txBody>
-                  <a:tcPr>
-                    <a:solidFill>
-                      <a:schemeClr val="bg1">
-                        <a:lumMod val="75000"/>
-                      </a:schemeClr>
-                    </a:solidFill>
-                  </a:tcPr>
-                </a:tc>
-                <a:tc rowSpan="4">
-                  <a:txBody>
-                    <a:bodyPr/>
-                    <a:lstStyle/>
-                    <a:p>
-                      <a:endParaRPr kumimoji="1" lang="ja-JP" altLang="en-US" dirty="0"/>
-                    </a:p>
-                  </a:txBody>
-                  <a:tcPr/>
-                </a:tc>
-                <a:tc rowSpan="4">
-                  <a:txBody>
-                    <a:bodyPr/>
-                    <a:lstStyle/>
-                    <a:p>
-                      <a:endParaRPr kumimoji="1" lang="ja-JP" altLang="en-US" dirty="0"/>
-                    </a:p>
-                  </a:txBody>
-                  <a:tcPr>
-                    <a:solidFill>
-                      <a:schemeClr val="bg2">
-                        <a:lumMod val="50000"/>
-                      </a:schemeClr>
-                    </a:solidFill>
-                  </a:tcPr>
-                </a:tc>
-                <a:tc rowSpan="2">
-                  <a:txBody>
-                    <a:bodyPr/>
-                    <a:lstStyle/>
-                    <a:p>
-                      <a:endParaRPr kumimoji="1" lang="ja-JP" altLang="en-US" dirty="0"/>
-                    </a:p>
-                  </a:txBody>
-                  <a:tcPr/>
-                </a:tc>
-                <a:tc>
-                  <a:txBody>
-                    <a:bodyPr/>
-                    <a:lstStyle/>
-                    <a:p>
-                      <a:endParaRPr kumimoji="1" lang="ja-JP" altLang="en-US" dirty="0"/>
-                    </a:p>
-                  </a:txBody>
-                  <a:tcPr>
-                    <a:solidFill>
-                      <a:schemeClr val="bg1">
-                        <a:lumMod val="75000"/>
-                      </a:schemeClr>
-                    </a:solidFill>
-                  </a:tcPr>
-                </a:tc>
-                <a:tc rowSpan="2">
-                  <a:txBody>
-                    <a:bodyPr/>
-                    <a:lstStyle/>
-                    <a:p>
-                      <a:endParaRPr kumimoji="1" lang="ja-JP" altLang="en-US" dirty="0"/>
-                    </a:p>
-                  </a:txBody>
-                  <a:tcPr>
-                    <a:solidFill>
-                      <a:schemeClr val="tx1"/>
-                    </a:solidFill>
-                  </a:tcPr>
-                </a:tc>
-                <a:tc>
-                  <a:txBody>
-                    <a:bodyPr/>
-                    <a:lstStyle/>
-                    <a:p>
-                      <a:endParaRPr kumimoji="1" lang="ja-JP" altLang="en-US" dirty="0"/>
-                    </a:p>
-                  </a:txBody>
-                  <a:tcPr>
-                    <a:solidFill>
-                      <a:schemeClr val="bg1">
-                        <a:lumMod val="75000"/>
-                      </a:schemeClr>
-                    </a:solidFill>
-                  </a:tcPr>
-                </a:tc>
-                <a:tc rowSpan="2">
-                  <a:txBody>
-                    <a:bodyPr/>
-                    <a:lstStyle/>
-                    <a:p>
-                      <a:endParaRPr kumimoji="1" lang="ja-JP" altLang="en-US" dirty="0"/>
-                    </a:p>
-                  </a:txBody>
-                  <a:tcPr/>
-                </a:tc>
-                <a:tc>
-                  <a:txBody>
-                    <a:bodyPr/>
-                    <a:lstStyle/>
-                    <a:p>
-                      <a:endParaRPr kumimoji="1" lang="ja-JP" altLang="en-US" dirty="0"/>
-                    </a:p>
-                  </a:txBody>
-                  <a:tcPr>
-                    <a:solidFill>
-                      <a:schemeClr val="bg1">
-                        <a:lumMod val="75000"/>
-                      </a:schemeClr>
-                    </a:solidFill>
-                  </a:tcPr>
-                </a:tc>
-                <a:tc rowSpan="2">
-                  <a:txBody>
-                    <a:bodyPr/>
-                    <a:lstStyle/>
-                    <a:p>
-                      <a:endParaRPr kumimoji="1" lang="ja-JP" altLang="en-US" dirty="0"/>
-                    </a:p>
-                  </a:txBody>
-                  <a:tcPr>
-                    <a:solidFill>
-                      <a:schemeClr val="tx1"/>
-                    </a:solidFill>
-                  </a:tcPr>
-                </a:tc>
-                <a:tc rowSpan="14">
-                  <a:txBody>
-                    <a:bodyPr/>
-                    <a:lstStyle/>
-                    <a:p>
-                      <a:endParaRPr kumimoji="1" lang="ja-JP" altLang="en-US" dirty="0"/>
-                    </a:p>
-                  </a:txBody>
-                  <a:tcPr>
-                    <a:solidFill>
-                      <a:schemeClr val="bg2">
-                        <a:lumMod val="50000"/>
-                      </a:schemeClr>
-                    </a:solidFill>
-                  </a:tcPr>
-                </a:tc>
-              </a:tr>
-              <a:tr h="338478">
-                <a:tc vMerge="1">
-                  <a:txBody>
-                    <a:bodyPr/>
-                    <a:lstStyle/>
-                    <a:p>
-                      <a:endParaRPr kumimoji="1" lang="ja-JP" altLang="en-US" dirty="0"/>
-                    </a:p>
-                  </a:txBody>
-                  <a:tcPr/>
-                </a:tc>
-                <a:tc vMerge="1">
-                  <a:txBody>
-                    <a:bodyPr/>
-                    <a:lstStyle/>
-                    <a:p>
-                      <a:endParaRPr kumimoji="1" lang="ja-JP" altLang="en-US" dirty="0"/>
-                    </a:p>
-                  </a:txBody>
-                  <a:tcPr/>
-                </a:tc>
-                <a:tc vMerge="1">
-                  <a:txBody>
-                    <a:bodyPr/>
-                    <a:lstStyle/>
-                    <a:p>
-                      <a:endParaRPr kumimoji="1" lang="ja-JP" altLang="en-US" dirty="0"/>
-                    </a:p>
-                  </a:txBody>
-                  <a:tcPr/>
-                </a:tc>
-                <a:tc vMerge="1">
-                  <a:txBody>
-                    <a:bodyPr/>
-                    <a:lstStyle/>
-                    <a:p>
-                      <a:endParaRPr kumimoji="1" lang="ja-JP" altLang="en-US" dirty="0"/>
-                    </a:p>
-                  </a:txBody>
-                  <a:tcPr/>
-                </a:tc>
-                <a:tc vMerge="1">
-                  <a:txBody>
-                    <a:bodyPr/>
-                    <a:lstStyle/>
-                    <a:p>
-                      <a:endParaRPr kumimoji="1" lang="ja-JP" altLang="en-US" dirty="0"/>
-                    </a:p>
-                  </a:txBody>
-                  <a:tcPr/>
-                </a:tc>
-                <a:tc vMerge="1">
-                  <a:txBody>
-                    <a:bodyPr/>
-                    <a:lstStyle/>
-                    <a:p>
-                      <a:endParaRPr kumimoji="1" lang="ja-JP" altLang="en-US" dirty="0"/>
-                    </a:p>
-                  </a:txBody>
-                  <a:tcPr/>
-                </a:tc>
-                <a:tc vMerge="1">
-                  <a:txBody>
-                    <a:bodyPr/>
-                    <a:lstStyle/>
-                    <a:p>
-                      <a:endParaRPr kumimoji="1" lang="ja-JP" altLang="en-US" dirty="0"/>
-                    </a:p>
-                  </a:txBody>
-                  <a:tcPr/>
-                </a:tc>
-                <a:tc vMerge="1">
-                  <a:txBody>
-                    <a:bodyPr/>
-                    <a:lstStyle/>
-                    <a:p>
-                      <a:endParaRPr kumimoji="1" lang="ja-JP" altLang="en-US" dirty="0"/>
-                    </a:p>
-                  </a:txBody>
-                  <a:tcPr/>
-                </a:tc>
-                <a:tc rowSpan="2">
-                  <a:txBody>
-                    <a:bodyPr/>
-                    <a:lstStyle/>
-                    <a:p>
-                      <a:endParaRPr kumimoji="1" lang="ja-JP" altLang="en-US" dirty="0"/>
-                    </a:p>
-                  </a:txBody>
-                  <a:tcPr>
-                    <a:solidFill>
-                      <a:schemeClr val="bg2">
-                        <a:lumMod val="50000"/>
-                      </a:schemeClr>
-                    </a:solidFill>
-                  </a:tcPr>
-                </a:tc>
-                <a:tc vMerge="1">
-                  <a:txBody>
-                    <a:bodyPr/>
-                    <a:lstStyle/>
-                    <a:p>
-                      <a:endParaRPr kumimoji="1" lang="ja-JP" altLang="en-US" dirty="0"/>
-                    </a:p>
-                  </a:txBody>
-                  <a:tcPr/>
-                </a:tc>
-                <a:tc rowSpan="2">
-                  <a:txBody>
-                    <a:bodyPr/>
-                    <a:lstStyle/>
-                    <a:p>
-                      <a:endParaRPr kumimoji="1" lang="ja-JP" altLang="en-US" dirty="0"/>
-                    </a:p>
-                  </a:txBody>
-                  <a:tcPr>
-                    <a:solidFill>
-                      <a:schemeClr val="bg2">
-                        <a:lumMod val="50000"/>
-                      </a:schemeClr>
-                    </a:solidFill>
-                  </a:tcPr>
-                </a:tc>
-                <a:tc vMerge="1">
-                  <a:txBody>
-                    <a:bodyPr/>
-                    <a:lstStyle/>
-                    <a:p>
-                      <a:endParaRPr kumimoji="1" lang="ja-JP" altLang="en-US" dirty="0"/>
-                    </a:p>
-                  </a:txBody>
-                  <a:tcPr/>
-                </a:tc>
-                <a:tc rowSpan="2">
-                  <a:txBody>
-                    <a:bodyPr/>
-                    <a:lstStyle/>
-                    <a:p>
-                      <a:endParaRPr kumimoji="1" lang="ja-JP" altLang="en-US" dirty="0"/>
-                    </a:p>
-                  </a:txBody>
-                  <a:tcPr>
-                    <a:solidFill>
-                      <a:schemeClr val="bg2">
-                        <a:lumMod val="50000"/>
-                      </a:schemeClr>
-                    </a:solidFill>
-                  </a:tcPr>
-                </a:tc>
-                <a:tc vMerge="1">
-                  <a:txBody>
-                    <a:bodyPr/>
-                    <a:lstStyle/>
-                    <a:p>
-                      <a:endParaRPr kumimoji="1" lang="ja-JP" altLang="en-US" dirty="0"/>
-                    </a:p>
-                  </a:txBody>
-                  <a:tcPr/>
-                </a:tc>
-                <a:tc vMerge="1">
-                  <a:txBody>
-                    <a:bodyPr/>
-                    <a:lstStyle/>
-                    <a:p>
-                      <a:endParaRPr kumimoji="1" lang="ja-JP" altLang="en-US" dirty="0"/>
-                    </a:p>
-                  </a:txBody>
-                  <a:tcPr/>
-                </a:tc>
-              </a:tr>
-              <a:tr h="338478">
-                <a:tc vMerge="1">
-                  <a:txBody>
-                    <a:bodyPr/>
-                    <a:lstStyle/>
-                    <a:p>
-                      <a:endParaRPr kumimoji="1" lang="ja-JP" altLang="en-US" dirty="0"/>
-                    </a:p>
-                  </a:txBody>
-                  <a:tcPr/>
-                </a:tc>
-                <a:tc vMerge="1">
-                  <a:txBody>
-                    <a:bodyPr/>
-                    <a:lstStyle/>
-                    <a:p>
-                      <a:endParaRPr kumimoji="1" lang="ja-JP" altLang="en-US" dirty="0"/>
-                    </a:p>
-                  </a:txBody>
-                  <a:tcPr/>
-                </a:tc>
-                <a:tc vMerge="1">
-                  <a:txBody>
-                    <a:bodyPr/>
-                    <a:lstStyle/>
-                    <a:p>
-                      <a:endParaRPr kumimoji="1" lang="ja-JP" altLang="en-US" dirty="0"/>
-                    </a:p>
-                  </a:txBody>
-                  <a:tcPr/>
-                </a:tc>
-                <a:tc vMerge="1">
-                  <a:txBody>
-                    <a:bodyPr/>
-                    <a:lstStyle/>
-                    <a:p>
-                      <a:endParaRPr kumimoji="1" lang="ja-JP" altLang="en-US" dirty="0"/>
-                    </a:p>
-                  </a:txBody>
-                  <a:tcPr/>
-                </a:tc>
-                <a:tc vMerge="1">
-                  <a:txBody>
-                    <a:bodyPr/>
-                    <a:lstStyle/>
-                    <a:p>
-                      <a:endParaRPr kumimoji="1" lang="ja-JP" altLang="en-US" dirty="0"/>
-                    </a:p>
-                  </a:txBody>
-                  <a:tcPr/>
-                </a:tc>
-                <a:tc vMerge="1">
-                  <a:txBody>
-                    <a:bodyPr/>
-                    <a:lstStyle/>
-                    <a:p>
-                      <a:endParaRPr kumimoji="1" lang="ja-JP" altLang="en-US" dirty="0"/>
-                    </a:p>
-                  </a:txBody>
-                  <a:tcPr/>
-                </a:tc>
-                <a:tc vMerge="1">
-                  <a:txBody>
-                    <a:bodyPr/>
-                    <a:lstStyle/>
-                    <a:p>
-                      <a:endParaRPr kumimoji="1" lang="ja-JP" altLang="en-US" dirty="0"/>
-                    </a:p>
-                  </a:txBody>
-                  <a:tcPr/>
-                </a:tc>
-                <a:tc rowSpan="2">
-                  <a:txBody>
-                    <a:bodyPr/>
-                    <a:lstStyle/>
-                    <a:p>
-                      <a:endParaRPr kumimoji="1" lang="ja-JP" altLang="en-US" dirty="0"/>
-                    </a:p>
-                  </a:txBody>
-                  <a:tcPr>
-                    <a:solidFill>
-                      <a:schemeClr val="tx1"/>
-                    </a:solidFill>
-                  </a:tcPr>
-                </a:tc>
-                <a:tc vMerge="1">
-                  <a:txBody>
-                    <a:bodyPr/>
-                    <a:lstStyle/>
-                    <a:p>
-                      <a:endParaRPr kumimoji="1" lang="ja-JP" altLang="en-US" dirty="0"/>
-                    </a:p>
-                  </a:txBody>
-                  <a:tcPr/>
-                </a:tc>
-                <a:tc rowSpan="2">
-                  <a:txBody>
-                    <a:bodyPr/>
-                    <a:lstStyle/>
-                    <a:p>
-                      <a:endParaRPr kumimoji="1" lang="ja-JP" altLang="en-US" dirty="0"/>
-                    </a:p>
-                  </a:txBody>
-                  <a:tcPr/>
-                </a:tc>
-                <a:tc vMerge="1">
-                  <a:txBody>
-                    <a:bodyPr/>
-                    <a:lstStyle/>
-                    <a:p>
-                      <a:endParaRPr kumimoji="1" lang="ja-JP" altLang="en-US" dirty="0"/>
-                    </a:p>
-                  </a:txBody>
-                  <a:tcPr/>
-                </a:tc>
-                <a:tc rowSpan="2">
-                  <a:txBody>
-                    <a:bodyPr/>
-                    <a:lstStyle/>
-                    <a:p>
-                      <a:endParaRPr kumimoji="1" lang="ja-JP" altLang="en-US" dirty="0"/>
-                    </a:p>
-                  </a:txBody>
-                  <a:tcPr>
-                    <a:solidFill>
-                      <a:schemeClr val="tx1"/>
-                    </a:solidFill>
-                  </a:tcPr>
-                </a:tc>
-                <a:tc vMerge="1">
-                  <a:txBody>
-                    <a:bodyPr/>
-                    <a:lstStyle/>
-                    <a:p>
-                      <a:endParaRPr kumimoji="1" lang="ja-JP" altLang="en-US" dirty="0"/>
-                    </a:p>
-                  </a:txBody>
-                  <a:tcPr/>
-                </a:tc>
-                <a:tc rowSpan="2">
-                  <a:txBody>
-                    <a:bodyPr/>
-                    <a:lstStyle/>
-                    <a:p>
-                      <a:endParaRPr kumimoji="1" lang="ja-JP" altLang="en-US" dirty="0"/>
-                    </a:p>
-                  </a:txBody>
-                  <a:tcPr/>
-                </a:tc>
-                <a:tc vMerge="1">
-                  <a:txBody>
-                    <a:bodyPr/>
-                    <a:lstStyle/>
-                    <a:p>
-                      <a:endParaRPr kumimoji="1" lang="ja-JP" altLang="en-US" dirty="0"/>
-                    </a:p>
-                  </a:txBody>
-                  <a:tcPr/>
-                </a:tc>
-              </a:tr>
-              <a:tr h="338478">
-                <a:tc vMerge="1">
-                  <a:txBody>
-                    <a:bodyPr/>
-                    <a:lstStyle/>
-                    <a:p>
-                      <a:endParaRPr kumimoji="1" lang="ja-JP" altLang="en-US" dirty="0"/>
-                    </a:p>
-                  </a:txBody>
-                  <a:tcPr/>
-                </a:tc>
-                <a:tc vMerge="1">
-                  <a:txBody>
-                    <a:bodyPr/>
-                    <a:lstStyle/>
-                    <a:p>
-                      <a:endParaRPr kumimoji="1" lang="ja-JP" altLang="en-US" dirty="0"/>
-                    </a:p>
-                  </a:txBody>
-                  <a:tcPr/>
-                </a:tc>
-                <a:tc vMerge="1">
-                  <a:txBody>
-                    <a:bodyPr/>
-                    <a:lstStyle/>
-                    <a:p>
-                      <a:endParaRPr kumimoji="1" lang="ja-JP" altLang="en-US" dirty="0"/>
-                    </a:p>
-                  </a:txBody>
-                  <a:tcPr/>
-                </a:tc>
-                <a:tc vMerge="1">
-                  <a:txBody>
-                    <a:bodyPr/>
-                    <a:lstStyle/>
-                    <a:p>
-                      <a:endParaRPr kumimoji="1" lang="ja-JP" altLang="en-US" dirty="0"/>
-                    </a:p>
-                  </a:txBody>
-                  <a:tcPr/>
-                </a:tc>
-                <a:tc vMerge="1">
-                  <a:txBody>
-                    <a:bodyPr/>
-                    <a:lstStyle/>
-                    <a:p>
-                      <a:endParaRPr kumimoji="1" lang="ja-JP" altLang="en-US" dirty="0"/>
-                    </a:p>
-                  </a:txBody>
-                  <a:tcPr/>
-                </a:tc>
-                <a:tc vMerge="1">
-                  <a:txBody>
-                    <a:bodyPr/>
-                    <a:lstStyle/>
-                    <a:p>
-                      <a:endParaRPr kumimoji="1" lang="ja-JP" altLang="en-US" dirty="0"/>
-                    </a:p>
-                  </a:txBody>
-                  <a:tcPr/>
-                </a:tc>
-                <a:tc vMerge="1">
-                  <a:txBody>
-                    <a:bodyPr/>
-                    <a:lstStyle/>
-                    <a:p>
-                      <a:endParaRPr kumimoji="1" lang="ja-JP" altLang="en-US" dirty="0"/>
-                    </a:p>
-                  </a:txBody>
-                  <a:tcPr/>
-                </a:tc>
-                <a:tc vMerge="1">
-                  <a:txBody>
-                    <a:bodyPr/>
-                    <a:lstStyle/>
-                    <a:p>
-                      <a:endParaRPr kumimoji="1" lang="ja-JP" altLang="en-US" dirty="0"/>
-                    </a:p>
-                  </a:txBody>
-                  <a:tcPr/>
-                </a:tc>
-                <a:tc>
-                  <a:txBody>
-                    <a:bodyPr/>
-                    <a:lstStyle/>
-                    <a:p>
-                      <a:endParaRPr kumimoji="1" lang="ja-JP" altLang="en-US" dirty="0"/>
-                    </a:p>
-                  </a:txBody>
-                  <a:tcPr>
-                    <a:solidFill>
-                      <a:schemeClr val="bg1">
-                        <a:lumMod val="75000"/>
-                      </a:schemeClr>
-                    </a:solidFill>
-                  </a:tcPr>
-                </a:tc>
-                <a:tc vMerge="1">
-                  <a:txBody>
-                    <a:bodyPr/>
-                    <a:lstStyle/>
-                    <a:p>
-                      <a:endParaRPr kumimoji="1" lang="ja-JP" altLang="en-US" dirty="0"/>
-                    </a:p>
-                  </a:txBody>
-                  <a:tcPr/>
-                </a:tc>
-                <a:tc>
-                  <a:txBody>
-                    <a:bodyPr/>
-                    <a:lstStyle/>
-                    <a:p>
-                      <a:endParaRPr kumimoji="1" lang="ja-JP" altLang="en-US" dirty="0"/>
-                    </a:p>
-                  </a:txBody>
-                  <a:tcPr>
-                    <a:solidFill>
-                      <a:schemeClr val="bg1">
-                        <a:lumMod val="75000"/>
-                      </a:schemeClr>
-                    </a:solidFill>
-                  </a:tcPr>
-                </a:tc>
-                <a:tc vMerge="1">
-                  <a:txBody>
-                    <a:bodyPr/>
-                    <a:lstStyle/>
-                    <a:p>
-                      <a:endParaRPr kumimoji="1" lang="ja-JP" altLang="en-US" dirty="0"/>
-                    </a:p>
-                  </a:txBody>
-                  <a:tcPr/>
-                </a:tc>
-                <a:tc>
-                  <a:txBody>
-                    <a:bodyPr/>
-                    <a:lstStyle/>
-                    <a:p>
-                      <a:endParaRPr kumimoji="1" lang="ja-JP" altLang="en-US" dirty="0"/>
-                    </a:p>
-                  </a:txBody>
-                  <a:tcPr>
-                    <a:solidFill>
-                      <a:schemeClr val="bg1">
-                        <a:lumMod val="75000"/>
-                      </a:schemeClr>
-                    </a:solidFill>
-                  </a:tcPr>
-                </a:tc>
-                <a:tc vMerge="1">
-                  <a:txBody>
-                    <a:bodyPr/>
-                    <a:lstStyle/>
-                    <a:p>
-                      <a:endParaRPr kumimoji="1" lang="ja-JP" altLang="en-US" dirty="0"/>
-                    </a:p>
-                  </a:txBody>
-                  <a:tcPr/>
-                </a:tc>
-                <a:tc vMerge="1">
-                  <a:txBody>
-                    <a:bodyPr/>
-                    <a:lstStyle/>
-                    <a:p>
-                      <a:endParaRPr kumimoji="1" lang="ja-JP" altLang="en-US" dirty="0"/>
-                    </a:p>
-                  </a:txBody>
-                  <a:tcPr/>
-                </a:tc>
-              </a:tr>
-              <a:tr h="338478">
-                <a:tc vMerge="1">
-                  <a:txBody>
-                    <a:bodyPr/>
-                    <a:lstStyle/>
-                    <a:p>
-                      <a:endParaRPr kumimoji="1" lang="ja-JP" altLang="en-US" dirty="0"/>
-                    </a:p>
-                  </a:txBody>
-                  <a:tcPr/>
-                </a:tc>
-                <a:tc gridSpan="13">
                   <a:txBody>
                     <a:bodyPr/>
                     <a:lstStyle/>
@@ -5515,148 +4827,6 @@
                     </a:pattFill>
                   </a:tcPr>
                 </a:tc>
-                <a:tc hMerge="1">
-                  <a:txBody>
-                    <a:bodyPr/>
-                    <a:lstStyle/>
-                    <a:p>
-                      <a:endParaRPr kumimoji="1" lang="ja-JP" altLang="en-US" dirty="0"/>
-                    </a:p>
-                  </a:txBody>
-                  <a:tcPr/>
-                </a:tc>
-                <a:tc hMerge="1">
-                  <a:txBody>
-                    <a:bodyPr/>
-                    <a:lstStyle/>
-                    <a:p>
-                      <a:endParaRPr kumimoji="1" lang="ja-JP" altLang="en-US" dirty="0"/>
-                    </a:p>
-                  </a:txBody>
-                  <a:tcPr/>
-                </a:tc>
-                <a:tc hMerge="1">
-                  <a:txBody>
-                    <a:bodyPr/>
-                    <a:lstStyle/>
-                    <a:p>
-                      <a:endParaRPr kumimoji="1" lang="ja-JP" altLang="en-US" dirty="0"/>
-                    </a:p>
-                  </a:txBody>
-                  <a:tcPr/>
-                </a:tc>
-                <a:tc hMerge="1">
-                  <a:txBody>
-                    <a:bodyPr/>
-                    <a:lstStyle/>
-                    <a:p>
-                      <a:endParaRPr kumimoji="1" lang="ja-JP" altLang="en-US" dirty="0"/>
-                    </a:p>
-                  </a:txBody>
-                  <a:tcPr/>
-                </a:tc>
-                <a:tc hMerge="1">
-                  <a:txBody>
-                    <a:bodyPr/>
-                    <a:lstStyle/>
-                    <a:p>
-                      <a:endParaRPr kumimoji="1" lang="ja-JP" altLang="en-US" dirty="0"/>
-                    </a:p>
-                  </a:txBody>
-                  <a:tcPr/>
-                </a:tc>
-                <a:tc hMerge="1">
-                  <a:txBody>
-                    <a:bodyPr/>
-                    <a:lstStyle/>
-                    <a:p>
-                      <a:endParaRPr kumimoji="1" lang="ja-JP" altLang="en-US" dirty="0"/>
-                    </a:p>
-                  </a:txBody>
-                  <a:tcPr/>
-                </a:tc>
-                <a:tc hMerge="1">
-                  <a:txBody>
-                    <a:bodyPr/>
-                    <a:lstStyle/>
-                    <a:p>
-                      <a:endParaRPr kumimoji="1" lang="ja-JP" altLang="en-US" dirty="0"/>
-                    </a:p>
-                  </a:txBody>
-                  <a:tcPr/>
-                </a:tc>
-                <a:tc hMerge="1">
-                  <a:txBody>
-                    <a:bodyPr/>
-                    <a:lstStyle/>
-                    <a:p>
-                      <a:endParaRPr kumimoji="1" lang="ja-JP" altLang="en-US" dirty="0"/>
-                    </a:p>
-                  </a:txBody>
-                  <a:tcPr/>
-                </a:tc>
-                <a:tc hMerge="1">
-                  <a:txBody>
-                    <a:bodyPr/>
-                    <a:lstStyle/>
-                    <a:p>
-                      <a:endParaRPr kumimoji="1" lang="ja-JP" altLang="en-US" dirty="0"/>
-                    </a:p>
-                  </a:txBody>
-                  <a:tcPr/>
-                </a:tc>
-                <a:tc hMerge="1">
-                  <a:txBody>
-                    <a:bodyPr/>
-                    <a:lstStyle/>
-                    <a:p>
-                      <a:endParaRPr kumimoji="1" lang="ja-JP" altLang="en-US" dirty="0"/>
-                    </a:p>
-                  </a:txBody>
-                  <a:tcPr/>
-                </a:tc>
-                <a:tc hMerge="1">
-                  <a:txBody>
-                    <a:bodyPr/>
-                    <a:lstStyle/>
-                    <a:p>
-                      <a:endParaRPr kumimoji="1" lang="ja-JP" altLang="en-US" dirty="0"/>
-                    </a:p>
-                  </a:txBody>
-                  <a:tcPr/>
-                </a:tc>
-                <a:tc hMerge="1">
-                  <a:txBody>
-                    <a:bodyPr/>
-                    <a:lstStyle/>
-                    <a:p>
-                      <a:endParaRPr kumimoji="1" lang="ja-JP" altLang="en-US" dirty="0"/>
-                    </a:p>
-                  </a:txBody>
-                  <a:tcPr/>
-                </a:tc>
-                <a:tc vMerge="1">
-                  <a:txBody>
-                    <a:bodyPr/>
-                    <a:lstStyle/>
-                    <a:p>
-                      <a:endParaRPr kumimoji="1" lang="ja-JP" altLang="en-US" dirty="0"/>
-                    </a:p>
-                  </a:txBody>
-                  <a:tcPr/>
-                </a:tc>
-              </a:tr>
-              <a:tr h="338478">
-                <a:tc vMerge="1">
-                  <a:txBody>
-                    <a:bodyPr/>
-                    <a:lstStyle/>
-                    <a:p>
-                      <a:endParaRPr kumimoji="1" lang="ja-JP" altLang="en-US" dirty="0"/>
-                    </a:p>
-                  </a:txBody>
-                  <a:tcPr/>
-                </a:tc>
                 <a:tc rowSpan="4">
                   <a:txBody>
                     <a:bodyPr/>
@@ -5680,11 +4850,7 @@
                     </a:p>
                   </a:txBody>
                   <a:tcPr>
-                    <a:solidFill>
-                      <a:schemeClr val="bg1">
-                        <a:lumMod val="75000"/>
-                      </a:schemeClr>
-                    </a:solidFill>
+                    <a:pattFill prst="wdUpDiag"/>
                   </a:tcPr>
                 </a:tc>
                 <a:tc rowSpan="4">
@@ -5706,14 +4872,32 @@
                     </a:p>
                   </a:txBody>
                   <a:tcPr>
-                    <a:solidFill>
-                      <a:schemeClr val="bg1">
-                        <a:lumMod val="75000"/>
-                      </a:schemeClr>
-                    </a:solidFill>
-                  </a:tcPr>
-                </a:tc>
-                <a:tc rowSpan="4">
+                    <a:pattFill prst="pct50"/>
+                  </a:tcPr>
+                </a:tc>
+                <a:tc rowSpan="2">
+                  <a:txBody>
+                    <a:bodyPr/>
+                    <a:lstStyle/>
+                    <a:p>
+                      <a:endParaRPr kumimoji="1" lang="ja-JP" altLang="en-US" dirty="0"/>
+                    </a:p>
+                  </a:txBody>
+                  <a:tcPr/>
+                </a:tc>
+                <a:tc>
+                  <a:txBody>
+                    <a:bodyPr/>
+                    <a:lstStyle/>
+                    <a:p>
+                      <a:endParaRPr kumimoji="1" lang="ja-JP" altLang="en-US" dirty="0"/>
+                    </a:p>
+                  </a:txBody>
+                  <a:tcPr>
+                    <a:pattFill prst="wdUpDiag"/>
+                  </a:tcPr>
+                </a:tc>
+                <a:tc rowSpan="2">
                   <a:txBody>
                     <a:bodyPr/>
                     <a:lstStyle/>
@@ -5727,20 +4911,16 @@
                     </a:solidFill>
                   </a:tcPr>
                 </a:tc>
-                <a:tc rowSpan="4">
-                  <a:txBody>
-                    <a:bodyPr/>
-                    <a:lstStyle/>
-                    <a:p>
-                      <a:endParaRPr kumimoji="1" lang="ja-JP" altLang="en-US" dirty="0"/>
-                    </a:p>
-                  </a:txBody>
-                  <a:tcPr>
-                    <a:solidFill>
-                      <a:schemeClr val="bg2">
-                        <a:lumMod val="50000"/>
-                      </a:schemeClr>
-                    </a:solidFill>
+                <a:tc>
+                  <a:txBody>
+                    <a:bodyPr/>
+                    <a:lstStyle/>
+                    <a:p>
+                      <a:endParaRPr kumimoji="1" lang="ja-JP" altLang="en-US" dirty="0"/>
+                    </a:p>
+                  </a:txBody>
+                  <a:tcPr>
+                    <a:pattFill prst="wdUpDiag"/>
                   </a:tcPr>
                 </a:tc>
                 <a:tc rowSpan="2">
@@ -5762,11 +4942,7 @@
                     </a:p>
                   </a:txBody>
                   <a:tcPr>
-                    <a:solidFill>
-                      <a:schemeClr val="bg1">
-                        <a:lumMod val="75000"/>
-                      </a:schemeClr>
-                    </a:solidFill>
+                    <a:pattFill prst="wdUpDiag"/>
                   </a:tcPr>
                 </a:tc>
                 <a:tc rowSpan="2">
@@ -5783,594 +4959,16 @@
                     </a:solidFill>
                   </a:tcPr>
                 </a:tc>
-                <a:tc>
-                  <a:txBody>
-                    <a:bodyPr/>
-                    <a:lstStyle/>
-                    <a:p>
-                      <a:endParaRPr kumimoji="1" lang="ja-JP" altLang="en-US" dirty="0"/>
-                    </a:p>
-                  </a:txBody>
-                  <a:tcPr>
-                    <a:solidFill>
-                      <a:schemeClr val="bg1">
-                        <a:lumMod val="75000"/>
-                      </a:schemeClr>
-                    </a:solidFill>
-                  </a:tcPr>
-                </a:tc>
-                <a:tc rowSpan="2">
-                  <a:txBody>
-                    <a:bodyPr/>
-                    <a:lstStyle/>
-                    <a:p>
-                      <a:endParaRPr kumimoji="1" lang="ja-JP" altLang="en-US" dirty="0"/>
-                    </a:p>
-                  </a:txBody>
-                  <a:tcPr/>
-                </a:tc>
-                <a:tc>
-                  <a:txBody>
-                    <a:bodyPr/>
-                    <a:lstStyle/>
-                    <a:p>
-                      <a:endParaRPr kumimoji="1" lang="ja-JP" altLang="en-US" dirty="0"/>
-                    </a:p>
-                  </a:txBody>
-                  <a:tcPr>
-                    <a:solidFill>
-                      <a:schemeClr val="bg1">
-                        <a:lumMod val="75000"/>
-                      </a:schemeClr>
-                    </a:solidFill>
-                  </a:tcPr>
-                </a:tc>
-                <a:tc rowSpan="2">
-                  <a:txBody>
-                    <a:bodyPr/>
-                    <a:lstStyle/>
-                    <a:p>
-                      <a:endParaRPr kumimoji="1" lang="ja-JP" altLang="en-US" dirty="0"/>
-                    </a:p>
-                  </a:txBody>
-                  <a:tcPr>
-                    <a:solidFill>
-                      <a:schemeClr val="tx1"/>
-                    </a:solidFill>
-                  </a:tcPr>
-                </a:tc>
-                <a:tc vMerge="1">
-                  <a:txBody>
-                    <a:bodyPr/>
-                    <a:lstStyle/>
-                    <a:p>
-                      <a:endParaRPr kumimoji="1" lang="ja-JP" altLang="en-US" dirty="0"/>
-                    </a:p>
-                  </a:txBody>
-                  <a:tcPr/>
-                </a:tc>
-              </a:tr>
-              <a:tr h="338478">
-                <a:tc vMerge="1">
-                  <a:txBody>
-                    <a:bodyPr/>
-                    <a:lstStyle/>
-                    <a:p>
-                      <a:endParaRPr kumimoji="1" lang="ja-JP" altLang="en-US" dirty="0"/>
-                    </a:p>
-                  </a:txBody>
-                  <a:tcPr/>
-                </a:tc>
-                <a:tc vMerge="1">
-                  <a:txBody>
-                    <a:bodyPr/>
-                    <a:lstStyle/>
-                    <a:p>
-                      <a:endParaRPr kumimoji="1" lang="ja-JP" altLang="en-US" dirty="0"/>
-                    </a:p>
-                  </a:txBody>
-                  <a:tcPr/>
-                </a:tc>
-                <a:tc vMerge="1">
-                  <a:txBody>
-                    <a:bodyPr/>
-                    <a:lstStyle/>
-                    <a:p>
-                      <a:endParaRPr kumimoji="1" lang="ja-JP" altLang="en-US" dirty="0"/>
-                    </a:p>
-                  </a:txBody>
-                  <a:tcPr/>
-                </a:tc>
-                <a:tc vMerge="1">
-                  <a:txBody>
-                    <a:bodyPr/>
-                    <a:lstStyle/>
-                    <a:p>
-                      <a:endParaRPr kumimoji="1" lang="ja-JP" altLang="en-US" dirty="0"/>
-                    </a:p>
-                  </a:txBody>
-                  <a:tcPr/>
-                </a:tc>
-                <a:tc vMerge="1">
-                  <a:txBody>
-                    <a:bodyPr/>
-                    <a:lstStyle/>
-                    <a:p>
-                      <a:endParaRPr kumimoji="1" lang="ja-JP" altLang="en-US" dirty="0"/>
-                    </a:p>
-                  </a:txBody>
-                  <a:tcPr/>
-                </a:tc>
-                <a:tc vMerge="1">
-                  <a:txBody>
-                    <a:bodyPr/>
-                    <a:lstStyle/>
-                    <a:p>
-                      <a:endParaRPr kumimoji="1" lang="ja-JP" altLang="en-US" dirty="0"/>
-                    </a:p>
-                  </a:txBody>
-                  <a:tcPr/>
-                </a:tc>
-                <a:tc vMerge="1">
-                  <a:txBody>
-                    <a:bodyPr/>
-                    <a:lstStyle/>
-                    <a:p>
-                      <a:endParaRPr kumimoji="1" lang="ja-JP" altLang="en-US" dirty="0"/>
-                    </a:p>
-                  </a:txBody>
-                  <a:tcPr/>
-                </a:tc>
-                <a:tc vMerge="1">
-                  <a:txBody>
-                    <a:bodyPr/>
-                    <a:lstStyle/>
-                    <a:p>
-                      <a:endParaRPr kumimoji="1" lang="ja-JP" altLang="en-US" dirty="0"/>
-                    </a:p>
-                  </a:txBody>
-                  <a:tcPr/>
-                </a:tc>
-                <a:tc rowSpan="2">
-                  <a:txBody>
-                    <a:bodyPr/>
-                    <a:lstStyle/>
-                    <a:p>
-                      <a:endParaRPr kumimoji="1" lang="ja-JP" altLang="en-US" dirty="0"/>
-                    </a:p>
-                  </a:txBody>
-                  <a:tcPr>
-                    <a:solidFill>
-                      <a:schemeClr val="bg2">
-                        <a:lumMod val="50000"/>
-                      </a:schemeClr>
-                    </a:solidFill>
-                  </a:tcPr>
-                </a:tc>
-                <a:tc vMerge="1">
-                  <a:txBody>
-                    <a:bodyPr/>
-                    <a:lstStyle/>
-                    <a:p>
-                      <a:endParaRPr kumimoji="1" lang="ja-JP" altLang="en-US" dirty="0"/>
-                    </a:p>
-                  </a:txBody>
-                  <a:tcPr/>
-                </a:tc>
-                <a:tc rowSpan="2">
-                  <a:txBody>
-                    <a:bodyPr/>
-                    <a:lstStyle/>
-                    <a:p>
-                      <a:endParaRPr kumimoji="1" lang="ja-JP" altLang="en-US" dirty="0"/>
-                    </a:p>
-                  </a:txBody>
-                  <a:tcPr>
-                    <a:solidFill>
-                      <a:schemeClr val="bg2">
-                        <a:lumMod val="50000"/>
-                      </a:schemeClr>
-                    </a:solidFill>
-                  </a:tcPr>
-                </a:tc>
-                <a:tc vMerge="1">
-                  <a:txBody>
-                    <a:bodyPr/>
-                    <a:lstStyle/>
-                    <a:p>
-                      <a:endParaRPr kumimoji="1" lang="ja-JP" altLang="en-US" dirty="0"/>
-                    </a:p>
-                  </a:txBody>
-                  <a:tcPr/>
-                </a:tc>
-                <a:tc rowSpan="2">
-                  <a:txBody>
-                    <a:bodyPr/>
-                    <a:lstStyle/>
-                    <a:p>
-                      <a:endParaRPr kumimoji="1" lang="ja-JP" altLang="en-US" dirty="0"/>
-                    </a:p>
-                  </a:txBody>
-                  <a:tcPr>
-                    <a:solidFill>
-                      <a:schemeClr val="bg2">
-                        <a:lumMod val="50000"/>
-                      </a:schemeClr>
-                    </a:solidFill>
-                  </a:tcPr>
-                </a:tc>
-                <a:tc vMerge="1">
-                  <a:txBody>
-                    <a:bodyPr/>
-                    <a:lstStyle/>
-                    <a:p>
-                      <a:endParaRPr kumimoji="1" lang="ja-JP" altLang="en-US" dirty="0"/>
-                    </a:p>
-                  </a:txBody>
-                  <a:tcPr/>
-                </a:tc>
-                <a:tc vMerge="1">
-                  <a:txBody>
-                    <a:bodyPr/>
-                    <a:lstStyle/>
-                    <a:p>
-                      <a:endParaRPr kumimoji="1" lang="ja-JP" altLang="en-US" dirty="0"/>
-                    </a:p>
-                  </a:txBody>
-                  <a:tcPr/>
-                </a:tc>
-              </a:tr>
-              <a:tr h="338478">
-                <a:tc vMerge="1">
-                  <a:txBody>
-                    <a:bodyPr/>
-                    <a:lstStyle/>
-                    <a:p>
-                      <a:endParaRPr kumimoji="1" lang="ja-JP" altLang="en-US" dirty="0"/>
-                    </a:p>
-                  </a:txBody>
-                  <a:tcPr/>
-                </a:tc>
-                <a:tc vMerge="1">
-                  <a:txBody>
-                    <a:bodyPr/>
-                    <a:lstStyle/>
-                    <a:p>
-                      <a:endParaRPr kumimoji="1" lang="ja-JP" altLang="en-US" dirty="0"/>
-                    </a:p>
-                  </a:txBody>
-                  <a:tcPr/>
-                </a:tc>
-                <a:tc vMerge="1">
-                  <a:txBody>
-                    <a:bodyPr/>
-                    <a:lstStyle/>
-                    <a:p>
-                      <a:endParaRPr kumimoji="1" lang="ja-JP" altLang="en-US" dirty="0"/>
-                    </a:p>
-                  </a:txBody>
-                  <a:tcPr/>
-                </a:tc>
-                <a:tc vMerge="1">
-                  <a:txBody>
-                    <a:bodyPr/>
-                    <a:lstStyle/>
-                    <a:p>
-                      <a:endParaRPr kumimoji="1" lang="ja-JP" altLang="en-US" dirty="0"/>
-                    </a:p>
-                  </a:txBody>
-                  <a:tcPr/>
-                </a:tc>
-                <a:tc vMerge="1">
-                  <a:txBody>
-                    <a:bodyPr/>
-                    <a:lstStyle/>
-                    <a:p>
-                      <a:endParaRPr kumimoji="1" lang="ja-JP" altLang="en-US" dirty="0"/>
-                    </a:p>
-                  </a:txBody>
-                  <a:tcPr/>
-                </a:tc>
-                <a:tc vMerge="1">
-                  <a:txBody>
-                    <a:bodyPr/>
-                    <a:lstStyle/>
-                    <a:p>
-                      <a:endParaRPr kumimoji="1" lang="ja-JP" altLang="en-US" dirty="0"/>
-                    </a:p>
-                  </a:txBody>
-                  <a:tcPr/>
-                </a:tc>
-                <a:tc vMerge="1">
-                  <a:txBody>
-                    <a:bodyPr/>
-                    <a:lstStyle/>
-                    <a:p>
-                      <a:endParaRPr kumimoji="1" lang="ja-JP" altLang="en-US" dirty="0"/>
-                    </a:p>
-                  </a:txBody>
-                  <a:tcPr/>
-                </a:tc>
-                <a:tc rowSpan="2">
-                  <a:txBody>
-                    <a:bodyPr/>
-                    <a:lstStyle/>
-                    <a:p>
-                      <a:endParaRPr kumimoji="1" lang="ja-JP" altLang="en-US" dirty="0"/>
-                    </a:p>
-                  </a:txBody>
-                  <a:tcPr>
-                    <a:solidFill>
-                      <a:schemeClr val="tx1"/>
-                    </a:solidFill>
-                  </a:tcPr>
-                </a:tc>
-                <a:tc vMerge="1">
-                  <a:txBody>
-                    <a:bodyPr/>
-                    <a:lstStyle/>
-                    <a:p>
-                      <a:endParaRPr kumimoji="1" lang="ja-JP" altLang="en-US" dirty="0"/>
-                    </a:p>
-                  </a:txBody>
-                  <a:tcPr/>
-                </a:tc>
-                <a:tc rowSpan="2">
-                  <a:txBody>
-                    <a:bodyPr/>
-                    <a:lstStyle/>
-                    <a:p>
-                      <a:endParaRPr kumimoji="1" lang="ja-JP" altLang="en-US" dirty="0"/>
-                    </a:p>
-                  </a:txBody>
-                  <a:tcPr/>
-                </a:tc>
-                <a:tc vMerge="1">
-                  <a:txBody>
-                    <a:bodyPr/>
-                    <a:lstStyle/>
-                    <a:p>
-                      <a:endParaRPr kumimoji="1" lang="ja-JP" altLang="en-US" dirty="0"/>
-                    </a:p>
-                  </a:txBody>
-                  <a:tcPr/>
-                </a:tc>
-                <a:tc rowSpan="2">
-                  <a:txBody>
-                    <a:bodyPr/>
-                    <a:lstStyle/>
-                    <a:p>
-                      <a:endParaRPr kumimoji="1" lang="ja-JP" altLang="en-US" dirty="0"/>
-                    </a:p>
-                  </a:txBody>
-                  <a:tcPr>
-                    <a:solidFill>
-                      <a:schemeClr val="tx1"/>
-                    </a:solidFill>
-                  </a:tcPr>
-                </a:tc>
-                <a:tc vMerge="1">
-                  <a:txBody>
-                    <a:bodyPr/>
-                    <a:lstStyle/>
-                    <a:p>
-                      <a:endParaRPr kumimoji="1" lang="ja-JP" altLang="en-US" dirty="0"/>
-                    </a:p>
-                  </a:txBody>
-                  <a:tcPr/>
-                </a:tc>
-                <a:tc rowSpan="2">
-                  <a:txBody>
-                    <a:bodyPr/>
-                    <a:lstStyle/>
-                    <a:p>
-                      <a:endParaRPr kumimoji="1" lang="ja-JP" altLang="en-US" dirty="0"/>
-                    </a:p>
-                  </a:txBody>
-                  <a:tcPr/>
-                </a:tc>
-                <a:tc vMerge="1">
-                  <a:txBody>
-                    <a:bodyPr/>
-                    <a:lstStyle/>
-                    <a:p>
-                      <a:endParaRPr kumimoji="1" lang="ja-JP" altLang="en-US" dirty="0"/>
-                    </a:p>
-                  </a:txBody>
-                  <a:tcPr/>
-                </a:tc>
-              </a:tr>
-              <a:tr h="338478">
-                <a:tc vMerge="1">
-                  <a:txBody>
-                    <a:bodyPr/>
-                    <a:lstStyle/>
-                    <a:p>
-                      <a:endParaRPr kumimoji="1" lang="ja-JP" altLang="en-US" dirty="0"/>
-                    </a:p>
-                  </a:txBody>
-                  <a:tcPr/>
-                </a:tc>
-                <a:tc vMerge="1">
-                  <a:txBody>
-                    <a:bodyPr/>
-                    <a:lstStyle/>
-                    <a:p>
-                      <a:endParaRPr kumimoji="1" lang="ja-JP" altLang="en-US" dirty="0"/>
-                    </a:p>
-                  </a:txBody>
-                  <a:tcPr/>
-                </a:tc>
-                <a:tc vMerge="1">
-                  <a:txBody>
-                    <a:bodyPr/>
-                    <a:lstStyle/>
-                    <a:p>
-                      <a:endParaRPr kumimoji="1" lang="ja-JP" altLang="en-US" dirty="0"/>
-                    </a:p>
-                  </a:txBody>
-                  <a:tcPr/>
-                </a:tc>
-                <a:tc vMerge="1">
-                  <a:txBody>
-                    <a:bodyPr/>
-                    <a:lstStyle/>
-                    <a:p>
-                      <a:endParaRPr kumimoji="1" lang="ja-JP" altLang="en-US" dirty="0"/>
-                    </a:p>
-                  </a:txBody>
-                  <a:tcPr/>
-                </a:tc>
-                <a:tc vMerge="1">
-                  <a:txBody>
-                    <a:bodyPr/>
-                    <a:lstStyle/>
-                    <a:p>
-                      <a:endParaRPr kumimoji="1" lang="ja-JP" altLang="en-US" dirty="0"/>
-                    </a:p>
-                  </a:txBody>
-                  <a:tcPr/>
-                </a:tc>
-                <a:tc vMerge="1">
-                  <a:txBody>
-                    <a:bodyPr/>
-                    <a:lstStyle/>
-                    <a:p>
-                      <a:endParaRPr kumimoji="1" lang="ja-JP" altLang="en-US" dirty="0"/>
-                    </a:p>
-                  </a:txBody>
-                  <a:tcPr/>
-                </a:tc>
-                <a:tc vMerge="1">
-                  <a:txBody>
-                    <a:bodyPr/>
-                    <a:lstStyle/>
-                    <a:p>
-                      <a:endParaRPr kumimoji="1" lang="ja-JP" altLang="en-US" dirty="0"/>
-                    </a:p>
-                  </a:txBody>
-                  <a:tcPr/>
-                </a:tc>
-                <a:tc vMerge="1">
-                  <a:txBody>
-                    <a:bodyPr/>
-                    <a:lstStyle/>
-                    <a:p>
-                      <a:endParaRPr kumimoji="1" lang="ja-JP" altLang="en-US" dirty="0"/>
-                    </a:p>
-                  </a:txBody>
-                  <a:tcPr/>
-                </a:tc>
-                <a:tc>
-                  <a:txBody>
-                    <a:bodyPr/>
-                    <a:lstStyle/>
-                    <a:p>
-                      <a:endParaRPr kumimoji="1" lang="ja-JP" altLang="en-US" dirty="0"/>
-                    </a:p>
-                  </a:txBody>
-                  <a:tcPr>
-                    <a:solidFill>
-                      <a:schemeClr val="bg1">
-                        <a:lumMod val="75000"/>
-                      </a:schemeClr>
-                    </a:solidFill>
-                  </a:tcPr>
-                </a:tc>
-                <a:tc vMerge="1">
-                  <a:txBody>
-                    <a:bodyPr/>
-                    <a:lstStyle/>
-                    <a:p>
-                      <a:endParaRPr kumimoji="1" lang="ja-JP" altLang="en-US" dirty="0"/>
-                    </a:p>
-                  </a:txBody>
-                  <a:tcPr/>
-                </a:tc>
-                <a:tc>
-                  <a:txBody>
-                    <a:bodyPr/>
-                    <a:lstStyle/>
-                    <a:p>
-                      <a:endParaRPr kumimoji="1" lang="ja-JP" altLang="en-US" dirty="0"/>
-                    </a:p>
-                  </a:txBody>
-                  <a:tcPr>
-                    <a:solidFill>
-                      <a:schemeClr val="bg1">
-                        <a:lumMod val="75000"/>
-                      </a:schemeClr>
-                    </a:solidFill>
-                  </a:tcPr>
-                </a:tc>
-                <a:tc vMerge="1">
-                  <a:txBody>
-                    <a:bodyPr/>
-                    <a:lstStyle/>
-                    <a:p>
-                      <a:endParaRPr kumimoji="1" lang="ja-JP" altLang="en-US" dirty="0"/>
-                    </a:p>
-                  </a:txBody>
-                  <a:tcPr/>
-                </a:tc>
-                <a:tc>
-                  <a:txBody>
-                    <a:bodyPr/>
-                    <a:lstStyle/>
-                    <a:p>
-                      <a:endParaRPr kumimoji="1" lang="ja-JP" altLang="en-US" dirty="0"/>
-                    </a:p>
-                  </a:txBody>
-                  <a:tcPr>
-                    <a:solidFill>
-                      <a:schemeClr val="bg1">
-                        <a:lumMod val="75000"/>
-                      </a:schemeClr>
-                    </a:solidFill>
-                  </a:tcPr>
-                </a:tc>
-                <a:tc vMerge="1">
-                  <a:txBody>
-                    <a:bodyPr/>
-                    <a:lstStyle/>
-                    <a:p>
-                      <a:endParaRPr kumimoji="1" lang="ja-JP" altLang="en-US" dirty="0"/>
-                    </a:p>
-                  </a:txBody>
-                  <a:tcPr/>
-                </a:tc>
-                <a:tc vMerge="1">
-                  <a:txBody>
-                    <a:bodyPr/>
-                    <a:lstStyle/>
-                    <a:p>
-                      <a:endParaRPr kumimoji="1" lang="ja-JP" altLang="en-US" dirty="0"/>
-                    </a:p>
-                  </a:txBody>
-                  <a:tcPr/>
-                </a:tc>
-              </a:tr>
-              <a:tr h="338478">
-                <a:tc vMerge="1">
-                  <a:txBody>
-                    <a:bodyPr/>
-                    <a:lstStyle/>
-                    <a:p>
-                      <a:endParaRPr kumimoji="1" lang="ja-JP" altLang="en-US" dirty="0"/>
-                    </a:p>
-                  </a:txBody>
-                  <a:tcPr/>
-                </a:tc>
-                <a:tc gridSpan="13">
-                  <a:txBody>
-                    <a:bodyPr/>
-                    <a:lstStyle/>
-                    <a:p>
-                      <a:endParaRPr kumimoji="1" lang="ja-JP" altLang="en-US" dirty="0"/>
-                    </a:p>
-                  </a:txBody>
-                  <a:tcPr>
-                    <a:pattFill prst="wdUpDiag">
+                <a:tc rowSpan="14">
+                  <a:txBody>
+                    <a:bodyPr/>
+                    <a:lstStyle/>
+                    <a:p>
+                      <a:endParaRPr kumimoji="1" lang="ja-JP" altLang="en-US" dirty="0"/>
+                    </a:p>
+                  </a:txBody>
+                  <a:tcPr>
+                    <a:pattFill prst="pct50">
                       <a:fgClr>
                         <a:schemeClr val="tx1"/>
                       </a:fgClr>
@@ -6380,136 +4978,6 @@
                     </a:pattFill>
                   </a:tcPr>
                 </a:tc>
-                <a:tc hMerge="1">
-                  <a:txBody>
-                    <a:bodyPr/>
-                    <a:lstStyle/>
-                    <a:p>
-                      <a:endParaRPr kumimoji="1" lang="ja-JP" altLang="en-US"/>
-                    </a:p>
-                  </a:txBody>
-                  <a:tcPr/>
-                </a:tc>
-                <a:tc hMerge="1">
-                  <a:txBody>
-                    <a:bodyPr/>
-                    <a:lstStyle/>
-                    <a:p>
-                      <a:endParaRPr kumimoji="1" lang="ja-JP" altLang="en-US"/>
-                    </a:p>
-                  </a:txBody>
-                  <a:tcPr/>
-                </a:tc>
-                <a:tc hMerge="1">
-                  <a:txBody>
-                    <a:bodyPr/>
-                    <a:lstStyle/>
-                    <a:p>
-                      <a:endParaRPr kumimoji="1" lang="ja-JP" altLang="en-US"/>
-                    </a:p>
-                  </a:txBody>
-                  <a:tcPr/>
-                </a:tc>
-                <a:tc hMerge="1">
-                  <a:txBody>
-                    <a:bodyPr/>
-                    <a:lstStyle/>
-                    <a:p>
-                      <a:endParaRPr kumimoji="1" lang="ja-JP" altLang="en-US"/>
-                    </a:p>
-                  </a:txBody>
-                  <a:tcPr/>
-                </a:tc>
-                <a:tc hMerge="1">
-                  <a:txBody>
-                    <a:bodyPr/>
-                    <a:lstStyle/>
-                    <a:p>
-                      <a:endParaRPr kumimoji="1" lang="ja-JP" altLang="en-US"/>
-                    </a:p>
-                  </a:txBody>
-                  <a:tcPr/>
-                </a:tc>
-                <a:tc hMerge="1">
-                  <a:txBody>
-                    <a:bodyPr/>
-                    <a:lstStyle/>
-                    <a:p>
-                      <a:endParaRPr kumimoji="1" lang="ja-JP" altLang="en-US"/>
-                    </a:p>
-                  </a:txBody>
-                  <a:tcPr/>
-                </a:tc>
-                <a:tc hMerge="1">
-                  <a:txBody>
-                    <a:bodyPr/>
-                    <a:lstStyle/>
-                    <a:p>
-                      <a:endParaRPr kumimoji="1" lang="ja-JP" altLang="en-US"/>
-                    </a:p>
-                  </a:txBody>
-                  <a:tcPr/>
-                </a:tc>
-                <a:tc hMerge="1">
-                  <a:txBody>
-                    <a:bodyPr/>
-                    <a:lstStyle/>
-                    <a:p>
-                      <a:endParaRPr kumimoji="1" lang="ja-JP" altLang="en-US" dirty="0"/>
-                    </a:p>
-                  </a:txBody>
-                  <a:tcPr/>
-                </a:tc>
-                <a:tc hMerge="1">
-                  <a:txBody>
-                    <a:bodyPr/>
-                    <a:lstStyle/>
-                    <a:p>
-                      <a:endParaRPr kumimoji="1" lang="ja-JP" altLang="en-US" dirty="0"/>
-                    </a:p>
-                  </a:txBody>
-                  <a:tcPr/>
-                </a:tc>
-                <a:tc hMerge="1">
-                  <a:txBody>
-                    <a:bodyPr/>
-                    <a:lstStyle/>
-                    <a:p>
-                      <a:endParaRPr kumimoji="1" lang="ja-JP" altLang="en-US"/>
-                    </a:p>
-                  </a:txBody>
-                  <a:tcPr/>
-                </a:tc>
-                <a:tc hMerge="1">
-                  <a:txBody>
-                    <a:bodyPr/>
-                    <a:lstStyle/>
-                    <a:p>
-                      <a:endParaRPr kumimoji="1" lang="ja-JP" altLang="en-US"/>
-                    </a:p>
-                  </a:txBody>
-                  <a:tcPr/>
-                </a:tc>
-                <a:tc hMerge="1">
-                  <a:txBody>
-                    <a:bodyPr/>
-                    <a:lstStyle/>
-                    <a:p>
-                      <a:endParaRPr kumimoji="1" lang="ja-JP" altLang="en-US" dirty="0"/>
-                    </a:p>
-                  </a:txBody>
-                  <a:tcPr/>
-                </a:tc>
-                <a:tc vMerge="1">
-                  <a:txBody>
-                    <a:bodyPr/>
-                    <a:lstStyle/>
-                    <a:p>
-                      <a:endParaRPr kumimoji="1" lang="ja-JP" altLang="en-US" dirty="0"/>
-                    </a:p>
-                  </a:txBody>
-                  <a:tcPr/>
-                </a:tc>
               </a:tr>
               <a:tr h="338478">
                 <a:tc vMerge="1">
@@ -6522,33 +4990,225 @@
                   </a:txBody>
                   <a:tcPr/>
                 </a:tc>
-                <a:tc rowSpan="4">
-                  <a:txBody>
-                    <a:bodyPr/>
-                    <a:lstStyle/>
-                    <a:p>
-                      <a:endParaRPr kumimoji="1" lang="ja-JP" altLang="en-US" dirty="0"/>
-                    </a:p>
-                  </a:txBody>
-                  <a:tcPr/>
-                </a:tc>
-                <a:tc rowSpan="4">
-                  <a:txBody>
-                    <a:bodyPr/>
-                    <a:lstStyle/>
-                    <a:p>
-                      <a:endParaRPr kumimoji="1" lang="ja-JP" altLang="en-US" dirty="0"/>
-                    </a:p>
-                  </a:txBody>
-                  <a:tcPr>
-                    <a:solidFill>
-                      <a:schemeClr val="bg1">
-                        <a:lumMod val="75000"/>
-                      </a:schemeClr>
-                    </a:solidFill>
-                  </a:tcPr>
-                </a:tc>
-                <a:tc rowSpan="4">
+                <a:tc vMerge="1">
+                  <a:txBody>
+                    <a:bodyPr/>
+                    <a:lstStyle/>
+                    <a:p>
+                      <a:endParaRPr kumimoji="1" lang="ja-JP" altLang="en-US" dirty="0"/>
+                    </a:p>
+                  </a:txBody>
+                  <a:tcPr/>
+                </a:tc>
+                <a:tc vMerge="1">
+                  <a:txBody>
+                    <a:bodyPr/>
+                    <a:lstStyle/>
+                    <a:p>
+                      <a:endParaRPr kumimoji="1" lang="ja-JP" altLang="en-US" dirty="0"/>
+                    </a:p>
+                  </a:txBody>
+                  <a:tcPr/>
+                </a:tc>
+                <a:tc vMerge="1">
+                  <a:txBody>
+                    <a:bodyPr/>
+                    <a:lstStyle/>
+                    <a:p>
+                      <a:endParaRPr kumimoji="1" lang="ja-JP" altLang="en-US" dirty="0"/>
+                    </a:p>
+                  </a:txBody>
+                  <a:tcPr/>
+                </a:tc>
+                <a:tc vMerge="1">
+                  <a:txBody>
+                    <a:bodyPr/>
+                    <a:lstStyle/>
+                    <a:p>
+                      <a:endParaRPr kumimoji="1" lang="ja-JP" altLang="en-US" dirty="0"/>
+                    </a:p>
+                  </a:txBody>
+                  <a:tcPr/>
+                </a:tc>
+                <a:tc vMerge="1">
+                  <a:txBody>
+                    <a:bodyPr/>
+                    <a:lstStyle/>
+                    <a:p>
+                      <a:endParaRPr kumimoji="1" lang="ja-JP" altLang="en-US" dirty="0"/>
+                    </a:p>
+                  </a:txBody>
+                  <a:tcPr/>
+                </a:tc>
+                <a:tc vMerge="1">
+                  <a:txBody>
+                    <a:bodyPr/>
+                    <a:lstStyle/>
+                    <a:p>
+                      <a:endParaRPr kumimoji="1" lang="ja-JP" altLang="en-US" dirty="0"/>
+                    </a:p>
+                  </a:txBody>
+                  <a:tcPr/>
+                </a:tc>
+                <a:tc vMerge="1">
+                  <a:txBody>
+                    <a:bodyPr/>
+                    <a:lstStyle/>
+                    <a:p>
+                      <a:endParaRPr kumimoji="1" lang="ja-JP" altLang="en-US" dirty="0"/>
+                    </a:p>
+                  </a:txBody>
+                  <a:tcPr/>
+                </a:tc>
+                <a:tc rowSpan="2">
+                  <a:txBody>
+                    <a:bodyPr/>
+                    <a:lstStyle/>
+                    <a:p>
+                      <a:endParaRPr kumimoji="1" lang="ja-JP" altLang="en-US" dirty="0"/>
+                    </a:p>
+                  </a:txBody>
+                  <a:tcPr>
+                    <a:pattFill prst="pct50"/>
+                  </a:tcPr>
+                </a:tc>
+                <a:tc vMerge="1">
+                  <a:txBody>
+                    <a:bodyPr/>
+                    <a:lstStyle/>
+                    <a:p>
+                      <a:endParaRPr kumimoji="1" lang="ja-JP" altLang="en-US" dirty="0"/>
+                    </a:p>
+                  </a:txBody>
+                  <a:tcPr/>
+                </a:tc>
+                <a:tc rowSpan="2">
+                  <a:txBody>
+                    <a:bodyPr/>
+                    <a:lstStyle/>
+                    <a:p>
+                      <a:endParaRPr kumimoji="1" lang="ja-JP" altLang="en-US" dirty="0"/>
+                    </a:p>
+                  </a:txBody>
+                  <a:tcPr>
+                    <a:pattFill prst="pct50"/>
+                  </a:tcPr>
+                </a:tc>
+                <a:tc vMerge="1">
+                  <a:txBody>
+                    <a:bodyPr/>
+                    <a:lstStyle/>
+                    <a:p>
+                      <a:endParaRPr kumimoji="1" lang="ja-JP" altLang="en-US" dirty="0"/>
+                    </a:p>
+                  </a:txBody>
+                  <a:tcPr/>
+                </a:tc>
+                <a:tc rowSpan="2">
+                  <a:txBody>
+                    <a:bodyPr/>
+                    <a:lstStyle/>
+                    <a:p>
+                      <a:endParaRPr kumimoji="1" lang="ja-JP" altLang="en-US" dirty="0"/>
+                    </a:p>
+                  </a:txBody>
+                  <a:tcPr>
+                    <a:pattFill prst="pct50"/>
+                  </a:tcPr>
+                </a:tc>
+                <a:tc vMerge="1">
+                  <a:txBody>
+                    <a:bodyPr/>
+                    <a:lstStyle/>
+                    <a:p>
+                      <a:endParaRPr kumimoji="1" lang="ja-JP" altLang="en-US" dirty="0"/>
+                    </a:p>
+                  </a:txBody>
+                  <a:tcPr/>
+                </a:tc>
+                <a:tc vMerge="1">
+                  <a:txBody>
+                    <a:bodyPr/>
+                    <a:lstStyle/>
+                    <a:p>
+                      <a:endParaRPr kumimoji="1" lang="ja-JP" altLang="en-US" dirty="0"/>
+                    </a:p>
+                  </a:txBody>
+                  <a:tcPr/>
+                </a:tc>
+              </a:tr>
+              <a:tr h="338478">
+                <a:tc vMerge="1">
+                  <a:txBody>
+                    <a:bodyPr/>
+                    <a:lstStyle/>
+                    <a:p>
+                      <a:endParaRPr kumimoji="1" lang="ja-JP" altLang="en-US" dirty="0"/>
+                    </a:p>
+                  </a:txBody>
+                  <a:tcPr/>
+                </a:tc>
+                <a:tc vMerge="1">
+                  <a:txBody>
+                    <a:bodyPr/>
+                    <a:lstStyle/>
+                    <a:p>
+                      <a:endParaRPr kumimoji="1" lang="ja-JP" altLang="en-US" dirty="0"/>
+                    </a:p>
+                  </a:txBody>
+                  <a:tcPr/>
+                </a:tc>
+                <a:tc vMerge="1">
+                  <a:txBody>
+                    <a:bodyPr/>
+                    <a:lstStyle/>
+                    <a:p>
+                      <a:endParaRPr kumimoji="1" lang="ja-JP" altLang="en-US" dirty="0"/>
+                    </a:p>
+                  </a:txBody>
+                  <a:tcPr/>
+                </a:tc>
+                <a:tc vMerge="1">
+                  <a:txBody>
+                    <a:bodyPr/>
+                    <a:lstStyle/>
+                    <a:p>
+                      <a:endParaRPr kumimoji="1" lang="ja-JP" altLang="en-US" dirty="0"/>
+                    </a:p>
+                  </a:txBody>
+                  <a:tcPr/>
+                </a:tc>
+                <a:tc vMerge="1">
+                  <a:txBody>
+                    <a:bodyPr/>
+                    <a:lstStyle/>
+                    <a:p>
+                      <a:endParaRPr kumimoji="1" lang="ja-JP" altLang="en-US" dirty="0"/>
+                    </a:p>
+                  </a:txBody>
+                  <a:tcPr/>
+                </a:tc>
+                <a:tc vMerge="1">
+                  <a:txBody>
+                    <a:bodyPr/>
+                    <a:lstStyle/>
+                    <a:p>
+                      <a:endParaRPr kumimoji="1" lang="ja-JP" altLang="en-US" dirty="0"/>
+                    </a:p>
+                  </a:txBody>
+                  <a:tcPr/>
+                </a:tc>
+                <a:tc vMerge="1">
+                  <a:txBody>
+                    <a:bodyPr/>
+                    <a:lstStyle/>
+                    <a:p>
+                      <a:endParaRPr kumimoji="1" lang="ja-JP" altLang="en-US" dirty="0"/>
+                    </a:p>
+                  </a:txBody>
+                  <a:tcPr/>
+                </a:tc>
+                <a:tc rowSpan="2">
                   <a:txBody>
                     <a:bodyPr/>
                     <a:lstStyle/>
@@ -6562,23 +5222,37 @@
                     </a:solidFill>
                   </a:tcPr>
                 </a:tc>
-                <a:tc rowSpan="4">
-                  <a:txBody>
-                    <a:bodyPr/>
-                    <a:lstStyle/>
-                    <a:p>
-                      <a:endParaRPr kumimoji="1" lang="ja-JP" altLang="en-US" dirty="0"/>
-                    </a:p>
-                  </a:txBody>
-                  <a:tcPr>
-                    <a:solidFill>
-                      <a:schemeClr val="bg1">
-                        <a:lumMod val="75000"/>
-                      </a:schemeClr>
-                    </a:solidFill>
-                  </a:tcPr>
-                </a:tc>
-                <a:tc rowSpan="4">
+                <a:tc vMerge="1">
+                  <a:txBody>
+                    <a:bodyPr/>
+                    <a:lstStyle/>
+                    <a:p>
+                      <a:endParaRPr kumimoji="1" lang="ja-JP" altLang="en-US" dirty="0"/>
+                    </a:p>
+                  </a:txBody>
+                  <a:tcPr/>
+                </a:tc>
+                <a:tc rowSpan="2">
+                  <a:txBody>
+                    <a:bodyPr/>
+                    <a:lstStyle/>
+                    <a:p>
+                      <a:endParaRPr kumimoji="1" lang="ja-JP" altLang="en-US" dirty="0"/>
+                    </a:p>
+                  </a:txBody>
+                  <a:tcPr/>
+                </a:tc>
+                <a:tc vMerge="1">
+                  <a:txBody>
+                    <a:bodyPr/>
+                    <a:lstStyle/>
+                    <a:p>
+                      <a:endParaRPr kumimoji="1" lang="ja-JP" altLang="en-US" dirty="0"/>
+                    </a:p>
+                  </a:txBody>
+                  <a:tcPr/>
+                </a:tc>
+                <a:tc rowSpan="2">
                   <a:txBody>
                     <a:bodyPr/>
                     <a:lstStyle/>
@@ -6592,49 +5266,368 @@
                     </a:solidFill>
                   </a:tcPr>
                 </a:tc>
+                <a:tc vMerge="1">
+                  <a:txBody>
+                    <a:bodyPr/>
+                    <a:lstStyle/>
+                    <a:p>
+                      <a:endParaRPr kumimoji="1" lang="ja-JP" altLang="en-US" dirty="0"/>
+                    </a:p>
+                  </a:txBody>
+                  <a:tcPr/>
+                </a:tc>
+                <a:tc rowSpan="2">
+                  <a:txBody>
+                    <a:bodyPr/>
+                    <a:lstStyle/>
+                    <a:p>
+                      <a:endParaRPr kumimoji="1" lang="ja-JP" altLang="en-US" dirty="0"/>
+                    </a:p>
+                  </a:txBody>
+                  <a:tcPr/>
+                </a:tc>
+                <a:tc vMerge="1">
+                  <a:txBody>
+                    <a:bodyPr/>
+                    <a:lstStyle/>
+                    <a:p>
+                      <a:endParaRPr kumimoji="1" lang="ja-JP" altLang="en-US" dirty="0"/>
+                    </a:p>
+                  </a:txBody>
+                  <a:tcPr/>
+                </a:tc>
+              </a:tr>
+              <a:tr h="338478">
+                <a:tc vMerge="1">
+                  <a:txBody>
+                    <a:bodyPr/>
+                    <a:lstStyle/>
+                    <a:p>
+                      <a:endParaRPr kumimoji="1" lang="ja-JP" altLang="en-US" dirty="0"/>
+                    </a:p>
+                  </a:txBody>
+                  <a:tcPr/>
+                </a:tc>
+                <a:tc vMerge="1">
+                  <a:txBody>
+                    <a:bodyPr/>
+                    <a:lstStyle/>
+                    <a:p>
+                      <a:endParaRPr kumimoji="1" lang="ja-JP" altLang="en-US" dirty="0"/>
+                    </a:p>
+                  </a:txBody>
+                  <a:tcPr/>
+                </a:tc>
+                <a:tc vMerge="1">
+                  <a:txBody>
+                    <a:bodyPr/>
+                    <a:lstStyle/>
+                    <a:p>
+                      <a:endParaRPr kumimoji="1" lang="ja-JP" altLang="en-US" dirty="0"/>
+                    </a:p>
+                  </a:txBody>
+                  <a:tcPr/>
+                </a:tc>
+                <a:tc vMerge="1">
+                  <a:txBody>
+                    <a:bodyPr/>
+                    <a:lstStyle/>
+                    <a:p>
+                      <a:endParaRPr kumimoji="1" lang="ja-JP" altLang="en-US" dirty="0"/>
+                    </a:p>
+                  </a:txBody>
+                  <a:tcPr/>
+                </a:tc>
+                <a:tc vMerge="1">
+                  <a:txBody>
+                    <a:bodyPr/>
+                    <a:lstStyle/>
+                    <a:p>
+                      <a:endParaRPr kumimoji="1" lang="ja-JP" altLang="en-US" dirty="0"/>
+                    </a:p>
+                  </a:txBody>
+                  <a:tcPr/>
+                </a:tc>
+                <a:tc vMerge="1">
+                  <a:txBody>
+                    <a:bodyPr/>
+                    <a:lstStyle/>
+                    <a:p>
+                      <a:endParaRPr kumimoji="1" lang="ja-JP" altLang="en-US" dirty="0"/>
+                    </a:p>
+                  </a:txBody>
+                  <a:tcPr/>
+                </a:tc>
+                <a:tc vMerge="1">
+                  <a:txBody>
+                    <a:bodyPr/>
+                    <a:lstStyle/>
+                    <a:p>
+                      <a:endParaRPr kumimoji="1" lang="ja-JP" altLang="en-US" dirty="0"/>
+                    </a:p>
+                  </a:txBody>
+                  <a:tcPr/>
+                </a:tc>
+                <a:tc vMerge="1">
+                  <a:txBody>
+                    <a:bodyPr/>
+                    <a:lstStyle/>
+                    <a:p>
+                      <a:endParaRPr kumimoji="1" lang="ja-JP" altLang="en-US" dirty="0"/>
+                    </a:p>
+                  </a:txBody>
+                  <a:tcPr/>
+                </a:tc>
+                <a:tc>
+                  <a:txBody>
+                    <a:bodyPr/>
+                    <a:lstStyle/>
+                    <a:p>
+                      <a:endParaRPr kumimoji="1" lang="ja-JP" altLang="en-US" dirty="0"/>
+                    </a:p>
+                  </a:txBody>
+                  <a:tcPr>
+                    <a:pattFill prst="wdUpDiag"/>
+                  </a:tcPr>
+                </a:tc>
+                <a:tc vMerge="1">
+                  <a:txBody>
+                    <a:bodyPr/>
+                    <a:lstStyle/>
+                    <a:p>
+                      <a:endParaRPr kumimoji="1" lang="ja-JP" altLang="en-US" dirty="0"/>
+                    </a:p>
+                  </a:txBody>
+                  <a:tcPr/>
+                </a:tc>
+                <a:tc>
+                  <a:txBody>
+                    <a:bodyPr/>
+                    <a:lstStyle/>
+                    <a:p>
+                      <a:endParaRPr kumimoji="1" lang="ja-JP" altLang="en-US" dirty="0"/>
+                    </a:p>
+                  </a:txBody>
+                  <a:tcPr>
+                    <a:pattFill prst="wdUpDiag"/>
+                  </a:tcPr>
+                </a:tc>
+                <a:tc vMerge="1">
+                  <a:txBody>
+                    <a:bodyPr/>
+                    <a:lstStyle/>
+                    <a:p>
+                      <a:endParaRPr kumimoji="1" lang="ja-JP" altLang="en-US" dirty="0"/>
+                    </a:p>
+                  </a:txBody>
+                  <a:tcPr/>
+                </a:tc>
+                <a:tc>
+                  <a:txBody>
+                    <a:bodyPr/>
+                    <a:lstStyle/>
+                    <a:p>
+                      <a:endParaRPr kumimoji="1" lang="ja-JP" altLang="en-US" dirty="0"/>
+                    </a:p>
+                  </a:txBody>
+                  <a:tcPr>
+                    <a:pattFill prst="wdUpDiag"/>
+                  </a:tcPr>
+                </a:tc>
+                <a:tc vMerge="1">
+                  <a:txBody>
+                    <a:bodyPr/>
+                    <a:lstStyle/>
+                    <a:p>
+                      <a:endParaRPr kumimoji="1" lang="ja-JP" altLang="en-US" dirty="0"/>
+                    </a:p>
+                  </a:txBody>
+                  <a:tcPr/>
+                </a:tc>
+                <a:tc vMerge="1">
+                  <a:txBody>
+                    <a:bodyPr/>
+                    <a:lstStyle/>
+                    <a:p>
+                      <a:endParaRPr kumimoji="1" lang="ja-JP" altLang="en-US" dirty="0"/>
+                    </a:p>
+                  </a:txBody>
+                  <a:tcPr/>
+                </a:tc>
+              </a:tr>
+              <a:tr h="338478">
+                <a:tc vMerge="1">
+                  <a:txBody>
+                    <a:bodyPr/>
+                    <a:lstStyle/>
+                    <a:p>
+                      <a:endParaRPr kumimoji="1" lang="ja-JP" altLang="en-US" dirty="0"/>
+                    </a:p>
+                  </a:txBody>
+                  <a:tcPr/>
+                </a:tc>
+                <a:tc gridSpan="13">
+                  <a:txBody>
+                    <a:bodyPr/>
+                    <a:lstStyle/>
+                    <a:p>
+                      <a:endParaRPr kumimoji="1" lang="ja-JP" altLang="en-US" dirty="0"/>
+                    </a:p>
+                  </a:txBody>
+                  <a:tcPr>
+                    <a:pattFill prst="lgCheck">
+                      <a:fgClr>
+                        <a:schemeClr val="tx1"/>
+                      </a:fgClr>
+                      <a:bgClr>
+                        <a:schemeClr val="bg1"/>
+                      </a:bgClr>
+                    </a:pattFill>
+                  </a:tcPr>
+                </a:tc>
+                <a:tc hMerge="1">
+                  <a:txBody>
+                    <a:bodyPr/>
+                    <a:lstStyle/>
+                    <a:p>
+                      <a:endParaRPr kumimoji="1" lang="ja-JP" altLang="en-US" dirty="0"/>
+                    </a:p>
+                  </a:txBody>
+                  <a:tcPr/>
+                </a:tc>
+                <a:tc hMerge="1">
+                  <a:txBody>
+                    <a:bodyPr/>
+                    <a:lstStyle/>
+                    <a:p>
+                      <a:endParaRPr kumimoji="1" lang="ja-JP" altLang="en-US" dirty="0"/>
+                    </a:p>
+                  </a:txBody>
+                  <a:tcPr/>
+                </a:tc>
+                <a:tc hMerge="1">
+                  <a:txBody>
+                    <a:bodyPr/>
+                    <a:lstStyle/>
+                    <a:p>
+                      <a:endParaRPr kumimoji="1" lang="ja-JP" altLang="en-US" dirty="0"/>
+                    </a:p>
+                  </a:txBody>
+                  <a:tcPr/>
+                </a:tc>
+                <a:tc hMerge="1">
+                  <a:txBody>
+                    <a:bodyPr/>
+                    <a:lstStyle/>
+                    <a:p>
+                      <a:endParaRPr kumimoji="1" lang="ja-JP" altLang="en-US" dirty="0"/>
+                    </a:p>
+                  </a:txBody>
+                  <a:tcPr/>
+                </a:tc>
+                <a:tc hMerge="1">
+                  <a:txBody>
+                    <a:bodyPr/>
+                    <a:lstStyle/>
+                    <a:p>
+                      <a:endParaRPr kumimoji="1" lang="ja-JP" altLang="en-US" dirty="0"/>
+                    </a:p>
+                  </a:txBody>
+                  <a:tcPr/>
+                </a:tc>
+                <a:tc hMerge="1">
+                  <a:txBody>
+                    <a:bodyPr/>
+                    <a:lstStyle/>
+                    <a:p>
+                      <a:endParaRPr kumimoji="1" lang="ja-JP" altLang="en-US" dirty="0"/>
+                    </a:p>
+                  </a:txBody>
+                  <a:tcPr/>
+                </a:tc>
+                <a:tc hMerge="1">
+                  <a:txBody>
+                    <a:bodyPr/>
+                    <a:lstStyle/>
+                    <a:p>
+                      <a:endParaRPr kumimoji="1" lang="ja-JP" altLang="en-US" dirty="0"/>
+                    </a:p>
+                  </a:txBody>
+                  <a:tcPr/>
+                </a:tc>
+                <a:tc hMerge="1">
+                  <a:txBody>
+                    <a:bodyPr/>
+                    <a:lstStyle/>
+                    <a:p>
+                      <a:endParaRPr kumimoji="1" lang="ja-JP" altLang="en-US" dirty="0"/>
+                    </a:p>
+                  </a:txBody>
+                  <a:tcPr/>
+                </a:tc>
+                <a:tc hMerge="1">
+                  <a:txBody>
+                    <a:bodyPr/>
+                    <a:lstStyle/>
+                    <a:p>
+                      <a:endParaRPr kumimoji="1" lang="ja-JP" altLang="en-US" dirty="0"/>
+                    </a:p>
+                  </a:txBody>
+                  <a:tcPr/>
+                </a:tc>
+                <a:tc hMerge="1">
+                  <a:txBody>
+                    <a:bodyPr/>
+                    <a:lstStyle/>
+                    <a:p>
+                      <a:endParaRPr kumimoji="1" lang="ja-JP" altLang="en-US" dirty="0"/>
+                    </a:p>
+                  </a:txBody>
+                  <a:tcPr/>
+                </a:tc>
+                <a:tc hMerge="1">
+                  <a:txBody>
+                    <a:bodyPr/>
+                    <a:lstStyle/>
+                    <a:p>
+                      <a:endParaRPr kumimoji="1" lang="ja-JP" altLang="en-US" dirty="0"/>
+                    </a:p>
+                  </a:txBody>
+                  <a:tcPr/>
+                </a:tc>
+                <a:tc hMerge="1">
+                  <a:txBody>
+                    <a:bodyPr/>
+                    <a:lstStyle/>
+                    <a:p>
+                      <a:endParaRPr kumimoji="1" lang="ja-JP" altLang="en-US" dirty="0"/>
+                    </a:p>
+                  </a:txBody>
+                  <a:tcPr/>
+                </a:tc>
+                <a:tc vMerge="1">
+                  <a:txBody>
+                    <a:bodyPr/>
+                    <a:lstStyle/>
+                    <a:p>
+                      <a:endParaRPr kumimoji="1" lang="ja-JP" altLang="en-US" dirty="0"/>
+                    </a:p>
+                  </a:txBody>
+                  <a:tcPr/>
+                </a:tc>
+              </a:tr>
+              <a:tr h="338478">
+                <a:tc vMerge="1">
+                  <a:txBody>
+                    <a:bodyPr/>
+                    <a:lstStyle/>
+                    <a:p>
+                      <a:endParaRPr kumimoji="1" lang="ja-JP" altLang="en-US" dirty="0"/>
+                    </a:p>
+                  </a:txBody>
+                  <a:tcPr/>
+                </a:tc>
                 <a:tc rowSpan="4">
-                  <a:txBody>
-                    <a:bodyPr/>
-                    <a:lstStyle/>
-                    <a:p>
-                      <a:endParaRPr kumimoji="1" lang="ja-JP" altLang="en-US" dirty="0"/>
-                    </a:p>
-                  </a:txBody>
-                  <a:tcPr>
-                    <a:solidFill>
-                      <a:schemeClr val="bg2">
-                        <a:lumMod val="50000"/>
-                      </a:schemeClr>
-                    </a:solidFill>
-                  </a:tcPr>
-                </a:tc>
-                <a:tc rowSpan="2">
-                  <a:txBody>
-                    <a:bodyPr/>
-                    <a:lstStyle/>
-                    <a:p>
-                      <a:endParaRPr kumimoji="1" lang="ja-JP" altLang="en-US" dirty="0"/>
-                    </a:p>
-                  </a:txBody>
-                  <a:tcPr/>
-                </a:tc>
-                <a:tc>
-                  <a:txBody>
-                    <a:bodyPr/>
-                    <a:lstStyle/>
-                    <a:p>
-                      <a:endParaRPr kumimoji="1" lang="ja-JP" altLang="en-US" dirty="0"/>
-                    </a:p>
-                  </a:txBody>
-                  <a:tcPr>
-                    <a:solidFill>
-                      <a:schemeClr val="bg1">
-                        <a:lumMod val="75000"/>
-                      </a:schemeClr>
-                    </a:solidFill>
-                  </a:tcPr>
-                </a:tc>
-                <a:tc rowSpan="2">
                   <a:txBody>
                     <a:bodyPr/>
                     <a:lstStyle/>
@@ -6648,49 +5641,41 @@
                     </a:solidFill>
                   </a:tcPr>
                 </a:tc>
-                <a:tc>
-                  <a:txBody>
-                    <a:bodyPr/>
-                    <a:lstStyle/>
-                    <a:p>
-                      <a:endParaRPr kumimoji="1" lang="ja-JP" altLang="en-US" dirty="0"/>
-                    </a:p>
-                  </a:txBody>
-                  <a:tcPr>
-                    <a:solidFill>
-                      <a:schemeClr val="bg1">
-                        <a:lumMod val="75000"/>
-                      </a:schemeClr>
-                    </a:solidFill>
-                  </a:tcPr>
-                </a:tc>
-                <a:tc rowSpan="2">
-                  <a:txBody>
-                    <a:bodyPr/>
-                    <a:lstStyle/>
-                    <a:p>
-                      <a:endParaRPr kumimoji="1" lang="ja-JP" altLang="en-US" dirty="0"/>
-                    </a:p>
-                  </a:txBody>
-                  <a:tcPr/>
-                </a:tc>
-                <a:tc>
-                  <a:txBody>
-                    <a:bodyPr/>
-                    <a:lstStyle/>
-                    <a:p>
-                      <a:endParaRPr kumimoji="1" lang="ja-JP" altLang="en-US" dirty="0"/>
-                    </a:p>
-                  </a:txBody>
-                  <a:tcPr>
-                    <a:solidFill>
-                      <a:schemeClr val="bg1">
-                        <a:lumMod val="75000"/>
-                      </a:schemeClr>
-                    </a:solidFill>
-                  </a:tcPr>
-                </a:tc>
-                <a:tc rowSpan="2">
+                <a:tc rowSpan="4">
+                  <a:txBody>
+                    <a:bodyPr/>
+                    <a:lstStyle/>
+                    <a:p>
+                      <a:endParaRPr kumimoji="1" lang="ja-JP" altLang="en-US" dirty="0"/>
+                    </a:p>
+                  </a:txBody>
+                  <a:tcPr>
+                    <a:pattFill prst="wdUpDiag"/>
+                  </a:tcPr>
+                </a:tc>
+                <a:tc rowSpan="4">
+                  <a:txBody>
+                    <a:bodyPr/>
+                    <a:lstStyle/>
+                    <a:p>
+                      <a:endParaRPr kumimoji="1" lang="ja-JP" altLang="en-US" dirty="0"/>
+                    </a:p>
+                  </a:txBody>
+                  <a:tcPr/>
+                </a:tc>
+                <a:tc rowSpan="4">
+                  <a:txBody>
+                    <a:bodyPr/>
+                    <a:lstStyle/>
+                    <a:p>
+                      <a:endParaRPr kumimoji="1" lang="ja-JP" altLang="en-US" dirty="0"/>
+                    </a:p>
+                  </a:txBody>
+                  <a:tcPr>
+                    <a:pattFill prst="wdUpDiag"/>
+                  </a:tcPr>
+                </a:tc>
+                <a:tc rowSpan="4">
                   <a:txBody>
                     <a:bodyPr/>
                     <a:lstStyle/>
@@ -6704,97 +5689,17 @@
                     </a:solidFill>
                   </a:tcPr>
                 </a:tc>
-                <a:tc vMerge="1">
-                  <a:txBody>
-                    <a:bodyPr/>
-                    <a:lstStyle/>
-                    <a:p>
-                      <a:endParaRPr kumimoji="1" lang="ja-JP" altLang="en-US" dirty="0"/>
-                    </a:p>
-                  </a:txBody>
-                  <a:tcPr/>
-                </a:tc>
-              </a:tr>
-              <a:tr h="338478">
-                <a:tc vMerge="1">
-                  <a:txBody>
-                    <a:bodyPr/>
-                    <a:lstStyle/>
-                    <a:p>
-                      <a:endParaRPr kumimoji="1" lang="ja-JP" altLang="en-US" dirty="0"/>
-                    </a:p>
-                  </a:txBody>
-                  <a:tcPr/>
-                </a:tc>
-                <a:tc vMerge="1">
-                  <a:txBody>
-                    <a:bodyPr/>
-                    <a:lstStyle/>
-                    <a:p>
-                      <a:endParaRPr kumimoji="1" lang="ja-JP" altLang="en-US" dirty="0"/>
-                    </a:p>
-                  </a:txBody>
-                  <a:tcPr/>
-                </a:tc>
-                <a:tc vMerge="1">
-                  <a:txBody>
-                    <a:bodyPr/>
-                    <a:lstStyle/>
-                    <a:p>
-                      <a:endParaRPr kumimoji="1" lang="ja-JP" altLang="en-US" dirty="0"/>
-                    </a:p>
-                  </a:txBody>
-                  <a:tcPr/>
-                </a:tc>
-                <a:tc vMerge="1">
-                  <a:txBody>
-                    <a:bodyPr/>
-                    <a:lstStyle/>
-                    <a:p>
-                      <a:endParaRPr kumimoji="1" lang="ja-JP" altLang="en-US" dirty="0"/>
-                    </a:p>
-                  </a:txBody>
-                  <a:tcPr/>
-                </a:tc>
-                <a:tc vMerge="1">
-                  <a:txBody>
-                    <a:bodyPr/>
-                    <a:lstStyle/>
-                    <a:p>
-                      <a:endParaRPr kumimoji="1" lang="ja-JP" altLang="en-US" dirty="0"/>
-                    </a:p>
-                  </a:txBody>
-                  <a:tcPr/>
-                </a:tc>
-                <a:tc vMerge="1">
-                  <a:txBody>
-                    <a:bodyPr/>
-                    <a:lstStyle/>
-                    <a:p>
-                      <a:endParaRPr kumimoji="1" lang="ja-JP" altLang="en-US" dirty="0"/>
-                    </a:p>
-                  </a:txBody>
-                  <a:tcPr/>
-                </a:tc>
-                <a:tc vMerge="1">
-                  <a:txBody>
-                    <a:bodyPr/>
-                    <a:lstStyle/>
-                    <a:p>
-                      <a:endParaRPr kumimoji="1" lang="ja-JP" altLang="en-US" dirty="0"/>
-                    </a:p>
-                  </a:txBody>
-                  <a:tcPr/>
-                </a:tc>
-                <a:tc vMerge="1">
-                  <a:txBody>
-                    <a:bodyPr/>
-                    <a:lstStyle/>
-                    <a:p>
-                      <a:endParaRPr kumimoji="1" lang="ja-JP" altLang="en-US" dirty="0"/>
-                    </a:p>
-                  </a:txBody>
-                  <a:tcPr/>
+                <a:tc rowSpan="4">
+                  <a:txBody>
+                    <a:bodyPr/>
+                    <a:lstStyle/>
+                    <a:p>
+                      <a:endParaRPr kumimoji="1" lang="ja-JP" altLang="en-US" dirty="0"/>
+                    </a:p>
+                  </a:txBody>
+                  <a:tcPr>
+                    <a:pattFill prst="pct50"/>
+                  </a:tcPr>
                 </a:tc>
                 <a:tc rowSpan="2">
                   <a:txBody>
@@ -6804,157 +5709,19 @@
                       <a:endParaRPr kumimoji="1" lang="ja-JP" altLang="en-US" dirty="0"/>
                     </a:p>
                   </a:txBody>
-                  <a:tcPr>
-                    <a:solidFill>
-                      <a:schemeClr val="bg2">
-                        <a:lumMod val="50000"/>
-                      </a:schemeClr>
-                    </a:solidFill>
-                  </a:tcPr>
-                </a:tc>
-                <a:tc vMerge="1">
-                  <a:txBody>
-                    <a:bodyPr/>
-                    <a:lstStyle/>
-                    <a:p>
-                      <a:endParaRPr kumimoji="1" lang="ja-JP" altLang="en-US" dirty="0"/>
-                    </a:p>
-                  </a:txBody>
-                  <a:tcPr/>
-                </a:tc>
-                <a:tc rowSpan="2">
-                  <a:txBody>
-                    <a:bodyPr/>
-                    <a:lstStyle/>
-                    <a:p>
-                      <a:endParaRPr kumimoji="1" lang="ja-JP" altLang="en-US" dirty="0"/>
-                    </a:p>
-                  </a:txBody>
-                  <a:tcPr>
-                    <a:solidFill>
-                      <a:schemeClr val="bg2">
-                        <a:lumMod val="50000"/>
-                      </a:schemeClr>
-                    </a:solidFill>
-                  </a:tcPr>
-                </a:tc>
-                <a:tc vMerge="1">
-                  <a:txBody>
-                    <a:bodyPr/>
-                    <a:lstStyle/>
-                    <a:p>
-                      <a:endParaRPr kumimoji="1" lang="ja-JP" altLang="en-US" dirty="0"/>
-                    </a:p>
-                  </a:txBody>
-                  <a:tcPr/>
-                </a:tc>
-                <a:tc rowSpan="2">
-                  <a:txBody>
-                    <a:bodyPr/>
-                    <a:lstStyle/>
-                    <a:p>
-                      <a:endParaRPr kumimoji="1" lang="ja-JP" altLang="en-US" dirty="0"/>
-                    </a:p>
-                  </a:txBody>
-                  <a:tcPr>
-                    <a:solidFill>
-                      <a:schemeClr val="bg2">
-                        <a:lumMod val="50000"/>
-                      </a:schemeClr>
-                    </a:solidFill>
-                  </a:tcPr>
-                </a:tc>
-                <a:tc vMerge="1">
-                  <a:txBody>
-                    <a:bodyPr/>
-                    <a:lstStyle/>
-                    <a:p>
-                      <a:endParaRPr kumimoji="1" lang="ja-JP" altLang="en-US" dirty="0"/>
-                    </a:p>
-                  </a:txBody>
-                  <a:tcPr/>
-                </a:tc>
-                <a:tc vMerge="1">
-                  <a:txBody>
-                    <a:bodyPr/>
-                    <a:lstStyle/>
-                    <a:p>
-                      <a:endParaRPr kumimoji="1" lang="ja-JP" altLang="en-US" dirty="0"/>
-                    </a:p>
-                  </a:txBody>
-                  <a:tcPr/>
-                </a:tc>
-              </a:tr>
-              <a:tr h="338478">
-                <a:tc vMerge="1">
-                  <a:txBody>
-                    <a:bodyPr/>
-                    <a:lstStyle/>
-                    <a:p>
-                      <a:endParaRPr kumimoji="1" lang="ja-JP" altLang="en-US" dirty="0"/>
-                    </a:p>
-                  </a:txBody>
-                  <a:tcPr/>
-                </a:tc>
-                <a:tc vMerge="1">
-                  <a:txBody>
-                    <a:bodyPr/>
-                    <a:lstStyle/>
-                    <a:p>
-                      <a:endParaRPr kumimoji="1" lang="ja-JP" altLang="en-US" dirty="0"/>
-                    </a:p>
-                  </a:txBody>
-                  <a:tcPr/>
-                </a:tc>
-                <a:tc vMerge="1">
-                  <a:txBody>
-                    <a:bodyPr/>
-                    <a:lstStyle/>
-                    <a:p>
-                      <a:endParaRPr kumimoji="1" lang="ja-JP" altLang="en-US" dirty="0"/>
-                    </a:p>
-                  </a:txBody>
-                  <a:tcPr/>
-                </a:tc>
-                <a:tc vMerge="1">
-                  <a:txBody>
-                    <a:bodyPr/>
-                    <a:lstStyle/>
-                    <a:p>
-                      <a:endParaRPr kumimoji="1" lang="ja-JP" altLang="en-US" dirty="0"/>
-                    </a:p>
-                  </a:txBody>
-                  <a:tcPr/>
-                </a:tc>
-                <a:tc vMerge="1">
-                  <a:txBody>
-                    <a:bodyPr/>
-                    <a:lstStyle/>
-                    <a:p>
-                      <a:endParaRPr kumimoji="1" lang="ja-JP" altLang="en-US" dirty="0"/>
-                    </a:p>
-                  </a:txBody>
-                  <a:tcPr/>
-                </a:tc>
-                <a:tc vMerge="1">
-                  <a:txBody>
-                    <a:bodyPr/>
-                    <a:lstStyle/>
-                    <a:p>
-                      <a:endParaRPr kumimoji="1" lang="ja-JP" altLang="en-US" dirty="0"/>
-                    </a:p>
-                  </a:txBody>
-                  <a:tcPr/>
-                </a:tc>
-                <a:tc vMerge="1">
-                  <a:txBody>
-                    <a:bodyPr/>
-                    <a:lstStyle/>
-                    <a:p>
-                      <a:endParaRPr kumimoji="1" lang="ja-JP" altLang="en-US" dirty="0"/>
-                    </a:p>
-                  </a:txBody>
-                  <a:tcPr/>
+                  <a:tcPr/>
+                </a:tc>
+                <a:tc>
+                  <a:txBody>
+                    <a:bodyPr/>
+                    <a:lstStyle/>
+                    <a:p>
+                      <a:endParaRPr kumimoji="1" lang="ja-JP" altLang="en-US" dirty="0"/>
+                    </a:p>
+                  </a:txBody>
+                  <a:tcPr>
+                    <a:pattFill prst="wdUpDiag"/>
+                  </a:tcPr>
                 </a:tc>
                 <a:tc rowSpan="2">
                   <a:txBody>
@@ -6970,15 +5737,17 @@
                     </a:solidFill>
                   </a:tcPr>
                 </a:tc>
-                <a:tc vMerge="1">
-                  <a:txBody>
-                    <a:bodyPr/>
-                    <a:lstStyle/>
-                    <a:p>
-                      <a:endParaRPr kumimoji="1" lang="ja-JP" altLang="en-US" dirty="0"/>
-                    </a:p>
-                  </a:txBody>
-                  <a:tcPr/>
+                <a:tc>
+                  <a:txBody>
+                    <a:bodyPr/>
+                    <a:lstStyle/>
+                    <a:p>
+                      <a:endParaRPr kumimoji="1" lang="ja-JP" altLang="en-US" dirty="0"/>
+                    </a:p>
+                  </a:txBody>
+                  <a:tcPr>
+                    <a:pattFill prst="wdUpDiag"/>
+                  </a:tcPr>
                 </a:tc>
                 <a:tc rowSpan="2">
                   <a:txBody>
@@ -6990,15 +5759,17 @@
                   </a:txBody>
                   <a:tcPr/>
                 </a:tc>
-                <a:tc vMerge="1">
-                  <a:txBody>
-                    <a:bodyPr/>
-                    <a:lstStyle/>
-                    <a:p>
-                      <a:endParaRPr kumimoji="1" lang="ja-JP" altLang="en-US" dirty="0"/>
-                    </a:p>
-                  </a:txBody>
-                  <a:tcPr/>
+                <a:tc>
+                  <a:txBody>
+                    <a:bodyPr/>
+                    <a:lstStyle/>
+                    <a:p>
+                      <a:endParaRPr kumimoji="1" lang="ja-JP" altLang="en-US" dirty="0"/>
+                    </a:p>
+                  </a:txBody>
+                  <a:tcPr>
+                    <a:pattFill prst="wdUpDiag"/>
+                  </a:tcPr>
                 </a:tc>
                 <a:tc rowSpan="2">
                   <a:txBody>
@@ -7024,26 +5795,6 @@
                   </a:txBody>
                   <a:tcPr/>
                 </a:tc>
-                <a:tc rowSpan="2">
-                  <a:txBody>
-                    <a:bodyPr/>
-                    <a:lstStyle/>
-                    <a:p>
-                      <a:endParaRPr kumimoji="1" lang="ja-JP" altLang="en-US" dirty="0"/>
-                    </a:p>
-                  </a:txBody>
-                  <a:tcPr/>
-                </a:tc>
-                <a:tc vMerge="1">
-                  <a:txBody>
-                    <a:bodyPr/>
-                    <a:lstStyle/>
-                    <a:p>
-                      <a:endParaRPr kumimoji="1" lang="ja-JP" altLang="en-US" dirty="0"/>
-                    </a:p>
-                  </a:txBody>
-                  <a:tcPr/>
-                </a:tc>
               </a:tr>
               <a:tr h="338478">
                 <a:tc vMerge="1">
@@ -7126,6 +5877,324 @@
                   </a:txBody>
                   <a:tcPr/>
                 </a:tc>
+                <a:tc rowSpan="2">
+                  <a:txBody>
+                    <a:bodyPr/>
+                    <a:lstStyle/>
+                    <a:p>
+                      <a:endParaRPr kumimoji="1" lang="ja-JP" altLang="en-US" dirty="0"/>
+                    </a:p>
+                  </a:txBody>
+                  <a:tcPr>
+                    <a:pattFill prst="pct50"/>
+                  </a:tcPr>
+                </a:tc>
+                <a:tc vMerge="1">
+                  <a:txBody>
+                    <a:bodyPr/>
+                    <a:lstStyle/>
+                    <a:p>
+                      <a:endParaRPr kumimoji="1" lang="ja-JP" altLang="en-US" dirty="0"/>
+                    </a:p>
+                  </a:txBody>
+                  <a:tcPr/>
+                </a:tc>
+                <a:tc rowSpan="2">
+                  <a:txBody>
+                    <a:bodyPr/>
+                    <a:lstStyle/>
+                    <a:p>
+                      <a:endParaRPr kumimoji="1" lang="ja-JP" altLang="en-US" dirty="0"/>
+                    </a:p>
+                  </a:txBody>
+                  <a:tcPr>
+                    <a:pattFill prst="pct50"/>
+                  </a:tcPr>
+                </a:tc>
+                <a:tc vMerge="1">
+                  <a:txBody>
+                    <a:bodyPr/>
+                    <a:lstStyle/>
+                    <a:p>
+                      <a:endParaRPr kumimoji="1" lang="ja-JP" altLang="en-US" dirty="0"/>
+                    </a:p>
+                  </a:txBody>
+                  <a:tcPr/>
+                </a:tc>
+                <a:tc rowSpan="2">
+                  <a:txBody>
+                    <a:bodyPr/>
+                    <a:lstStyle/>
+                    <a:p>
+                      <a:endParaRPr kumimoji="1" lang="ja-JP" altLang="en-US" dirty="0"/>
+                    </a:p>
+                  </a:txBody>
+                  <a:tcPr>
+                    <a:pattFill prst="pct50"/>
+                  </a:tcPr>
+                </a:tc>
+                <a:tc vMerge="1">
+                  <a:txBody>
+                    <a:bodyPr/>
+                    <a:lstStyle/>
+                    <a:p>
+                      <a:endParaRPr kumimoji="1" lang="ja-JP" altLang="en-US" dirty="0"/>
+                    </a:p>
+                  </a:txBody>
+                  <a:tcPr/>
+                </a:tc>
+                <a:tc vMerge="1">
+                  <a:txBody>
+                    <a:bodyPr/>
+                    <a:lstStyle/>
+                    <a:p>
+                      <a:endParaRPr kumimoji="1" lang="ja-JP" altLang="en-US" dirty="0"/>
+                    </a:p>
+                  </a:txBody>
+                  <a:tcPr/>
+                </a:tc>
+              </a:tr>
+              <a:tr h="338478">
+                <a:tc vMerge="1">
+                  <a:txBody>
+                    <a:bodyPr/>
+                    <a:lstStyle/>
+                    <a:p>
+                      <a:endParaRPr kumimoji="1" lang="ja-JP" altLang="en-US" dirty="0"/>
+                    </a:p>
+                  </a:txBody>
+                  <a:tcPr/>
+                </a:tc>
+                <a:tc vMerge="1">
+                  <a:txBody>
+                    <a:bodyPr/>
+                    <a:lstStyle/>
+                    <a:p>
+                      <a:endParaRPr kumimoji="1" lang="ja-JP" altLang="en-US" dirty="0"/>
+                    </a:p>
+                  </a:txBody>
+                  <a:tcPr/>
+                </a:tc>
+                <a:tc vMerge="1">
+                  <a:txBody>
+                    <a:bodyPr/>
+                    <a:lstStyle/>
+                    <a:p>
+                      <a:endParaRPr kumimoji="1" lang="ja-JP" altLang="en-US" dirty="0"/>
+                    </a:p>
+                  </a:txBody>
+                  <a:tcPr/>
+                </a:tc>
+                <a:tc vMerge="1">
+                  <a:txBody>
+                    <a:bodyPr/>
+                    <a:lstStyle/>
+                    <a:p>
+                      <a:endParaRPr kumimoji="1" lang="ja-JP" altLang="en-US" dirty="0"/>
+                    </a:p>
+                  </a:txBody>
+                  <a:tcPr/>
+                </a:tc>
+                <a:tc vMerge="1">
+                  <a:txBody>
+                    <a:bodyPr/>
+                    <a:lstStyle/>
+                    <a:p>
+                      <a:endParaRPr kumimoji="1" lang="ja-JP" altLang="en-US" dirty="0"/>
+                    </a:p>
+                  </a:txBody>
+                  <a:tcPr/>
+                </a:tc>
+                <a:tc vMerge="1">
+                  <a:txBody>
+                    <a:bodyPr/>
+                    <a:lstStyle/>
+                    <a:p>
+                      <a:endParaRPr kumimoji="1" lang="ja-JP" altLang="en-US" dirty="0"/>
+                    </a:p>
+                  </a:txBody>
+                  <a:tcPr/>
+                </a:tc>
+                <a:tc vMerge="1">
+                  <a:txBody>
+                    <a:bodyPr/>
+                    <a:lstStyle/>
+                    <a:p>
+                      <a:endParaRPr kumimoji="1" lang="ja-JP" altLang="en-US" dirty="0"/>
+                    </a:p>
+                  </a:txBody>
+                  <a:tcPr/>
+                </a:tc>
+                <a:tc rowSpan="2">
+                  <a:txBody>
+                    <a:bodyPr/>
+                    <a:lstStyle/>
+                    <a:p>
+                      <a:endParaRPr kumimoji="1" lang="ja-JP" altLang="en-US" dirty="0"/>
+                    </a:p>
+                  </a:txBody>
+                  <a:tcPr>
+                    <a:solidFill>
+                      <a:schemeClr val="tx1"/>
+                    </a:solidFill>
+                  </a:tcPr>
+                </a:tc>
+                <a:tc vMerge="1">
+                  <a:txBody>
+                    <a:bodyPr/>
+                    <a:lstStyle/>
+                    <a:p>
+                      <a:endParaRPr kumimoji="1" lang="ja-JP" altLang="en-US" dirty="0"/>
+                    </a:p>
+                  </a:txBody>
+                  <a:tcPr/>
+                </a:tc>
+                <a:tc rowSpan="2">
+                  <a:txBody>
+                    <a:bodyPr/>
+                    <a:lstStyle/>
+                    <a:p>
+                      <a:endParaRPr kumimoji="1" lang="ja-JP" altLang="en-US" dirty="0"/>
+                    </a:p>
+                  </a:txBody>
+                  <a:tcPr/>
+                </a:tc>
+                <a:tc vMerge="1">
+                  <a:txBody>
+                    <a:bodyPr/>
+                    <a:lstStyle/>
+                    <a:p>
+                      <a:endParaRPr kumimoji="1" lang="ja-JP" altLang="en-US" dirty="0"/>
+                    </a:p>
+                  </a:txBody>
+                  <a:tcPr/>
+                </a:tc>
+                <a:tc rowSpan="2">
+                  <a:txBody>
+                    <a:bodyPr/>
+                    <a:lstStyle/>
+                    <a:p>
+                      <a:endParaRPr kumimoji="1" lang="ja-JP" altLang="en-US" dirty="0"/>
+                    </a:p>
+                  </a:txBody>
+                  <a:tcPr>
+                    <a:solidFill>
+                      <a:schemeClr val="tx1"/>
+                    </a:solidFill>
+                  </a:tcPr>
+                </a:tc>
+                <a:tc vMerge="1">
+                  <a:txBody>
+                    <a:bodyPr/>
+                    <a:lstStyle/>
+                    <a:p>
+                      <a:endParaRPr kumimoji="1" lang="ja-JP" altLang="en-US" dirty="0"/>
+                    </a:p>
+                  </a:txBody>
+                  <a:tcPr/>
+                </a:tc>
+                <a:tc rowSpan="2">
+                  <a:txBody>
+                    <a:bodyPr/>
+                    <a:lstStyle/>
+                    <a:p>
+                      <a:endParaRPr kumimoji="1" lang="ja-JP" altLang="en-US" dirty="0"/>
+                    </a:p>
+                  </a:txBody>
+                  <a:tcPr/>
+                </a:tc>
+                <a:tc vMerge="1">
+                  <a:txBody>
+                    <a:bodyPr/>
+                    <a:lstStyle/>
+                    <a:p>
+                      <a:endParaRPr kumimoji="1" lang="ja-JP" altLang="en-US" dirty="0"/>
+                    </a:p>
+                  </a:txBody>
+                  <a:tcPr/>
+                </a:tc>
+              </a:tr>
+              <a:tr h="338478">
+                <a:tc vMerge="1">
+                  <a:txBody>
+                    <a:bodyPr/>
+                    <a:lstStyle/>
+                    <a:p>
+                      <a:endParaRPr kumimoji="1" lang="ja-JP" altLang="en-US" dirty="0"/>
+                    </a:p>
+                  </a:txBody>
+                  <a:tcPr/>
+                </a:tc>
+                <a:tc vMerge="1">
+                  <a:txBody>
+                    <a:bodyPr/>
+                    <a:lstStyle/>
+                    <a:p>
+                      <a:endParaRPr kumimoji="1" lang="ja-JP" altLang="en-US" dirty="0"/>
+                    </a:p>
+                  </a:txBody>
+                  <a:tcPr/>
+                </a:tc>
+                <a:tc vMerge="1">
+                  <a:txBody>
+                    <a:bodyPr/>
+                    <a:lstStyle/>
+                    <a:p>
+                      <a:endParaRPr kumimoji="1" lang="ja-JP" altLang="en-US" dirty="0"/>
+                    </a:p>
+                  </a:txBody>
+                  <a:tcPr/>
+                </a:tc>
+                <a:tc vMerge="1">
+                  <a:txBody>
+                    <a:bodyPr/>
+                    <a:lstStyle/>
+                    <a:p>
+                      <a:endParaRPr kumimoji="1" lang="ja-JP" altLang="en-US" dirty="0"/>
+                    </a:p>
+                  </a:txBody>
+                  <a:tcPr/>
+                </a:tc>
+                <a:tc vMerge="1">
+                  <a:txBody>
+                    <a:bodyPr/>
+                    <a:lstStyle/>
+                    <a:p>
+                      <a:endParaRPr kumimoji="1" lang="ja-JP" altLang="en-US" dirty="0"/>
+                    </a:p>
+                  </a:txBody>
+                  <a:tcPr/>
+                </a:tc>
+                <a:tc vMerge="1">
+                  <a:txBody>
+                    <a:bodyPr/>
+                    <a:lstStyle/>
+                    <a:p>
+                      <a:endParaRPr kumimoji="1" lang="ja-JP" altLang="en-US" dirty="0"/>
+                    </a:p>
+                  </a:txBody>
+                  <a:tcPr/>
+                </a:tc>
+                <a:tc vMerge="1">
+                  <a:txBody>
+                    <a:bodyPr/>
+                    <a:lstStyle/>
+                    <a:p>
+                      <a:endParaRPr kumimoji="1" lang="ja-JP" altLang="en-US" dirty="0"/>
+                    </a:p>
+                  </a:txBody>
+                  <a:tcPr/>
+                </a:tc>
+                <a:tc vMerge="1">
+                  <a:txBody>
+                    <a:bodyPr/>
+                    <a:lstStyle/>
+                    <a:p>
+                      <a:endParaRPr kumimoji="1" lang="ja-JP" altLang="en-US" dirty="0"/>
+                    </a:p>
+                  </a:txBody>
+                  <a:tcPr/>
+                </a:tc>
                 <a:tc>
                   <a:txBody>
                     <a:bodyPr/>
@@ -7135,14 +6204,321 @@
                     </a:p>
                   </a:txBody>
                   <a:tcPr>
+                    <a:pattFill prst="wdUpDiag"/>
+                  </a:tcPr>
+                </a:tc>
+                <a:tc vMerge="1">
+                  <a:txBody>
+                    <a:bodyPr/>
+                    <a:lstStyle/>
+                    <a:p>
+                      <a:endParaRPr kumimoji="1" lang="ja-JP" altLang="en-US" dirty="0"/>
+                    </a:p>
+                  </a:txBody>
+                  <a:tcPr/>
+                </a:tc>
+                <a:tc>
+                  <a:txBody>
+                    <a:bodyPr/>
+                    <a:lstStyle/>
+                    <a:p>
+                      <a:endParaRPr kumimoji="1" lang="ja-JP" altLang="en-US" dirty="0"/>
+                    </a:p>
+                  </a:txBody>
+                  <a:tcPr>
+                    <a:pattFill prst="wdUpDiag"/>
+                  </a:tcPr>
+                </a:tc>
+                <a:tc vMerge="1">
+                  <a:txBody>
+                    <a:bodyPr/>
+                    <a:lstStyle/>
+                    <a:p>
+                      <a:endParaRPr kumimoji="1" lang="ja-JP" altLang="en-US" dirty="0"/>
+                    </a:p>
+                  </a:txBody>
+                  <a:tcPr/>
+                </a:tc>
+                <a:tc>
+                  <a:txBody>
+                    <a:bodyPr/>
+                    <a:lstStyle/>
+                    <a:p>
+                      <a:endParaRPr kumimoji="1" lang="ja-JP" altLang="en-US" dirty="0"/>
+                    </a:p>
+                  </a:txBody>
+                  <a:tcPr>
+                    <a:pattFill prst="wdUpDiag"/>
+                  </a:tcPr>
+                </a:tc>
+                <a:tc vMerge="1">
+                  <a:txBody>
+                    <a:bodyPr/>
+                    <a:lstStyle/>
+                    <a:p>
+                      <a:endParaRPr kumimoji="1" lang="ja-JP" altLang="en-US" dirty="0"/>
+                    </a:p>
+                  </a:txBody>
+                  <a:tcPr/>
+                </a:tc>
+                <a:tc vMerge="1">
+                  <a:txBody>
+                    <a:bodyPr/>
+                    <a:lstStyle/>
+                    <a:p>
+                      <a:endParaRPr kumimoji="1" lang="ja-JP" altLang="en-US" dirty="0"/>
+                    </a:p>
+                  </a:txBody>
+                  <a:tcPr/>
+                </a:tc>
+              </a:tr>
+              <a:tr h="338478">
+                <a:tc vMerge="1">
+                  <a:txBody>
+                    <a:bodyPr/>
+                    <a:lstStyle/>
+                    <a:p>
+                      <a:endParaRPr kumimoji="1" lang="ja-JP" altLang="en-US" dirty="0"/>
+                    </a:p>
+                  </a:txBody>
+                  <a:tcPr/>
+                </a:tc>
+                <a:tc gridSpan="13">
+                  <a:txBody>
+                    <a:bodyPr/>
+                    <a:lstStyle/>
+                    <a:p>
+                      <a:endParaRPr kumimoji="1" lang="ja-JP" altLang="en-US" dirty="0"/>
+                    </a:p>
+                  </a:txBody>
+                  <a:tcPr>
+                    <a:pattFill prst="lgCheck">
+                      <a:fgClr>
+                        <a:schemeClr val="tx1"/>
+                      </a:fgClr>
+                      <a:bgClr>
+                        <a:schemeClr val="bg1"/>
+                      </a:bgClr>
+                    </a:pattFill>
+                  </a:tcPr>
+                </a:tc>
+                <a:tc hMerge="1">
+                  <a:txBody>
+                    <a:bodyPr/>
+                    <a:lstStyle/>
+                    <a:p>
+                      <a:endParaRPr kumimoji="1" lang="ja-JP" altLang="en-US"/>
+                    </a:p>
+                  </a:txBody>
+                  <a:tcPr/>
+                </a:tc>
+                <a:tc hMerge="1">
+                  <a:txBody>
+                    <a:bodyPr/>
+                    <a:lstStyle/>
+                    <a:p>
+                      <a:endParaRPr kumimoji="1" lang="ja-JP" altLang="en-US"/>
+                    </a:p>
+                  </a:txBody>
+                  <a:tcPr/>
+                </a:tc>
+                <a:tc hMerge="1">
+                  <a:txBody>
+                    <a:bodyPr/>
+                    <a:lstStyle/>
+                    <a:p>
+                      <a:endParaRPr kumimoji="1" lang="ja-JP" altLang="en-US"/>
+                    </a:p>
+                  </a:txBody>
+                  <a:tcPr/>
+                </a:tc>
+                <a:tc hMerge="1">
+                  <a:txBody>
+                    <a:bodyPr/>
+                    <a:lstStyle/>
+                    <a:p>
+                      <a:endParaRPr kumimoji="1" lang="ja-JP" altLang="en-US"/>
+                    </a:p>
+                  </a:txBody>
+                  <a:tcPr/>
+                </a:tc>
+                <a:tc hMerge="1">
+                  <a:txBody>
+                    <a:bodyPr/>
+                    <a:lstStyle/>
+                    <a:p>
+                      <a:endParaRPr kumimoji="1" lang="ja-JP" altLang="en-US"/>
+                    </a:p>
+                  </a:txBody>
+                  <a:tcPr/>
+                </a:tc>
+                <a:tc hMerge="1">
+                  <a:txBody>
+                    <a:bodyPr/>
+                    <a:lstStyle/>
+                    <a:p>
+                      <a:endParaRPr kumimoji="1" lang="ja-JP" altLang="en-US"/>
+                    </a:p>
+                  </a:txBody>
+                  <a:tcPr/>
+                </a:tc>
+                <a:tc hMerge="1">
+                  <a:txBody>
+                    <a:bodyPr/>
+                    <a:lstStyle/>
+                    <a:p>
+                      <a:endParaRPr kumimoji="1" lang="ja-JP" altLang="en-US"/>
+                    </a:p>
+                  </a:txBody>
+                  <a:tcPr/>
+                </a:tc>
+                <a:tc hMerge="1">
+                  <a:txBody>
+                    <a:bodyPr/>
+                    <a:lstStyle/>
+                    <a:p>
+                      <a:endParaRPr kumimoji="1" lang="ja-JP" altLang="en-US" dirty="0"/>
+                    </a:p>
+                  </a:txBody>
+                  <a:tcPr/>
+                </a:tc>
+                <a:tc hMerge="1">
+                  <a:txBody>
+                    <a:bodyPr/>
+                    <a:lstStyle/>
+                    <a:p>
+                      <a:endParaRPr kumimoji="1" lang="ja-JP" altLang="en-US" dirty="0"/>
+                    </a:p>
+                  </a:txBody>
+                  <a:tcPr/>
+                </a:tc>
+                <a:tc hMerge="1">
+                  <a:txBody>
+                    <a:bodyPr/>
+                    <a:lstStyle/>
+                    <a:p>
+                      <a:endParaRPr kumimoji="1" lang="ja-JP" altLang="en-US"/>
+                    </a:p>
+                  </a:txBody>
+                  <a:tcPr/>
+                </a:tc>
+                <a:tc hMerge="1">
+                  <a:txBody>
+                    <a:bodyPr/>
+                    <a:lstStyle/>
+                    <a:p>
+                      <a:endParaRPr kumimoji="1" lang="ja-JP" altLang="en-US"/>
+                    </a:p>
+                  </a:txBody>
+                  <a:tcPr/>
+                </a:tc>
+                <a:tc hMerge="1">
+                  <a:txBody>
+                    <a:bodyPr/>
+                    <a:lstStyle/>
+                    <a:p>
+                      <a:endParaRPr kumimoji="1" lang="ja-JP" altLang="en-US" dirty="0"/>
+                    </a:p>
+                  </a:txBody>
+                  <a:tcPr/>
+                </a:tc>
+                <a:tc vMerge="1">
+                  <a:txBody>
+                    <a:bodyPr/>
+                    <a:lstStyle/>
+                    <a:p>
+                      <a:endParaRPr kumimoji="1" lang="ja-JP" altLang="en-US" dirty="0"/>
+                    </a:p>
+                  </a:txBody>
+                  <a:tcPr/>
+                </a:tc>
+              </a:tr>
+              <a:tr h="338478">
+                <a:tc vMerge="1">
+                  <a:txBody>
+                    <a:bodyPr/>
+                    <a:lstStyle/>
+                    <a:p>
+                      <a:endParaRPr kumimoji="1" lang="ja-JP" altLang="en-US" dirty="0"/>
+                    </a:p>
+                  </a:txBody>
+                  <a:tcPr/>
+                </a:tc>
+                <a:tc rowSpan="4">
+                  <a:txBody>
+                    <a:bodyPr/>
+                    <a:lstStyle/>
+                    <a:p>
+                      <a:endParaRPr kumimoji="1" lang="ja-JP" altLang="en-US" dirty="0"/>
+                    </a:p>
+                  </a:txBody>
+                  <a:tcPr/>
+                </a:tc>
+                <a:tc rowSpan="4">
+                  <a:txBody>
+                    <a:bodyPr/>
+                    <a:lstStyle/>
+                    <a:p>
+                      <a:endParaRPr kumimoji="1" lang="ja-JP" altLang="en-US" dirty="0"/>
+                    </a:p>
+                  </a:txBody>
+                  <a:tcPr>
+                    <a:pattFill prst="wdUpDiag"/>
+                  </a:tcPr>
+                </a:tc>
+                <a:tc rowSpan="4">
+                  <a:txBody>
+                    <a:bodyPr/>
+                    <a:lstStyle/>
+                    <a:p>
+                      <a:endParaRPr kumimoji="1" lang="ja-JP" altLang="en-US" dirty="0"/>
+                    </a:p>
+                  </a:txBody>
+                  <a:tcPr>
                     <a:solidFill>
-                      <a:schemeClr val="bg1">
-                        <a:lumMod val="75000"/>
-                      </a:schemeClr>
+                      <a:schemeClr val="tx1"/>
                     </a:solidFill>
                   </a:tcPr>
                 </a:tc>
-                <a:tc vMerge="1">
+                <a:tc rowSpan="4">
+                  <a:txBody>
+                    <a:bodyPr/>
+                    <a:lstStyle/>
+                    <a:p>
+                      <a:endParaRPr kumimoji="1" lang="ja-JP" altLang="en-US" dirty="0"/>
+                    </a:p>
+                  </a:txBody>
+                  <a:tcPr>
+                    <a:pattFill prst="wdUpDiag"/>
+                  </a:tcPr>
+                </a:tc>
+                <a:tc rowSpan="4">
+                  <a:txBody>
+                    <a:bodyPr/>
+                    <a:lstStyle/>
+                    <a:p>
+                      <a:endParaRPr kumimoji="1" lang="ja-JP" altLang="en-US" dirty="0"/>
+                    </a:p>
+                  </a:txBody>
+                  <a:tcPr>
+                    <a:solidFill>
+                      <a:schemeClr val="tx1"/>
+                    </a:solidFill>
+                  </a:tcPr>
+                </a:tc>
+                <a:tc rowSpan="4">
+                  <a:txBody>
+                    <a:bodyPr/>
+                    <a:lstStyle/>
+                    <a:p>
+                      <a:endParaRPr kumimoji="1" lang="ja-JP" altLang="en-US" dirty="0"/>
+                    </a:p>
+                  </a:txBody>
+                  <a:tcPr>
+                    <a:pattFill prst="pct50"/>
+                  </a:tcPr>
+                </a:tc>
+                <a:tc rowSpan="2">
                   <a:txBody>
                     <a:bodyPr/>
                     <a:lstStyle/>
@@ -7161,23 +6537,23 @@
                     </a:p>
                   </a:txBody>
                   <a:tcPr>
+                    <a:pattFill prst="wdUpDiag"/>
+                  </a:tcPr>
+                </a:tc>
+                <a:tc rowSpan="2">
+                  <a:txBody>
+                    <a:bodyPr/>
+                    <a:lstStyle/>
+                    <a:p>
+                      <a:endParaRPr kumimoji="1" lang="ja-JP" altLang="en-US" dirty="0"/>
+                    </a:p>
+                  </a:txBody>
+                  <a:tcPr>
                     <a:solidFill>
-                      <a:schemeClr val="bg1">
-                        <a:lumMod val="75000"/>
-                      </a:schemeClr>
+                      <a:schemeClr val="tx1"/>
                     </a:solidFill>
                   </a:tcPr>
                 </a:tc>
-                <a:tc vMerge="1">
-                  <a:txBody>
-                    <a:bodyPr/>
-                    <a:lstStyle/>
-                    <a:p>
-                      <a:endParaRPr kumimoji="1" lang="ja-JP" altLang="en-US" dirty="0"/>
-                    </a:p>
-                  </a:txBody>
-                  <a:tcPr/>
-                </a:tc>
                 <a:tc>
                   <a:txBody>
                     <a:bodyPr/>
@@ -7187,11 +6563,509 @@
                     </a:p>
                   </a:txBody>
                   <a:tcPr>
+                    <a:pattFill prst="wdUpDiag"/>
+                  </a:tcPr>
+                </a:tc>
+                <a:tc rowSpan="2">
+                  <a:txBody>
+                    <a:bodyPr/>
+                    <a:lstStyle/>
+                    <a:p>
+                      <a:endParaRPr kumimoji="1" lang="ja-JP" altLang="en-US" dirty="0"/>
+                    </a:p>
+                  </a:txBody>
+                  <a:tcPr/>
+                </a:tc>
+                <a:tc>
+                  <a:txBody>
+                    <a:bodyPr/>
+                    <a:lstStyle/>
+                    <a:p>
+                      <a:endParaRPr kumimoji="1" lang="ja-JP" altLang="en-US" dirty="0"/>
+                    </a:p>
+                  </a:txBody>
+                  <a:tcPr>
+                    <a:pattFill prst="wdUpDiag"/>
+                  </a:tcPr>
+                </a:tc>
+                <a:tc rowSpan="2">
+                  <a:txBody>
+                    <a:bodyPr/>
+                    <a:lstStyle/>
+                    <a:p>
+                      <a:endParaRPr kumimoji="1" lang="ja-JP" altLang="en-US" dirty="0"/>
+                    </a:p>
+                  </a:txBody>
+                  <a:tcPr>
                     <a:solidFill>
-                      <a:schemeClr val="bg1">
-                        <a:lumMod val="75000"/>
-                      </a:schemeClr>
+                      <a:schemeClr val="tx1"/>
                     </a:solidFill>
+                  </a:tcPr>
+                </a:tc>
+                <a:tc vMerge="1">
+                  <a:txBody>
+                    <a:bodyPr/>
+                    <a:lstStyle/>
+                    <a:p>
+                      <a:endParaRPr kumimoji="1" lang="ja-JP" altLang="en-US" dirty="0"/>
+                    </a:p>
+                  </a:txBody>
+                  <a:tcPr/>
+                </a:tc>
+              </a:tr>
+              <a:tr h="338478">
+                <a:tc vMerge="1">
+                  <a:txBody>
+                    <a:bodyPr/>
+                    <a:lstStyle/>
+                    <a:p>
+                      <a:endParaRPr kumimoji="1" lang="ja-JP" altLang="en-US" dirty="0"/>
+                    </a:p>
+                  </a:txBody>
+                  <a:tcPr/>
+                </a:tc>
+                <a:tc vMerge="1">
+                  <a:txBody>
+                    <a:bodyPr/>
+                    <a:lstStyle/>
+                    <a:p>
+                      <a:endParaRPr kumimoji="1" lang="ja-JP" altLang="en-US" dirty="0"/>
+                    </a:p>
+                  </a:txBody>
+                  <a:tcPr/>
+                </a:tc>
+                <a:tc vMerge="1">
+                  <a:txBody>
+                    <a:bodyPr/>
+                    <a:lstStyle/>
+                    <a:p>
+                      <a:endParaRPr kumimoji="1" lang="ja-JP" altLang="en-US" dirty="0"/>
+                    </a:p>
+                  </a:txBody>
+                  <a:tcPr/>
+                </a:tc>
+                <a:tc vMerge="1">
+                  <a:txBody>
+                    <a:bodyPr/>
+                    <a:lstStyle/>
+                    <a:p>
+                      <a:endParaRPr kumimoji="1" lang="ja-JP" altLang="en-US" dirty="0"/>
+                    </a:p>
+                  </a:txBody>
+                  <a:tcPr/>
+                </a:tc>
+                <a:tc vMerge="1">
+                  <a:txBody>
+                    <a:bodyPr/>
+                    <a:lstStyle/>
+                    <a:p>
+                      <a:endParaRPr kumimoji="1" lang="ja-JP" altLang="en-US" dirty="0"/>
+                    </a:p>
+                  </a:txBody>
+                  <a:tcPr/>
+                </a:tc>
+                <a:tc vMerge="1">
+                  <a:txBody>
+                    <a:bodyPr/>
+                    <a:lstStyle/>
+                    <a:p>
+                      <a:endParaRPr kumimoji="1" lang="ja-JP" altLang="en-US" dirty="0"/>
+                    </a:p>
+                  </a:txBody>
+                  <a:tcPr/>
+                </a:tc>
+                <a:tc vMerge="1">
+                  <a:txBody>
+                    <a:bodyPr/>
+                    <a:lstStyle/>
+                    <a:p>
+                      <a:endParaRPr kumimoji="1" lang="ja-JP" altLang="en-US" dirty="0"/>
+                    </a:p>
+                  </a:txBody>
+                  <a:tcPr/>
+                </a:tc>
+                <a:tc vMerge="1">
+                  <a:txBody>
+                    <a:bodyPr/>
+                    <a:lstStyle/>
+                    <a:p>
+                      <a:endParaRPr kumimoji="1" lang="ja-JP" altLang="en-US" dirty="0"/>
+                    </a:p>
+                  </a:txBody>
+                  <a:tcPr/>
+                </a:tc>
+                <a:tc rowSpan="2">
+                  <a:txBody>
+                    <a:bodyPr/>
+                    <a:lstStyle/>
+                    <a:p>
+                      <a:endParaRPr kumimoji="1" lang="ja-JP" altLang="en-US" dirty="0"/>
+                    </a:p>
+                  </a:txBody>
+                  <a:tcPr>
+                    <a:pattFill prst="pct50"/>
+                  </a:tcPr>
+                </a:tc>
+                <a:tc vMerge="1">
+                  <a:txBody>
+                    <a:bodyPr/>
+                    <a:lstStyle/>
+                    <a:p>
+                      <a:endParaRPr kumimoji="1" lang="ja-JP" altLang="en-US" dirty="0"/>
+                    </a:p>
+                  </a:txBody>
+                  <a:tcPr/>
+                </a:tc>
+                <a:tc rowSpan="2">
+                  <a:txBody>
+                    <a:bodyPr/>
+                    <a:lstStyle/>
+                    <a:p>
+                      <a:endParaRPr kumimoji="1" lang="ja-JP" altLang="en-US" dirty="0"/>
+                    </a:p>
+                  </a:txBody>
+                  <a:tcPr>
+                    <a:pattFill prst="pct50"/>
+                  </a:tcPr>
+                </a:tc>
+                <a:tc vMerge="1">
+                  <a:txBody>
+                    <a:bodyPr/>
+                    <a:lstStyle/>
+                    <a:p>
+                      <a:endParaRPr kumimoji="1" lang="ja-JP" altLang="en-US" dirty="0"/>
+                    </a:p>
+                  </a:txBody>
+                  <a:tcPr/>
+                </a:tc>
+                <a:tc rowSpan="2">
+                  <a:txBody>
+                    <a:bodyPr/>
+                    <a:lstStyle/>
+                    <a:p>
+                      <a:endParaRPr kumimoji="1" lang="ja-JP" altLang="en-US" dirty="0"/>
+                    </a:p>
+                  </a:txBody>
+                  <a:tcPr>
+                    <a:pattFill prst="pct50"/>
+                  </a:tcPr>
+                </a:tc>
+                <a:tc vMerge="1">
+                  <a:txBody>
+                    <a:bodyPr/>
+                    <a:lstStyle/>
+                    <a:p>
+                      <a:endParaRPr kumimoji="1" lang="ja-JP" altLang="en-US" dirty="0"/>
+                    </a:p>
+                  </a:txBody>
+                  <a:tcPr/>
+                </a:tc>
+                <a:tc vMerge="1">
+                  <a:txBody>
+                    <a:bodyPr/>
+                    <a:lstStyle/>
+                    <a:p>
+                      <a:endParaRPr kumimoji="1" lang="ja-JP" altLang="en-US" dirty="0"/>
+                    </a:p>
+                  </a:txBody>
+                  <a:tcPr/>
+                </a:tc>
+              </a:tr>
+              <a:tr h="338478">
+                <a:tc vMerge="1">
+                  <a:txBody>
+                    <a:bodyPr/>
+                    <a:lstStyle/>
+                    <a:p>
+                      <a:endParaRPr kumimoji="1" lang="ja-JP" altLang="en-US" dirty="0"/>
+                    </a:p>
+                  </a:txBody>
+                  <a:tcPr/>
+                </a:tc>
+                <a:tc vMerge="1">
+                  <a:txBody>
+                    <a:bodyPr/>
+                    <a:lstStyle/>
+                    <a:p>
+                      <a:endParaRPr kumimoji="1" lang="ja-JP" altLang="en-US" dirty="0"/>
+                    </a:p>
+                  </a:txBody>
+                  <a:tcPr/>
+                </a:tc>
+                <a:tc vMerge="1">
+                  <a:txBody>
+                    <a:bodyPr/>
+                    <a:lstStyle/>
+                    <a:p>
+                      <a:endParaRPr kumimoji="1" lang="ja-JP" altLang="en-US" dirty="0"/>
+                    </a:p>
+                  </a:txBody>
+                  <a:tcPr/>
+                </a:tc>
+                <a:tc vMerge="1">
+                  <a:txBody>
+                    <a:bodyPr/>
+                    <a:lstStyle/>
+                    <a:p>
+                      <a:endParaRPr kumimoji="1" lang="ja-JP" altLang="en-US" dirty="0"/>
+                    </a:p>
+                  </a:txBody>
+                  <a:tcPr/>
+                </a:tc>
+                <a:tc vMerge="1">
+                  <a:txBody>
+                    <a:bodyPr/>
+                    <a:lstStyle/>
+                    <a:p>
+                      <a:endParaRPr kumimoji="1" lang="ja-JP" altLang="en-US" dirty="0"/>
+                    </a:p>
+                  </a:txBody>
+                  <a:tcPr/>
+                </a:tc>
+                <a:tc vMerge="1">
+                  <a:txBody>
+                    <a:bodyPr/>
+                    <a:lstStyle/>
+                    <a:p>
+                      <a:endParaRPr kumimoji="1" lang="ja-JP" altLang="en-US" dirty="0"/>
+                    </a:p>
+                  </a:txBody>
+                  <a:tcPr/>
+                </a:tc>
+                <a:tc vMerge="1">
+                  <a:txBody>
+                    <a:bodyPr/>
+                    <a:lstStyle/>
+                    <a:p>
+                      <a:endParaRPr kumimoji="1" lang="ja-JP" altLang="en-US" dirty="0"/>
+                    </a:p>
+                  </a:txBody>
+                  <a:tcPr/>
+                </a:tc>
+                <a:tc rowSpan="2">
+                  <a:txBody>
+                    <a:bodyPr/>
+                    <a:lstStyle/>
+                    <a:p>
+                      <a:endParaRPr kumimoji="1" lang="ja-JP" altLang="en-US" dirty="0"/>
+                    </a:p>
+                  </a:txBody>
+                  <a:tcPr>
+                    <a:solidFill>
+                      <a:schemeClr val="tx1"/>
+                    </a:solidFill>
+                  </a:tcPr>
+                </a:tc>
+                <a:tc vMerge="1">
+                  <a:txBody>
+                    <a:bodyPr/>
+                    <a:lstStyle/>
+                    <a:p>
+                      <a:endParaRPr kumimoji="1" lang="ja-JP" altLang="en-US" dirty="0"/>
+                    </a:p>
+                  </a:txBody>
+                  <a:tcPr/>
+                </a:tc>
+                <a:tc rowSpan="2">
+                  <a:txBody>
+                    <a:bodyPr/>
+                    <a:lstStyle/>
+                    <a:p>
+                      <a:endParaRPr kumimoji="1" lang="ja-JP" altLang="en-US" dirty="0"/>
+                    </a:p>
+                  </a:txBody>
+                  <a:tcPr/>
+                </a:tc>
+                <a:tc vMerge="1">
+                  <a:txBody>
+                    <a:bodyPr/>
+                    <a:lstStyle/>
+                    <a:p>
+                      <a:endParaRPr kumimoji="1" lang="ja-JP" altLang="en-US" dirty="0"/>
+                    </a:p>
+                  </a:txBody>
+                  <a:tcPr/>
+                </a:tc>
+                <a:tc rowSpan="2">
+                  <a:txBody>
+                    <a:bodyPr/>
+                    <a:lstStyle/>
+                    <a:p>
+                      <a:endParaRPr kumimoji="1" lang="ja-JP" altLang="en-US" dirty="0"/>
+                    </a:p>
+                  </a:txBody>
+                  <a:tcPr>
+                    <a:solidFill>
+                      <a:schemeClr val="tx1"/>
+                    </a:solidFill>
+                  </a:tcPr>
+                </a:tc>
+                <a:tc vMerge="1">
+                  <a:txBody>
+                    <a:bodyPr/>
+                    <a:lstStyle/>
+                    <a:p>
+                      <a:endParaRPr kumimoji="1" lang="ja-JP" altLang="en-US" dirty="0"/>
+                    </a:p>
+                  </a:txBody>
+                  <a:tcPr/>
+                </a:tc>
+                <a:tc rowSpan="2">
+                  <a:txBody>
+                    <a:bodyPr/>
+                    <a:lstStyle/>
+                    <a:p>
+                      <a:endParaRPr kumimoji="1" lang="ja-JP" altLang="en-US" dirty="0"/>
+                    </a:p>
+                  </a:txBody>
+                  <a:tcPr/>
+                </a:tc>
+                <a:tc vMerge="1">
+                  <a:txBody>
+                    <a:bodyPr/>
+                    <a:lstStyle/>
+                    <a:p>
+                      <a:endParaRPr kumimoji="1" lang="ja-JP" altLang="en-US" dirty="0"/>
+                    </a:p>
+                  </a:txBody>
+                  <a:tcPr/>
+                </a:tc>
+              </a:tr>
+              <a:tr h="338478">
+                <a:tc vMerge="1">
+                  <a:txBody>
+                    <a:bodyPr/>
+                    <a:lstStyle/>
+                    <a:p>
+                      <a:endParaRPr kumimoji="1" lang="ja-JP" altLang="en-US" dirty="0"/>
+                    </a:p>
+                  </a:txBody>
+                  <a:tcPr/>
+                </a:tc>
+                <a:tc vMerge="1">
+                  <a:txBody>
+                    <a:bodyPr/>
+                    <a:lstStyle/>
+                    <a:p>
+                      <a:endParaRPr kumimoji="1" lang="ja-JP" altLang="en-US" dirty="0"/>
+                    </a:p>
+                  </a:txBody>
+                  <a:tcPr/>
+                </a:tc>
+                <a:tc vMerge="1">
+                  <a:txBody>
+                    <a:bodyPr/>
+                    <a:lstStyle/>
+                    <a:p>
+                      <a:endParaRPr kumimoji="1" lang="ja-JP" altLang="en-US" dirty="0"/>
+                    </a:p>
+                  </a:txBody>
+                  <a:tcPr/>
+                </a:tc>
+                <a:tc vMerge="1">
+                  <a:txBody>
+                    <a:bodyPr/>
+                    <a:lstStyle/>
+                    <a:p>
+                      <a:endParaRPr kumimoji="1" lang="ja-JP" altLang="en-US" dirty="0"/>
+                    </a:p>
+                  </a:txBody>
+                  <a:tcPr/>
+                </a:tc>
+                <a:tc vMerge="1">
+                  <a:txBody>
+                    <a:bodyPr/>
+                    <a:lstStyle/>
+                    <a:p>
+                      <a:endParaRPr kumimoji="1" lang="ja-JP" altLang="en-US" dirty="0"/>
+                    </a:p>
+                  </a:txBody>
+                  <a:tcPr/>
+                </a:tc>
+                <a:tc vMerge="1">
+                  <a:txBody>
+                    <a:bodyPr/>
+                    <a:lstStyle/>
+                    <a:p>
+                      <a:endParaRPr kumimoji="1" lang="ja-JP" altLang="en-US" dirty="0"/>
+                    </a:p>
+                  </a:txBody>
+                  <a:tcPr/>
+                </a:tc>
+                <a:tc vMerge="1">
+                  <a:txBody>
+                    <a:bodyPr/>
+                    <a:lstStyle/>
+                    <a:p>
+                      <a:endParaRPr kumimoji="1" lang="ja-JP" altLang="en-US" dirty="0"/>
+                    </a:p>
+                  </a:txBody>
+                  <a:tcPr/>
+                </a:tc>
+                <a:tc vMerge="1">
+                  <a:txBody>
+                    <a:bodyPr/>
+                    <a:lstStyle/>
+                    <a:p>
+                      <a:endParaRPr kumimoji="1" lang="ja-JP" altLang="en-US" dirty="0"/>
+                    </a:p>
+                  </a:txBody>
+                  <a:tcPr/>
+                </a:tc>
+                <a:tc>
+                  <a:txBody>
+                    <a:bodyPr/>
+                    <a:lstStyle/>
+                    <a:p>
+                      <a:endParaRPr kumimoji="1" lang="ja-JP" altLang="en-US" dirty="0"/>
+                    </a:p>
+                  </a:txBody>
+                  <a:tcPr>
+                    <a:pattFill prst="wdUpDiag"/>
+                  </a:tcPr>
+                </a:tc>
+                <a:tc vMerge="1">
+                  <a:txBody>
+                    <a:bodyPr/>
+                    <a:lstStyle/>
+                    <a:p>
+                      <a:endParaRPr kumimoji="1" lang="ja-JP" altLang="en-US" dirty="0"/>
+                    </a:p>
+                  </a:txBody>
+                  <a:tcPr/>
+                </a:tc>
+                <a:tc>
+                  <a:txBody>
+                    <a:bodyPr/>
+                    <a:lstStyle/>
+                    <a:p>
+                      <a:endParaRPr kumimoji="1" lang="ja-JP" altLang="en-US" dirty="0"/>
+                    </a:p>
+                  </a:txBody>
+                  <a:tcPr>
+                    <a:pattFill prst="wdUpDiag"/>
+                  </a:tcPr>
+                </a:tc>
+                <a:tc vMerge="1">
+                  <a:txBody>
+                    <a:bodyPr/>
+                    <a:lstStyle/>
+                    <a:p>
+                      <a:endParaRPr kumimoji="1" lang="ja-JP" altLang="en-US" dirty="0"/>
+                    </a:p>
+                  </a:txBody>
+                  <a:tcPr/>
+                </a:tc>
+                <a:tc>
+                  <a:txBody>
+                    <a:bodyPr/>
+                    <a:lstStyle/>
+                    <a:p>
+                      <a:endParaRPr kumimoji="1" lang="ja-JP" altLang="en-US" dirty="0"/>
+                    </a:p>
+                  </a:txBody>
+                  <a:tcPr>
+                    <a:pattFill prst="wdUpDiag"/>
                   </a:tcPr>
                 </a:tc>
                 <a:tc vMerge="1">
@@ -7261,7 +7135,7 @@
           <p:cNvPr id="2269" name="左中かっこ 2268">
             <a:extLst>
               <a:ext uri="{FF2B5EF4-FFF2-40B4-BE49-F238E27FC236}">
-                <a16:creationId xmlns:a16="http://schemas.microsoft.com/office/drawing/2014/main" xmlns="" id="{7484E61E-C510-4FF0-978A-471330A22C3C}"/>
+                <a16:creationId xmlns="" xmlns:a16="http://schemas.microsoft.com/office/drawing/2014/main" id="{7484E61E-C510-4FF0-978A-471330A22C3C}"/>
               </a:ext>
             </a:extLst>
           </p:cNvPr>
@@ -7318,7 +7192,7 @@
           <p:cNvPr id="2270" name="左中かっこ 2269">
             <a:extLst>
               <a:ext uri="{FF2B5EF4-FFF2-40B4-BE49-F238E27FC236}">
-                <a16:creationId xmlns:a16="http://schemas.microsoft.com/office/drawing/2014/main" xmlns="" id="{7484E61E-C510-4FF0-978A-471330A22C3C}"/>
+                <a16:creationId xmlns="" xmlns:a16="http://schemas.microsoft.com/office/drawing/2014/main" id="{7484E61E-C510-4FF0-978A-471330A22C3C}"/>
               </a:ext>
             </a:extLst>
           </p:cNvPr>
@@ -7377,7 +7251,7 @@
               <p:cNvPr id="2271" name="テキスト ボックス 2270">
                 <a:extLst>
                   <a:ext uri="{FF2B5EF4-FFF2-40B4-BE49-F238E27FC236}">
-                    <a16:creationId xmlns:a16="http://schemas.microsoft.com/office/drawing/2014/main" xmlns="" id="{6DAFFFD6-997E-4295-8337-371E646493AD}"/>
+                    <a16:creationId xmlns="" xmlns:a16="http://schemas.microsoft.com/office/drawing/2014/main" id="{6DAFFFD6-997E-4295-8337-371E646493AD}"/>
                   </a:ext>
                 </a:extLst>
               </p:cNvPr>
@@ -7477,7 +7351,7 @@
           <p:cNvPr id="2272" name="左中かっこ 2271">
             <a:extLst>
               <a:ext uri="{FF2B5EF4-FFF2-40B4-BE49-F238E27FC236}">
-                <a16:creationId xmlns:a16="http://schemas.microsoft.com/office/drawing/2014/main" xmlns="" id="{7484E61E-C510-4FF0-978A-471330A22C3C}"/>
+                <a16:creationId xmlns="" xmlns:a16="http://schemas.microsoft.com/office/drawing/2014/main" id="{7484E61E-C510-4FF0-978A-471330A22C3C}"/>
               </a:ext>
             </a:extLst>
           </p:cNvPr>
@@ -7536,7 +7410,7 @@
               <p:cNvPr id="2273" name="テキスト ボックス 2272">
                 <a:extLst>
                   <a:ext uri="{FF2B5EF4-FFF2-40B4-BE49-F238E27FC236}">
-                    <a16:creationId xmlns:a16="http://schemas.microsoft.com/office/drawing/2014/main" xmlns="" id="{6DAFFFD6-997E-4295-8337-371E646493AD}"/>
+                    <a16:creationId xmlns="" xmlns:a16="http://schemas.microsoft.com/office/drawing/2014/main" id="{6DAFFFD6-997E-4295-8337-371E646493AD}"/>
                   </a:ext>
                 </a:extLst>
               </p:cNvPr>
@@ -8014,7 +7888,7 @@
               <p:cNvPr id="2279" name="テキスト ボックス 2278">
                 <a:extLst>
                   <a:ext uri="{FF2B5EF4-FFF2-40B4-BE49-F238E27FC236}">
-                    <a16:creationId xmlns:a16="http://schemas.microsoft.com/office/drawing/2014/main" xmlns="" id="{E4C3C1CC-7DFB-4879-9982-E12AF92D5157}"/>
+                    <a16:creationId xmlns="" xmlns:a16="http://schemas.microsoft.com/office/drawing/2014/main" id="{E4C3C1CC-7DFB-4879-9982-E12AF92D5157}"/>
                   </a:ext>
                 </a:extLst>
               </p:cNvPr>
@@ -8151,7 +8025,7 @@
           <p:cNvPr id="2280" name="左中かっこ 2279">
             <a:extLst>
               <a:ext uri="{FF2B5EF4-FFF2-40B4-BE49-F238E27FC236}">
-                <a16:creationId xmlns:a16="http://schemas.microsoft.com/office/drawing/2014/main" xmlns="" id="{7484E61E-C510-4FF0-978A-471330A22C3C}"/>
+                <a16:creationId xmlns="" xmlns:a16="http://schemas.microsoft.com/office/drawing/2014/main" id="{7484E61E-C510-4FF0-978A-471330A22C3C}"/>
               </a:ext>
             </a:extLst>
           </p:cNvPr>
@@ -8210,7 +8084,7 @@
               <p:cNvPr id="2281" name="テキスト ボックス 2280">
                 <a:extLst>
                   <a:ext uri="{FF2B5EF4-FFF2-40B4-BE49-F238E27FC236}">
-                    <a16:creationId xmlns:a16="http://schemas.microsoft.com/office/drawing/2014/main" xmlns="" id="{6DAFFFD6-997E-4295-8337-371E646493AD}"/>
+                    <a16:creationId xmlns="" xmlns:a16="http://schemas.microsoft.com/office/drawing/2014/main" id="{6DAFFFD6-997E-4295-8337-371E646493AD}"/>
                   </a:ext>
                 </a:extLst>
               </p:cNvPr>
@@ -8312,7 +8186,7 @@
               <p:cNvPr id="2282" name="テキスト ボックス 2281">
                 <a:extLst>
                   <a:ext uri="{FF2B5EF4-FFF2-40B4-BE49-F238E27FC236}">
-                    <a16:creationId xmlns:a16="http://schemas.microsoft.com/office/drawing/2014/main" xmlns="" id="{07010F26-716B-423D-9E77-19B5E202747E}"/>
+                    <a16:creationId xmlns="" xmlns:a16="http://schemas.microsoft.com/office/drawing/2014/main" id="{07010F26-716B-423D-9E77-19B5E202747E}"/>
                   </a:ext>
                 </a:extLst>
               </p:cNvPr>
@@ -8500,7 +8374,7 @@
               <p:cNvPr id="2283" name="テキスト ボックス 2282">
                 <a:extLst>
                   <a:ext uri="{FF2B5EF4-FFF2-40B4-BE49-F238E27FC236}">
-                    <a16:creationId xmlns:a16="http://schemas.microsoft.com/office/drawing/2014/main" xmlns="" id="{65944549-9B1C-4094-8DD6-656F7C2BBAD6}"/>
+                    <a16:creationId xmlns="" xmlns:a16="http://schemas.microsoft.com/office/drawing/2014/main" id="{65944549-9B1C-4094-8DD6-656F7C2BBAD6}"/>
                   </a:ext>
                 </a:extLst>
               </p:cNvPr>
@@ -8627,7 +8501,3997 @@
               <p:cNvPr id="2284" name="テキスト ボックス 2283">
                 <a:extLst>
                   <a:ext uri="{FF2B5EF4-FFF2-40B4-BE49-F238E27FC236}">
-                    <a16:creationId xmlns:a16="http://schemas.microsoft.com/office/drawing/2014/main" xmlns="" id="{7FF99950-E7CA-404A-865F-5BBFC675F700}"/>
+                    <a16:creationId xmlns="" xmlns:a16="http://schemas.microsoft.com/office/drawing/2014/main" id="{7FF99950-E7CA-404A-865F-5BBFC675F700}"/>
+                  </a:ext>
+                </a:extLst>
+              </p:cNvPr>
+              <p:cNvSpPr txBox="1"/>
+              <p:nvPr/>
+            </p:nvSpPr>
+            <p:spPr>
+              <a:xfrm>
+                <a:off x="2014626" y="0"/>
+                <a:ext cx="434118" cy="461665"/>
+              </a:xfrm>
+              <a:prstGeom prst="rect">
+                <a:avLst/>
+              </a:prstGeom>
+              <a:noFill/>
+            </p:spPr>
+            <p:txBody>
+              <a:bodyPr wrap="square" rtlCol="0">
+                <a:spAutoFit/>
+              </a:bodyPr>
+              <a:lstStyle/>
+              <a:p>
+                <a:pPr/>
+                <a14:m>
+                  <m:oMathPara xmlns:m="http://schemas.openxmlformats.org/officeDocument/2006/math">
+                    <m:oMathParaPr>
+                      <m:jc m:val="centerGroup"/>
+                    </m:oMathParaPr>
+                    <m:oMath xmlns:m="http://schemas.openxmlformats.org/officeDocument/2006/math">
+                      <m:r>
+                        <a:rPr lang="en-US" altLang="ja-JP" sz="2400" i="1">
+                          <a:latin typeface="Cambria Math" panose="02040503050406030204" pitchFamily="18" charset="0"/>
+                        </a:rPr>
+                        <m:t>2</m:t>
+                      </m:r>
+                      <m:r>
+                        <a:rPr lang="en-US" altLang="ja-JP" sz="2400" i="1">
+                          <a:latin typeface="Cambria Math" panose="02040503050406030204" pitchFamily="18" charset="0"/>
+                        </a:rPr>
+                        <m:t>𝑡</m:t>
+                      </m:r>
+                    </m:oMath>
+                  </m:oMathPara>
+                </a14:m>
+                <a:endParaRPr lang="en-US" altLang="ja-JP" sz="2400" dirty="0"/>
+              </a:p>
+            </p:txBody>
+          </p:sp>
+        </mc:Choice>
+        <mc:Fallback xmlns="">
+          <p:sp>
+            <p:nvSpPr>
+              <p:cNvPr id="2284" name="テキスト ボックス 2283">
+                <a:extLst>
+                  <a:ext uri="{FF2B5EF4-FFF2-40B4-BE49-F238E27FC236}">
+                    <a16:creationId xmlns:a16="http://schemas.microsoft.com/office/drawing/2014/main" xmlns="" xmlns:a14="http://schemas.microsoft.com/office/drawing/2010/main" id="{7FF99950-E7CA-404A-865F-5BBFC675F700}"/>
+                  </a:ext>
+                </a:extLst>
+              </p:cNvPr>
+              <p:cNvSpPr txBox="1">
+                <a:spLocks noRot="1" noChangeAspect="1" noMove="1" noResize="1" noEditPoints="1" noAdjustHandles="1" noChangeArrowheads="1" noChangeShapeType="1" noTextEdit="1"/>
+              </p:cNvSpPr>
+              <p:nvPr/>
+            </p:nvSpPr>
+            <p:spPr>
+              <a:xfrm>
+                <a:off x="2014626" y="0"/>
+                <a:ext cx="434118" cy="461665"/>
+              </a:xfrm>
+              <a:prstGeom prst="rect">
+                <a:avLst/>
+              </a:prstGeom>
+              <a:blipFill rotWithShape="0">
+                <a:blip r:embed="rId9"/>
+                <a:stretch>
+                  <a:fillRect l="-2778" r="-12500"/>
+                </a:stretch>
+              </a:blipFill>
+            </p:spPr>
+            <p:txBody>
+              <a:bodyPr/>
+              <a:lstStyle/>
+              <a:p>
+                <a:r>
+                  <a:rPr lang="ja-JP" altLang="en-US">
+                    <a:noFill/>
+                  </a:rPr>
+                  <a:t> </a:t>
+                </a:r>
+              </a:p>
+            </p:txBody>
+          </p:sp>
+        </mc:Fallback>
+      </mc:AlternateContent>
+      <p:graphicFrame>
+        <p:nvGraphicFramePr>
+          <p:cNvPr id="2" name="表 1"/>
+          <p:cNvGraphicFramePr>
+            <a:graphicFrameLocks noGrp="1"/>
+          </p:cNvGraphicFramePr>
+          <p:nvPr>
+            <p:extLst/>
+          </p:nvPr>
+        </p:nvGraphicFramePr>
+        <p:xfrm>
+          <a:off x="1532749" y="722540"/>
+          <a:ext cx="9808195" cy="4738692"/>
+        </p:xfrm>
+        <a:graphic>
+          <a:graphicData uri="http://schemas.openxmlformats.org/drawingml/2006/table">
+            <a:tbl>
+              <a:tblPr firstRow="1" bandRow="1">
+                <a:tableStyleId>{5940675A-B579-460E-94D1-54222C63F5DA}</a:tableStyleId>
+              </a:tblPr>
+              <a:tblGrid>
+                <a:gridCol w="472015"/>
+                <a:gridCol w="472015"/>
+                <a:gridCol w="472015"/>
+                <a:gridCol w="472015"/>
+                <a:gridCol w="472015"/>
+                <a:gridCol w="472015"/>
+                <a:gridCol w="2304000"/>
+                <a:gridCol w="472015"/>
+                <a:gridCol w="472015"/>
+                <a:gridCol w="472015"/>
+                <a:gridCol w="472015"/>
+                <a:gridCol w="472015"/>
+                <a:gridCol w="472015"/>
+                <a:gridCol w="472015"/>
+                <a:gridCol w="1368000"/>
+              </a:tblGrid>
+              <a:tr h="338478">
+                <a:tc rowSpan="14">
+                  <a:txBody>
+                    <a:bodyPr/>
+                    <a:lstStyle/>
+                    <a:p>
+                      <a:endParaRPr kumimoji="1" lang="ja-JP" altLang="en-US" dirty="0"/>
+                    </a:p>
+                  </a:txBody>
+                  <a:tcPr>
+                    <a:solidFill>
+                      <a:schemeClr val="bg1">
+                        <a:lumMod val="75000"/>
+                      </a:schemeClr>
+                    </a:solidFill>
+                  </a:tcPr>
+                </a:tc>
+                <a:tc rowSpan="4">
+                  <a:txBody>
+                    <a:bodyPr/>
+                    <a:lstStyle/>
+                    <a:p>
+                      <a:endParaRPr kumimoji="1" lang="ja-JP" altLang="en-US" dirty="0"/>
+                    </a:p>
+                  </a:txBody>
+                  <a:tcPr>
+                    <a:solidFill>
+                      <a:schemeClr val="tx1"/>
+                    </a:solidFill>
+                  </a:tcPr>
+                </a:tc>
+                <a:tc rowSpan="4">
+                  <a:txBody>
+                    <a:bodyPr/>
+                    <a:lstStyle/>
+                    <a:p>
+                      <a:endParaRPr kumimoji="1" lang="ja-JP" altLang="en-US" dirty="0"/>
+                    </a:p>
+                  </a:txBody>
+                  <a:tcPr>
+                    <a:solidFill>
+                      <a:schemeClr val="bg1">
+                        <a:lumMod val="75000"/>
+                      </a:schemeClr>
+                    </a:solidFill>
+                  </a:tcPr>
+                </a:tc>
+                <a:tc rowSpan="4">
+                  <a:txBody>
+                    <a:bodyPr/>
+                    <a:lstStyle/>
+                    <a:p>
+                      <a:endParaRPr kumimoji="1" lang="ja-JP" altLang="en-US" dirty="0"/>
+                    </a:p>
+                  </a:txBody>
+                  <a:tcPr>
+                    <a:solidFill>
+                      <a:schemeClr val="tx1"/>
+                    </a:solidFill>
+                  </a:tcPr>
+                </a:tc>
+                <a:tc rowSpan="4">
+                  <a:txBody>
+                    <a:bodyPr/>
+                    <a:lstStyle/>
+                    <a:p>
+                      <a:endParaRPr kumimoji="1" lang="ja-JP" altLang="en-US" dirty="0"/>
+                    </a:p>
+                  </a:txBody>
+                  <a:tcPr>
+                    <a:solidFill>
+                      <a:schemeClr val="bg1">
+                        <a:lumMod val="75000"/>
+                      </a:schemeClr>
+                    </a:solidFill>
+                  </a:tcPr>
+                </a:tc>
+                <a:tc rowSpan="4">
+                  <a:txBody>
+                    <a:bodyPr/>
+                    <a:lstStyle/>
+                    <a:p>
+                      <a:endParaRPr kumimoji="1" lang="ja-JP" altLang="en-US" dirty="0"/>
+                    </a:p>
+                  </a:txBody>
+                  <a:tcPr/>
+                </a:tc>
+                <a:tc rowSpan="4">
+                  <a:txBody>
+                    <a:bodyPr/>
+                    <a:lstStyle/>
+                    <a:p>
+                      <a:endParaRPr kumimoji="1" lang="ja-JP" altLang="en-US" dirty="0"/>
+                    </a:p>
+                  </a:txBody>
+                  <a:tcPr>
+                    <a:solidFill>
+                      <a:schemeClr val="bg2">
+                        <a:lumMod val="50000"/>
+                      </a:schemeClr>
+                    </a:solidFill>
+                  </a:tcPr>
+                </a:tc>
+                <a:tc rowSpan="2">
+                  <a:txBody>
+                    <a:bodyPr/>
+                    <a:lstStyle/>
+                    <a:p>
+                      <a:endParaRPr kumimoji="1" lang="ja-JP" altLang="en-US" dirty="0"/>
+                    </a:p>
+                  </a:txBody>
+                  <a:tcPr/>
+                </a:tc>
+                <a:tc>
+                  <a:txBody>
+                    <a:bodyPr/>
+                    <a:lstStyle/>
+                    <a:p>
+                      <a:endParaRPr kumimoji="1" lang="ja-JP" altLang="en-US" dirty="0"/>
+                    </a:p>
+                  </a:txBody>
+                  <a:tcPr>
+                    <a:solidFill>
+                      <a:schemeClr val="bg1">
+                        <a:lumMod val="75000"/>
+                      </a:schemeClr>
+                    </a:solidFill>
+                  </a:tcPr>
+                </a:tc>
+                <a:tc rowSpan="2">
+                  <a:txBody>
+                    <a:bodyPr/>
+                    <a:lstStyle/>
+                    <a:p>
+                      <a:endParaRPr kumimoji="1" lang="ja-JP" altLang="en-US" dirty="0"/>
+                    </a:p>
+                  </a:txBody>
+                  <a:tcPr>
+                    <a:solidFill>
+                      <a:schemeClr val="tx1"/>
+                    </a:solidFill>
+                  </a:tcPr>
+                </a:tc>
+                <a:tc>
+                  <a:txBody>
+                    <a:bodyPr/>
+                    <a:lstStyle/>
+                    <a:p>
+                      <a:endParaRPr kumimoji="1" lang="ja-JP" altLang="en-US" dirty="0"/>
+                    </a:p>
+                  </a:txBody>
+                  <a:tcPr>
+                    <a:solidFill>
+                      <a:schemeClr val="bg1">
+                        <a:lumMod val="75000"/>
+                      </a:schemeClr>
+                    </a:solidFill>
+                  </a:tcPr>
+                </a:tc>
+                <a:tc rowSpan="2">
+                  <a:txBody>
+                    <a:bodyPr/>
+                    <a:lstStyle/>
+                    <a:p>
+                      <a:endParaRPr kumimoji="1" lang="ja-JP" altLang="en-US" dirty="0"/>
+                    </a:p>
+                  </a:txBody>
+                  <a:tcPr/>
+                </a:tc>
+                <a:tc>
+                  <a:txBody>
+                    <a:bodyPr/>
+                    <a:lstStyle/>
+                    <a:p>
+                      <a:endParaRPr kumimoji="1" lang="ja-JP" altLang="en-US" dirty="0"/>
+                    </a:p>
+                  </a:txBody>
+                  <a:tcPr>
+                    <a:solidFill>
+                      <a:schemeClr val="bg1">
+                        <a:lumMod val="75000"/>
+                      </a:schemeClr>
+                    </a:solidFill>
+                  </a:tcPr>
+                </a:tc>
+                <a:tc rowSpan="2">
+                  <a:txBody>
+                    <a:bodyPr/>
+                    <a:lstStyle/>
+                    <a:p>
+                      <a:endParaRPr kumimoji="1" lang="ja-JP" altLang="en-US" dirty="0"/>
+                    </a:p>
+                  </a:txBody>
+                  <a:tcPr>
+                    <a:solidFill>
+                      <a:schemeClr val="tx1"/>
+                    </a:solidFill>
+                  </a:tcPr>
+                </a:tc>
+                <a:tc rowSpan="14">
+                  <a:txBody>
+                    <a:bodyPr/>
+                    <a:lstStyle/>
+                    <a:p>
+                      <a:endParaRPr kumimoji="1" lang="ja-JP" altLang="en-US" dirty="0"/>
+                    </a:p>
+                  </a:txBody>
+                  <a:tcPr>
+                    <a:solidFill>
+                      <a:schemeClr val="bg2">
+                        <a:lumMod val="50000"/>
+                      </a:schemeClr>
+                    </a:solidFill>
+                  </a:tcPr>
+                </a:tc>
+              </a:tr>
+              <a:tr h="338478">
+                <a:tc vMerge="1">
+                  <a:txBody>
+                    <a:bodyPr/>
+                    <a:lstStyle/>
+                    <a:p>
+                      <a:endParaRPr kumimoji="1" lang="ja-JP" altLang="en-US" dirty="0"/>
+                    </a:p>
+                  </a:txBody>
+                  <a:tcPr/>
+                </a:tc>
+                <a:tc vMerge="1">
+                  <a:txBody>
+                    <a:bodyPr/>
+                    <a:lstStyle/>
+                    <a:p>
+                      <a:endParaRPr kumimoji="1" lang="ja-JP" altLang="en-US" dirty="0"/>
+                    </a:p>
+                  </a:txBody>
+                  <a:tcPr/>
+                </a:tc>
+                <a:tc vMerge="1">
+                  <a:txBody>
+                    <a:bodyPr/>
+                    <a:lstStyle/>
+                    <a:p>
+                      <a:endParaRPr kumimoji="1" lang="ja-JP" altLang="en-US" dirty="0"/>
+                    </a:p>
+                  </a:txBody>
+                  <a:tcPr/>
+                </a:tc>
+                <a:tc vMerge="1">
+                  <a:txBody>
+                    <a:bodyPr/>
+                    <a:lstStyle/>
+                    <a:p>
+                      <a:endParaRPr kumimoji="1" lang="ja-JP" altLang="en-US" dirty="0"/>
+                    </a:p>
+                  </a:txBody>
+                  <a:tcPr/>
+                </a:tc>
+                <a:tc vMerge="1">
+                  <a:txBody>
+                    <a:bodyPr/>
+                    <a:lstStyle/>
+                    <a:p>
+                      <a:endParaRPr kumimoji="1" lang="ja-JP" altLang="en-US" dirty="0"/>
+                    </a:p>
+                  </a:txBody>
+                  <a:tcPr/>
+                </a:tc>
+                <a:tc vMerge="1">
+                  <a:txBody>
+                    <a:bodyPr/>
+                    <a:lstStyle/>
+                    <a:p>
+                      <a:endParaRPr kumimoji="1" lang="ja-JP" altLang="en-US" dirty="0"/>
+                    </a:p>
+                  </a:txBody>
+                  <a:tcPr/>
+                </a:tc>
+                <a:tc vMerge="1">
+                  <a:txBody>
+                    <a:bodyPr/>
+                    <a:lstStyle/>
+                    <a:p>
+                      <a:endParaRPr kumimoji="1" lang="ja-JP" altLang="en-US" dirty="0"/>
+                    </a:p>
+                  </a:txBody>
+                  <a:tcPr/>
+                </a:tc>
+                <a:tc vMerge="1">
+                  <a:txBody>
+                    <a:bodyPr/>
+                    <a:lstStyle/>
+                    <a:p>
+                      <a:endParaRPr kumimoji="1" lang="ja-JP" altLang="en-US" dirty="0"/>
+                    </a:p>
+                  </a:txBody>
+                  <a:tcPr/>
+                </a:tc>
+                <a:tc rowSpan="2">
+                  <a:txBody>
+                    <a:bodyPr/>
+                    <a:lstStyle/>
+                    <a:p>
+                      <a:endParaRPr kumimoji="1" lang="ja-JP" altLang="en-US" dirty="0"/>
+                    </a:p>
+                  </a:txBody>
+                  <a:tcPr>
+                    <a:solidFill>
+                      <a:schemeClr val="bg2">
+                        <a:lumMod val="50000"/>
+                      </a:schemeClr>
+                    </a:solidFill>
+                  </a:tcPr>
+                </a:tc>
+                <a:tc vMerge="1">
+                  <a:txBody>
+                    <a:bodyPr/>
+                    <a:lstStyle/>
+                    <a:p>
+                      <a:endParaRPr kumimoji="1" lang="ja-JP" altLang="en-US" dirty="0"/>
+                    </a:p>
+                  </a:txBody>
+                  <a:tcPr/>
+                </a:tc>
+                <a:tc rowSpan="2">
+                  <a:txBody>
+                    <a:bodyPr/>
+                    <a:lstStyle/>
+                    <a:p>
+                      <a:endParaRPr kumimoji="1" lang="ja-JP" altLang="en-US" dirty="0"/>
+                    </a:p>
+                  </a:txBody>
+                  <a:tcPr>
+                    <a:solidFill>
+                      <a:schemeClr val="bg2">
+                        <a:lumMod val="50000"/>
+                      </a:schemeClr>
+                    </a:solidFill>
+                  </a:tcPr>
+                </a:tc>
+                <a:tc vMerge="1">
+                  <a:txBody>
+                    <a:bodyPr/>
+                    <a:lstStyle/>
+                    <a:p>
+                      <a:endParaRPr kumimoji="1" lang="ja-JP" altLang="en-US" dirty="0"/>
+                    </a:p>
+                  </a:txBody>
+                  <a:tcPr/>
+                </a:tc>
+                <a:tc rowSpan="2">
+                  <a:txBody>
+                    <a:bodyPr/>
+                    <a:lstStyle/>
+                    <a:p>
+                      <a:endParaRPr kumimoji="1" lang="ja-JP" altLang="en-US" dirty="0"/>
+                    </a:p>
+                  </a:txBody>
+                  <a:tcPr>
+                    <a:solidFill>
+                      <a:schemeClr val="bg2">
+                        <a:lumMod val="50000"/>
+                      </a:schemeClr>
+                    </a:solidFill>
+                  </a:tcPr>
+                </a:tc>
+                <a:tc vMerge="1">
+                  <a:txBody>
+                    <a:bodyPr/>
+                    <a:lstStyle/>
+                    <a:p>
+                      <a:endParaRPr kumimoji="1" lang="ja-JP" altLang="en-US" dirty="0"/>
+                    </a:p>
+                  </a:txBody>
+                  <a:tcPr/>
+                </a:tc>
+                <a:tc vMerge="1">
+                  <a:txBody>
+                    <a:bodyPr/>
+                    <a:lstStyle/>
+                    <a:p>
+                      <a:endParaRPr kumimoji="1" lang="ja-JP" altLang="en-US" dirty="0"/>
+                    </a:p>
+                  </a:txBody>
+                  <a:tcPr/>
+                </a:tc>
+              </a:tr>
+              <a:tr h="338478">
+                <a:tc vMerge="1">
+                  <a:txBody>
+                    <a:bodyPr/>
+                    <a:lstStyle/>
+                    <a:p>
+                      <a:endParaRPr kumimoji="1" lang="ja-JP" altLang="en-US" dirty="0"/>
+                    </a:p>
+                  </a:txBody>
+                  <a:tcPr/>
+                </a:tc>
+                <a:tc vMerge="1">
+                  <a:txBody>
+                    <a:bodyPr/>
+                    <a:lstStyle/>
+                    <a:p>
+                      <a:endParaRPr kumimoji="1" lang="ja-JP" altLang="en-US" dirty="0"/>
+                    </a:p>
+                  </a:txBody>
+                  <a:tcPr/>
+                </a:tc>
+                <a:tc vMerge="1">
+                  <a:txBody>
+                    <a:bodyPr/>
+                    <a:lstStyle/>
+                    <a:p>
+                      <a:endParaRPr kumimoji="1" lang="ja-JP" altLang="en-US" dirty="0"/>
+                    </a:p>
+                  </a:txBody>
+                  <a:tcPr/>
+                </a:tc>
+                <a:tc vMerge="1">
+                  <a:txBody>
+                    <a:bodyPr/>
+                    <a:lstStyle/>
+                    <a:p>
+                      <a:endParaRPr kumimoji="1" lang="ja-JP" altLang="en-US" dirty="0"/>
+                    </a:p>
+                  </a:txBody>
+                  <a:tcPr/>
+                </a:tc>
+                <a:tc vMerge="1">
+                  <a:txBody>
+                    <a:bodyPr/>
+                    <a:lstStyle/>
+                    <a:p>
+                      <a:endParaRPr kumimoji="1" lang="ja-JP" altLang="en-US" dirty="0"/>
+                    </a:p>
+                  </a:txBody>
+                  <a:tcPr/>
+                </a:tc>
+                <a:tc vMerge="1">
+                  <a:txBody>
+                    <a:bodyPr/>
+                    <a:lstStyle/>
+                    <a:p>
+                      <a:endParaRPr kumimoji="1" lang="ja-JP" altLang="en-US" dirty="0"/>
+                    </a:p>
+                  </a:txBody>
+                  <a:tcPr/>
+                </a:tc>
+                <a:tc vMerge="1">
+                  <a:txBody>
+                    <a:bodyPr/>
+                    <a:lstStyle/>
+                    <a:p>
+                      <a:endParaRPr kumimoji="1" lang="ja-JP" altLang="en-US" dirty="0"/>
+                    </a:p>
+                  </a:txBody>
+                  <a:tcPr/>
+                </a:tc>
+                <a:tc rowSpan="2">
+                  <a:txBody>
+                    <a:bodyPr/>
+                    <a:lstStyle/>
+                    <a:p>
+                      <a:endParaRPr kumimoji="1" lang="ja-JP" altLang="en-US" dirty="0"/>
+                    </a:p>
+                  </a:txBody>
+                  <a:tcPr>
+                    <a:solidFill>
+                      <a:schemeClr val="tx1"/>
+                    </a:solidFill>
+                  </a:tcPr>
+                </a:tc>
+                <a:tc vMerge="1">
+                  <a:txBody>
+                    <a:bodyPr/>
+                    <a:lstStyle/>
+                    <a:p>
+                      <a:endParaRPr kumimoji="1" lang="ja-JP" altLang="en-US" dirty="0"/>
+                    </a:p>
+                  </a:txBody>
+                  <a:tcPr/>
+                </a:tc>
+                <a:tc rowSpan="2">
+                  <a:txBody>
+                    <a:bodyPr/>
+                    <a:lstStyle/>
+                    <a:p>
+                      <a:endParaRPr kumimoji="1" lang="ja-JP" altLang="en-US" dirty="0"/>
+                    </a:p>
+                  </a:txBody>
+                  <a:tcPr/>
+                </a:tc>
+                <a:tc vMerge="1">
+                  <a:txBody>
+                    <a:bodyPr/>
+                    <a:lstStyle/>
+                    <a:p>
+                      <a:endParaRPr kumimoji="1" lang="ja-JP" altLang="en-US" dirty="0"/>
+                    </a:p>
+                  </a:txBody>
+                  <a:tcPr/>
+                </a:tc>
+                <a:tc rowSpan="2">
+                  <a:txBody>
+                    <a:bodyPr/>
+                    <a:lstStyle/>
+                    <a:p>
+                      <a:endParaRPr kumimoji="1" lang="ja-JP" altLang="en-US" dirty="0"/>
+                    </a:p>
+                  </a:txBody>
+                  <a:tcPr>
+                    <a:solidFill>
+                      <a:schemeClr val="tx1"/>
+                    </a:solidFill>
+                  </a:tcPr>
+                </a:tc>
+                <a:tc vMerge="1">
+                  <a:txBody>
+                    <a:bodyPr/>
+                    <a:lstStyle/>
+                    <a:p>
+                      <a:endParaRPr kumimoji="1" lang="ja-JP" altLang="en-US" dirty="0"/>
+                    </a:p>
+                  </a:txBody>
+                  <a:tcPr/>
+                </a:tc>
+                <a:tc rowSpan="2">
+                  <a:txBody>
+                    <a:bodyPr/>
+                    <a:lstStyle/>
+                    <a:p>
+                      <a:endParaRPr kumimoji="1" lang="ja-JP" altLang="en-US" dirty="0"/>
+                    </a:p>
+                  </a:txBody>
+                  <a:tcPr/>
+                </a:tc>
+                <a:tc vMerge="1">
+                  <a:txBody>
+                    <a:bodyPr/>
+                    <a:lstStyle/>
+                    <a:p>
+                      <a:endParaRPr kumimoji="1" lang="ja-JP" altLang="en-US" dirty="0"/>
+                    </a:p>
+                  </a:txBody>
+                  <a:tcPr/>
+                </a:tc>
+              </a:tr>
+              <a:tr h="338478">
+                <a:tc vMerge="1">
+                  <a:txBody>
+                    <a:bodyPr/>
+                    <a:lstStyle/>
+                    <a:p>
+                      <a:endParaRPr kumimoji="1" lang="ja-JP" altLang="en-US" dirty="0"/>
+                    </a:p>
+                  </a:txBody>
+                  <a:tcPr/>
+                </a:tc>
+                <a:tc vMerge="1">
+                  <a:txBody>
+                    <a:bodyPr/>
+                    <a:lstStyle/>
+                    <a:p>
+                      <a:endParaRPr kumimoji="1" lang="ja-JP" altLang="en-US" dirty="0"/>
+                    </a:p>
+                  </a:txBody>
+                  <a:tcPr/>
+                </a:tc>
+                <a:tc vMerge="1">
+                  <a:txBody>
+                    <a:bodyPr/>
+                    <a:lstStyle/>
+                    <a:p>
+                      <a:endParaRPr kumimoji="1" lang="ja-JP" altLang="en-US" dirty="0"/>
+                    </a:p>
+                  </a:txBody>
+                  <a:tcPr/>
+                </a:tc>
+                <a:tc vMerge="1">
+                  <a:txBody>
+                    <a:bodyPr/>
+                    <a:lstStyle/>
+                    <a:p>
+                      <a:endParaRPr kumimoji="1" lang="ja-JP" altLang="en-US" dirty="0"/>
+                    </a:p>
+                  </a:txBody>
+                  <a:tcPr/>
+                </a:tc>
+                <a:tc vMerge="1">
+                  <a:txBody>
+                    <a:bodyPr/>
+                    <a:lstStyle/>
+                    <a:p>
+                      <a:endParaRPr kumimoji="1" lang="ja-JP" altLang="en-US" dirty="0"/>
+                    </a:p>
+                  </a:txBody>
+                  <a:tcPr/>
+                </a:tc>
+                <a:tc vMerge="1">
+                  <a:txBody>
+                    <a:bodyPr/>
+                    <a:lstStyle/>
+                    <a:p>
+                      <a:endParaRPr kumimoji="1" lang="ja-JP" altLang="en-US" dirty="0"/>
+                    </a:p>
+                  </a:txBody>
+                  <a:tcPr/>
+                </a:tc>
+                <a:tc vMerge="1">
+                  <a:txBody>
+                    <a:bodyPr/>
+                    <a:lstStyle/>
+                    <a:p>
+                      <a:endParaRPr kumimoji="1" lang="ja-JP" altLang="en-US" dirty="0"/>
+                    </a:p>
+                  </a:txBody>
+                  <a:tcPr/>
+                </a:tc>
+                <a:tc vMerge="1">
+                  <a:txBody>
+                    <a:bodyPr/>
+                    <a:lstStyle/>
+                    <a:p>
+                      <a:endParaRPr kumimoji="1" lang="ja-JP" altLang="en-US" dirty="0"/>
+                    </a:p>
+                  </a:txBody>
+                  <a:tcPr/>
+                </a:tc>
+                <a:tc>
+                  <a:txBody>
+                    <a:bodyPr/>
+                    <a:lstStyle/>
+                    <a:p>
+                      <a:endParaRPr kumimoji="1" lang="ja-JP" altLang="en-US" dirty="0"/>
+                    </a:p>
+                  </a:txBody>
+                  <a:tcPr>
+                    <a:solidFill>
+                      <a:schemeClr val="bg1">
+                        <a:lumMod val="75000"/>
+                      </a:schemeClr>
+                    </a:solidFill>
+                  </a:tcPr>
+                </a:tc>
+                <a:tc vMerge="1">
+                  <a:txBody>
+                    <a:bodyPr/>
+                    <a:lstStyle/>
+                    <a:p>
+                      <a:endParaRPr kumimoji="1" lang="ja-JP" altLang="en-US" dirty="0"/>
+                    </a:p>
+                  </a:txBody>
+                  <a:tcPr/>
+                </a:tc>
+                <a:tc>
+                  <a:txBody>
+                    <a:bodyPr/>
+                    <a:lstStyle/>
+                    <a:p>
+                      <a:endParaRPr kumimoji="1" lang="ja-JP" altLang="en-US" dirty="0"/>
+                    </a:p>
+                  </a:txBody>
+                  <a:tcPr>
+                    <a:solidFill>
+                      <a:schemeClr val="bg1">
+                        <a:lumMod val="75000"/>
+                      </a:schemeClr>
+                    </a:solidFill>
+                  </a:tcPr>
+                </a:tc>
+                <a:tc vMerge="1">
+                  <a:txBody>
+                    <a:bodyPr/>
+                    <a:lstStyle/>
+                    <a:p>
+                      <a:endParaRPr kumimoji="1" lang="ja-JP" altLang="en-US" dirty="0"/>
+                    </a:p>
+                  </a:txBody>
+                  <a:tcPr/>
+                </a:tc>
+                <a:tc>
+                  <a:txBody>
+                    <a:bodyPr/>
+                    <a:lstStyle/>
+                    <a:p>
+                      <a:endParaRPr kumimoji="1" lang="ja-JP" altLang="en-US" dirty="0"/>
+                    </a:p>
+                  </a:txBody>
+                  <a:tcPr>
+                    <a:solidFill>
+                      <a:schemeClr val="bg1">
+                        <a:lumMod val="75000"/>
+                      </a:schemeClr>
+                    </a:solidFill>
+                  </a:tcPr>
+                </a:tc>
+                <a:tc vMerge="1">
+                  <a:txBody>
+                    <a:bodyPr/>
+                    <a:lstStyle/>
+                    <a:p>
+                      <a:endParaRPr kumimoji="1" lang="ja-JP" altLang="en-US" dirty="0"/>
+                    </a:p>
+                  </a:txBody>
+                  <a:tcPr/>
+                </a:tc>
+                <a:tc vMerge="1">
+                  <a:txBody>
+                    <a:bodyPr/>
+                    <a:lstStyle/>
+                    <a:p>
+                      <a:endParaRPr kumimoji="1" lang="ja-JP" altLang="en-US" dirty="0"/>
+                    </a:p>
+                  </a:txBody>
+                  <a:tcPr/>
+                </a:tc>
+              </a:tr>
+              <a:tr h="338478">
+                <a:tc vMerge="1">
+                  <a:txBody>
+                    <a:bodyPr/>
+                    <a:lstStyle/>
+                    <a:p>
+                      <a:endParaRPr kumimoji="1" lang="ja-JP" altLang="en-US" dirty="0"/>
+                    </a:p>
+                  </a:txBody>
+                  <a:tcPr/>
+                </a:tc>
+                <a:tc gridSpan="13">
+                  <a:txBody>
+                    <a:bodyPr/>
+                    <a:lstStyle/>
+                    <a:p>
+                      <a:endParaRPr kumimoji="1" lang="ja-JP" altLang="en-US" dirty="0"/>
+                    </a:p>
+                  </a:txBody>
+                  <a:tcPr>
+                    <a:pattFill prst="wdUpDiag">
+                      <a:fgClr>
+                        <a:schemeClr val="tx1"/>
+                      </a:fgClr>
+                      <a:bgClr>
+                        <a:schemeClr val="bg1"/>
+                      </a:bgClr>
+                    </a:pattFill>
+                  </a:tcPr>
+                </a:tc>
+                <a:tc hMerge="1">
+                  <a:txBody>
+                    <a:bodyPr/>
+                    <a:lstStyle/>
+                    <a:p>
+                      <a:endParaRPr kumimoji="1" lang="ja-JP" altLang="en-US" dirty="0"/>
+                    </a:p>
+                  </a:txBody>
+                  <a:tcPr/>
+                </a:tc>
+                <a:tc hMerge="1">
+                  <a:txBody>
+                    <a:bodyPr/>
+                    <a:lstStyle/>
+                    <a:p>
+                      <a:endParaRPr kumimoji="1" lang="ja-JP" altLang="en-US" dirty="0"/>
+                    </a:p>
+                  </a:txBody>
+                  <a:tcPr/>
+                </a:tc>
+                <a:tc hMerge="1">
+                  <a:txBody>
+                    <a:bodyPr/>
+                    <a:lstStyle/>
+                    <a:p>
+                      <a:endParaRPr kumimoji="1" lang="ja-JP" altLang="en-US" dirty="0"/>
+                    </a:p>
+                  </a:txBody>
+                  <a:tcPr/>
+                </a:tc>
+                <a:tc hMerge="1">
+                  <a:txBody>
+                    <a:bodyPr/>
+                    <a:lstStyle/>
+                    <a:p>
+                      <a:endParaRPr kumimoji="1" lang="ja-JP" altLang="en-US" dirty="0"/>
+                    </a:p>
+                  </a:txBody>
+                  <a:tcPr/>
+                </a:tc>
+                <a:tc hMerge="1">
+                  <a:txBody>
+                    <a:bodyPr/>
+                    <a:lstStyle/>
+                    <a:p>
+                      <a:endParaRPr kumimoji="1" lang="ja-JP" altLang="en-US" dirty="0"/>
+                    </a:p>
+                  </a:txBody>
+                  <a:tcPr/>
+                </a:tc>
+                <a:tc hMerge="1">
+                  <a:txBody>
+                    <a:bodyPr/>
+                    <a:lstStyle/>
+                    <a:p>
+                      <a:endParaRPr kumimoji="1" lang="ja-JP" altLang="en-US" dirty="0"/>
+                    </a:p>
+                  </a:txBody>
+                  <a:tcPr/>
+                </a:tc>
+                <a:tc hMerge="1">
+                  <a:txBody>
+                    <a:bodyPr/>
+                    <a:lstStyle/>
+                    <a:p>
+                      <a:endParaRPr kumimoji="1" lang="ja-JP" altLang="en-US" dirty="0"/>
+                    </a:p>
+                  </a:txBody>
+                  <a:tcPr/>
+                </a:tc>
+                <a:tc hMerge="1">
+                  <a:txBody>
+                    <a:bodyPr/>
+                    <a:lstStyle/>
+                    <a:p>
+                      <a:endParaRPr kumimoji="1" lang="ja-JP" altLang="en-US" dirty="0"/>
+                    </a:p>
+                  </a:txBody>
+                  <a:tcPr/>
+                </a:tc>
+                <a:tc hMerge="1">
+                  <a:txBody>
+                    <a:bodyPr/>
+                    <a:lstStyle/>
+                    <a:p>
+                      <a:endParaRPr kumimoji="1" lang="ja-JP" altLang="en-US" dirty="0"/>
+                    </a:p>
+                  </a:txBody>
+                  <a:tcPr/>
+                </a:tc>
+                <a:tc hMerge="1">
+                  <a:txBody>
+                    <a:bodyPr/>
+                    <a:lstStyle/>
+                    <a:p>
+                      <a:endParaRPr kumimoji="1" lang="ja-JP" altLang="en-US" dirty="0"/>
+                    </a:p>
+                  </a:txBody>
+                  <a:tcPr/>
+                </a:tc>
+                <a:tc hMerge="1">
+                  <a:txBody>
+                    <a:bodyPr/>
+                    <a:lstStyle/>
+                    <a:p>
+                      <a:endParaRPr kumimoji="1" lang="ja-JP" altLang="en-US" dirty="0"/>
+                    </a:p>
+                  </a:txBody>
+                  <a:tcPr/>
+                </a:tc>
+                <a:tc hMerge="1">
+                  <a:txBody>
+                    <a:bodyPr/>
+                    <a:lstStyle/>
+                    <a:p>
+                      <a:endParaRPr kumimoji="1" lang="ja-JP" altLang="en-US" dirty="0"/>
+                    </a:p>
+                  </a:txBody>
+                  <a:tcPr/>
+                </a:tc>
+                <a:tc vMerge="1">
+                  <a:txBody>
+                    <a:bodyPr/>
+                    <a:lstStyle/>
+                    <a:p>
+                      <a:endParaRPr kumimoji="1" lang="ja-JP" altLang="en-US" dirty="0"/>
+                    </a:p>
+                  </a:txBody>
+                  <a:tcPr/>
+                </a:tc>
+              </a:tr>
+              <a:tr h="338478">
+                <a:tc vMerge="1">
+                  <a:txBody>
+                    <a:bodyPr/>
+                    <a:lstStyle/>
+                    <a:p>
+                      <a:endParaRPr kumimoji="1" lang="ja-JP" altLang="en-US" dirty="0"/>
+                    </a:p>
+                  </a:txBody>
+                  <a:tcPr/>
+                </a:tc>
+                <a:tc rowSpan="4">
+                  <a:txBody>
+                    <a:bodyPr/>
+                    <a:lstStyle/>
+                    <a:p>
+                      <a:endParaRPr kumimoji="1" lang="ja-JP" altLang="en-US" dirty="0"/>
+                    </a:p>
+                  </a:txBody>
+                  <a:tcPr>
+                    <a:solidFill>
+                      <a:schemeClr val="tx1"/>
+                    </a:solidFill>
+                  </a:tcPr>
+                </a:tc>
+                <a:tc rowSpan="4">
+                  <a:txBody>
+                    <a:bodyPr/>
+                    <a:lstStyle/>
+                    <a:p>
+                      <a:endParaRPr kumimoji="1" lang="ja-JP" altLang="en-US" dirty="0"/>
+                    </a:p>
+                  </a:txBody>
+                  <a:tcPr>
+                    <a:solidFill>
+                      <a:schemeClr val="bg1">
+                        <a:lumMod val="75000"/>
+                      </a:schemeClr>
+                    </a:solidFill>
+                  </a:tcPr>
+                </a:tc>
+                <a:tc rowSpan="4">
+                  <a:txBody>
+                    <a:bodyPr/>
+                    <a:lstStyle/>
+                    <a:p>
+                      <a:endParaRPr kumimoji="1" lang="ja-JP" altLang="en-US" dirty="0"/>
+                    </a:p>
+                  </a:txBody>
+                  <a:tcPr/>
+                </a:tc>
+                <a:tc rowSpan="4">
+                  <a:txBody>
+                    <a:bodyPr/>
+                    <a:lstStyle/>
+                    <a:p>
+                      <a:endParaRPr kumimoji="1" lang="ja-JP" altLang="en-US" dirty="0"/>
+                    </a:p>
+                  </a:txBody>
+                  <a:tcPr>
+                    <a:solidFill>
+                      <a:schemeClr val="bg1">
+                        <a:lumMod val="75000"/>
+                      </a:schemeClr>
+                    </a:solidFill>
+                  </a:tcPr>
+                </a:tc>
+                <a:tc rowSpan="4">
+                  <a:txBody>
+                    <a:bodyPr/>
+                    <a:lstStyle/>
+                    <a:p>
+                      <a:endParaRPr kumimoji="1" lang="ja-JP" altLang="en-US" dirty="0"/>
+                    </a:p>
+                  </a:txBody>
+                  <a:tcPr>
+                    <a:solidFill>
+                      <a:schemeClr val="tx1"/>
+                    </a:solidFill>
+                  </a:tcPr>
+                </a:tc>
+                <a:tc rowSpan="4">
+                  <a:txBody>
+                    <a:bodyPr/>
+                    <a:lstStyle/>
+                    <a:p>
+                      <a:endParaRPr kumimoji="1" lang="ja-JP" altLang="en-US" dirty="0"/>
+                    </a:p>
+                  </a:txBody>
+                  <a:tcPr>
+                    <a:solidFill>
+                      <a:schemeClr val="bg2">
+                        <a:lumMod val="50000"/>
+                      </a:schemeClr>
+                    </a:solidFill>
+                  </a:tcPr>
+                </a:tc>
+                <a:tc rowSpan="2">
+                  <a:txBody>
+                    <a:bodyPr/>
+                    <a:lstStyle/>
+                    <a:p>
+                      <a:endParaRPr kumimoji="1" lang="ja-JP" altLang="en-US" dirty="0"/>
+                    </a:p>
+                  </a:txBody>
+                  <a:tcPr/>
+                </a:tc>
+                <a:tc>
+                  <a:txBody>
+                    <a:bodyPr/>
+                    <a:lstStyle/>
+                    <a:p>
+                      <a:endParaRPr kumimoji="1" lang="ja-JP" altLang="en-US" dirty="0"/>
+                    </a:p>
+                  </a:txBody>
+                  <a:tcPr>
+                    <a:solidFill>
+                      <a:schemeClr val="bg1">
+                        <a:lumMod val="75000"/>
+                      </a:schemeClr>
+                    </a:solidFill>
+                  </a:tcPr>
+                </a:tc>
+                <a:tc rowSpan="2">
+                  <a:txBody>
+                    <a:bodyPr/>
+                    <a:lstStyle/>
+                    <a:p>
+                      <a:endParaRPr kumimoji="1" lang="ja-JP" altLang="en-US" dirty="0"/>
+                    </a:p>
+                  </a:txBody>
+                  <a:tcPr>
+                    <a:solidFill>
+                      <a:schemeClr val="tx1"/>
+                    </a:solidFill>
+                  </a:tcPr>
+                </a:tc>
+                <a:tc>
+                  <a:txBody>
+                    <a:bodyPr/>
+                    <a:lstStyle/>
+                    <a:p>
+                      <a:endParaRPr kumimoji="1" lang="ja-JP" altLang="en-US" dirty="0"/>
+                    </a:p>
+                  </a:txBody>
+                  <a:tcPr>
+                    <a:solidFill>
+                      <a:schemeClr val="bg1">
+                        <a:lumMod val="75000"/>
+                      </a:schemeClr>
+                    </a:solidFill>
+                  </a:tcPr>
+                </a:tc>
+                <a:tc rowSpan="2">
+                  <a:txBody>
+                    <a:bodyPr/>
+                    <a:lstStyle/>
+                    <a:p>
+                      <a:endParaRPr kumimoji="1" lang="ja-JP" altLang="en-US" dirty="0"/>
+                    </a:p>
+                  </a:txBody>
+                  <a:tcPr/>
+                </a:tc>
+                <a:tc>
+                  <a:txBody>
+                    <a:bodyPr/>
+                    <a:lstStyle/>
+                    <a:p>
+                      <a:endParaRPr kumimoji="1" lang="ja-JP" altLang="en-US" dirty="0"/>
+                    </a:p>
+                  </a:txBody>
+                  <a:tcPr>
+                    <a:solidFill>
+                      <a:schemeClr val="bg1">
+                        <a:lumMod val="75000"/>
+                      </a:schemeClr>
+                    </a:solidFill>
+                  </a:tcPr>
+                </a:tc>
+                <a:tc rowSpan="2">
+                  <a:txBody>
+                    <a:bodyPr/>
+                    <a:lstStyle/>
+                    <a:p>
+                      <a:endParaRPr kumimoji="1" lang="ja-JP" altLang="en-US" dirty="0"/>
+                    </a:p>
+                  </a:txBody>
+                  <a:tcPr>
+                    <a:solidFill>
+                      <a:schemeClr val="tx1"/>
+                    </a:solidFill>
+                  </a:tcPr>
+                </a:tc>
+                <a:tc vMerge="1">
+                  <a:txBody>
+                    <a:bodyPr/>
+                    <a:lstStyle/>
+                    <a:p>
+                      <a:endParaRPr kumimoji="1" lang="ja-JP" altLang="en-US" dirty="0"/>
+                    </a:p>
+                  </a:txBody>
+                  <a:tcPr/>
+                </a:tc>
+              </a:tr>
+              <a:tr h="338478">
+                <a:tc vMerge="1">
+                  <a:txBody>
+                    <a:bodyPr/>
+                    <a:lstStyle/>
+                    <a:p>
+                      <a:endParaRPr kumimoji="1" lang="ja-JP" altLang="en-US" dirty="0"/>
+                    </a:p>
+                  </a:txBody>
+                  <a:tcPr/>
+                </a:tc>
+                <a:tc vMerge="1">
+                  <a:txBody>
+                    <a:bodyPr/>
+                    <a:lstStyle/>
+                    <a:p>
+                      <a:endParaRPr kumimoji="1" lang="ja-JP" altLang="en-US" dirty="0"/>
+                    </a:p>
+                  </a:txBody>
+                  <a:tcPr/>
+                </a:tc>
+                <a:tc vMerge="1">
+                  <a:txBody>
+                    <a:bodyPr/>
+                    <a:lstStyle/>
+                    <a:p>
+                      <a:endParaRPr kumimoji="1" lang="ja-JP" altLang="en-US" dirty="0"/>
+                    </a:p>
+                  </a:txBody>
+                  <a:tcPr/>
+                </a:tc>
+                <a:tc vMerge="1">
+                  <a:txBody>
+                    <a:bodyPr/>
+                    <a:lstStyle/>
+                    <a:p>
+                      <a:endParaRPr kumimoji="1" lang="ja-JP" altLang="en-US" dirty="0"/>
+                    </a:p>
+                  </a:txBody>
+                  <a:tcPr/>
+                </a:tc>
+                <a:tc vMerge="1">
+                  <a:txBody>
+                    <a:bodyPr/>
+                    <a:lstStyle/>
+                    <a:p>
+                      <a:endParaRPr kumimoji="1" lang="ja-JP" altLang="en-US" dirty="0"/>
+                    </a:p>
+                  </a:txBody>
+                  <a:tcPr/>
+                </a:tc>
+                <a:tc vMerge="1">
+                  <a:txBody>
+                    <a:bodyPr/>
+                    <a:lstStyle/>
+                    <a:p>
+                      <a:endParaRPr kumimoji="1" lang="ja-JP" altLang="en-US" dirty="0"/>
+                    </a:p>
+                  </a:txBody>
+                  <a:tcPr/>
+                </a:tc>
+                <a:tc vMerge="1">
+                  <a:txBody>
+                    <a:bodyPr/>
+                    <a:lstStyle/>
+                    <a:p>
+                      <a:endParaRPr kumimoji="1" lang="ja-JP" altLang="en-US" dirty="0"/>
+                    </a:p>
+                  </a:txBody>
+                  <a:tcPr/>
+                </a:tc>
+                <a:tc vMerge="1">
+                  <a:txBody>
+                    <a:bodyPr/>
+                    <a:lstStyle/>
+                    <a:p>
+                      <a:endParaRPr kumimoji="1" lang="ja-JP" altLang="en-US" dirty="0"/>
+                    </a:p>
+                  </a:txBody>
+                  <a:tcPr/>
+                </a:tc>
+                <a:tc rowSpan="2">
+                  <a:txBody>
+                    <a:bodyPr/>
+                    <a:lstStyle/>
+                    <a:p>
+                      <a:endParaRPr kumimoji="1" lang="ja-JP" altLang="en-US" dirty="0"/>
+                    </a:p>
+                  </a:txBody>
+                  <a:tcPr>
+                    <a:solidFill>
+                      <a:schemeClr val="bg2">
+                        <a:lumMod val="50000"/>
+                      </a:schemeClr>
+                    </a:solidFill>
+                  </a:tcPr>
+                </a:tc>
+                <a:tc vMerge="1">
+                  <a:txBody>
+                    <a:bodyPr/>
+                    <a:lstStyle/>
+                    <a:p>
+                      <a:endParaRPr kumimoji="1" lang="ja-JP" altLang="en-US" dirty="0"/>
+                    </a:p>
+                  </a:txBody>
+                  <a:tcPr/>
+                </a:tc>
+                <a:tc rowSpan="2">
+                  <a:txBody>
+                    <a:bodyPr/>
+                    <a:lstStyle/>
+                    <a:p>
+                      <a:endParaRPr kumimoji="1" lang="ja-JP" altLang="en-US" dirty="0"/>
+                    </a:p>
+                  </a:txBody>
+                  <a:tcPr>
+                    <a:solidFill>
+                      <a:schemeClr val="bg2">
+                        <a:lumMod val="50000"/>
+                      </a:schemeClr>
+                    </a:solidFill>
+                  </a:tcPr>
+                </a:tc>
+                <a:tc vMerge="1">
+                  <a:txBody>
+                    <a:bodyPr/>
+                    <a:lstStyle/>
+                    <a:p>
+                      <a:endParaRPr kumimoji="1" lang="ja-JP" altLang="en-US" dirty="0"/>
+                    </a:p>
+                  </a:txBody>
+                  <a:tcPr/>
+                </a:tc>
+                <a:tc rowSpan="2">
+                  <a:txBody>
+                    <a:bodyPr/>
+                    <a:lstStyle/>
+                    <a:p>
+                      <a:endParaRPr kumimoji="1" lang="ja-JP" altLang="en-US" dirty="0"/>
+                    </a:p>
+                  </a:txBody>
+                  <a:tcPr>
+                    <a:solidFill>
+                      <a:schemeClr val="bg2">
+                        <a:lumMod val="50000"/>
+                      </a:schemeClr>
+                    </a:solidFill>
+                  </a:tcPr>
+                </a:tc>
+                <a:tc vMerge="1">
+                  <a:txBody>
+                    <a:bodyPr/>
+                    <a:lstStyle/>
+                    <a:p>
+                      <a:endParaRPr kumimoji="1" lang="ja-JP" altLang="en-US" dirty="0"/>
+                    </a:p>
+                  </a:txBody>
+                  <a:tcPr/>
+                </a:tc>
+                <a:tc vMerge="1">
+                  <a:txBody>
+                    <a:bodyPr/>
+                    <a:lstStyle/>
+                    <a:p>
+                      <a:endParaRPr kumimoji="1" lang="ja-JP" altLang="en-US" dirty="0"/>
+                    </a:p>
+                  </a:txBody>
+                  <a:tcPr/>
+                </a:tc>
+              </a:tr>
+              <a:tr h="338478">
+                <a:tc vMerge="1">
+                  <a:txBody>
+                    <a:bodyPr/>
+                    <a:lstStyle/>
+                    <a:p>
+                      <a:endParaRPr kumimoji="1" lang="ja-JP" altLang="en-US" dirty="0"/>
+                    </a:p>
+                  </a:txBody>
+                  <a:tcPr/>
+                </a:tc>
+                <a:tc vMerge="1">
+                  <a:txBody>
+                    <a:bodyPr/>
+                    <a:lstStyle/>
+                    <a:p>
+                      <a:endParaRPr kumimoji="1" lang="ja-JP" altLang="en-US" dirty="0"/>
+                    </a:p>
+                  </a:txBody>
+                  <a:tcPr/>
+                </a:tc>
+                <a:tc vMerge="1">
+                  <a:txBody>
+                    <a:bodyPr/>
+                    <a:lstStyle/>
+                    <a:p>
+                      <a:endParaRPr kumimoji="1" lang="ja-JP" altLang="en-US" dirty="0"/>
+                    </a:p>
+                  </a:txBody>
+                  <a:tcPr/>
+                </a:tc>
+                <a:tc vMerge="1">
+                  <a:txBody>
+                    <a:bodyPr/>
+                    <a:lstStyle/>
+                    <a:p>
+                      <a:endParaRPr kumimoji="1" lang="ja-JP" altLang="en-US" dirty="0"/>
+                    </a:p>
+                  </a:txBody>
+                  <a:tcPr/>
+                </a:tc>
+                <a:tc vMerge="1">
+                  <a:txBody>
+                    <a:bodyPr/>
+                    <a:lstStyle/>
+                    <a:p>
+                      <a:endParaRPr kumimoji="1" lang="ja-JP" altLang="en-US" dirty="0"/>
+                    </a:p>
+                  </a:txBody>
+                  <a:tcPr/>
+                </a:tc>
+                <a:tc vMerge="1">
+                  <a:txBody>
+                    <a:bodyPr/>
+                    <a:lstStyle/>
+                    <a:p>
+                      <a:endParaRPr kumimoji="1" lang="ja-JP" altLang="en-US" dirty="0"/>
+                    </a:p>
+                  </a:txBody>
+                  <a:tcPr/>
+                </a:tc>
+                <a:tc vMerge="1">
+                  <a:txBody>
+                    <a:bodyPr/>
+                    <a:lstStyle/>
+                    <a:p>
+                      <a:endParaRPr kumimoji="1" lang="ja-JP" altLang="en-US" dirty="0"/>
+                    </a:p>
+                  </a:txBody>
+                  <a:tcPr/>
+                </a:tc>
+                <a:tc rowSpan="2">
+                  <a:txBody>
+                    <a:bodyPr/>
+                    <a:lstStyle/>
+                    <a:p>
+                      <a:endParaRPr kumimoji="1" lang="ja-JP" altLang="en-US" dirty="0"/>
+                    </a:p>
+                  </a:txBody>
+                  <a:tcPr>
+                    <a:solidFill>
+                      <a:schemeClr val="tx1"/>
+                    </a:solidFill>
+                  </a:tcPr>
+                </a:tc>
+                <a:tc vMerge="1">
+                  <a:txBody>
+                    <a:bodyPr/>
+                    <a:lstStyle/>
+                    <a:p>
+                      <a:endParaRPr kumimoji="1" lang="ja-JP" altLang="en-US" dirty="0"/>
+                    </a:p>
+                  </a:txBody>
+                  <a:tcPr/>
+                </a:tc>
+                <a:tc rowSpan="2">
+                  <a:txBody>
+                    <a:bodyPr/>
+                    <a:lstStyle/>
+                    <a:p>
+                      <a:endParaRPr kumimoji="1" lang="ja-JP" altLang="en-US" dirty="0"/>
+                    </a:p>
+                  </a:txBody>
+                  <a:tcPr/>
+                </a:tc>
+                <a:tc vMerge="1">
+                  <a:txBody>
+                    <a:bodyPr/>
+                    <a:lstStyle/>
+                    <a:p>
+                      <a:endParaRPr kumimoji="1" lang="ja-JP" altLang="en-US" dirty="0"/>
+                    </a:p>
+                  </a:txBody>
+                  <a:tcPr/>
+                </a:tc>
+                <a:tc rowSpan="2">
+                  <a:txBody>
+                    <a:bodyPr/>
+                    <a:lstStyle/>
+                    <a:p>
+                      <a:endParaRPr kumimoji="1" lang="ja-JP" altLang="en-US" dirty="0"/>
+                    </a:p>
+                  </a:txBody>
+                  <a:tcPr>
+                    <a:solidFill>
+                      <a:schemeClr val="tx1"/>
+                    </a:solidFill>
+                  </a:tcPr>
+                </a:tc>
+                <a:tc vMerge="1">
+                  <a:txBody>
+                    <a:bodyPr/>
+                    <a:lstStyle/>
+                    <a:p>
+                      <a:endParaRPr kumimoji="1" lang="ja-JP" altLang="en-US" dirty="0"/>
+                    </a:p>
+                  </a:txBody>
+                  <a:tcPr/>
+                </a:tc>
+                <a:tc rowSpan="2">
+                  <a:txBody>
+                    <a:bodyPr/>
+                    <a:lstStyle/>
+                    <a:p>
+                      <a:endParaRPr kumimoji="1" lang="ja-JP" altLang="en-US" dirty="0"/>
+                    </a:p>
+                  </a:txBody>
+                  <a:tcPr/>
+                </a:tc>
+                <a:tc vMerge="1">
+                  <a:txBody>
+                    <a:bodyPr/>
+                    <a:lstStyle/>
+                    <a:p>
+                      <a:endParaRPr kumimoji="1" lang="ja-JP" altLang="en-US" dirty="0"/>
+                    </a:p>
+                  </a:txBody>
+                  <a:tcPr/>
+                </a:tc>
+              </a:tr>
+              <a:tr h="338478">
+                <a:tc vMerge="1">
+                  <a:txBody>
+                    <a:bodyPr/>
+                    <a:lstStyle/>
+                    <a:p>
+                      <a:endParaRPr kumimoji="1" lang="ja-JP" altLang="en-US" dirty="0"/>
+                    </a:p>
+                  </a:txBody>
+                  <a:tcPr/>
+                </a:tc>
+                <a:tc vMerge="1">
+                  <a:txBody>
+                    <a:bodyPr/>
+                    <a:lstStyle/>
+                    <a:p>
+                      <a:endParaRPr kumimoji="1" lang="ja-JP" altLang="en-US" dirty="0"/>
+                    </a:p>
+                  </a:txBody>
+                  <a:tcPr/>
+                </a:tc>
+                <a:tc vMerge="1">
+                  <a:txBody>
+                    <a:bodyPr/>
+                    <a:lstStyle/>
+                    <a:p>
+                      <a:endParaRPr kumimoji="1" lang="ja-JP" altLang="en-US" dirty="0"/>
+                    </a:p>
+                  </a:txBody>
+                  <a:tcPr/>
+                </a:tc>
+                <a:tc vMerge="1">
+                  <a:txBody>
+                    <a:bodyPr/>
+                    <a:lstStyle/>
+                    <a:p>
+                      <a:endParaRPr kumimoji="1" lang="ja-JP" altLang="en-US" dirty="0"/>
+                    </a:p>
+                  </a:txBody>
+                  <a:tcPr/>
+                </a:tc>
+                <a:tc vMerge="1">
+                  <a:txBody>
+                    <a:bodyPr/>
+                    <a:lstStyle/>
+                    <a:p>
+                      <a:endParaRPr kumimoji="1" lang="ja-JP" altLang="en-US" dirty="0"/>
+                    </a:p>
+                  </a:txBody>
+                  <a:tcPr/>
+                </a:tc>
+                <a:tc vMerge="1">
+                  <a:txBody>
+                    <a:bodyPr/>
+                    <a:lstStyle/>
+                    <a:p>
+                      <a:endParaRPr kumimoji="1" lang="ja-JP" altLang="en-US" dirty="0"/>
+                    </a:p>
+                  </a:txBody>
+                  <a:tcPr/>
+                </a:tc>
+                <a:tc vMerge="1">
+                  <a:txBody>
+                    <a:bodyPr/>
+                    <a:lstStyle/>
+                    <a:p>
+                      <a:endParaRPr kumimoji="1" lang="ja-JP" altLang="en-US" dirty="0"/>
+                    </a:p>
+                  </a:txBody>
+                  <a:tcPr/>
+                </a:tc>
+                <a:tc vMerge="1">
+                  <a:txBody>
+                    <a:bodyPr/>
+                    <a:lstStyle/>
+                    <a:p>
+                      <a:endParaRPr kumimoji="1" lang="ja-JP" altLang="en-US" dirty="0"/>
+                    </a:p>
+                  </a:txBody>
+                  <a:tcPr/>
+                </a:tc>
+                <a:tc>
+                  <a:txBody>
+                    <a:bodyPr/>
+                    <a:lstStyle/>
+                    <a:p>
+                      <a:endParaRPr kumimoji="1" lang="ja-JP" altLang="en-US" dirty="0"/>
+                    </a:p>
+                  </a:txBody>
+                  <a:tcPr>
+                    <a:solidFill>
+                      <a:schemeClr val="bg1">
+                        <a:lumMod val="75000"/>
+                      </a:schemeClr>
+                    </a:solidFill>
+                  </a:tcPr>
+                </a:tc>
+                <a:tc vMerge="1">
+                  <a:txBody>
+                    <a:bodyPr/>
+                    <a:lstStyle/>
+                    <a:p>
+                      <a:endParaRPr kumimoji="1" lang="ja-JP" altLang="en-US" dirty="0"/>
+                    </a:p>
+                  </a:txBody>
+                  <a:tcPr/>
+                </a:tc>
+                <a:tc>
+                  <a:txBody>
+                    <a:bodyPr/>
+                    <a:lstStyle/>
+                    <a:p>
+                      <a:endParaRPr kumimoji="1" lang="ja-JP" altLang="en-US" dirty="0"/>
+                    </a:p>
+                  </a:txBody>
+                  <a:tcPr>
+                    <a:solidFill>
+                      <a:schemeClr val="bg1">
+                        <a:lumMod val="75000"/>
+                      </a:schemeClr>
+                    </a:solidFill>
+                  </a:tcPr>
+                </a:tc>
+                <a:tc vMerge="1">
+                  <a:txBody>
+                    <a:bodyPr/>
+                    <a:lstStyle/>
+                    <a:p>
+                      <a:endParaRPr kumimoji="1" lang="ja-JP" altLang="en-US" dirty="0"/>
+                    </a:p>
+                  </a:txBody>
+                  <a:tcPr/>
+                </a:tc>
+                <a:tc>
+                  <a:txBody>
+                    <a:bodyPr/>
+                    <a:lstStyle/>
+                    <a:p>
+                      <a:endParaRPr kumimoji="1" lang="ja-JP" altLang="en-US" dirty="0"/>
+                    </a:p>
+                  </a:txBody>
+                  <a:tcPr>
+                    <a:solidFill>
+                      <a:schemeClr val="bg1">
+                        <a:lumMod val="75000"/>
+                      </a:schemeClr>
+                    </a:solidFill>
+                  </a:tcPr>
+                </a:tc>
+                <a:tc vMerge="1">
+                  <a:txBody>
+                    <a:bodyPr/>
+                    <a:lstStyle/>
+                    <a:p>
+                      <a:endParaRPr kumimoji="1" lang="ja-JP" altLang="en-US" dirty="0"/>
+                    </a:p>
+                  </a:txBody>
+                  <a:tcPr/>
+                </a:tc>
+                <a:tc vMerge="1">
+                  <a:txBody>
+                    <a:bodyPr/>
+                    <a:lstStyle/>
+                    <a:p>
+                      <a:endParaRPr kumimoji="1" lang="ja-JP" altLang="en-US" dirty="0"/>
+                    </a:p>
+                  </a:txBody>
+                  <a:tcPr/>
+                </a:tc>
+              </a:tr>
+              <a:tr h="338478">
+                <a:tc vMerge="1">
+                  <a:txBody>
+                    <a:bodyPr/>
+                    <a:lstStyle/>
+                    <a:p>
+                      <a:endParaRPr kumimoji="1" lang="ja-JP" altLang="en-US" dirty="0"/>
+                    </a:p>
+                  </a:txBody>
+                  <a:tcPr/>
+                </a:tc>
+                <a:tc gridSpan="13">
+                  <a:txBody>
+                    <a:bodyPr/>
+                    <a:lstStyle/>
+                    <a:p>
+                      <a:endParaRPr kumimoji="1" lang="ja-JP" altLang="en-US" dirty="0"/>
+                    </a:p>
+                  </a:txBody>
+                  <a:tcPr>
+                    <a:pattFill prst="wdUpDiag">
+                      <a:fgClr>
+                        <a:schemeClr val="tx1"/>
+                      </a:fgClr>
+                      <a:bgClr>
+                        <a:schemeClr val="bg1"/>
+                      </a:bgClr>
+                    </a:pattFill>
+                  </a:tcPr>
+                </a:tc>
+                <a:tc hMerge="1">
+                  <a:txBody>
+                    <a:bodyPr/>
+                    <a:lstStyle/>
+                    <a:p>
+                      <a:endParaRPr kumimoji="1" lang="ja-JP" altLang="en-US"/>
+                    </a:p>
+                  </a:txBody>
+                  <a:tcPr/>
+                </a:tc>
+                <a:tc hMerge="1">
+                  <a:txBody>
+                    <a:bodyPr/>
+                    <a:lstStyle/>
+                    <a:p>
+                      <a:endParaRPr kumimoji="1" lang="ja-JP" altLang="en-US"/>
+                    </a:p>
+                  </a:txBody>
+                  <a:tcPr/>
+                </a:tc>
+                <a:tc hMerge="1">
+                  <a:txBody>
+                    <a:bodyPr/>
+                    <a:lstStyle/>
+                    <a:p>
+                      <a:endParaRPr kumimoji="1" lang="ja-JP" altLang="en-US"/>
+                    </a:p>
+                  </a:txBody>
+                  <a:tcPr/>
+                </a:tc>
+                <a:tc hMerge="1">
+                  <a:txBody>
+                    <a:bodyPr/>
+                    <a:lstStyle/>
+                    <a:p>
+                      <a:endParaRPr kumimoji="1" lang="ja-JP" altLang="en-US"/>
+                    </a:p>
+                  </a:txBody>
+                  <a:tcPr/>
+                </a:tc>
+                <a:tc hMerge="1">
+                  <a:txBody>
+                    <a:bodyPr/>
+                    <a:lstStyle/>
+                    <a:p>
+                      <a:endParaRPr kumimoji="1" lang="ja-JP" altLang="en-US"/>
+                    </a:p>
+                  </a:txBody>
+                  <a:tcPr/>
+                </a:tc>
+                <a:tc hMerge="1">
+                  <a:txBody>
+                    <a:bodyPr/>
+                    <a:lstStyle/>
+                    <a:p>
+                      <a:endParaRPr kumimoji="1" lang="ja-JP" altLang="en-US"/>
+                    </a:p>
+                  </a:txBody>
+                  <a:tcPr/>
+                </a:tc>
+                <a:tc hMerge="1">
+                  <a:txBody>
+                    <a:bodyPr/>
+                    <a:lstStyle/>
+                    <a:p>
+                      <a:endParaRPr kumimoji="1" lang="ja-JP" altLang="en-US"/>
+                    </a:p>
+                  </a:txBody>
+                  <a:tcPr/>
+                </a:tc>
+                <a:tc hMerge="1">
+                  <a:txBody>
+                    <a:bodyPr/>
+                    <a:lstStyle/>
+                    <a:p>
+                      <a:endParaRPr kumimoji="1" lang="ja-JP" altLang="en-US" dirty="0"/>
+                    </a:p>
+                  </a:txBody>
+                  <a:tcPr/>
+                </a:tc>
+                <a:tc hMerge="1">
+                  <a:txBody>
+                    <a:bodyPr/>
+                    <a:lstStyle/>
+                    <a:p>
+                      <a:endParaRPr kumimoji="1" lang="ja-JP" altLang="en-US" dirty="0"/>
+                    </a:p>
+                  </a:txBody>
+                  <a:tcPr/>
+                </a:tc>
+                <a:tc hMerge="1">
+                  <a:txBody>
+                    <a:bodyPr/>
+                    <a:lstStyle/>
+                    <a:p>
+                      <a:endParaRPr kumimoji="1" lang="ja-JP" altLang="en-US"/>
+                    </a:p>
+                  </a:txBody>
+                  <a:tcPr/>
+                </a:tc>
+                <a:tc hMerge="1">
+                  <a:txBody>
+                    <a:bodyPr/>
+                    <a:lstStyle/>
+                    <a:p>
+                      <a:endParaRPr kumimoji="1" lang="ja-JP" altLang="en-US"/>
+                    </a:p>
+                  </a:txBody>
+                  <a:tcPr/>
+                </a:tc>
+                <a:tc hMerge="1">
+                  <a:txBody>
+                    <a:bodyPr/>
+                    <a:lstStyle/>
+                    <a:p>
+                      <a:endParaRPr kumimoji="1" lang="ja-JP" altLang="en-US" dirty="0"/>
+                    </a:p>
+                  </a:txBody>
+                  <a:tcPr/>
+                </a:tc>
+                <a:tc vMerge="1">
+                  <a:txBody>
+                    <a:bodyPr/>
+                    <a:lstStyle/>
+                    <a:p>
+                      <a:endParaRPr kumimoji="1" lang="ja-JP" altLang="en-US" dirty="0"/>
+                    </a:p>
+                  </a:txBody>
+                  <a:tcPr/>
+                </a:tc>
+              </a:tr>
+              <a:tr h="338478">
+                <a:tc vMerge="1">
+                  <a:txBody>
+                    <a:bodyPr/>
+                    <a:lstStyle/>
+                    <a:p>
+                      <a:endParaRPr kumimoji="1" lang="ja-JP" altLang="en-US" dirty="0"/>
+                    </a:p>
+                  </a:txBody>
+                  <a:tcPr/>
+                </a:tc>
+                <a:tc rowSpan="4">
+                  <a:txBody>
+                    <a:bodyPr/>
+                    <a:lstStyle/>
+                    <a:p>
+                      <a:endParaRPr kumimoji="1" lang="ja-JP" altLang="en-US" dirty="0"/>
+                    </a:p>
+                  </a:txBody>
+                  <a:tcPr/>
+                </a:tc>
+                <a:tc rowSpan="4">
+                  <a:txBody>
+                    <a:bodyPr/>
+                    <a:lstStyle/>
+                    <a:p>
+                      <a:endParaRPr kumimoji="1" lang="ja-JP" altLang="en-US" dirty="0"/>
+                    </a:p>
+                  </a:txBody>
+                  <a:tcPr>
+                    <a:solidFill>
+                      <a:schemeClr val="bg1">
+                        <a:lumMod val="75000"/>
+                      </a:schemeClr>
+                    </a:solidFill>
+                  </a:tcPr>
+                </a:tc>
+                <a:tc rowSpan="4">
+                  <a:txBody>
+                    <a:bodyPr/>
+                    <a:lstStyle/>
+                    <a:p>
+                      <a:endParaRPr kumimoji="1" lang="ja-JP" altLang="en-US" dirty="0"/>
+                    </a:p>
+                  </a:txBody>
+                  <a:tcPr>
+                    <a:solidFill>
+                      <a:schemeClr val="tx1"/>
+                    </a:solidFill>
+                  </a:tcPr>
+                </a:tc>
+                <a:tc rowSpan="4">
+                  <a:txBody>
+                    <a:bodyPr/>
+                    <a:lstStyle/>
+                    <a:p>
+                      <a:endParaRPr kumimoji="1" lang="ja-JP" altLang="en-US" dirty="0"/>
+                    </a:p>
+                  </a:txBody>
+                  <a:tcPr>
+                    <a:solidFill>
+                      <a:schemeClr val="bg1">
+                        <a:lumMod val="75000"/>
+                      </a:schemeClr>
+                    </a:solidFill>
+                  </a:tcPr>
+                </a:tc>
+                <a:tc rowSpan="4">
+                  <a:txBody>
+                    <a:bodyPr/>
+                    <a:lstStyle/>
+                    <a:p>
+                      <a:endParaRPr kumimoji="1" lang="ja-JP" altLang="en-US" dirty="0"/>
+                    </a:p>
+                  </a:txBody>
+                  <a:tcPr>
+                    <a:solidFill>
+                      <a:schemeClr val="tx1"/>
+                    </a:solidFill>
+                  </a:tcPr>
+                </a:tc>
+                <a:tc rowSpan="4">
+                  <a:txBody>
+                    <a:bodyPr/>
+                    <a:lstStyle/>
+                    <a:p>
+                      <a:endParaRPr kumimoji="1" lang="ja-JP" altLang="en-US" dirty="0"/>
+                    </a:p>
+                  </a:txBody>
+                  <a:tcPr>
+                    <a:solidFill>
+                      <a:schemeClr val="bg2">
+                        <a:lumMod val="50000"/>
+                      </a:schemeClr>
+                    </a:solidFill>
+                  </a:tcPr>
+                </a:tc>
+                <a:tc rowSpan="2">
+                  <a:txBody>
+                    <a:bodyPr/>
+                    <a:lstStyle/>
+                    <a:p>
+                      <a:endParaRPr kumimoji="1" lang="ja-JP" altLang="en-US" dirty="0"/>
+                    </a:p>
+                  </a:txBody>
+                  <a:tcPr/>
+                </a:tc>
+                <a:tc>
+                  <a:txBody>
+                    <a:bodyPr/>
+                    <a:lstStyle/>
+                    <a:p>
+                      <a:endParaRPr kumimoji="1" lang="ja-JP" altLang="en-US" dirty="0"/>
+                    </a:p>
+                  </a:txBody>
+                  <a:tcPr>
+                    <a:solidFill>
+                      <a:schemeClr val="bg1">
+                        <a:lumMod val="75000"/>
+                      </a:schemeClr>
+                    </a:solidFill>
+                  </a:tcPr>
+                </a:tc>
+                <a:tc rowSpan="2">
+                  <a:txBody>
+                    <a:bodyPr/>
+                    <a:lstStyle/>
+                    <a:p>
+                      <a:endParaRPr kumimoji="1" lang="ja-JP" altLang="en-US" dirty="0"/>
+                    </a:p>
+                  </a:txBody>
+                  <a:tcPr>
+                    <a:solidFill>
+                      <a:schemeClr val="tx1"/>
+                    </a:solidFill>
+                  </a:tcPr>
+                </a:tc>
+                <a:tc>
+                  <a:txBody>
+                    <a:bodyPr/>
+                    <a:lstStyle/>
+                    <a:p>
+                      <a:endParaRPr kumimoji="1" lang="ja-JP" altLang="en-US" dirty="0"/>
+                    </a:p>
+                  </a:txBody>
+                  <a:tcPr>
+                    <a:solidFill>
+                      <a:schemeClr val="bg1">
+                        <a:lumMod val="75000"/>
+                      </a:schemeClr>
+                    </a:solidFill>
+                  </a:tcPr>
+                </a:tc>
+                <a:tc rowSpan="2">
+                  <a:txBody>
+                    <a:bodyPr/>
+                    <a:lstStyle/>
+                    <a:p>
+                      <a:endParaRPr kumimoji="1" lang="ja-JP" altLang="en-US" dirty="0"/>
+                    </a:p>
+                  </a:txBody>
+                  <a:tcPr/>
+                </a:tc>
+                <a:tc>
+                  <a:txBody>
+                    <a:bodyPr/>
+                    <a:lstStyle/>
+                    <a:p>
+                      <a:endParaRPr kumimoji="1" lang="ja-JP" altLang="en-US" dirty="0"/>
+                    </a:p>
+                  </a:txBody>
+                  <a:tcPr>
+                    <a:solidFill>
+                      <a:schemeClr val="bg1">
+                        <a:lumMod val="75000"/>
+                      </a:schemeClr>
+                    </a:solidFill>
+                  </a:tcPr>
+                </a:tc>
+                <a:tc rowSpan="2">
+                  <a:txBody>
+                    <a:bodyPr/>
+                    <a:lstStyle/>
+                    <a:p>
+                      <a:endParaRPr kumimoji="1" lang="ja-JP" altLang="en-US" dirty="0"/>
+                    </a:p>
+                  </a:txBody>
+                  <a:tcPr>
+                    <a:solidFill>
+                      <a:schemeClr val="tx1"/>
+                    </a:solidFill>
+                  </a:tcPr>
+                </a:tc>
+                <a:tc vMerge="1">
+                  <a:txBody>
+                    <a:bodyPr/>
+                    <a:lstStyle/>
+                    <a:p>
+                      <a:endParaRPr kumimoji="1" lang="ja-JP" altLang="en-US" dirty="0"/>
+                    </a:p>
+                  </a:txBody>
+                  <a:tcPr/>
+                </a:tc>
+              </a:tr>
+              <a:tr h="338478">
+                <a:tc vMerge="1">
+                  <a:txBody>
+                    <a:bodyPr/>
+                    <a:lstStyle/>
+                    <a:p>
+                      <a:endParaRPr kumimoji="1" lang="ja-JP" altLang="en-US" dirty="0"/>
+                    </a:p>
+                  </a:txBody>
+                  <a:tcPr/>
+                </a:tc>
+                <a:tc vMerge="1">
+                  <a:txBody>
+                    <a:bodyPr/>
+                    <a:lstStyle/>
+                    <a:p>
+                      <a:endParaRPr kumimoji="1" lang="ja-JP" altLang="en-US" dirty="0"/>
+                    </a:p>
+                  </a:txBody>
+                  <a:tcPr/>
+                </a:tc>
+                <a:tc vMerge="1">
+                  <a:txBody>
+                    <a:bodyPr/>
+                    <a:lstStyle/>
+                    <a:p>
+                      <a:endParaRPr kumimoji="1" lang="ja-JP" altLang="en-US" dirty="0"/>
+                    </a:p>
+                  </a:txBody>
+                  <a:tcPr/>
+                </a:tc>
+                <a:tc vMerge="1">
+                  <a:txBody>
+                    <a:bodyPr/>
+                    <a:lstStyle/>
+                    <a:p>
+                      <a:endParaRPr kumimoji="1" lang="ja-JP" altLang="en-US" dirty="0"/>
+                    </a:p>
+                  </a:txBody>
+                  <a:tcPr/>
+                </a:tc>
+                <a:tc vMerge="1">
+                  <a:txBody>
+                    <a:bodyPr/>
+                    <a:lstStyle/>
+                    <a:p>
+                      <a:endParaRPr kumimoji="1" lang="ja-JP" altLang="en-US" dirty="0"/>
+                    </a:p>
+                  </a:txBody>
+                  <a:tcPr/>
+                </a:tc>
+                <a:tc vMerge="1">
+                  <a:txBody>
+                    <a:bodyPr/>
+                    <a:lstStyle/>
+                    <a:p>
+                      <a:endParaRPr kumimoji="1" lang="ja-JP" altLang="en-US" dirty="0"/>
+                    </a:p>
+                  </a:txBody>
+                  <a:tcPr/>
+                </a:tc>
+                <a:tc vMerge="1">
+                  <a:txBody>
+                    <a:bodyPr/>
+                    <a:lstStyle/>
+                    <a:p>
+                      <a:endParaRPr kumimoji="1" lang="ja-JP" altLang="en-US" dirty="0"/>
+                    </a:p>
+                  </a:txBody>
+                  <a:tcPr/>
+                </a:tc>
+                <a:tc vMerge="1">
+                  <a:txBody>
+                    <a:bodyPr/>
+                    <a:lstStyle/>
+                    <a:p>
+                      <a:endParaRPr kumimoji="1" lang="ja-JP" altLang="en-US" dirty="0"/>
+                    </a:p>
+                  </a:txBody>
+                  <a:tcPr/>
+                </a:tc>
+                <a:tc rowSpan="2">
+                  <a:txBody>
+                    <a:bodyPr/>
+                    <a:lstStyle/>
+                    <a:p>
+                      <a:endParaRPr kumimoji="1" lang="ja-JP" altLang="en-US" dirty="0"/>
+                    </a:p>
+                  </a:txBody>
+                  <a:tcPr>
+                    <a:solidFill>
+                      <a:schemeClr val="bg2">
+                        <a:lumMod val="50000"/>
+                      </a:schemeClr>
+                    </a:solidFill>
+                  </a:tcPr>
+                </a:tc>
+                <a:tc vMerge="1">
+                  <a:txBody>
+                    <a:bodyPr/>
+                    <a:lstStyle/>
+                    <a:p>
+                      <a:endParaRPr kumimoji="1" lang="ja-JP" altLang="en-US" dirty="0"/>
+                    </a:p>
+                  </a:txBody>
+                  <a:tcPr/>
+                </a:tc>
+                <a:tc rowSpan="2">
+                  <a:txBody>
+                    <a:bodyPr/>
+                    <a:lstStyle/>
+                    <a:p>
+                      <a:endParaRPr kumimoji="1" lang="ja-JP" altLang="en-US" dirty="0"/>
+                    </a:p>
+                  </a:txBody>
+                  <a:tcPr>
+                    <a:solidFill>
+                      <a:schemeClr val="bg2">
+                        <a:lumMod val="50000"/>
+                      </a:schemeClr>
+                    </a:solidFill>
+                  </a:tcPr>
+                </a:tc>
+                <a:tc vMerge="1">
+                  <a:txBody>
+                    <a:bodyPr/>
+                    <a:lstStyle/>
+                    <a:p>
+                      <a:endParaRPr kumimoji="1" lang="ja-JP" altLang="en-US" dirty="0"/>
+                    </a:p>
+                  </a:txBody>
+                  <a:tcPr/>
+                </a:tc>
+                <a:tc rowSpan="2">
+                  <a:txBody>
+                    <a:bodyPr/>
+                    <a:lstStyle/>
+                    <a:p>
+                      <a:endParaRPr kumimoji="1" lang="ja-JP" altLang="en-US" dirty="0"/>
+                    </a:p>
+                  </a:txBody>
+                  <a:tcPr>
+                    <a:solidFill>
+                      <a:schemeClr val="bg2">
+                        <a:lumMod val="50000"/>
+                      </a:schemeClr>
+                    </a:solidFill>
+                  </a:tcPr>
+                </a:tc>
+                <a:tc vMerge="1">
+                  <a:txBody>
+                    <a:bodyPr/>
+                    <a:lstStyle/>
+                    <a:p>
+                      <a:endParaRPr kumimoji="1" lang="ja-JP" altLang="en-US" dirty="0"/>
+                    </a:p>
+                  </a:txBody>
+                  <a:tcPr/>
+                </a:tc>
+                <a:tc vMerge="1">
+                  <a:txBody>
+                    <a:bodyPr/>
+                    <a:lstStyle/>
+                    <a:p>
+                      <a:endParaRPr kumimoji="1" lang="ja-JP" altLang="en-US" dirty="0"/>
+                    </a:p>
+                  </a:txBody>
+                  <a:tcPr/>
+                </a:tc>
+              </a:tr>
+              <a:tr h="338478">
+                <a:tc vMerge="1">
+                  <a:txBody>
+                    <a:bodyPr/>
+                    <a:lstStyle/>
+                    <a:p>
+                      <a:endParaRPr kumimoji="1" lang="ja-JP" altLang="en-US" dirty="0"/>
+                    </a:p>
+                  </a:txBody>
+                  <a:tcPr/>
+                </a:tc>
+                <a:tc vMerge="1">
+                  <a:txBody>
+                    <a:bodyPr/>
+                    <a:lstStyle/>
+                    <a:p>
+                      <a:endParaRPr kumimoji="1" lang="ja-JP" altLang="en-US" dirty="0"/>
+                    </a:p>
+                  </a:txBody>
+                  <a:tcPr/>
+                </a:tc>
+                <a:tc vMerge="1">
+                  <a:txBody>
+                    <a:bodyPr/>
+                    <a:lstStyle/>
+                    <a:p>
+                      <a:endParaRPr kumimoji="1" lang="ja-JP" altLang="en-US" dirty="0"/>
+                    </a:p>
+                  </a:txBody>
+                  <a:tcPr/>
+                </a:tc>
+                <a:tc vMerge="1">
+                  <a:txBody>
+                    <a:bodyPr/>
+                    <a:lstStyle/>
+                    <a:p>
+                      <a:endParaRPr kumimoji="1" lang="ja-JP" altLang="en-US" dirty="0"/>
+                    </a:p>
+                  </a:txBody>
+                  <a:tcPr/>
+                </a:tc>
+                <a:tc vMerge="1">
+                  <a:txBody>
+                    <a:bodyPr/>
+                    <a:lstStyle/>
+                    <a:p>
+                      <a:endParaRPr kumimoji="1" lang="ja-JP" altLang="en-US" dirty="0"/>
+                    </a:p>
+                  </a:txBody>
+                  <a:tcPr/>
+                </a:tc>
+                <a:tc vMerge="1">
+                  <a:txBody>
+                    <a:bodyPr/>
+                    <a:lstStyle/>
+                    <a:p>
+                      <a:endParaRPr kumimoji="1" lang="ja-JP" altLang="en-US" dirty="0"/>
+                    </a:p>
+                  </a:txBody>
+                  <a:tcPr/>
+                </a:tc>
+                <a:tc vMerge="1">
+                  <a:txBody>
+                    <a:bodyPr/>
+                    <a:lstStyle/>
+                    <a:p>
+                      <a:endParaRPr kumimoji="1" lang="ja-JP" altLang="en-US" dirty="0"/>
+                    </a:p>
+                  </a:txBody>
+                  <a:tcPr/>
+                </a:tc>
+                <a:tc rowSpan="2">
+                  <a:txBody>
+                    <a:bodyPr/>
+                    <a:lstStyle/>
+                    <a:p>
+                      <a:endParaRPr kumimoji="1" lang="ja-JP" altLang="en-US" dirty="0"/>
+                    </a:p>
+                  </a:txBody>
+                  <a:tcPr>
+                    <a:solidFill>
+                      <a:schemeClr val="tx1"/>
+                    </a:solidFill>
+                  </a:tcPr>
+                </a:tc>
+                <a:tc vMerge="1">
+                  <a:txBody>
+                    <a:bodyPr/>
+                    <a:lstStyle/>
+                    <a:p>
+                      <a:endParaRPr kumimoji="1" lang="ja-JP" altLang="en-US" dirty="0"/>
+                    </a:p>
+                  </a:txBody>
+                  <a:tcPr/>
+                </a:tc>
+                <a:tc rowSpan="2">
+                  <a:txBody>
+                    <a:bodyPr/>
+                    <a:lstStyle/>
+                    <a:p>
+                      <a:endParaRPr kumimoji="1" lang="ja-JP" altLang="en-US" dirty="0"/>
+                    </a:p>
+                  </a:txBody>
+                  <a:tcPr/>
+                </a:tc>
+                <a:tc vMerge="1">
+                  <a:txBody>
+                    <a:bodyPr/>
+                    <a:lstStyle/>
+                    <a:p>
+                      <a:endParaRPr kumimoji="1" lang="ja-JP" altLang="en-US" dirty="0"/>
+                    </a:p>
+                  </a:txBody>
+                  <a:tcPr/>
+                </a:tc>
+                <a:tc rowSpan="2">
+                  <a:txBody>
+                    <a:bodyPr/>
+                    <a:lstStyle/>
+                    <a:p>
+                      <a:endParaRPr kumimoji="1" lang="ja-JP" altLang="en-US" dirty="0"/>
+                    </a:p>
+                  </a:txBody>
+                  <a:tcPr>
+                    <a:solidFill>
+                      <a:schemeClr val="tx1"/>
+                    </a:solidFill>
+                  </a:tcPr>
+                </a:tc>
+                <a:tc vMerge="1">
+                  <a:txBody>
+                    <a:bodyPr/>
+                    <a:lstStyle/>
+                    <a:p>
+                      <a:endParaRPr kumimoji="1" lang="ja-JP" altLang="en-US" dirty="0"/>
+                    </a:p>
+                  </a:txBody>
+                  <a:tcPr/>
+                </a:tc>
+                <a:tc rowSpan="2">
+                  <a:txBody>
+                    <a:bodyPr/>
+                    <a:lstStyle/>
+                    <a:p>
+                      <a:endParaRPr kumimoji="1" lang="ja-JP" altLang="en-US" dirty="0"/>
+                    </a:p>
+                  </a:txBody>
+                  <a:tcPr/>
+                </a:tc>
+                <a:tc vMerge="1">
+                  <a:txBody>
+                    <a:bodyPr/>
+                    <a:lstStyle/>
+                    <a:p>
+                      <a:endParaRPr kumimoji="1" lang="ja-JP" altLang="en-US" dirty="0"/>
+                    </a:p>
+                  </a:txBody>
+                  <a:tcPr/>
+                </a:tc>
+              </a:tr>
+              <a:tr h="338478">
+                <a:tc vMerge="1">
+                  <a:txBody>
+                    <a:bodyPr/>
+                    <a:lstStyle/>
+                    <a:p>
+                      <a:endParaRPr kumimoji="1" lang="ja-JP" altLang="en-US" dirty="0"/>
+                    </a:p>
+                  </a:txBody>
+                  <a:tcPr/>
+                </a:tc>
+                <a:tc vMerge="1">
+                  <a:txBody>
+                    <a:bodyPr/>
+                    <a:lstStyle/>
+                    <a:p>
+                      <a:endParaRPr kumimoji="1" lang="ja-JP" altLang="en-US" dirty="0"/>
+                    </a:p>
+                  </a:txBody>
+                  <a:tcPr/>
+                </a:tc>
+                <a:tc vMerge="1">
+                  <a:txBody>
+                    <a:bodyPr/>
+                    <a:lstStyle/>
+                    <a:p>
+                      <a:endParaRPr kumimoji="1" lang="ja-JP" altLang="en-US" dirty="0"/>
+                    </a:p>
+                  </a:txBody>
+                  <a:tcPr/>
+                </a:tc>
+                <a:tc vMerge="1">
+                  <a:txBody>
+                    <a:bodyPr/>
+                    <a:lstStyle/>
+                    <a:p>
+                      <a:endParaRPr kumimoji="1" lang="ja-JP" altLang="en-US" dirty="0"/>
+                    </a:p>
+                  </a:txBody>
+                  <a:tcPr/>
+                </a:tc>
+                <a:tc vMerge="1">
+                  <a:txBody>
+                    <a:bodyPr/>
+                    <a:lstStyle/>
+                    <a:p>
+                      <a:endParaRPr kumimoji="1" lang="ja-JP" altLang="en-US" dirty="0"/>
+                    </a:p>
+                  </a:txBody>
+                  <a:tcPr/>
+                </a:tc>
+                <a:tc vMerge="1">
+                  <a:txBody>
+                    <a:bodyPr/>
+                    <a:lstStyle/>
+                    <a:p>
+                      <a:endParaRPr kumimoji="1" lang="ja-JP" altLang="en-US" dirty="0"/>
+                    </a:p>
+                  </a:txBody>
+                  <a:tcPr/>
+                </a:tc>
+                <a:tc vMerge="1">
+                  <a:txBody>
+                    <a:bodyPr/>
+                    <a:lstStyle/>
+                    <a:p>
+                      <a:endParaRPr kumimoji="1" lang="ja-JP" altLang="en-US" dirty="0"/>
+                    </a:p>
+                  </a:txBody>
+                  <a:tcPr/>
+                </a:tc>
+                <a:tc vMerge="1">
+                  <a:txBody>
+                    <a:bodyPr/>
+                    <a:lstStyle/>
+                    <a:p>
+                      <a:endParaRPr kumimoji="1" lang="ja-JP" altLang="en-US" dirty="0"/>
+                    </a:p>
+                  </a:txBody>
+                  <a:tcPr/>
+                </a:tc>
+                <a:tc>
+                  <a:txBody>
+                    <a:bodyPr/>
+                    <a:lstStyle/>
+                    <a:p>
+                      <a:endParaRPr kumimoji="1" lang="ja-JP" altLang="en-US" dirty="0"/>
+                    </a:p>
+                  </a:txBody>
+                  <a:tcPr>
+                    <a:solidFill>
+                      <a:schemeClr val="bg1">
+                        <a:lumMod val="75000"/>
+                      </a:schemeClr>
+                    </a:solidFill>
+                  </a:tcPr>
+                </a:tc>
+                <a:tc vMerge="1">
+                  <a:txBody>
+                    <a:bodyPr/>
+                    <a:lstStyle/>
+                    <a:p>
+                      <a:endParaRPr kumimoji="1" lang="ja-JP" altLang="en-US" dirty="0"/>
+                    </a:p>
+                  </a:txBody>
+                  <a:tcPr/>
+                </a:tc>
+                <a:tc>
+                  <a:txBody>
+                    <a:bodyPr/>
+                    <a:lstStyle/>
+                    <a:p>
+                      <a:endParaRPr kumimoji="1" lang="ja-JP" altLang="en-US" dirty="0"/>
+                    </a:p>
+                  </a:txBody>
+                  <a:tcPr>
+                    <a:solidFill>
+                      <a:schemeClr val="bg1">
+                        <a:lumMod val="75000"/>
+                      </a:schemeClr>
+                    </a:solidFill>
+                  </a:tcPr>
+                </a:tc>
+                <a:tc vMerge="1">
+                  <a:txBody>
+                    <a:bodyPr/>
+                    <a:lstStyle/>
+                    <a:p>
+                      <a:endParaRPr kumimoji="1" lang="ja-JP" altLang="en-US" dirty="0"/>
+                    </a:p>
+                  </a:txBody>
+                  <a:tcPr/>
+                </a:tc>
+                <a:tc>
+                  <a:txBody>
+                    <a:bodyPr/>
+                    <a:lstStyle/>
+                    <a:p>
+                      <a:endParaRPr kumimoji="1" lang="ja-JP" altLang="en-US" dirty="0"/>
+                    </a:p>
+                  </a:txBody>
+                  <a:tcPr>
+                    <a:solidFill>
+                      <a:schemeClr val="bg1">
+                        <a:lumMod val="75000"/>
+                      </a:schemeClr>
+                    </a:solidFill>
+                  </a:tcPr>
+                </a:tc>
+                <a:tc vMerge="1">
+                  <a:txBody>
+                    <a:bodyPr/>
+                    <a:lstStyle/>
+                    <a:p>
+                      <a:endParaRPr kumimoji="1" lang="ja-JP" altLang="en-US" dirty="0"/>
+                    </a:p>
+                  </a:txBody>
+                  <a:tcPr/>
+                </a:tc>
+                <a:tc vMerge="1">
+                  <a:txBody>
+                    <a:bodyPr/>
+                    <a:lstStyle/>
+                    <a:p>
+                      <a:endParaRPr kumimoji="1" lang="ja-JP" altLang="en-US" dirty="0"/>
+                    </a:p>
+                  </a:txBody>
+                  <a:tcPr/>
+                </a:tc>
+              </a:tr>
+            </a:tbl>
+          </a:graphicData>
+        </a:graphic>
+      </p:graphicFrame>
+    </p:spTree>
+    <p:extLst>
+      <p:ext uri="{BB962C8B-B14F-4D97-AF65-F5344CB8AC3E}">
+        <p14:creationId xmlns:p14="http://schemas.microsoft.com/office/powerpoint/2010/main" val="819325296"/>
+      </p:ext>
+    </p:extLst>
+  </p:cSld>
+  <p:clrMapOvr>
+    <a:masterClrMapping/>
+  </p:clrMapOvr>
+  <p:timing>
+    <p:tnLst>
+      <p:par>
+        <p:cTn id="1" dur="indefinite" restart="never" nodeType="tmRoot"/>
+      </p:par>
+    </p:tnLst>
+  </p:timing>
+</p:sld>
+</file>
+
+<file path=ppt/slides/slide3.xml><?xml version="1.0" encoding="utf-8"?>
+<p:sld xmlns:a="http://schemas.openxmlformats.org/drawingml/2006/main" xmlns:r="http://schemas.openxmlformats.org/officeDocument/2006/relationships" xmlns:p="http://schemas.openxmlformats.org/presentationml/2006/main">
+  <p:cSld>
+    <p:spTree>
+      <p:nvGrpSpPr>
+        <p:cNvPr id="1" name=""/>
+        <p:cNvGrpSpPr/>
+        <p:nvPr/>
+      </p:nvGrpSpPr>
+      <p:grpSpPr>
+        <a:xfrm>
+          <a:off x="0" y="0"/>
+          <a:ext cx="0" cy="0"/>
+          <a:chOff x="0" y="0"/>
+          <a:chExt cx="0" cy="0"/>
+        </a:xfrm>
+      </p:grpSpPr>
+      <p:sp>
+        <p:nvSpPr>
+          <p:cNvPr id="2269" name="左中かっこ 2268">
+            <a:extLst>
+              <a:ext uri="{FF2B5EF4-FFF2-40B4-BE49-F238E27FC236}">
+                <a16:creationId xmlns="" xmlns:a16="http://schemas.microsoft.com/office/drawing/2014/main" id="{7484E61E-C510-4FF0-978A-471330A22C3C}"/>
+              </a:ext>
+            </a:extLst>
+          </p:cNvPr>
+          <p:cNvSpPr/>
+          <p:nvPr/>
+        </p:nvSpPr>
+        <p:spPr>
+          <a:xfrm rot="5400000">
+            <a:off x="2185464" y="459401"/>
+            <a:ext cx="116052" cy="457727"/>
+          </a:xfrm>
+          <a:prstGeom prst="leftBrace">
+            <a:avLst>
+              <a:gd name="adj1" fmla="val 10925"/>
+              <a:gd name="adj2" fmla="val 50000"/>
+            </a:avLst>
+          </a:prstGeom>
+          <a:effectLst/>
+          <a:scene3d>
+            <a:camera prst="orthographicFront">
+              <a:rot lat="0" lon="0" rev="0"/>
+            </a:camera>
+            <a:lightRig rig="twoPt" dir="t">
+              <a:rot lat="0" lon="0" rev="4800000"/>
+            </a:lightRig>
+          </a:scene3d>
+          <a:sp3d prstMaterial="matte"/>
+        </p:spPr>
+        <p:style>
+          <a:lnRef idx="3">
+            <a:schemeClr val="dk1"/>
+          </a:lnRef>
+          <a:fillRef idx="0">
+            <a:schemeClr val="dk1"/>
+          </a:fillRef>
+          <a:effectRef idx="2">
+            <a:schemeClr val="dk1"/>
+          </a:effectRef>
+          <a:fontRef idx="minor">
+            <a:schemeClr val="tx1"/>
+          </a:fontRef>
+        </p:style>
+        <p:txBody>
+          <a:bodyPr rtlCol="0" anchor="ctr"/>
+          <a:lstStyle/>
+          <a:p>
+            <a:pPr algn="ctr"/>
+            <a:endParaRPr lang="ja-JP" altLang="en-US"/>
+          </a:p>
+        </p:txBody>
+      </p:sp>
+      <p:sp>
+        <p:nvSpPr>
+          <p:cNvPr id="2270" name="左中かっこ 2269">
+            <a:extLst>
+              <a:ext uri="{FF2B5EF4-FFF2-40B4-BE49-F238E27FC236}">
+                <a16:creationId xmlns="" xmlns:a16="http://schemas.microsoft.com/office/drawing/2014/main" id="{7484E61E-C510-4FF0-978A-471330A22C3C}"/>
+              </a:ext>
+            </a:extLst>
+          </p:cNvPr>
+          <p:cNvSpPr/>
+          <p:nvPr/>
+        </p:nvSpPr>
+        <p:spPr>
+          <a:xfrm>
+            <a:off x="1375241" y="3808225"/>
+            <a:ext cx="138417" cy="317297"/>
+          </a:xfrm>
+          <a:prstGeom prst="leftBrace">
+            <a:avLst>
+              <a:gd name="adj1" fmla="val 10925"/>
+              <a:gd name="adj2" fmla="val 50000"/>
+            </a:avLst>
+          </a:prstGeom>
+          <a:effectLst/>
+          <a:scene3d>
+            <a:camera prst="orthographicFront">
+              <a:rot lat="0" lon="0" rev="0"/>
+            </a:camera>
+            <a:lightRig rig="twoPt" dir="t">
+              <a:rot lat="0" lon="0" rev="4800000"/>
+            </a:lightRig>
+          </a:scene3d>
+          <a:sp3d prstMaterial="matte"/>
+        </p:spPr>
+        <p:style>
+          <a:lnRef idx="3">
+            <a:schemeClr val="dk1"/>
+          </a:lnRef>
+          <a:fillRef idx="0">
+            <a:schemeClr val="dk1"/>
+          </a:fillRef>
+          <a:effectRef idx="2">
+            <a:schemeClr val="dk1"/>
+          </a:effectRef>
+          <a:fontRef idx="minor">
+            <a:schemeClr val="tx1"/>
+          </a:fontRef>
+        </p:style>
+        <p:txBody>
+          <a:bodyPr rtlCol="0" anchor="ctr"/>
+          <a:lstStyle/>
+          <a:p>
+            <a:pPr algn="ctr"/>
+            <a:endParaRPr lang="ja-JP" altLang="en-US"/>
+          </a:p>
+        </p:txBody>
+      </p:sp>
+      <mc:AlternateContent xmlns:mc="http://schemas.openxmlformats.org/markup-compatibility/2006" xmlns:a14="http://schemas.microsoft.com/office/drawing/2010/main">
+        <mc:Choice Requires="a14">
+          <p:sp>
+            <p:nvSpPr>
+              <p:cNvPr id="2271" name="テキスト ボックス 2270">
+                <a:extLst>
+                  <a:ext uri="{FF2B5EF4-FFF2-40B4-BE49-F238E27FC236}">
+                    <a16:creationId xmlns="" xmlns:a16="http://schemas.microsoft.com/office/drawing/2014/main" id="{6DAFFFD6-997E-4295-8337-371E646493AD}"/>
+                  </a:ext>
+                </a:extLst>
+              </p:cNvPr>
+              <p:cNvSpPr txBox="1"/>
+              <p:nvPr/>
+            </p:nvSpPr>
+            <p:spPr>
+              <a:xfrm>
+                <a:off x="767663" y="3700390"/>
+                <a:ext cx="434118" cy="523220"/>
+              </a:xfrm>
+              <a:prstGeom prst="rect">
+                <a:avLst/>
+              </a:prstGeom>
+              <a:noFill/>
+            </p:spPr>
+            <p:txBody>
+              <a:bodyPr wrap="square" rtlCol="0">
+                <a:spAutoFit/>
+              </a:bodyPr>
+              <a:lstStyle/>
+              <a:p>
+                <a:pPr/>
+                <a14:m>
+                  <m:oMathPara xmlns:m="http://schemas.openxmlformats.org/officeDocument/2006/math">
+                    <m:oMathParaPr>
+                      <m:jc m:val="centerGroup"/>
+                    </m:oMathParaPr>
+                    <m:oMath xmlns:m="http://schemas.openxmlformats.org/officeDocument/2006/math">
+                      <m:r>
+                        <a:rPr lang="en-US" altLang="ja-JP" sz="2800" i="1">
+                          <a:latin typeface="Cambria Math" panose="02040503050406030204" pitchFamily="18" charset="0"/>
+                        </a:rPr>
+                        <m:t>2</m:t>
+                      </m:r>
+                      <m:r>
+                        <a:rPr lang="en-US" altLang="ja-JP" sz="2800" i="1">
+                          <a:latin typeface="Cambria Math" panose="02040503050406030204" pitchFamily="18" charset="0"/>
+                        </a:rPr>
+                        <m:t>𝑡</m:t>
+                      </m:r>
+                    </m:oMath>
+                  </m:oMathPara>
+                </a14:m>
+                <a:endParaRPr lang="en-US" altLang="ja-JP" sz="2800" dirty="0"/>
+              </a:p>
+            </p:txBody>
+          </p:sp>
+        </mc:Choice>
+        <mc:Fallback xmlns="">
+          <p:sp>
+            <p:nvSpPr>
+              <p:cNvPr id="2271" name="テキスト ボックス 2270">
+                <a:extLst>
+                  <a:ext uri="{FF2B5EF4-FFF2-40B4-BE49-F238E27FC236}">
+                    <a16:creationId xmlns:a16="http://schemas.microsoft.com/office/drawing/2014/main" xmlns="" xmlns:a14="http://schemas.microsoft.com/office/drawing/2010/main" id="{6DAFFFD6-997E-4295-8337-371E646493AD}"/>
+                  </a:ext>
+                </a:extLst>
+              </p:cNvPr>
+              <p:cNvSpPr txBox="1">
+                <a:spLocks noRot="1" noChangeAspect="1" noMove="1" noResize="1" noEditPoints="1" noAdjustHandles="1" noChangeArrowheads="1" noChangeShapeType="1" noTextEdit="1"/>
+              </p:cNvSpPr>
+              <p:nvPr/>
+            </p:nvSpPr>
+            <p:spPr>
+              <a:xfrm>
+                <a:off x="767663" y="3700390"/>
+                <a:ext cx="434118" cy="523220"/>
+              </a:xfrm>
+              <a:prstGeom prst="rect">
+                <a:avLst/>
+              </a:prstGeom>
+              <a:blipFill rotWithShape="0">
+                <a:blip r:embed="rId2"/>
+                <a:stretch>
+                  <a:fillRect/>
+                </a:stretch>
+              </a:blipFill>
+            </p:spPr>
+            <p:txBody>
+              <a:bodyPr/>
+              <a:lstStyle/>
+              <a:p>
+                <a:r>
+                  <a:rPr lang="ja-JP" altLang="en-US">
+                    <a:noFill/>
+                  </a:rPr>
+                  <a:t> </a:t>
+                </a:r>
+              </a:p>
+            </p:txBody>
+          </p:sp>
+        </mc:Fallback>
+      </mc:AlternateContent>
+      <p:sp>
+        <p:nvSpPr>
+          <p:cNvPr id="2272" name="左中かっこ 2271">
+            <a:extLst>
+              <a:ext uri="{FF2B5EF4-FFF2-40B4-BE49-F238E27FC236}">
+                <a16:creationId xmlns="" xmlns:a16="http://schemas.microsoft.com/office/drawing/2014/main" id="{7484E61E-C510-4FF0-978A-471330A22C3C}"/>
+              </a:ext>
+            </a:extLst>
+          </p:cNvPr>
+          <p:cNvSpPr/>
+          <p:nvPr/>
+        </p:nvSpPr>
+        <p:spPr>
+          <a:xfrm>
+            <a:off x="1387930" y="746291"/>
+            <a:ext cx="125728" cy="1242466"/>
+          </a:xfrm>
+          <a:prstGeom prst="leftBrace">
+            <a:avLst>
+              <a:gd name="adj1" fmla="val 10925"/>
+              <a:gd name="adj2" fmla="val 50000"/>
+            </a:avLst>
+          </a:prstGeom>
+          <a:effectLst/>
+          <a:scene3d>
+            <a:camera prst="orthographicFront">
+              <a:rot lat="0" lon="0" rev="0"/>
+            </a:camera>
+            <a:lightRig rig="twoPt" dir="t">
+              <a:rot lat="0" lon="0" rev="4800000"/>
+            </a:lightRig>
+          </a:scene3d>
+          <a:sp3d prstMaterial="matte"/>
+        </p:spPr>
+        <p:style>
+          <a:lnRef idx="3">
+            <a:schemeClr val="dk1"/>
+          </a:lnRef>
+          <a:fillRef idx="0">
+            <a:schemeClr val="dk1"/>
+          </a:fillRef>
+          <a:effectRef idx="2">
+            <a:schemeClr val="dk1"/>
+          </a:effectRef>
+          <a:fontRef idx="minor">
+            <a:schemeClr val="tx1"/>
+          </a:fontRef>
+        </p:style>
+        <p:txBody>
+          <a:bodyPr rtlCol="0" anchor="ctr"/>
+          <a:lstStyle/>
+          <a:p>
+            <a:pPr algn="ctr"/>
+            <a:endParaRPr lang="ja-JP" altLang="en-US"/>
+          </a:p>
+        </p:txBody>
+      </p:sp>
+      <mc:AlternateContent xmlns:mc="http://schemas.openxmlformats.org/markup-compatibility/2006" xmlns:a14="http://schemas.microsoft.com/office/drawing/2010/main">
+        <mc:Choice Requires="a14">
+          <p:sp>
+            <p:nvSpPr>
+              <p:cNvPr id="2273" name="テキスト ボックス 2272">
+                <a:extLst>
+                  <a:ext uri="{FF2B5EF4-FFF2-40B4-BE49-F238E27FC236}">
+                    <a16:creationId xmlns="" xmlns:a16="http://schemas.microsoft.com/office/drawing/2014/main" id="{6DAFFFD6-997E-4295-8337-371E646493AD}"/>
+                  </a:ext>
+                </a:extLst>
+              </p:cNvPr>
+              <p:cNvSpPr txBox="1"/>
+              <p:nvPr/>
+            </p:nvSpPr>
+            <p:spPr>
+              <a:xfrm>
+                <a:off x="4" y="1104660"/>
+                <a:ext cx="1691397" cy="461665"/>
+              </a:xfrm>
+              <a:prstGeom prst="rect">
+                <a:avLst/>
+              </a:prstGeom>
+              <a:noFill/>
+            </p:spPr>
+            <p:txBody>
+              <a:bodyPr wrap="square" rtlCol="0">
+                <a:spAutoFit/>
+              </a:bodyPr>
+              <a:lstStyle/>
+              <a:p>
+                <a14:m>
+                  <m:oMath xmlns:m="http://schemas.openxmlformats.org/officeDocument/2006/math">
+                    <m:r>
+                      <a:rPr lang="en-US" altLang="ja-JP" sz="2400" i="1">
+                        <a:latin typeface="Cambria Math" panose="02040503050406030204" pitchFamily="18" charset="0"/>
+                      </a:rPr>
+                      <m:t>8</m:t>
+                    </m:r>
+                    <m:r>
+                      <a:rPr lang="en-US" altLang="ja-JP" sz="2400" i="1">
+                        <a:latin typeface="Cambria Math" panose="02040503050406030204" pitchFamily="18" charset="0"/>
+                      </a:rPr>
+                      <m:t>𝑠</m:t>
+                    </m:r>
+                    <m:sSup>
+                      <m:sSupPr>
+                        <m:ctrlPr>
+                          <a:rPr lang="en-US" altLang="ja-JP" sz="2400" i="1">
+                            <a:latin typeface="Cambria Math" panose="02040503050406030204" pitchFamily="18" charset="0"/>
+                          </a:rPr>
+                        </m:ctrlPr>
+                      </m:sSupPr>
+                      <m:e>
+                        <m:r>
+                          <a:rPr lang="en-US" altLang="ja-JP" sz="2400" i="1">
+                            <a:latin typeface="Cambria Math" panose="02040503050406030204" pitchFamily="18" charset="0"/>
+                          </a:rPr>
+                          <m:t>𝑡</m:t>
+                        </m:r>
+                      </m:e>
+                      <m:sup>
+                        <m:r>
+                          <a:rPr lang="en-US" altLang="ja-JP" sz="2400" i="1">
+                            <a:latin typeface="Cambria Math" panose="02040503050406030204" pitchFamily="18" charset="0"/>
+                          </a:rPr>
+                          <m:t>2</m:t>
+                        </m:r>
+                      </m:sup>
+                    </m:sSup>
+                  </m:oMath>
+                </a14:m>
+                <a:r>
+                  <a:rPr lang="en-US" altLang="ja-JP" sz="2400" dirty="0"/>
+                  <a:t>+</a:t>
+                </a:r>
+                <a14:m>
+                  <m:oMath xmlns:m="http://schemas.openxmlformats.org/officeDocument/2006/math">
+                    <m:r>
+                      <a:rPr lang="en-US" altLang="ja-JP" sz="2400" i="1">
+                        <a:latin typeface="Cambria Math" panose="02040503050406030204" pitchFamily="18" charset="0"/>
+                      </a:rPr>
+                      <m:t>8</m:t>
+                    </m:r>
+                    <m:sSup>
+                      <m:sSupPr>
+                        <m:ctrlPr>
+                          <a:rPr lang="en-US" altLang="ja-JP" sz="2400" i="1">
+                            <a:latin typeface="Cambria Math" panose="02040503050406030204" pitchFamily="18" charset="0"/>
+                          </a:rPr>
+                        </m:ctrlPr>
+                      </m:sSupPr>
+                      <m:e>
+                        <m:r>
+                          <a:rPr lang="en-US" altLang="ja-JP" sz="2400" i="1">
+                            <a:latin typeface="Cambria Math" panose="02040503050406030204" pitchFamily="18" charset="0"/>
+                          </a:rPr>
+                          <m:t>𝑡</m:t>
+                        </m:r>
+                      </m:e>
+                      <m:sup>
+                        <m:r>
+                          <a:rPr lang="en-US" altLang="ja-JP" sz="2400" i="1">
+                            <a:latin typeface="Cambria Math" panose="02040503050406030204" pitchFamily="18" charset="0"/>
+                          </a:rPr>
+                          <m:t>2</m:t>
+                        </m:r>
+                      </m:sup>
+                    </m:sSup>
+                  </m:oMath>
+                </a14:m>
+                <a:endParaRPr lang="en-US" altLang="ja-JP" sz="2400" dirty="0"/>
+              </a:p>
+            </p:txBody>
+          </p:sp>
+        </mc:Choice>
+        <mc:Fallback xmlns="">
+          <p:sp>
+            <p:nvSpPr>
+              <p:cNvPr id="2273" name="テキスト ボックス 2272">
+                <a:extLst>
+                  <a:ext uri="{FF2B5EF4-FFF2-40B4-BE49-F238E27FC236}">
+                    <a16:creationId xmlns:a16="http://schemas.microsoft.com/office/drawing/2014/main" xmlns="" xmlns:a14="http://schemas.microsoft.com/office/drawing/2010/main" id="{6DAFFFD6-997E-4295-8337-371E646493AD}"/>
+                  </a:ext>
+                </a:extLst>
+              </p:cNvPr>
+              <p:cNvSpPr txBox="1">
+                <a:spLocks noRot="1" noChangeAspect="1" noMove="1" noResize="1" noEditPoints="1" noAdjustHandles="1" noChangeArrowheads="1" noChangeShapeType="1" noTextEdit="1"/>
+              </p:cNvSpPr>
+              <p:nvPr/>
+            </p:nvSpPr>
+            <p:spPr>
+              <a:xfrm>
+                <a:off x="4" y="1104660"/>
+                <a:ext cx="1691397" cy="461665"/>
+              </a:xfrm>
+              <a:prstGeom prst="rect">
+                <a:avLst/>
+              </a:prstGeom>
+              <a:blipFill rotWithShape="0">
+                <a:blip r:embed="rId3"/>
+                <a:stretch>
+                  <a:fillRect l="-722" t="-10526" b="-28947"/>
+                </a:stretch>
+              </a:blipFill>
+            </p:spPr>
+            <p:txBody>
+              <a:bodyPr/>
+              <a:lstStyle/>
+              <a:p>
+                <a:r>
+                  <a:rPr lang="ja-JP" altLang="en-US">
+                    <a:noFill/>
+                  </a:rPr>
+                  <a:t> </a:t>
+                </a:r>
+              </a:p>
+            </p:txBody>
+          </p:sp>
+        </mc:Fallback>
+      </mc:AlternateContent>
+      <p:sp>
+        <p:nvSpPr>
+          <p:cNvPr id="2274" name="左中かっこ 2273"/>
+          <p:cNvSpPr/>
+          <p:nvPr/>
+        </p:nvSpPr>
+        <p:spPr>
+          <a:xfrm rot="16200000">
+            <a:off x="5430048" y="4463490"/>
+            <a:ext cx="199347" cy="2309663"/>
+          </a:xfrm>
+          <a:prstGeom prst="leftBrace">
+            <a:avLst>
+              <a:gd name="adj1" fmla="val 10925"/>
+              <a:gd name="adj2" fmla="val 50000"/>
+            </a:avLst>
+          </a:prstGeom>
+          <a:effectLst/>
+          <a:scene3d>
+            <a:camera prst="orthographicFront">
+              <a:rot lat="0" lon="0" rev="0"/>
+            </a:camera>
+            <a:lightRig rig="twoPt" dir="t">
+              <a:rot lat="0" lon="0" rev="4800000"/>
+            </a:lightRig>
+          </a:scene3d>
+          <a:sp3d prstMaterial="matte"/>
+        </p:spPr>
+        <p:style>
+          <a:lnRef idx="3">
+            <a:schemeClr val="dk1"/>
+          </a:lnRef>
+          <a:fillRef idx="0">
+            <a:schemeClr val="dk1"/>
+          </a:fillRef>
+          <a:effectRef idx="2">
+            <a:schemeClr val="dk1"/>
+          </a:effectRef>
+          <a:fontRef idx="minor">
+            <a:schemeClr val="tx1"/>
+          </a:fontRef>
+        </p:style>
+        <p:txBody>
+          <a:bodyPr rtlCol="0" anchor="ctr"/>
+          <a:lstStyle/>
+          <a:p>
+            <a:pPr algn="ctr"/>
+            <a:endParaRPr lang="ja-JP" altLang="en-US"/>
+          </a:p>
+        </p:txBody>
+      </p:sp>
+      <p:sp>
+        <p:nvSpPr>
+          <p:cNvPr id="2275" name="左中かっこ 2274"/>
+          <p:cNvSpPr/>
+          <p:nvPr/>
+        </p:nvSpPr>
+        <p:spPr>
+          <a:xfrm rot="16200000">
+            <a:off x="10571543" y="4926546"/>
+            <a:ext cx="188240" cy="1394657"/>
+          </a:xfrm>
+          <a:prstGeom prst="leftBrace">
+            <a:avLst>
+              <a:gd name="adj1" fmla="val 10925"/>
+              <a:gd name="adj2" fmla="val 50000"/>
+            </a:avLst>
+          </a:prstGeom>
+          <a:effectLst/>
+          <a:scene3d>
+            <a:camera prst="orthographicFront">
+              <a:rot lat="0" lon="0" rev="0"/>
+            </a:camera>
+            <a:lightRig rig="twoPt" dir="t">
+              <a:rot lat="0" lon="0" rev="4800000"/>
+            </a:lightRig>
+          </a:scene3d>
+          <a:sp3d prstMaterial="matte"/>
+        </p:spPr>
+        <p:style>
+          <a:lnRef idx="3">
+            <a:schemeClr val="dk1"/>
+          </a:lnRef>
+          <a:fillRef idx="0">
+            <a:schemeClr val="dk1"/>
+          </a:fillRef>
+          <a:effectRef idx="2">
+            <a:schemeClr val="dk1"/>
+          </a:effectRef>
+          <a:fontRef idx="minor">
+            <a:schemeClr val="tx1"/>
+          </a:fontRef>
+        </p:style>
+        <p:txBody>
+          <a:bodyPr rtlCol="0" anchor="ctr"/>
+          <a:lstStyle/>
+          <a:p>
+            <a:pPr algn="ctr"/>
+            <a:endParaRPr lang="ja-JP" altLang="en-US"/>
+          </a:p>
+        </p:txBody>
+      </p:sp>
+      <p:sp>
+        <p:nvSpPr>
+          <p:cNvPr id="2276" name="左中かっこ 2275"/>
+          <p:cNvSpPr/>
+          <p:nvPr/>
+        </p:nvSpPr>
+        <p:spPr>
+          <a:xfrm rot="16200000">
+            <a:off x="8242999" y="3992660"/>
+            <a:ext cx="167284" cy="3283385"/>
+          </a:xfrm>
+          <a:prstGeom prst="leftBrace">
+            <a:avLst>
+              <a:gd name="adj1" fmla="val 10925"/>
+              <a:gd name="adj2" fmla="val 50000"/>
+            </a:avLst>
+          </a:prstGeom>
+          <a:effectLst/>
+          <a:scene3d>
+            <a:camera prst="orthographicFront">
+              <a:rot lat="0" lon="0" rev="0"/>
+            </a:camera>
+            <a:lightRig rig="twoPt" dir="t">
+              <a:rot lat="0" lon="0" rev="4800000"/>
+            </a:lightRig>
+          </a:scene3d>
+          <a:sp3d prstMaterial="matte"/>
+        </p:spPr>
+        <p:style>
+          <a:lnRef idx="3">
+            <a:schemeClr val="dk1"/>
+          </a:lnRef>
+          <a:fillRef idx="0">
+            <a:schemeClr val="dk1"/>
+          </a:fillRef>
+          <a:effectRef idx="2">
+            <a:schemeClr val="dk1"/>
+          </a:effectRef>
+          <a:fontRef idx="minor">
+            <a:schemeClr val="tx1"/>
+          </a:fontRef>
+        </p:style>
+        <p:txBody>
+          <a:bodyPr rtlCol="0" anchor="ctr"/>
+          <a:lstStyle/>
+          <a:p>
+            <a:pPr algn="ctr"/>
+            <a:endParaRPr lang="ja-JP" altLang="en-US"/>
+          </a:p>
+        </p:txBody>
+      </p:sp>
+      <p:sp>
+        <p:nvSpPr>
+          <p:cNvPr id="2277" name="左中かっこ 2276"/>
+          <p:cNvSpPr/>
+          <p:nvPr/>
+        </p:nvSpPr>
+        <p:spPr>
+          <a:xfrm rot="16200000">
+            <a:off x="3118380" y="4442697"/>
+            <a:ext cx="116493" cy="2324001"/>
+          </a:xfrm>
+          <a:prstGeom prst="leftBrace">
+            <a:avLst>
+              <a:gd name="adj1" fmla="val 10925"/>
+              <a:gd name="adj2" fmla="val 50000"/>
+            </a:avLst>
+          </a:prstGeom>
+          <a:effectLst/>
+          <a:scene3d>
+            <a:camera prst="orthographicFront">
+              <a:rot lat="0" lon="0" rev="0"/>
+            </a:camera>
+            <a:lightRig rig="twoPt" dir="t">
+              <a:rot lat="0" lon="0" rev="4800000"/>
+            </a:lightRig>
+          </a:scene3d>
+          <a:sp3d prstMaterial="matte"/>
+        </p:spPr>
+        <p:style>
+          <a:lnRef idx="3">
+            <a:schemeClr val="dk1"/>
+          </a:lnRef>
+          <a:fillRef idx="0">
+            <a:schemeClr val="dk1"/>
+          </a:fillRef>
+          <a:effectRef idx="2">
+            <a:schemeClr val="dk1"/>
+          </a:effectRef>
+          <a:fontRef idx="minor">
+            <a:schemeClr val="tx1"/>
+          </a:fontRef>
+        </p:style>
+        <p:txBody>
+          <a:bodyPr rtlCol="0" anchor="ctr"/>
+          <a:lstStyle/>
+          <a:p>
+            <a:pPr algn="ctr"/>
+            <a:endParaRPr lang="ja-JP" altLang="en-US"/>
+          </a:p>
+        </p:txBody>
+      </p:sp>
+      <mc:AlternateContent xmlns:mc="http://schemas.openxmlformats.org/markup-compatibility/2006" xmlns:a14="http://schemas.microsoft.com/office/drawing/2010/main">
+        <mc:Choice Requires="a14">
+          <p:sp>
+            <p:nvSpPr>
+              <p:cNvPr id="2278" name="テキスト ボックス 2277"/>
+              <p:cNvSpPr txBox="1"/>
+              <p:nvPr/>
+            </p:nvSpPr>
+            <p:spPr>
+              <a:xfrm>
+                <a:off x="2173118" y="5634350"/>
+                <a:ext cx="1940218" cy="523220"/>
+              </a:xfrm>
+              <a:prstGeom prst="rect">
+                <a:avLst/>
+              </a:prstGeom>
+              <a:noFill/>
+            </p:spPr>
+            <p:txBody>
+              <a:bodyPr wrap="square" rtlCol="0">
+                <a:spAutoFit/>
+              </a:bodyPr>
+              <a:lstStyle/>
+              <a:p>
+                <a:pPr/>
+                <a14:m>
+                  <m:oMathPara xmlns:m="http://schemas.openxmlformats.org/officeDocument/2006/math">
+                    <m:oMathParaPr>
+                      <m:jc m:val="centerGroup"/>
+                    </m:oMathParaPr>
+                    <m:oMath xmlns:m="http://schemas.openxmlformats.org/officeDocument/2006/math">
+                      <m:r>
+                        <a:rPr lang="en-US" altLang="ja-JP" sz="2800" b="0" i="1" dirty="0" smtClean="0">
+                          <a:latin typeface="Cambria Math" panose="02040503050406030204" pitchFamily="18" charset="0"/>
+                        </a:rPr>
+                        <m:t>4</m:t>
+                      </m:r>
+                      <m:r>
+                        <a:rPr lang="en-US" altLang="ja-JP" sz="2800" i="1" dirty="0">
+                          <a:latin typeface="Cambria Math" panose="02040503050406030204" pitchFamily="18" charset="0"/>
+                        </a:rPr>
+                        <m:t>𝑛</m:t>
+                      </m:r>
+                      <m:r>
+                        <a:rPr lang="en-US" altLang="ja-JP" sz="2800" b="0" i="1" dirty="0" smtClean="0">
+                          <a:latin typeface="Cambria Math" panose="02040503050406030204" pitchFamily="18" charset="0"/>
+                        </a:rPr>
+                        <m:t>𝑡</m:t>
+                      </m:r>
+                      <m:r>
+                        <a:rPr lang="en-US" altLang="ja-JP" sz="2800" i="1" dirty="0">
+                          <a:latin typeface="Cambria Math" panose="02040503050406030204" pitchFamily="18" charset="0"/>
+                        </a:rPr>
+                        <m:t>−</m:t>
+                      </m:r>
+                      <m:r>
+                        <a:rPr lang="en-US" altLang="ja-JP" sz="2800" b="0" i="1" dirty="0" smtClean="0">
+                          <a:latin typeface="Cambria Math" panose="02040503050406030204" pitchFamily="18" charset="0"/>
+                        </a:rPr>
+                        <m:t>2</m:t>
+                      </m:r>
+                      <m:r>
+                        <a:rPr lang="en-US" altLang="ja-JP" sz="2800" b="0" i="1" dirty="0" smtClean="0">
+                          <a:latin typeface="Cambria Math" panose="02040503050406030204" pitchFamily="18" charset="0"/>
+                        </a:rPr>
+                        <m:t>𝑡</m:t>
+                      </m:r>
+                    </m:oMath>
+                  </m:oMathPara>
+                </a14:m>
+                <a:endParaRPr lang="ja-JP" altLang="en-US" sz="2800" dirty="0"/>
+              </a:p>
+            </p:txBody>
+          </p:sp>
+        </mc:Choice>
+        <mc:Fallback xmlns="">
+          <p:sp>
+            <p:nvSpPr>
+              <p:cNvPr id="2278" name="テキスト ボックス 2277"/>
+              <p:cNvSpPr txBox="1">
+                <a:spLocks noRot="1" noChangeAspect="1" noMove="1" noResize="1" noEditPoints="1" noAdjustHandles="1" noChangeArrowheads="1" noChangeShapeType="1" noTextEdit="1"/>
+              </p:cNvSpPr>
+              <p:nvPr/>
+            </p:nvSpPr>
+            <p:spPr>
+              <a:xfrm>
+                <a:off x="2173118" y="5634350"/>
+                <a:ext cx="1940218" cy="523220"/>
+              </a:xfrm>
+              <a:prstGeom prst="rect">
+                <a:avLst/>
+              </a:prstGeom>
+              <a:blipFill rotWithShape="0">
+                <a:blip r:embed="rId4"/>
+                <a:stretch>
+                  <a:fillRect/>
+                </a:stretch>
+              </a:blipFill>
+            </p:spPr>
+            <p:txBody>
+              <a:bodyPr/>
+              <a:lstStyle/>
+              <a:p>
+                <a:r>
+                  <a:rPr lang="ja-JP" altLang="en-US">
+                    <a:noFill/>
+                  </a:rPr>
+                  <a:t> </a:t>
+                </a:r>
+              </a:p>
+            </p:txBody>
+          </p:sp>
+        </mc:Fallback>
+      </mc:AlternateContent>
+      <mc:AlternateContent xmlns:mc="http://schemas.openxmlformats.org/markup-compatibility/2006" xmlns:a14="http://schemas.microsoft.com/office/drawing/2010/main">
+        <mc:Choice Requires="a14">
+          <p:sp>
+            <p:nvSpPr>
+              <p:cNvPr id="2279" name="テキスト ボックス 2278">
+                <a:extLst>
+                  <a:ext uri="{FF2B5EF4-FFF2-40B4-BE49-F238E27FC236}">
+                    <a16:creationId xmlns="" xmlns:a16="http://schemas.microsoft.com/office/drawing/2014/main" id="{E4C3C1CC-7DFB-4879-9982-E12AF92D5157}"/>
+                  </a:ext>
+                </a:extLst>
+              </p:cNvPr>
+              <p:cNvSpPr txBox="1"/>
+              <p:nvPr/>
+            </p:nvSpPr>
+            <p:spPr>
+              <a:xfrm>
+                <a:off x="7360861" y="5631598"/>
+                <a:ext cx="1873276" cy="523220"/>
+              </a:xfrm>
+              <a:prstGeom prst="rect">
+                <a:avLst/>
+              </a:prstGeom>
+              <a:noFill/>
+            </p:spPr>
+            <p:txBody>
+              <a:bodyPr wrap="square" rtlCol="0">
+                <a:spAutoFit/>
+              </a:bodyPr>
+              <a:lstStyle/>
+              <a:p>
+                <a:pPr/>
+                <a14:m>
+                  <m:oMathPara xmlns:m="http://schemas.openxmlformats.org/officeDocument/2006/math">
+                    <m:oMathParaPr>
+                      <m:jc m:val="centerGroup"/>
+                    </m:oMathParaPr>
+                    <m:oMath xmlns:m="http://schemas.openxmlformats.org/officeDocument/2006/math">
+                      <m:r>
+                        <a:rPr lang="en-US" altLang="ja-JP" sz="2800" b="0" i="1" dirty="0" smtClean="0">
+                          <a:latin typeface="Cambria Math" panose="02040503050406030204" pitchFamily="18" charset="0"/>
+                        </a:rPr>
+                        <m:t>4</m:t>
+                      </m:r>
+                      <m:sSup>
+                        <m:sSupPr>
+                          <m:ctrlPr>
+                            <a:rPr lang="en-US" altLang="ja-JP" sz="2800" b="0" i="1" dirty="0" smtClean="0">
+                              <a:latin typeface="Cambria Math" panose="02040503050406030204" pitchFamily="18" charset="0"/>
+                            </a:rPr>
+                          </m:ctrlPr>
+                        </m:sSupPr>
+                        <m:e>
+                          <m:r>
+                            <a:rPr lang="en-US" altLang="ja-JP" sz="2800" b="0" i="1" dirty="0" smtClean="0">
+                              <a:latin typeface="Cambria Math" panose="02040503050406030204" pitchFamily="18" charset="0"/>
+                            </a:rPr>
+                            <m:t>𝑡</m:t>
+                          </m:r>
+                        </m:e>
+                        <m:sup>
+                          <m:r>
+                            <a:rPr lang="en-US" altLang="ja-JP" sz="2800" b="0" i="1" dirty="0" smtClean="0">
+                              <a:latin typeface="Cambria Math" panose="02040503050406030204" pitchFamily="18" charset="0"/>
+                            </a:rPr>
+                            <m:t>2</m:t>
+                          </m:r>
+                        </m:sup>
+                      </m:sSup>
+                      <m:r>
+                        <a:rPr lang="en-US" altLang="ja-JP" sz="2800" i="1" dirty="0">
+                          <a:latin typeface="Cambria Math" panose="02040503050406030204" pitchFamily="18" charset="0"/>
+                        </a:rPr>
+                        <m:t>−</m:t>
+                      </m:r>
+                      <m:r>
+                        <a:rPr lang="en-US" altLang="ja-JP" sz="2800" b="0" i="1" dirty="0" smtClean="0">
+                          <a:latin typeface="Cambria Math" panose="02040503050406030204" pitchFamily="18" charset="0"/>
+                        </a:rPr>
+                        <m:t>2</m:t>
+                      </m:r>
+                      <m:r>
+                        <a:rPr lang="en-US" altLang="ja-JP" sz="2800" b="0" i="1" dirty="0" smtClean="0">
+                          <a:latin typeface="Cambria Math" panose="02040503050406030204" pitchFamily="18" charset="0"/>
+                        </a:rPr>
+                        <m:t>𝑡</m:t>
+                      </m:r>
+                    </m:oMath>
+                  </m:oMathPara>
+                </a14:m>
+                <a:endParaRPr lang="ja-JP" altLang="en-US" sz="2800" dirty="0"/>
+              </a:p>
+            </p:txBody>
+          </p:sp>
+        </mc:Choice>
+        <mc:Fallback xmlns="">
+          <p:sp>
+            <p:nvSpPr>
+              <p:cNvPr id="2279" name="テキスト ボックス 2278">
+                <a:extLst>
+                  <a:ext uri="{FF2B5EF4-FFF2-40B4-BE49-F238E27FC236}">
+                    <a16:creationId xmlns="" xmlns:a16="http://schemas.microsoft.com/office/drawing/2014/main" xmlns:a14="http://schemas.microsoft.com/office/drawing/2010/main" id="{E4C3C1CC-7DFB-4879-9982-E12AF92D5157}"/>
+                  </a:ext>
+                </a:extLst>
+              </p:cNvPr>
+              <p:cNvSpPr txBox="1">
+                <a:spLocks noRot="1" noChangeAspect="1" noMove="1" noResize="1" noEditPoints="1" noAdjustHandles="1" noChangeArrowheads="1" noChangeShapeType="1" noTextEdit="1"/>
+              </p:cNvSpPr>
+              <p:nvPr/>
+            </p:nvSpPr>
+            <p:spPr>
+              <a:xfrm>
+                <a:off x="7360861" y="5631598"/>
+                <a:ext cx="1873276" cy="523220"/>
+              </a:xfrm>
+              <a:prstGeom prst="rect">
+                <a:avLst/>
+              </a:prstGeom>
+              <a:blipFill rotWithShape="0">
+                <a:blip r:embed="rId5"/>
+                <a:stretch>
+                  <a:fillRect/>
+                </a:stretch>
+              </a:blipFill>
+            </p:spPr>
+            <p:txBody>
+              <a:bodyPr/>
+              <a:lstStyle/>
+              <a:p>
+                <a:r>
+                  <a:rPr lang="ja-JP" altLang="en-US">
+                    <a:noFill/>
+                  </a:rPr>
+                  <a:t> </a:t>
+                </a:r>
+              </a:p>
+            </p:txBody>
+          </p:sp>
+        </mc:Fallback>
+      </mc:AlternateContent>
+      <p:sp>
+        <p:nvSpPr>
+          <p:cNvPr id="2280" name="左中かっこ 2279">
+            <a:extLst>
+              <a:ext uri="{FF2B5EF4-FFF2-40B4-BE49-F238E27FC236}">
+                <a16:creationId xmlns="" xmlns:a16="http://schemas.microsoft.com/office/drawing/2014/main" id="{7484E61E-C510-4FF0-978A-471330A22C3C}"/>
+              </a:ext>
+            </a:extLst>
+          </p:cNvPr>
+          <p:cNvSpPr/>
+          <p:nvPr/>
+        </p:nvSpPr>
+        <p:spPr>
+          <a:xfrm rot="16200000">
+            <a:off x="1682708" y="5374571"/>
+            <a:ext cx="138411" cy="438331"/>
+          </a:xfrm>
+          <a:prstGeom prst="leftBrace">
+            <a:avLst>
+              <a:gd name="adj1" fmla="val 10925"/>
+              <a:gd name="adj2" fmla="val 50000"/>
+            </a:avLst>
+          </a:prstGeom>
+          <a:effectLst/>
+          <a:scene3d>
+            <a:camera prst="orthographicFront">
+              <a:rot lat="0" lon="0" rev="0"/>
+            </a:camera>
+            <a:lightRig rig="twoPt" dir="t">
+              <a:rot lat="0" lon="0" rev="4800000"/>
+            </a:lightRig>
+          </a:scene3d>
+          <a:sp3d prstMaterial="matte"/>
+        </p:spPr>
+        <p:style>
+          <a:lnRef idx="3">
+            <a:schemeClr val="dk1"/>
+          </a:lnRef>
+          <a:fillRef idx="0">
+            <a:schemeClr val="dk1"/>
+          </a:fillRef>
+          <a:effectRef idx="2">
+            <a:schemeClr val="dk1"/>
+          </a:effectRef>
+          <a:fontRef idx="minor">
+            <a:schemeClr val="tx1"/>
+          </a:fontRef>
+        </p:style>
+        <p:txBody>
+          <a:bodyPr rtlCol="0" anchor="ctr"/>
+          <a:lstStyle/>
+          <a:p>
+            <a:pPr algn="ctr"/>
+            <a:endParaRPr lang="ja-JP" altLang="en-US"/>
+          </a:p>
+        </p:txBody>
+      </p:sp>
+      <mc:AlternateContent xmlns:mc="http://schemas.openxmlformats.org/markup-compatibility/2006" xmlns:a14="http://schemas.microsoft.com/office/drawing/2010/main">
+        <mc:Choice Requires="a14">
+          <p:sp>
+            <p:nvSpPr>
+              <p:cNvPr id="2281" name="テキスト ボックス 2280">
+                <a:extLst>
+                  <a:ext uri="{FF2B5EF4-FFF2-40B4-BE49-F238E27FC236}">
+                    <a16:creationId xmlns="" xmlns:a16="http://schemas.microsoft.com/office/drawing/2014/main" id="{6DAFFFD6-997E-4295-8337-371E646493AD}"/>
+                  </a:ext>
+                </a:extLst>
+              </p:cNvPr>
+              <p:cNvSpPr txBox="1"/>
+              <p:nvPr/>
+            </p:nvSpPr>
+            <p:spPr>
+              <a:xfrm>
+                <a:off x="1519208" y="5631621"/>
+                <a:ext cx="388432" cy="523220"/>
+              </a:xfrm>
+              <a:prstGeom prst="rect">
+                <a:avLst/>
+              </a:prstGeom>
+              <a:noFill/>
+            </p:spPr>
+            <p:txBody>
+              <a:bodyPr wrap="square" rtlCol="0">
+                <a:spAutoFit/>
+              </a:bodyPr>
+              <a:lstStyle/>
+              <a:p>
+                <a:pPr/>
+                <a14:m>
+                  <m:oMathPara xmlns:m="http://schemas.openxmlformats.org/officeDocument/2006/math">
+                    <m:oMathParaPr>
+                      <m:jc m:val="centerGroup"/>
+                    </m:oMathParaPr>
+                    <m:oMath xmlns:m="http://schemas.openxmlformats.org/officeDocument/2006/math">
+                      <m:r>
+                        <a:rPr lang="en-US" altLang="ja-JP" sz="2800" i="1">
+                          <a:latin typeface="Cambria Math" panose="02040503050406030204" pitchFamily="18" charset="0"/>
+                        </a:rPr>
+                        <m:t>2</m:t>
+                      </m:r>
+                      <m:r>
+                        <a:rPr lang="en-US" altLang="ja-JP" sz="2800" i="1">
+                          <a:latin typeface="Cambria Math" panose="02040503050406030204" pitchFamily="18" charset="0"/>
+                        </a:rPr>
+                        <m:t>𝑡</m:t>
+                      </m:r>
+                    </m:oMath>
+                  </m:oMathPara>
+                </a14:m>
+                <a:endParaRPr lang="en-US" altLang="ja-JP" sz="2800" dirty="0"/>
+              </a:p>
+            </p:txBody>
+          </p:sp>
+        </mc:Choice>
+        <mc:Fallback xmlns="">
+          <p:sp>
+            <p:nvSpPr>
+              <p:cNvPr id="2281" name="テキスト ボックス 2280">
+                <a:extLst>
+                  <a:ext uri="{FF2B5EF4-FFF2-40B4-BE49-F238E27FC236}">
+                    <a16:creationId xmlns="" xmlns:a16="http://schemas.microsoft.com/office/drawing/2014/main" xmlns:a14="http://schemas.microsoft.com/office/drawing/2010/main" id="{6DAFFFD6-997E-4295-8337-371E646493AD}"/>
+                  </a:ext>
+                </a:extLst>
+              </p:cNvPr>
+              <p:cNvSpPr txBox="1">
+                <a:spLocks noRot="1" noChangeAspect="1" noMove="1" noResize="1" noEditPoints="1" noAdjustHandles="1" noChangeArrowheads="1" noChangeShapeType="1" noTextEdit="1"/>
+              </p:cNvSpPr>
+              <p:nvPr/>
+            </p:nvSpPr>
+            <p:spPr>
+              <a:xfrm>
+                <a:off x="1519208" y="5631621"/>
+                <a:ext cx="388432" cy="523220"/>
+              </a:xfrm>
+              <a:prstGeom prst="rect">
+                <a:avLst/>
+              </a:prstGeom>
+              <a:blipFill rotWithShape="0">
+                <a:blip r:embed="rId6"/>
+                <a:stretch>
+                  <a:fillRect r="-9375"/>
+                </a:stretch>
+              </a:blipFill>
+            </p:spPr>
+            <p:txBody>
+              <a:bodyPr/>
+              <a:lstStyle/>
+              <a:p>
+                <a:r>
+                  <a:rPr lang="ja-JP" altLang="en-US">
+                    <a:noFill/>
+                  </a:rPr>
+                  <a:t> </a:t>
+                </a:r>
+              </a:p>
+            </p:txBody>
+          </p:sp>
+        </mc:Fallback>
+      </mc:AlternateContent>
+      <mc:AlternateContent xmlns:mc="http://schemas.openxmlformats.org/markup-compatibility/2006" xmlns:a14="http://schemas.microsoft.com/office/drawing/2010/main">
+        <mc:Choice Requires="a14">
+          <p:sp>
+            <p:nvSpPr>
+              <p:cNvPr id="2282" name="テキスト ボックス 2281">
+                <a:extLst>
+                  <a:ext uri="{FF2B5EF4-FFF2-40B4-BE49-F238E27FC236}">
+                    <a16:creationId xmlns="" xmlns:a16="http://schemas.microsoft.com/office/drawing/2014/main" id="{07010F26-716B-423D-9E77-19B5E202747E}"/>
+                  </a:ext>
+                </a:extLst>
+              </p:cNvPr>
+              <p:cNvSpPr txBox="1"/>
+              <p:nvPr/>
+            </p:nvSpPr>
+            <p:spPr>
+              <a:xfrm>
+                <a:off x="4113336" y="5631632"/>
+                <a:ext cx="2976883" cy="523220"/>
+              </a:xfrm>
+              <a:prstGeom prst="rect">
+                <a:avLst/>
+              </a:prstGeom>
+              <a:noFill/>
+            </p:spPr>
+            <p:txBody>
+              <a:bodyPr wrap="square" rtlCol="0">
+                <a:spAutoFit/>
+              </a:bodyPr>
+              <a:lstStyle/>
+              <a:p>
+                <a:pPr/>
+                <a14:m>
+                  <m:oMathPara xmlns:m="http://schemas.openxmlformats.org/officeDocument/2006/math">
+                    <m:oMathParaPr>
+                      <m:jc m:val="centerGroup"/>
+                    </m:oMathParaPr>
+                    <m:oMath xmlns:m="http://schemas.openxmlformats.org/officeDocument/2006/math">
+                      <m:r>
+                        <a:rPr lang="en-US" altLang="ja-JP" sz="2800" b="0" i="1" dirty="0" smtClean="0">
+                          <a:latin typeface="Cambria Math" panose="02040503050406030204" pitchFamily="18" charset="0"/>
+                        </a:rPr>
+                        <m:t>4</m:t>
+                      </m:r>
+                      <m:r>
+                        <a:rPr lang="en-US" altLang="ja-JP" sz="2800" i="1" dirty="0">
+                          <a:latin typeface="Cambria Math" panose="02040503050406030204" pitchFamily="18" charset="0"/>
+                        </a:rPr>
+                        <m:t>𝑠</m:t>
+                      </m:r>
+                      <m:sSup>
+                        <m:sSupPr>
+                          <m:ctrlPr>
+                            <a:rPr lang="en-US" altLang="ja-JP" sz="2800" b="0" i="1" dirty="0" smtClean="0">
+                              <a:latin typeface="Cambria Math" panose="02040503050406030204" pitchFamily="18" charset="0"/>
+                            </a:rPr>
+                          </m:ctrlPr>
+                        </m:sSupPr>
+                        <m:e>
+                          <m:r>
+                            <a:rPr lang="en-US" altLang="ja-JP" sz="2800" i="1" dirty="0">
+                              <a:latin typeface="Cambria Math" panose="02040503050406030204" pitchFamily="18" charset="0"/>
+                            </a:rPr>
+                            <m:t>𝑡</m:t>
+                          </m:r>
+                        </m:e>
+                        <m:sup>
+                          <m:r>
+                            <a:rPr lang="en-US" altLang="ja-JP" sz="2800" b="0" i="1" dirty="0" smtClean="0">
+                              <a:latin typeface="Cambria Math" panose="02040503050406030204" pitchFamily="18" charset="0"/>
+                            </a:rPr>
+                            <m:t>2</m:t>
+                          </m:r>
+                        </m:sup>
+                      </m:sSup>
+                      <m:r>
+                        <a:rPr lang="en-US" altLang="ja-JP" sz="2800" i="1" dirty="0">
+                          <a:latin typeface="Cambria Math" panose="02040503050406030204" pitchFamily="18" charset="0"/>
+                        </a:rPr>
+                        <m:t>+</m:t>
+                      </m:r>
+                      <m:r>
+                        <a:rPr lang="en-US" altLang="ja-JP" sz="2800" b="0" i="1" dirty="0" smtClean="0">
+                          <a:latin typeface="Cambria Math" panose="02040503050406030204" pitchFamily="18" charset="0"/>
+                        </a:rPr>
+                        <m:t>4</m:t>
+                      </m:r>
+                      <m:sSup>
+                        <m:sSupPr>
+                          <m:ctrlPr>
+                            <a:rPr lang="en-US" altLang="ja-JP" sz="2800" b="0" i="1" dirty="0" smtClean="0">
+                              <a:latin typeface="Cambria Math" panose="02040503050406030204" pitchFamily="18" charset="0"/>
+                            </a:rPr>
+                          </m:ctrlPr>
+                        </m:sSupPr>
+                        <m:e>
+                          <m:r>
+                            <a:rPr lang="en-US" altLang="ja-JP" sz="2800" i="1" dirty="0">
+                              <a:latin typeface="Cambria Math" panose="02040503050406030204" pitchFamily="18" charset="0"/>
+                            </a:rPr>
+                            <m:t>𝑡</m:t>
+                          </m:r>
+                        </m:e>
+                        <m:sup>
+                          <m:r>
+                            <a:rPr lang="en-US" altLang="ja-JP" sz="2800" b="0" i="1" dirty="0" smtClean="0">
+                              <a:latin typeface="Cambria Math" panose="02040503050406030204" pitchFamily="18" charset="0"/>
+                            </a:rPr>
+                            <m:t>2</m:t>
+                          </m:r>
+                        </m:sup>
+                      </m:sSup>
+                      <m:r>
+                        <a:rPr lang="en-US" altLang="ja-JP" sz="2800" dirty="0">
+                          <a:latin typeface="Cambria Math" panose="02040503050406030204" pitchFamily="18" charset="0"/>
+                        </a:rPr>
+                        <m:t>−</m:t>
+                      </m:r>
+                      <m:r>
+                        <a:rPr lang="en-US" altLang="ja-JP" sz="2800" b="0" i="1" dirty="0" smtClean="0">
+                          <a:latin typeface="Cambria Math" panose="02040503050406030204" pitchFamily="18" charset="0"/>
+                        </a:rPr>
+                        <m:t>4</m:t>
+                      </m:r>
+                      <m:r>
+                        <a:rPr lang="en-US" altLang="ja-JP" sz="2800" i="1" dirty="0">
+                          <a:latin typeface="Cambria Math" panose="02040503050406030204" pitchFamily="18" charset="0"/>
+                        </a:rPr>
+                        <m:t>𝑛</m:t>
+                      </m:r>
+                      <m:r>
+                        <a:rPr lang="en-US" altLang="ja-JP" sz="2800" b="0" i="1" dirty="0" smtClean="0">
+                          <a:latin typeface="Cambria Math" panose="02040503050406030204" pitchFamily="18" charset="0"/>
+                        </a:rPr>
+                        <m:t>𝑡</m:t>
+                      </m:r>
+                    </m:oMath>
+                  </m:oMathPara>
+                </a14:m>
+                <a:endParaRPr lang="ja-JP" altLang="en-US" sz="2800" i="1" dirty="0"/>
+              </a:p>
+            </p:txBody>
+          </p:sp>
+        </mc:Choice>
+        <mc:Fallback xmlns="">
+          <p:sp>
+            <p:nvSpPr>
+              <p:cNvPr id="2282" name="テキスト ボックス 2281">
+                <a:extLst>
+                  <a:ext uri="{FF2B5EF4-FFF2-40B4-BE49-F238E27FC236}">
+                    <a16:creationId xmlns="" xmlns:a16="http://schemas.microsoft.com/office/drawing/2014/main" xmlns:a14="http://schemas.microsoft.com/office/drawing/2010/main" id="{07010F26-716B-423D-9E77-19B5E202747E}"/>
+                  </a:ext>
+                </a:extLst>
+              </p:cNvPr>
+              <p:cNvSpPr txBox="1">
+                <a:spLocks noRot="1" noChangeAspect="1" noMove="1" noResize="1" noEditPoints="1" noAdjustHandles="1" noChangeArrowheads="1" noChangeShapeType="1" noTextEdit="1"/>
+              </p:cNvSpPr>
+              <p:nvPr/>
+            </p:nvSpPr>
+            <p:spPr>
+              <a:xfrm>
+                <a:off x="4113336" y="5631632"/>
+                <a:ext cx="2976883" cy="523220"/>
+              </a:xfrm>
+              <a:prstGeom prst="rect">
+                <a:avLst/>
+              </a:prstGeom>
+              <a:blipFill rotWithShape="0">
+                <a:blip r:embed="rId7"/>
+                <a:stretch>
+                  <a:fillRect/>
+                </a:stretch>
+              </a:blipFill>
+            </p:spPr>
+            <p:txBody>
+              <a:bodyPr/>
+              <a:lstStyle/>
+              <a:p>
+                <a:r>
+                  <a:rPr lang="ja-JP" altLang="en-US">
+                    <a:noFill/>
+                  </a:rPr>
+                  <a:t> </a:t>
+                </a:r>
+              </a:p>
+            </p:txBody>
+          </p:sp>
+        </mc:Fallback>
+      </mc:AlternateContent>
+      <mc:AlternateContent xmlns:mc="http://schemas.openxmlformats.org/markup-compatibility/2006" xmlns:a14="http://schemas.microsoft.com/office/drawing/2010/main">
+        <mc:Choice Requires="a14">
+          <p:sp>
+            <p:nvSpPr>
+              <p:cNvPr id="2283" name="テキスト ボックス 2282">
+                <a:extLst>
+                  <a:ext uri="{FF2B5EF4-FFF2-40B4-BE49-F238E27FC236}">
+                    <a16:creationId xmlns="" xmlns:a16="http://schemas.microsoft.com/office/drawing/2014/main" id="{65944549-9B1C-4094-8DD6-656F7C2BBAD6}"/>
+                  </a:ext>
+                </a:extLst>
+              </p:cNvPr>
+              <p:cNvSpPr txBox="1"/>
+              <p:nvPr/>
+            </p:nvSpPr>
+            <p:spPr>
+              <a:xfrm>
+                <a:off x="10221896" y="5623161"/>
+                <a:ext cx="887534" cy="523220"/>
+              </a:xfrm>
+              <a:prstGeom prst="rect">
+                <a:avLst/>
+              </a:prstGeom>
+              <a:noFill/>
+            </p:spPr>
+            <p:txBody>
+              <a:bodyPr wrap="square" rtlCol="0">
+                <a:spAutoFit/>
+              </a:bodyPr>
+              <a:lstStyle/>
+              <a:p>
+                <a:pPr/>
+                <a14:m>
+                  <m:oMathPara xmlns:m="http://schemas.openxmlformats.org/officeDocument/2006/math">
+                    <m:oMathParaPr>
+                      <m:jc m:val="centerGroup"/>
+                    </m:oMathParaPr>
+                    <m:oMath xmlns:m="http://schemas.openxmlformats.org/officeDocument/2006/math">
+                      <m:r>
+                        <a:rPr lang="en-US" altLang="ja-JP" sz="2800" b="0" i="1" smtClean="0">
+                          <a:latin typeface="Cambria Math" panose="02040503050406030204" pitchFamily="18" charset="0"/>
+                        </a:rPr>
+                        <m:t>4</m:t>
+                      </m:r>
+                      <m:r>
+                        <a:rPr lang="en-US" altLang="ja-JP" sz="2800" b="0" i="1" smtClean="0">
+                          <a:latin typeface="Cambria Math" panose="02040503050406030204" pitchFamily="18" charset="0"/>
+                        </a:rPr>
+                        <m:t>𝑠</m:t>
+                      </m:r>
+                      <m:sSup>
+                        <m:sSupPr>
+                          <m:ctrlPr>
+                            <a:rPr lang="en-US" altLang="ja-JP" sz="2800" b="0" i="1" smtClean="0">
+                              <a:latin typeface="Cambria Math" panose="02040503050406030204" pitchFamily="18" charset="0"/>
+                            </a:rPr>
+                          </m:ctrlPr>
+                        </m:sSupPr>
+                        <m:e>
+                          <m:r>
+                            <a:rPr lang="en-US" altLang="ja-JP" sz="2800" b="0" i="1" smtClean="0">
+                              <a:latin typeface="Cambria Math" panose="02040503050406030204" pitchFamily="18" charset="0"/>
+                            </a:rPr>
+                            <m:t>𝑡</m:t>
+                          </m:r>
+                        </m:e>
+                        <m:sup>
+                          <m:r>
+                            <a:rPr lang="en-US" altLang="ja-JP" sz="2800" b="0" i="1" smtClean="0">
+                              <a:latin typeface="Cambria Math" panose="02040503050406030204" pitchFamily="18" charset="0"/>
+                            </a:rPr>
+                            <m:t>2</m:t>
+                          </m:r>
+                        </m:sup>
+                      </m:sSup>
+                    </m:oMath>
+                  </m:oMathPara>
+                </a14:m>
+                <a:endParaRPr lang="ja-JP" altLang="en-US" sz="2800" dirty="0"/>
+              </a:p>
+            </p:txBody>
+          </p:sp>
+        </mc:Choice>
+        <mc:Fallback xmlns="">
+          <p:sp>
+            <p:nvSpPr>
+              <p:cNvPr id="2283" name="テキスト ボックス 2282">
+                <a:extLst>
+                  <a:ext uri="{FF2B5EF4-FFF2-40B4-BE49-F238E27FC236}">
+                    <a16:creationId xmlns="" xmlns:a16="http://schemas.microsoft.com/office/drawing/2014/main" xmlns:a14="http://schemas.microsoft.com/office/drawing/2010/main" id="{65944549-9B1C-4094-8DD6-656F7C2BBAD6}"/>
+                  </a:ext>
+                </a:extLst>
+              </p:cNvPr>
+              <p:cNvSpPr txBox="1">
+                <a:spLocks noRot="1" noChangeAspect="1" noMove="1" noResize="1" noEditPoints="1" noAdjustHandles="1" noChangeArrowheads="1" noChangeShapeType="1" noTextEdit="1"/>
+              </p:cNvSpPr>
+              <p:nvPr/>
+            </p:nvSpPr>
+            <p:spPr>
+              <a:xfrm>
+                <a:off x="10221896" y="5623161"/>
+                <a:ext cx="887534" cy="523220"/>
+              </a:xfrm>
+              <a:prstGeom prst="rect">
+                <a:avLst/>
+              </a:prstGeom>
+              <a:blipFill rotWithShape="0">
+                <a:blip r:embed="rId8"/>
+                <a:stretch>
+                  <a:fillRect/>
+                </a:stretch>
+              </a:blipFill>
+            </p:spPr>
+            <p:txBody>
+              <a:bodyPr/>
+              <a:lstStyle/>
+              <a:p>
+                <a:r>
+                  <a:rPr lang="ja-JP" altLang="en-US">
+                    <a:noFill/>
+                  </a:rPr>
+                  <a:t> </a:t>
+                </a:r>
+              </a:p>
+            </p:txBody>
+          </p:sp>
+        </mc:Fallback>
+      </mc:AlternateContent>
+      <mc:AlternateContent xmlns:mc="http://schemas.openxmlformats.org/markup-compatibility/2006" xmlns:a14="http://schemas.microsoft.com/office/drawing/2010/main">
+        <mc:Choice Requires="a14">
+          <p:sp>
+            <p:nvSpPr>
+              <p:cNvPr id="2284" name="テキスト ボックス 2283">
+                <a:extLst>
+                  <a:ext uri="{FF2B5EF4-FFF2-40B4-BE49-F238E27FC236}">
+                    <a16:creationId xmlns="" xmlns:a16="http://schemas.microsoft.com/office/drawing/2014/main" id="{7FF99950-E7CA-404A-865F-5BBFC675F700}"/>
                   </a:ext>
                 </a:extLst>
               </p:cNvPr>
